--- a/relazione/DigitalTwinSimulator.pptx
+++ b/relazione/DigitalTwinSimulator.pptx
@@ -6,16 +6,14 @@
   </p:sldMasterIdLst>
   <p:sldIdLst>
     <p:sldId id="266" r:id="rId2"/>
-    <p:sldId id="256" r:id="rId3"/>
-    <p:sldId id="257" r:id="rId4"/>
-    <p:sldId id="258" r:id="rId5"/>
-    <p:sldId id="261" r:id="rId6"/>
-    <p:sldId id="259" r:id="rId7"/>
-    <p:sldId id="263" r:id="rId8"/>
-    <p:sldId id="264" r:id="rId9"/>
-    <p:sldId id="260" r:id="rId10"/>
-    <p:sldId id="262" r:id="rId11"/>
-    <p:sldId id="265" r:id="rId12"/>
+    <p:sldId id="257" r:id="rId3"/>
+    <p:sldId id="258" r:id="rId4"/>
+    <p:sldId id="261" r:id="rId5"/>
+    <p:sldId id="259" r:id="rId6"/>
+    <p:sldId id="263" r:id="rId7"/>
+    <p:sldId id="264" r:id="rId8"/>
+    <p:sldId id="260" r:id="rId9"/>
+    <p:sldId id="262" r:id="rId10"/>
   </p:sldIdLst>
   <p:sldSz cx="12192000" cy="6858000"/>
   <p:notesSz cx="6858000" cy="9144000"/>
@@ -114,7 +112,3494 @@
       </a:defRPr>
     </a:lvl9pPr>
   </p:defaultTextStyle>
+  <p:extLst>
+    <p:ext uri="{EFAFB233-063F-42B5-8137-9DF3F51BA10A}">
+      <p15:sldGuideLst xmlns:p15="http://schemas.microsoft.com/office/powerpoint/2012/main"/>
+    </p:ext>
+  </p:extLst>
 </p:presentation>
+</file>
+
+<file path=ppt/diagrams/colors1.xml><?xml version="1.0" encoding="utf-8"?>
+<dgm:colorsDef xmlns:dgm="http://schemas.openxmlformats.org/drawingml/2006/diagram" xmlns:a="http://schemas.openxmlformats.org/drawingml/2006/main" uniqueId="urn:microsoft.com/office/officeart/2005/8/colors/colorful1">
+  <dgm:title val=""/>
+  <dgm:desc val=""/>
+  <dgm:catLst>
+    <dgm:cat type="colorful" pri="10100"/>
+  </dgm:catLst>
+  <dgm:styleLbl name="node0">
+    <dgm:fillClrLst meth="repeat">
+      <a:schemeClr val="accent1"/>
+    </dgm:fillClrLst>
+    <dgm:linClrLst meth="repeat">
+      <a:schemeClr val="lt1"/>
+    </dgm:linClrLst>
+    <dgm:effectClrLst/>
+    <dgm:txLinClrLst/>
+    <dgm:txFillClrLst/>
+    <dgm:txEffectClrLst/>
+  </dgm:styleLbl>
+  <dgm:styleLbl name="node1">
+    <dgm:fillClrLst meth="repeat">
+      <a:schemeClr val="accent2"/>
+      <a:schemeClr val="accent3"/>
+      <a:schemeClr val="accent4"/>
+      <a:schemeClr val="accent5"/>
+      <a:schemeClr val="accent6"/>
+    </dgm:fillClrLst>
+    <dgm:linClrLst meth="repeat">
+      <a:schemeClr val="lt1"/>
+    </dgm:linClrLst>
+    <dgm:effectClrLst/>
+    <dgm:txLinClrLst/>
+    <dgm:txFillClrLst/>
+    <dgm:txEffectClrLst/>
+  </dgm:styleLbl>
+  <dgm:styleLbl name="alignNode1">
+    <dgm:fillClrLst meth="repeat">
+      <a:schemeClr val="accent2"/>
+      <a:schemeClr val="accent3"/>
+      <a:schemeClr val="accent4"/>
+      <a:schemeClr val="accent5"/>
+      <a:schemeClr val="accent6"/>
+    </dgm:fillClrLst>
+    <dgm:linClrLst meth="repeat">
+      <a:schemeClr val="accent2"/>
+      <a:schemeClr val="accent3"/>
+      <a:schemeClr val="accent4"/>
+      <a:schemeClr val="accent5"/>
+      <a:schemeClr val="accent6"/>
+    </dgm:linClrLst>
+    <dgm:effectClrLst/>
+    <dgm:txLinClrLst/>
+    <dgm:txFillClrLst/>
+    <dgm:txEffectClrLst/>
+  </dgm:styleLbl>
+  <dgm:styleLbl name="lnNode1">
+    <dgm:fillClrLst meth="repeat">
+      <a:schemeClr val="accent2"/>
+      <a:schemeClr val="accent3"/>
+      <a:schemeClr val="accent4"/>
+      <a:schemeClr val="accent5"/>
+      <a:schemeClr val="accent6"/>
+    </dgm:fillClrLst>
+    <dgm:linClrLst meth="repeat">
+      <a:schemeClr val="lt1"/>
+    </dgm:linClrLst>
+    <dgm:effectClrLst/>
+    <dgm:txLinClrLst/>
+    <dgm:txFillClrLst/>
+    <dgm:txEffectClrLst/>
+  </dgm:styleLbl>
+  <dgm:styleLbl name="vennNode1">
+    <dgm:fillClrLst meth="repeat">
+      <a:schemeClr val="accent2">
+        <a:alpha val="50000"/>
+      </a:schemeClr>
+      <a:schemeClr val="accent3">
+        <a:alpha val="50000"/>
+      </a:schemeClr>
+      <a:schemeClr val="accent4">
+        <a:alpha val="50000"/>
+      </a:schemeClr>
+      <a:schemeClr val="accent5">
+        <a:alpha val="50000"/>
+      </a:schemeClr>
+      <a:schemeClr val="accent6">
+        <a:alpha val="50000"/>
+      </a:schemeClr>
+    </dgm:fillClrLst>
+    <dgm:linClrLst meth="repeat">
+      <a:schemeClr val="lt1"/>
+    </dgm:linClrLst>
+    <dgm:effectClrLst/>
+    <dgm:txLinClrLst/>
+    <dgm:txFillClrLst/>
+    <dgm:txEffectClrLst/>
+  </dgm:styleLbl>
+  <dgm:styleLbl name="node2">
+    <dgm:fillClrLst>
+      <a:schemeClr val="accent2"/>
+    </dgm:fillClrLst>
+    <dgm:linClrLst meth="repeat">
+      <a:schemeClr val="lt1"/>
+    </dgm:linClrLst>
+    <dgm:effectClrLst/>
+    <dgm:txLinClrLst/>
+    <dgm:txFillClrLst/>
+    <dgm:txEffectClrLst/>
+  </dgm:styleLbl>
+  <dgm:styleLbl name="node3">
+    <dgm:fillClrLst>
+      <a:schemeClr val="accent3"/>
+    </dgm:fillClrLst>
+    <dgm:linClrLst meth="repeat">
+      <a:schemeClr val="lt1"/>
+    </dgm:linClrLst>
+    <dgm:effectClrLst/>
+    <dgm:txLinClrLst/>
+    <dgm:txFillClrLst/>
+    <dgm:txEffectClrLst/>
+  </dgm:styleLbl>
+  <dgm:styleLbl name="node4">
+    <dgm:fillClrLst>
+      <a:schemeClr val="accent4"/>
+    </dgm:fillClrLst>
+    <dgm:linClrLst meth="repeat">
+      <a:schemeClr val="lt1"/>
+    </dgm:linClrLst>
+    <dgm:effectClrLst/>
+    <dgm:txLinClrLst/>
+    <dgm:txFillClrLst/>
+    <dgm:txEffectClrLst/>
+  </dgm:styleLbl>
+  <dgm:styleLbl name="fgImgPlace1">
+    <dgm:fillClrLst meth="repeat">
+      <a:schemeClr val="accent2">
+        <a:tint val="50000"/>
+      </a:schemeClr>
+      <a:schemeClr val="accent3">
+        <a:tint val="50000"/>
+      </a:schemeClr>
+      <a:schemeClr val="accent4">
+        <a:tint val="50000"/>
+      </a:schemeClr>
+      <a:schemeClr val="accent5">
+        <a:tint val="50000"/>
+      </a:schemeClr>
+      <a:schemeClr val="accent6">
+        <a:tint val="50000"/>
+      </a:schemeClr>
+    </dgm:fillClrLst>
+    <dgm:linClrLst meth="repeat">
+      <a:schemeClr val="lt1"/>
+    </dgm:linClrLst>
+    <dgm:effectClrLst/>
+    <dgm:txLinClrLst/>
+    <dgm:txFillClrLst meth="repeat">
+      <a:schemeClr val="lt1"/>
+    </dgm:txFillClrLst>
+    <dgm:txEffectClrLst/>
+  </dgm:styleLbl>
+  <dgm:styleLbl name="alignImgPlace1">
+    <dgm:fillClrLst>
+      <a:schemeClr val="accent1">
+        <a:tint val="50000"/>
+      </a:schemeClr>
+      <a:schemeClr val="accent2">
+        <a:tint val="20000"/>
+      </a:schemeClr>
+    </dgm:fillClrLst>
+    <dgm:linClrLst meth="repeat">
+      <a:schemeClr val="lt1"/>
+    </dgm:linClrLst>
+    <dgm:effectClrLst/>
+    <dgm:txLinClrLst/>
+    <dgm:txFillClrLst meth="repeat">
+      <a:schemeClr val="lt1"/>
+    </dgm:txFillClrLst>
+    <dgm:txEffectClrLst/>
+  </dgm:styleLbl>
+  <dgm:styleLbl name="bgImgPlace1">
+    <dgm:fillClrLst>
+      <a:schemeClr val="accent1">
+        <a:tint val="50000"/>
+      </a:schemeClr>
+      <a:schemeClr val="accent2">
+        <a:tint val="20000"/>
+      </a:schemeClr>
+    </dgm:fillClrLst>
+    <dgm:linClrLst meth="repeat">
+      <a:schemeClr val="lt1"/>
+    </dgm:linClrLst>
+    <dgm:effectClrLst/>
+    <dgm:txLinClrLst/>
+    <dgm:txFillClrLst meth="repeat">
+      <a:schemeClr val="lt1"/>
+    </dgm:txFillClrLst>
+    <dgm:txEffectClrLst/>
+  </dgm:styleLbl>
+  <dgm:styleLbl name="sibTrans2D1">
+    <dgm:fillClrLst meth="repeat">
+      <a:schemeClr val="accent2"/>
+      <a:schemeClr val="accent3"/>
+      <a:schemeClr val="accent4"/>
+      <a:schemeClr val="accent5"/>
+      <a:schemeClr val="accent6"/>
+    </dgm:fillClrLst>
+    <dgm:linClrLst meth="cycle">
+      <a:schemeClr val="lt1"/>
+    </dgm:linClrLst>
+    <dgm:effectClrLst/>
+    <dgm:txLinClrLst/>
+    <dgm:txFillClrLst/>
+    <dgm:txEffectClrLst/>
+  </dgm:styleLbl>
+  <dgm:styleLbl name="fgSibTrans2D1">
+    <dgm:fillClrLst meth="repeat">
+      <a:schemeClr val="accent2"/>
+      <a:schemeClr val="accent3"/>
+      <a:schemeClr val="accent4"/>
+      <a:schemeClr val="accent5"/>
+      <a:schemeClr val="accent6"/>
+    </dgm:fillClrLst>
+    <dgm:linClrLst meth="cycle">
+      <a:schemeClr val="lt1"/>
+    </dgm:linClrLst>
+    <dgm:effectClrLst/>
+    <dgm:txLinClrLst/>
+    <dgm:txFillClrLst meth="repeat">
+      <a:schemeClr val="lt1"/>
+    </dgm:txFillClrLst>
+    <dgm:txEffectClrLst/>
+  </dgm:styleLbl>
+  <dgm:styleLbl name="bgSibTrans2D1">
+    <dgm:fillClrLst meth="repeat">
+      <a:schemeClr val="accent2"/>
+      <a:schemeClr val="accent3"/>
+      <a:schemeClr val="accent4"/>
+      <a:schemeClr val="accent5"/>
+      <a:schemeClr val="accent6"/>
+    </dgm:fillClrLst>
+    <dgm:linClrLst meth="cycle">
+      <a:schemeClr val="lt1"/>
+    </dgm:linClrLst>
+    <dgm:effectClrLst/>
+    <dgm:txLinClrLst/>
+    <dgm:txFillClrLst meth="repeat">
+      <a:schemeClr val="lt1"/>
+    </dgm:txFillClrLst>
+    <dgm:txEffectClrLst/>
+  </dgm:styleLbl>
+  <dgm:styleLbl name="sibTrans1D1">
+    <dgm:fillClrLst meth="repeat">
+      <a:schemeClr val="accent2"/>
+      <a:schemeClr val="accent3"/>
+      <a:schemeClr val="accent4"/>
+      <a:schemeClr val="accent5"/>
+      <a:schemeClr val="accent6"/>
+    </dgm:fillClrLst>
+    <dgm:linClrLst meth="repeat">
+      <a:schemeClr val="accent2"/>
+      <a:schemeClr val="accent3"/>
+      <a:schemeClr val="accent4"/>
+      <a:schemeClr val="accent5"/>
+      <a:schemeClr val="accent6"/>
+    </dgm:linClrLst>
+    <dgm:effectClrLst/>
+    <dgm:txLinClrLst/>
+    <dgm:txFillClrLst meth="repeat">
+      <a:schemeClr val="tx1"/>
+    </dgm:txFillClrLst>
+    <dgm:txEffectClrLst/>
+  </dgm:styleLbl>
+  <dgm:styleLbl name="callout">
+    <dgm:fillClrLst meth="repeat">
+      <a:schemeClr val="accent2"/>
+    </dgm:fillClrLst>
+    <dgm:linClrLst meth="repeat">
+      <a:schemeClr val="accent2">
+        <a:tint val="50000"/>
+      </a:schemeClr>
+    </dgm:linClrLst>
+    <dgm:effectClrLst/>
+    <dgm:txLinClrLst/>
+    <dgm:txFillClrLst meth="repeat">
+      <a:schemeClr val="tx1"/>
+    </dgm:txFillClrLst>
+    <dgm:txEffectClrLst/>
+  </dgm:styleLbl>
+  <dgm:styleLbl name="asst0">
+    <dgm:fillClrLst meth="repeat">
+      <a:schemeClr val="accent1"/>
+    </dgm:fillClrLst>
+    <dgm:linClrLst meth="repeat">
+      <a:schemeClr val="lt1"/>
+    </dgm:linClrLst>
+    <dgm:effectClrLst/>
+    <dgm:txLinClrLst/>
+    <dgm:txFillClrLst/>
+    <dgm:txEffectClrLst/>
+  </dgm:styleLbl>
+  <dgm:styleLbl name="asst1">
+    <dgm:fillClrLst meth="repeat">
+      <a:schemeClr val="accent2"/>
+    </dgm:fillClrLst>
+    <dgm:linClrLst meth="repeat">
+      <a:schemeClr val="lt1"/>
+    </dgm:linClrLst>
+    <dgm:effectClrLst/>
+    <dgm:txLinClrLst/>
+    <dgm:txFillClrLst/>
+    <dgm:txEffectClrLst/>
+  </dgm:styleLbl>
+  <dgm:styleLbl name="asst2">
+    <dgm:fillClrLst>
+      <a:schemeClr val="accent3"/>
+    </dgm:fillClrLst>
+    <dgm:linClrLst meth="repeat">
+      <a:schemeClr val="lt1"/>
+    </dgm:linClrLst>
+    <dgm:effectClrLst/>
+    <dgm:txLinClrLst/>
+    <dgm:txFillClrLst/>
+    <dgm:txEffectClrLst/>
+  </dgm:styleLbl>
+  <dgm:styleLbl name="asst3">
+    <dgm:fillClrLst>
+      <a:schemeClr val="accent4"/>
+    </dgm:fillClrLst>
+    <dgm:linClrLst meth="repeat">
+      <a:schemeClr val="lt1"/>
+    </dgm:linClrLst>
+    <dgm:effectClrLst/>
+    <dgm:txLinClrLst/>
+    <dgm:txFillClrLst/>
+    <dgm:txEffectClrLst/>
+  </dgm:styleLbl>
+  <dgm:styleLbl name="asst4">
+    <dgm:fillClrLst>
+      <a:schemeClr val="accent5"/>
+    </dgm:fillClrLst>
+    <dgm:linClrLst meth="repeat">
+      <a:schemeClr val="lt1"/>
+    </dgm:linClrLst>
+    <dgm:effectClrLst/>
+    <dgm:txLinClrLst/>
+    <dgm:txFillClrLst/>
+    <dgm:txEffectClrLst/>
+  </dgm:styleLbl>
+  <dgm:styleLbl name="parChTrans2D1">
+    <dgm:fillClrLst meth="repeat">
+      <a:schemeClr val="accent2"/>
+    </dgm:fillClrLst>
+    <dgm:linClrLst meth="repeat">
+      <a:schemeClr val="lt1"/>
+    </dgm:linClrLst>
+    <dgm:effectClrLst/>
+    <dgm:txLinClrLst/>
+    <dgm:txFillClrLst meth="repeat">
+      <a:schemeClr val="lt1"/>
+    </dgm:txFillClrLst>
+    <dgm:txEffectClrLst/>
+  </dgm:styleLbl>
+  <dgm:styleLbl name="parChTrans2D2">
+    <dgm:fillClrLst meth="repeat">
+      <a:schemeClr val="accent3"/>
+    </dgm:fillClrLst>
+    <dgm:linClrLst meth="repeat">
+      <a:schemeClr val="lt1"/>
+    </dgm:linClrLst>
+    <dgm:effectClrLst/>
+    <dgm:txLinClrLst/>
+    <dgm:txFillClrLst/>
+    <dgm:txEffectClrLst/>
+  </dgm:styleLbl>
+  <dgm:styleLbl name="parChTrans2D3">
+    <dgm:fillClrLst meth="repeat">
+      <a:schemeClr val="accent4"/>
+    </dgm:fillClrLst>
+    <dgm:linClrLst meth="repeat">
+      <a:schemeClr val="lt1"/>
+    </dgm:linClrLst>
+    <dgm:effectClrLst/>
+    <dgm:txLinClrLst/>
+    <dgm:txFillClrLst/>
+    <dgm:txEffectClrLst/>
+  </dgm:styleLbl>
+  <dgm:styleLbl name="parChTrans2D4">
+    <dgm:fillClrLst meth="repeat">
+      <a:schemeClr val="accent5"/>
+    </dgm:fillClrLst>
+    <dgm:linClrLst meth="repeat">
+      <a:schemeClr val="lt1"/>
+    </dgm:linClrLst>
+    <dgm:effectClrLst/>
+    <dgm:txLinClrLst/>
+    <dgm:txFillClrLst meth="repeat">
+      <a:schemeClr val="lt1"/>
+    </dgm:txFillClrLst>
+    <dgm:txEffectClrLst/>
+  </dgm:styleLbl>
+  <dgm:styleLbl name="parChTrans1D1">
+    <dgm:fillClrLst meth="repeat">
+      <a:schemeClr val="accent2"/>
+    </dgm:fillClrLst>
+    <dgm:linClrLst meth="repeat">
+      <a:schemeClr val="accent1"/>
+    </dgm:linClrLst>
+    <dgm:effectClrLst/>
+    <dgm:txLinClrLst/>
+    <dgm:txFillClrLst meth="repeat">
+      <a:schemeClr val="tx1"/>
+    </dgm:txFillClrLst>
+    <dgm:txEffectClrLst/>
+  </dgm:styleLbl>
+  <dgm:styleLbl name="parChTrans1D2">
+    <dgm:fillClrLst meth="repeat">
+      <a:schemeClr val="accent3">
+        <a:tint val="90000"/>
+      </a:schemeClr>
+    </dgm:fillClrLst>
+    <dgm:linClrLst meth="repeat">
+      <a:schemeClr val="accent2"/>
+    </dgm:linClrLst>
+    <dgm:effectClrLst/>
+    <dgm:txLinClrLst/>
+    <dgm:txFillClrLst meth="repeat">
+      <a:schemeClr val="tx1"/>
+    </dgm:txFillClrLst>
+    <dgm:txEffectClrLst/>
+  </dgm:styleLbl>
+  <dgm:styleLbl name="parChTrans1D3">
+    <dgm:fillClrLst meth="repeat">
+      <a:schemeClr val="accent4">
+        <a:tint val="70000"/>
+      </a:schemeClr>
+    </dgm:fillClrLst>
+    <dgm:linClrLst meth="repeat">
+      <a:schemeClr val="accent3"/>
+    </dgm:linClrLst>
+    <dgm:effectClrLst/>
+    <dgm:txLinClrLst/>
+    <dgm:txFillClrLst meth="repeat">
+      <a:schemeClr val="tx1"/>
+    </dgm:txFillClrLst>
+    <dgm:txEffectClrLst/>
+  </dgm:styleLbl>
+  <dgm:styleLbl name="parChTrans1D4">
+    <dgm:fillClrLst meth="repeat">
+      <a:schemeClr val="accent5">
+        <a:tint val="50000"/>
+      </a:schemeClr>
+    </dgm:fillClrLst>
+    <dgm:linClrLst meth="repeat">
+      <a:schemeClr val="accent4"/>
+    </dgm:linClrLst>
+    <dgm:effectClrLst/>
+    <dgm:txLinClrLst/>
+    <dgm:txFillClrLst meth="repeat">
+      <a:schemeClr val="tx1"/>
+    </dgm:txFillClrLst>
+    <dgm:txEffectClrLst/>
+  </dgm:styleLbl>
+  <dgm:styleLbl name="fgAcc1">
+    <dgm:fillClrLst meth="repeat">
+      <a:schemeClr val="lt1">
+        <a:alpha val="90000"/>
+      </a:schemeClr>
+    </dgm:fillClrLst>
+    <dgm:linClrLst meth="repeat">
+      <a:schemeClr val="accent2"/>
+      <a:schemeClr val="accent3"/>
+      <a:schemeClr val="accent4"/>
+      <a:schemeClr val="accent5"/>
+      <a:schemeClr val="accent6"/>
+    </dgm:linClrLst>
+    <dgm:effectClrLst/>
+    <dgm:txLinClrLst/>
+    <dgm:txFillClrLst meth="repeat">
+      <a:schemeClr val="dk1"/>
+    </dgm:txFillClrLst>
+    <dgm:txEffectClrLst/>
+  </dgm:styleLbl>
+  <dgm:styleLbl name="conFgAcc1">
+    <dgm:fillClrLst meth="repeat">
+      <a:schemeClr val="lt1">
+        <a:alpha val="90000"/>
+      </a:schemeClr>
+    </dgm:fillClrLst>
+    <dgm:linClrLst meth="repeat">
+      <a:schemeClr val="accent2"/>
+      <a:schemeClr val="accent3"/>
+      <a:schemeClr val="accent4"/>
+      <a:schemeClr val="accent5"/>
+      <a:schemeClr val="accent6"/>
+    </dgm:linClrLst>
+    <dgm:effectClrLst/>
+    <dgm:txLinClrLst/>
+    <dgm:txFillClrLst meth="repeat">
+      <a:schemeClr val="dk1"/>
+    </dgm:txFillClrLst>
+    <dgm:txEffectClrLst/>
+  </dgm:styleLbl>
+  <dgm:styleLbl name="alignAcc1">
+    <dgm:fillClrLst meth="repeat">
+      <a:schemeClr val="lt1">
+        <a:alpha val="90000"/>
+      </a:schemeClr>
+    </dgm:fillClrLst>
+    <dgm:linClrLst meth="repeat">
+      <a:schemeClr val="accent2"/>
+      <a:schemeClr val="accent3"/>
+      <a:schemeClr val="accent4"/>
+      <a:schemeClr val="accent5"/>
+      <a:schemeClr val="accent6"/>
+    </dgm:linClrLst>
+    <dgm:effectClrLst/>
+    <dgm:txLinClrLst/>
+    <dgm:txFillClrLst meth="repeat">
+      <a:schemeClr val="dk1"/>
+    </dgm:txFillClrLst>
+    <dgm:txEffectClrLst/>
+  </dgm:styleLbl>
+  <dgm:styleLbl name="trAlignAcc1">
+    <dgm:fillClrLst meth="repeat">
+      <a:schemeClr val="lt1">
+        <a:alpha val="40000"/>
+      </a:schemeClr>
+    </dgm:fillClrLst>
+    <dgm:linClrLst meth="repeat">
+      <a:schemeClr val="accent1"/>
+    </dgm:linClrLst>
+    <dgm:effectClrLst/>
+    <dgm:txLinClrLst/>
+    <dgm:txFillClrLst meth="repeat">
+      <a:schemeClr val="dk1"/>
+    </dgm:txFillClrLst>
+    <dgm:txEffectClrLst/>
+  </dgm:styleLbl>
+  <dgm:styleLbl name="bgAcc1">
+    <dgm:fillClrLst meth="repeat">
+      <a:schemeClr val="lt1">
+        <a:alpha val="90000"/>
+      </a:schemeClr>
+    </dgm:fillClrLst>
+    <dgm:linClrLst meth="repeat">
+      <a:schemeClr val="accent2"/>
+      <a:schemeClr val="accent3"/>
+      <a:schemeClr val="accent4"/>
+      <a:schemeClr val="accent5"/>
+      <a:schemeClr val="accent6"/>
+    </dgm:linClrLst>
+    <dgm:effectClrLst/>
+    <dgm:txLinClrLst/>
+    <dgm:txFillClrLst meth="repeat">
+      <a:schemeClr val="dk1"/>
+    </dgm:txFillClrLst>
+    <dgm:txEffectClrLst/>
+  </dgm:styleLbl>
+  <dgm:styleLbl name="solidFgAcc1">
+    <dgm:fillClrLst meth="repeat">
+      <a:schemeClr val="lt1"/>
+    </dgm:fillClrLst>
+    <dgm:linClrLst meth="repeat">
+      <a:schemeClr val="accent2"/>
+      <a:schemeClr val="accent3"/>
+      <a:schemeClr val="accent4"/>
+      <a:schemeClr val="accent5"/>
+      <a:schemeClr val="accent6"/>
+    </dgm:linClrLst>
+    <dgm:effectClrLst/>
+    <dgm:txLinClrLst/>
+    <dgm:txFillClrLst meth="repeat">
+      <a:schemeClr val="dk1"/>
+    </dgm:txFillClrLst>
+    <dgm:txEffectClrLst/>
+  </dgm:styleLbl>
+  <dgm:styleLbl name="solidAlignAcc1">
+    <dgm:fillClrLst meth="repeat">
+      <a:schemeClr val="lt1"/>
+    </dgm:fillClrLst>
+    <dgm:linClrLst meth="repeat">
+      <a:schemeClr val="accent2"/>
+      <a:schemeClr val="accent3"/>
+      <a:schemeClr val="accent4"/>
+      <a:schemeClr val="accent5"/>
+      <a:schemeClr val="accent6"/>
+    </dgm:linClrLst>
+    <dgm:effectClrLst/>
+    <dgm:txLinClrLst/>
+    <dgm:txFillClrLst meth="repeat">
+      <a:schemeClr val="dk1"/>
+    </dgm:txFillClrLst>
+    <dgm:txEffectClrLst/>
+  </dgm:styleLbl>
+  <dgm:styleLbl name="solidBgAcc1">
+    <dgm:fillClrLst meth="repeat">
+      <a:schemeClr val="lt1"/>
+    </dgm:fillClrLst>
+    <dgm:linClrLst meth="repeat">
+      <a:schemeClr val="accent2"/>
+      <a:schemeClr val="accent3"/>
+      <a:schemeClr val="accent4"/>
+      <a:schemeClr val="accent5"/>
+      <a:schemeClr val="accent6"/>
+    </dgm:linClrLst>
+    <dgm:effectClrLst/>
+    <dgm:txLinClrLst/>
+    <dgm:txFillClrLst meth="repeat">
+      <a:schemeClr val="dk1"/>
+    </dgm:txFillClrLst>
+    <dgm:txEffectClrLst/>
+  </dgm:styleLbl>
+  <dgm:styleLbl name="fgAccFollowNode1">
+    <dgm:fillClrLst meth="repeat">
+      <a:schemeClr val="accent2">
+        <a:tint val="40000"/>
+        <a:alpha val="90000"/>
+      </a:schemeClr>
+      <a:schemeClr val="accent3">
+        <a:tint val="40000"/>
+        <a:alpha val="90000"/>
+      </a:schemeClr>
+      <a:schemeClr val="accent4">
+        <a:tint val="40000"/>
+        <a:alpha val="90000"/>
+      </a:schemeClr>
+      <a:schemeClr val="accent5">
+        <a:tint val="40000"/>
+        <a:alpha val="90000"/>
+      </a:schemeClr>
+      <a:schemeClr val="accent6">
+        <a:tint val="40000"/>
+        <a:alpha val="90000"/>
+      </a:schemeClr>
+    </dgm:fillClrLst>
+    <dgm:linClrLst meth="repeat">
+      <a:schemeClr val="accent2">
+        <a:tint val="40000"/>
+        <a:alpha val="90000"/>
+      </a:schemeClr>
+      <a:schemeClr val="accent3">
+        <a:tint val="40000"/>
+        <a:alpha val="90000"/>
+      </a:schemeClr>
+      <a:schemeClr val="accent4">
+        <a:tint val="40000"/>
+        <a:alpha val="90000"/>
+      </a:schemeClr>
+      <a:schemeClr val="accent5">
+        <a:tint val="40000"/>
+        <a:alpha val="90000"/>
+      </a:schemeClr>
+      <a:schemeClr val="accent6">
+        <a:tint val="40000"/>
+        <a:alpha val="90000"/>
+      </a:schemeClr>
+    </dgm:linClrLst>
+    <dgm:effectClrLst/>
+    <dgm:txLinClrLst/>
+    <dgm:txFillClrLst meth="repeat">
+      <a:schemeClr val="dk1"/>
+    </dgm:txFillClrLst>
+    <dgm:txEffectClrLst/>
+  </dgm:styleLbl>
+  <dgm:styleLbl name="alignAccFollowNode1">
+    <dgm:fillClrLst meth="repeat">
+      <a:schemeClr val="accent2">
+        <a:tint val="40000"/>
+        <a:alpha val="90000"/>
+      </a:schemeClr>
+      <a:schemeClr val="accent3">
+        <a:tint val="40000"/>
+        <a:alpha val="90000"/>
+      </a:schemeClr>
+      <a:schemeClr val="accent4">
+        <a:tint val="40000"/>
+        <a:alpha val="90000"/>
+      </a:schemeClr>
+      <a:schemeClr val="accent5">
+        <a:tint val="40000"/>
+        <a:alpha val="90000"/>
+      </a:schemeClr>
+      <a:schemeClr val="accent6">
+        <a:tint val="40000"/>
+        <a:alpha val="90000"/>
+      </a:schemeClr>
+    </dgm:fillClrLst>
+    <dgm:linClrLst meth="repeat">
+      <a:schemeClr val="accent2">
+        <a:tint val="40000"/>
+        <a:alpha val="90000"/>
+      </a:schemeClr>
+      <a:schemeClr val="accent3">
+        <a:tint val="40000"/>
+        <a:alpha val="90000"/>
+      </a:schemeClr>
+      <a:schemeClr val="accent4">
+        <a:tint val="40000"/>
+        <a:alpha val="90000"/>
+      </a:schemeClr>
+      <a:schemeClr val="accent5">
+        <a:tint val="40000"/>
+        <a:alpha val="90000"/>
+      </a:schemeClr>
+      <a:schemeClr val="accent6">
+        <a:tint val="40000"/>
+        <a:alpha val="90000"/>
+      </a:schemeClr>
+    </dgm:linClrLst>
+    <dgm:effectClrLst/>
+    <dgm:txLinClrLst/>
+    <dgm:txFillClrLst meth="repeat">
+      <a:schemeClr val="dk1"/>
+    </dgm:txFillClrLst>
+    <dgm:txEffectClrLst/>
+  </dgm:styleLbl>
+  <dgm:styleLbl name="bgAccFollowNode1">
+    <dgm:fillClrLst meth="repeat">
+      <a:schemeClr val="accent2">
+        <a:tint val="40000"/>
+        <a:alpha val="90000"/>
+      </a:schemeClr>
+      <a:schemeClr val="accent3">
+        <a:tint val="40000"/>
+        <a:alpha val="90000"/>
+      </a:schemeClr>
+      <a:schemeClr val="accent4">
+        <a:tint val="40000"/>
+        <a:alpha val="90000"/>
+      </a:schemeClr>
+      <a:schemeClr val="accent5">
+        <a:tint val="40000"/>
+        <a:alpha val="90000"/>
+      </a:schemeClr>
+      <a:schemeClr val="accent6">
+        <a:tint val="40000"/>
+        <a:alpha val="90000"/>
+      </a:schemeClr>
+    </dgm:fillClrLst>
+    <dgm:linClrLst meth="repeat">
+      <a:schemeClr val="accent2">
+        <a:tint val="40000"/>
+        <a:alpha val="90000"/>
+      </a:schemeClr>
+      <a:schemeClr val="accent3">
+        <a:tint val="40000"/>
+        <a:alpha val="90000"/>
+      </a:schemeClr>
+      <a:schemeClr val="accent4">
+        <a:tint val="40000"/>
+        <a:alpha val="90000"/>
+      </a:schemeClr>
+      <a:schemeClr val="accent5">
+        <a:tint val="40000"/>
+        <a:alpha val="90000"/>
+      </a:schemeClr>
+      <a:schemeClr val="accent6">
+        <a:tint val="40000"/>
+        <a:alpha val="90000"/>
+      </a:schemeClr>
+    </dgm:linClrLst>
+    <dgm:effectClrLst/>
+    <dgm:txLinClrLst/>
+    <dgm:txFillClrLst meth="repeat">
+      <a:schemeClr val="dk1"/>
+    </dgm:txFillClrLst>
+    <dgm:txEffectClrLst/>
+  </dgm:styleLbl>
+  <dgm:styleLbl name="fgAcc0">
+    <dgm:fillClrLst meth="repeat">
+      <a:schemeClr val="lt1">
+        <a:alpha val="90000"/>
+      </a:schemeClr>
+    </dgm:fillClrLst>
+    <dgm:linClrLst>
+      <a:schemeClr val="accent1"/>
+    </dgm:linClrLst>
+    <dgm:effectClrLst/>
+    <dgm:txLinClrLst/>
+    <dgm:txFillClrLst meth="repeat">
+      <a:schemeClr val="dk1"/>
+    </dgm:txFillClrLst>
+    <dgm:txEffectClrLst/>
+  </dgm:styleLbl>
+  <dgm:styleLbl name="fgAcc2">
+    <dgm:fillClrLst meth="repeat">
+      <a:schemeClr val="lt1">
+        <a:alpha val="90000"/>
+      </a:schemeClr>
+    </dgm:fillClrLst>
+    <dgm:linClrLst>
+      <a:schemeClr val="accent2"/>
+    </dgm:linClrLst>
+    <dgm:effectClrLst/>
+    <dgm:txLinClrLst/>
+    <dgm:txFillClrLst meth="repeat">
+      <a:schemeClr val="dk1"/>
+    </dgm:txFillClrLst>
+    <dgm:txEffectClrLst/>
+  </dgm:styleLbl>
+  <dgm:styleLbl name="fgAcc3">
+    <dgm:fillClrLst meth="repeat">
+      <a:schemeClr val="lt1">
+        <a:alpha val="90000"/>
+      </a:schemeClr>
+    </dgm:fillClrLst>
+    <dgm:linClrLst>
+      <a:schemeClr val="accent3"/>
+    </dgm:linClrLst>
+    <dgm:effectClrLst/>
+    <dgm:txLinClrLst/>
+    <dgm:txFillClrLst meth="repeat">
+      <a:schemeClr val="dk1"/>
+    </dgm:txFillClrLst>
+    <dgm:txEffectClrLst/>
+  </dgm:styleLbl>
+  <dgm:styleLbl name="fgAcc4">
+    <dgm:fillClrLst meth="repeat">
+      <a:schemeClr val="lt1">
+        <a:alpha val="90000"/>
+      </a:schemeClr>
+    </dgm:fillClrLst>
+    <dgm:linClrLst>
+      <a:schemeClr val="accent4"/>
+    </dgm:linClrLst>
+    <dgm:effectClrLst/>
+    <dgm:txLinClrLst/>
+    <dgm:txFillClrLst meth="repeat">
+      <a:schemeClr val="dk1"/>
+    </dgm:txFillClrLst>
+    <dgm:txEffectClrLst/>
+  </dgm:styleLbl>
+  <dgm:styleLbl name="bgShp">
+    <dgm:fillClrLst meth="repeat">
+      <a:schemeClr val="accent2">
+        <a:tint val="40000"/>
+      </a:schemeClr>
+    </dgm:fillClrLst>
+    <dgm:linClrLst meth="repeat">
+      <a:schemeClr val="dk1"/>
+    </dgm:linClrLst>
+    <dgm:effectClrLst/>
+    <dgm:txLinClrLst/>
+    <dgm:txFillClrLst meth="repeat">
+      <a:schemeClr val="dk1"/>
+    </dgm:txFillClrLst>
+    <dgm:txEffectClrLst/>
+  </dgm:styleLbl>
+  <dgm:styleLbl name="dkBgShp">
+    <dgm:fillClrLst meth="repeat">
+      <a:schemeClr val="accent2">
+        <a:shade val="90000"/>
+      </a:schemeClr>
+    </dgm:fillClrLst>
+    <dgm:linClrLst meth="repeat">
+      <a:schemeClr val="dk1"/>
+    </dgm:linClrLst>
+    <dgm:effectClrLst/>
+    <dgm:txLinClrLst/>
+    <dgm:txFillClrLst meth="repeat">
+      <a:schemeClr val="lt1"/>
+    </dgm:txFillClrLst>
+    <dgm:txEffectClrLst/>
+  </dgm:styleLbl>
+  <dgm:styleLbl name="trBgShp">
+    <dgm:fillClrLst meth="repeat">
+      <a:schemeClr val="accent1">
+        <a:tint val="50000"/>
+        <a:alpha val="40000"/>
+      </a:schemeClr>
+    </dgm:fillClrLst>
+    <dgm:linClrLst meth="repeat">
+      <a:schemeClr val="accent2"/>
+    </dgm:linClrLst>
+    <dgm:effectClrLst/>
+    <dgm:txLinClrLst/>
+    <dgm:txFillClrLst meth="repeat">
+      <a:schemeClr val="lt1"/>
+    </dgm:txFillClrLst>
+    <dgm:txEffectClrLst/>
+  </dgm:styleLbl>
+  <dgm:styleLbl name="fgShp">
+    <dgm:fillClrLst meth="repeat">
+      <a:schemeClr val="accent2">
+        <a:tint val="40000"/>
+      </a:schemeClr>
+    </dgm:fillClrLst>
+    <dgm:linClrLst meth="repeat">
+      <a:schemeClr val="lt1"/>
+    </dgm:linClrLst>
+    <dgm:effectClrLst/>
+    <dgm:txLinClrLst/>
+    <dgm:txFillClrLst meth="repeat">
+      <a:schemeClr val="dk1"/>
+    </dgm:txFillClrLst>
+    <dgm:txEffectClrLst/>
+  </dgm:styleLbl>
+  <dgm:styleLbl name="revTx">
+    <dgm:fillClrLst meth="repeat">
+      <a:schemeClr val="lt1">
+        <a:alpha val="0"/>
+      </a:schemeClr>
+    </dgm:fillClrLst>
+    <dgm:linClrLst meth="repeat">
+      <a:schemeClr val="dk1">
+        <a:alpha val="0"/>
+      </a:schemeClr>
+    </dgm:linClrLst>
+    <dgm:effectClrLst/>
+    <dgm:txLinClrLst/>
+    <dgm:txFillClrLst meth="repeat">
+      <a:schemeClr val="tx1"/>
+    </dgm:txFillClrLst>
+    <dgm:txEffectClrLst/>
+  </dgm:styleLbl>
+</dgm:colorsDef>
+</file>
+
+<file path=ppt/diagrams/data1.xml><?xml version="1.0" encoding="utf-8"?>
+<dgm:dataModel xmlns:dgm="http://schemas.openxmlformats.org/drawingml/2006/diagram" xmlns:a="http://schemas.openxmlformats.org/drawingml/2006/main">
+  <dgm:ptLst>
+    <dgm:pt modelId="{DB2BE555-3CA2-42E7-A130-5E5FD3D0BFA8}" type="doc">
+      <dgm:prSet loTypeId="urn:microsoft.com/office/officeart/2016/7/layout/BasicLinearProcessNumbered" loCatId="process" qsTypeId="urn:microsoft.com/office/officeart/2005/8/quickstyle/simple1" qsCatId="simple" csTypeId="urn:microsoft.com/office/officeart/2005/8/colors/colorful1" csCatId="colorful" phldr="1"/>
+      <dgm:spPr/>
+      <dgm:t>
+        <a:bodyPr/>
+        <a:lstStyle/>
+        <a:p>
+          <a:endParaRPr lang="en-US"/>
+        </a:p>
+      </dgm:t>
+    </dgm:pt>
+    <dgm:pt modelId="{F37F0FCA-C808-45A5-B512-9DA95F1FDBCA}">
+      <dgm:prSet/>
+      <dgm:spPr/>
+      <dgm:t>
+        <a:bodyPr/>
+        <a:lstStyle/>
+        <a:p>
+          <a:pPr>
+            <a:defRPr cap="all"/>
+          </a:pPr>
+          <a:r>
+            <a:rPr lang="it-IT"/>
+            <a:t>Generare automaticamente modelli 3D a partire da immagini 2D</a:t>
+          </a:r>
+          <a:endParaRPr lang="en-US"/>
+        </a:p>
+      </dgm:t>
+    </dgm:pt>
+    <dgm:pt modelId="{1F010ACE-4095-491D-8A2D-A5E80C371E40}" type="parTrans" cxnId="{A5971085-06F1-45A6-8388-3478CE01FA04}">
+      <dgm:prSet/>
+      <dgm:spPr/>
+      <dgm:t>
+        <a:bodyPr/>
+        <a:lstStyle/>
+        <a:p>
+          <a:endParaRPr lang="en-US"/>
+        </a:p>
+      </dgm:t>
+    </dgm:pt>
+    <dgm:pt modelId="{864280BB-C230-4D56-AD8F-9C68F75320EE}" type="sibTrans" cxnId="{A5971085-06F1-45A6-8388-3478CE01FA04}">
+      <dgm:prSet phldrT="1"/>
+      <dgm:spPr/>
+      <dgm:t>
+        <a:bodyPr/>
+        <a:lstStyle/>
+        <a:p>
+          <a:r>
+            <a:rPr lang="en-US"/>
+            <a:t>1</a:t>
+          </a:r>
+        </a:p>
+      </dgm:t>
+    </dgm:pt>
+    <dgm:pt modelId="{058A2D21-41EF-49C3-A1E2-E8139002D04A}">
+      <dgm:prSet/>
+      <dgm:spPr/>
+      <dgm:t>
+        <a:bodyPr/>
+        <a:lstStyle/>
+        <a:p>
+          <a:pPr>
+            <a:defRPr cap="all"/>
+          </a:pPr>
+          <a:r>
+            <a:rPr lang="it-IT"/>
+            <a:t>Integrare tecniche di Deep Learning nella pipeline di Computer Graphics</a:t>
+          </a:r>
+          <a:endParaRPr lang="en-US"/>
+        </a:p>
+      </dgm:t>
+    </dgm:pt>
+    <dgm:pt modelId="{DAB807CD-B6DB-45D1-853C-D7973F69D570}" type="parTrans" cxnId="{8B82D0A4-8D9E-4CF2-8B8E-357629A5BABF}">
+      <dgm:prSet/>
+      <dgm:spPr/>
+      <dgm:t>
+        <a:bodyPr/>
+        <a:lstStyle/>
+        <a:p>
+          <a:endParaRPr lang="en-US"/>
+        </a:p>
+      </dgm:t>
+    </dgm:pt>
+    <dgm:pt modelId="{B40C5B47-7C12-44BA-A7AA-B466BB3DA4A0}" type="sibTrans" cxnId="{8B82D0A4-8D9E-4CF2-8B8E-357629A5BABF}">
+      <dgm:prSet phldrT="2"/>
+      <dgm:spPr/>
+      <dgm:t>
+        <a:bodyPr/>
+        <a:lstStyle/>
+        <a:p>
+          <a:r>
+            <a:rPr lang="en-US"/>
+            <a:t>2</a:t>
+          </a:r>
+        </a:p>
+      </dgm:t>
+    </dgm:pt>
+    <dgm:pt modelId="{09D6F800-41B9-450F-999C-174D6D7BF18D}">
+      <dgm:prSet/>
+      <dgm:spPr/>
+      <dgm:t>
+        <a:bodyPr/>
+        <a:lstStyle/>
+        <a:p>
+          <a:pPr>
+            <a:defRPr cap="all"/>
+          </a:pPr>
+          <a:r>
+            <a:rPr lang="it-IT"/>
+            <a:t>Realizzare una pipeline end-to-end per la prototipazione di Digital Twin</a:t>
+          </a:r>
+          <a:endParaRPr lang="en-US"/>
+        </a:p>
+      </dgm:t>
+    </dgm:pt>
+    <dgm:pt modelId="{FB070A26-D0F2-4A22-8FFA-2D25012D6A7A}" type="parTrans" cxnId="{3E789485-5248-4E5F-9981-05DB4EC13723}">
+      <dgm:prSet/>
+      <dgm:spPr/>
+      <dgm:t>
+        <a:bodyPr/>
+        <a:lstStyle/>
+        <a:p>
+          <a:endParaRPr lang="en-US"/>
+        </a:p>
+      </dgm:t>
+    </dgm:pt>
+    <dgm:pt modelId="{B81A4DDC-061B-4464-896E-33878BC3FC8C}" type="sibTrans" cxnId="{3E789485-5248-4E5F-9981-05DB4EC13723}">
+      <dgm:prSet phldrT="3"/>
+      <dgm:spPr/>
+      <dgm:t>
+        <a:bodyPr/>
+        <a:lstStyle/>
+        <a:p>
+          <a:r>
+            <a:rPr lang="en-US"/>
+            <a:t>3</a:t>
+          </a:r>
+        </a:p>
+      </dgm:t>
+    </dgm:pt>
+    <dgm:pt modelId="{2CC1F8AE-BDA1-497A-A49F-0ECC61B39349}">
+      <dgm:prSet/>
+      <dgm:spPr/>
+      <dgm:t>
+        <a:bodyPr/>
+        <a:lstStyle/>
+        <a:p>
+          <a:pPr>
+            <a:defRPr cap="all"/>
+          </a:pPr>
+          <a:r>
+            <a:rPr lang="it-IT"/>
+            <a:t>Consentire la visualizzazione e l’interazione dei modelli in ambiente XR</a:t>
+          </a:r>
+          <a:endParaRPr lang="en-US"/>
+        </a:p>
+      </dgm:t>
+    </dgm:pt>
+    <dgm:pt modelId="{D7E63C00-C94B-4CA3-820E-AA95E91DA150}" type="parTrans" cxnId="{63495261-DF37-4118-B0CA-CA5EB7DBEBE2}">
+      <dgm:prSet/>
+      <dgm:spPr/>
+      <dgm:t>
+        <a:bodyPr/>
+        <a:lstStyle/>
+        <a:p>
+          <a:endParaRPr lang="en-US"/>
+        </a:p>
+      </dgm:t>
+    </dgm:pt>
+    <dgm:pt modelId="{5956022D-76FE-41D2-9449-1A1F9F94538D}" type="sibTrans" cxnId="{63495261-DF37-4118-B0CA-CA5EB7DBEBE2}">
+      <dgm:prSet phldrT="4"/>
+      <dgm:spPr/>
+      <dgm:t>
+        <a:bodyPr/>
+        <a:lstStyle/>
+        <a:p>
+          <a:r>
+            <a:rPr lang="en-US"/>
+            <a:t>4</a:t>
+          </a:r>
+        </a:p>
+      </dgm:t>
+    </dgm:pt>
+    <dgm:pt modelId="{434862D8-0D71-40D3-941E-FAAAF8078FF1}" type="pres">
+      <dgm:prSet presAssocID="{DB2BE555-3CA2-42E7-A130-5E5FD3D0BFA8}" presName="Name0" presStyleCnt="0">
+        <dgm:presLayoutVars>
+          <dgm:animLvl val="lvl"/>
+          <dgm:resizeHandles val="exact"/>
+        </dgm:presLayoutVars>
+      </dgm:prSet>
+      <dgm:spPr/>
+    </dgm:pt>
+    <dgm:pt modelId="{5D1908BA-870B-4C23-9AFB-7F32539EC1F2}" type="pres">
+      <dgm:prSet presAssocID="{F37F0FCA-C808-45A5-B512-9DA95F1FDBCA}" presName="compositeNode" presStyleCnt="0">
+        <dgm:presLayoutVars>
+          <dgm:bulletEnabled val="1"/>
+        </dgm:presLayoutVars>
+      </dgm:prSet>
+      <dgm:spPr/>
+    </dgm:pt>
+    <dgm:pt modelId="{167BBD24-D69D-441F-B6D4-ABEA0E638AD9}" type="pres">
+      <dgm:prSet presAssocID="{F37F0FCA-C808-45A5-B512-9DA95F1FDBCA}" presName="bgRect" presStyleLbl="bgAccFollowNode1" presStyleIdx="0" presStyleCnt="4"/>
+      <dgm:spPr/>
+    </dgm:pt>
+    <dgm:pt modelId="{15AF774E-9AE6-4F8F-A69B-19A4F73BD9BC}" type="pres">
+      <dgm:prSet presAssocID="{864280BB-C230-4D56-AD8F-9C68F75320EE}" presName="sibTransNodeCircle" presStyleLbl="alignNode1" presStyleIdx="0" presStyleCnt="8">
+        <dgm:presLayoutVars>
+          <dgm:chMax val="0"/>
+          <dgm:bulletEnabled/>
+        </dgm:presLayoutVars>
+      </dgm:prSet>
+      <dgm:spPr/>
+    </dgm:pt>
+    <dgm:pt modelId="{21AB5068-7CB4-4293-BC8B-8A12B62FEE7D}" type="pres">
+      <dgm:prSet presAssocID="{F37F0FCA-C808-45A5-B512-9DA95F1FDBCA}" presName="bottomLine" presStyleLbl="alignNode1" presStyleIdx="1" presStyleCnt="8">
+        <dgm:presLayoutVars/>
+      </dgm:prSet>
+      <dgm:spPr/>
+    </dgm:pt>
+    <dgm:pt modelId="{EBEEF914-9A46-413E-B0C4-538658392CA1}" type="pres">
+      <dgm:prSet presAssocID="{F37F0FCA-C808-45A5-B512-9DA95F1FDBCA}" presName="nodeText" presStyleLbl="bgAccFollowNode1" presStyleIdx="0" presStyleCnt="4">
+        <dgm:presLayoutVars>
+          <dgm:bulletEnabled val="1"/>
+        </dgm:presLayoutVars>
+      </dgm:prSet>
+      <dgm:spPr/>
+    </dgm:pt>
+    <dgm:pt modelId="{E831ACE0-ECE2-4913-918E-F73F903022F2}" type="pres">
+      <dgm:prSet presAssocID="{864280BB-C230-4D56-AD8F-9C68F75320EE}" presName="sibTrans" presStyleCnt="0"/>
+      <dgm:spPr/>
+    </dgm:pt>
+    <dgm:pt modelId="{768C3557-7058-4C3B-860A-A736BC6BD90F}" type="pres">
+      <dgm:prSet presAssocID="{058A2D21-41EF-49C3-A1E2-E8139002D04A}" presName="compositeNode" presStyleCnt="0">
+        <dgm:presLayoutVars>
+          <dgm:bulletEnabled val="1"/>
+        </dgm:presLayoutVars>
+      </dgm:prSet>
+      <dgm:spPr/>
+    </dgm:pt>
+    <dgm:pt modelId="{6971CCBD-CBC6-481F-BEE2-6EE5AE0832F3}" type="pres">
+      <dgm:prSet presAssocID="{058A2D21-41EF-49C3-A1E2-E8139002D04A}" presName="bgRect" presStyleLbl="bgAccFollowNode1" presStyleIdx="1" presStyleCnt="4" custLinFactNeighborX="-1133" custLinFactNeighborY="-156"/>
+      <dgm:spPr/>
+    </dgm:pt>
+    <dgm:pt modelId="{5621B987-64A2-4D90-AE76-5267FECAB125}" type="pres">
+      <dgm:prSet presAssocID="{B40C5B47-7C12-44BA-A7AA-B466BB3DA4A0}" presName="sibTransNodeCircle" presStyleLbl="alignNode1" presStyleIdx="2" presStyleCnt="8">
+        <dgm:presLayoutVars>
+          <dgm:chMax val="0"/>
+          <dgm:bulletEnabled/>
+        </dgm:presLayoutVars>
+      </dgm:prSet>
+      <dgm:spPr/>
+    </dgm:pt>
+    <dgm:pt modelId="{73EBCC14-6B82-49C1-90DF-E4869EDB4AF0}" type="pres">
+      <dgm:prSet presAssocID="{058A2D21-41EF-49C3-A1E2-E8139002D04A}" presName="bottomLine" presStyleLbl="alignNode1" presStyleIdx="3" presStyleCnt="8">
+        <dgm:presLayoutVars/>
+      </dgm:prSet>
+      <dgm:spPr/>
+    </dgm:pt>
+    <dgm:pt modelId="{8F398690-E440-42CE-A71A-16EBFA7FA47F}" type="pres">
+      <dgm:prSet presAssocID="{058A2D21-41EF-49C3-A1E2-E8139002D04A}" presName="nodeText" presStyleLbl="bgAccFollowNode1" presStyleIdx="1" presStyleCnt="4">
+        <dgm:presLayoutVars>
+          <dgm:bulletEnabled val="1"/>
+        </dgm:presLayoutVars>
+      </dgm:prSet>
+      <dgm:spPr/>
+    </dgm:pt>
+    <dgm:pt modelId="{463E2DC2-969C-469F-8F07-F69174B23A42}" type="pres">
+      <dgm:prSet presAssocID="{B40C5B47-7C12-44BA-A7AA-B466BB3DA4A0}" presName="sibTrans" presStyleCnt="0"/>
+      <dgm:spPr/>
+    </dgm:pt>
+    <dgm:pt modelId="{A48AE07E-8C84-4327-BE2D-2794A2A71AE3}" type="pres">
+      <dgm:prSet presAssocID="{09D6F800-41B9-450F-999C-174D6D7BF18D}" presName="compositeNode" presStyleCnt="0">
+        <dgm:presLayoutVars>
+          <dgm:bulletEnabled val="1"/>
+        </dgm:presLayoutVars>
+      </dgm:prSet>
+      <dgm:spPr/>
+    </dgm:pt>
+    <dgm:pt modelId="{2236C633-AAF1-4C06-9D8C-278021425D13}" type="pres">
+      <dgm:prSet presAssocID="{09D6F800-41B9-450F-999C-174D6D7BF18D}" presName="bgRect" presStyleLbl="bgAccFollowNode1" presStyleIdx="2" presStyleCnt="4"/>
+      <dgm:spPr/>
+    </dgm:pt>
+    <dgm:pt modelId="{D7040E2C-B06B-498F-BAD9-A68611F0D6CC}" type="pres">
+      <dgm:prSet presAssocID="{B81A4DDC-061B-4464-896E-33878BC3FC8C}" presName="sibTransNodeCircle" presStyleLbl="alignNode1" presStyleIdx="4" presStyleCnt="8">
+        <dgm:presLayoutVars>
+          <dgm:chMax val="0"/>
+          <dgm:bulletEnabled/>
+        </dgm:presLayoutVars>
+      </dgm:prSet>
+      <dgm:spPr/>
+    </dgm:pt>
+    <dgm:pt modelId="{FE891E77-32A5-4B8C-8C80-FD2DEBFC35B0}" type="pres">
+      <dgm:prSet presAssocID="{09D6F800-41B9-450F-999C-174D6D7BF18D}" presName="bottomLine" presStyleLbl="alignNode1" presStyleIdx="5" presStyleCnt="8">
+        <dgm:presLayoutVars/>
+      </dgm:prSet>
+      <dgm:spPr/>
+    </dgm:pt>
+    <dgm:pt modelId="{55326D1A-4856-4D43-86C9-377D00F99206}" type="pres">
+      <dgm:prSet presAssocID="{09D6F800-41B9-450F-999C-174D6D7BF18D}" presName="nodeText" presStyleLbl="bgAccFollowNode1" presStyleIdx="2" presStyleCnt="4">
+        <dgm:presLayoutVars>
+          <dgm:bulletEnabled val="1"/>
+        </dgm:presLayoutVars>
+      </dgm:prSet>
+      <dgm:spPr/>
+    </dgm:pt>
+    <dgm:pt modelId="{ACFAFC86-E7AA-4B44-AD7D-075FAB70B4EA}" type="pres">
+      <dgm:prSet presAssocID="{B81A4DDC-061B-4464-896E-33878BC3FC8C}" presName="sibTrans" presStyleCnt="0"/>
+      <dgm:spPr/>
+    </dgm:pt>
+    <dgm:pt modelId="{A3ACB7F5-83B4-43AE-A4B3-DF4B7B487791}" type="pres">
+      <dgm:prSet presAssocID="{2CC1F8AE-BDA1-497A-A49F-0ECC61B39349}" presName="compositeNode" presStyleCnt="0">
+        <dgm:presLayoutVars>
+          <dgm:bulletEnabled val="1"/>
+        </dgm:presLayoutVars>
+      </dgm:prSet>
+      <dgm:spPr/>
+    </dgm:pt>
+    <dgm:pt modelId="{F779DBAA-C7C3-4C18-A21B-42B0C847D35D}" type="pres">
+      <dgm:prSet presAssocID="{2CC1F8AE-BDA1-497A-A49F-0ECC61B39349}" presName="bgRect" presStyleLbl="bgAccFollowNode1" presStyleIdx="3" presStyleCnt="4"/>
+      <dgm:spPr/>
+    </dgm:pt>
+    <dgm:pt modelId="{80887EDB-A7D3-48A2-B014-FECA52D436C4}" type="pres">
+      <dgm:prSet presAssocID="{5956022D-76FE-41D2-9449-1A1F9F94538D}" presName="sibTransNodeCircle" presStyleLbl="alignNode1" presStyleIdx="6" presStyleCnt="8">
+        <dgm:presLayoutVars>
+          <dgm:chMax val="0"/>
+          <dgm:bulletEnabled/>
+        </dgm:presLayoutVars>
+      </dgm:prSet>
+      <dgm:spPr/>
+    </dgm:pt>
+    <dgm:pt modelId="{99964A9B-8860-4871-8D79-6DA67EA05212}" type="pres">
+      <dgm:prSet presAssocID="{2CC1F8AE-BDA1-497A-A49F-0ECC61B39349}" presName="bottomLine" presStyleLbl="alignNode1" presStyleIdx="7" presStyleCnt="8">
+        <dgm:presLayoutVars/>
+      </dgm:prSet>
+      <dgm:spPr/>
+    </dgm:pt>
+    <dgm:pt modelId="{50AE49B6-C302-4D7F-9581-F9079280FF5D}" type="pres">
+      <dgm:prSet presAssocID="{2CC1F8AE-BDA1-497A-A49F-0ECC61B39349}" presName="nodeText" presStyleLbl="bgAccFollowNode1" presStyleIdx="3" presStyleCnt="4">
+        <dgm:presLayoutVars>
+          <dgm:bulletEnabled val="1"/>
+        </dgm:presLayoutVars>
+      </dgm:prSet>
+      <dgm:spPr/>
+    </dgm:pt>
+  </dgm:ptLst>
+  <dgm:cxnLst>
+    <dgm:cxn modelId="{F8BA8F10-AFF1-49F6-A3F6-0ABE59A907D0}" type="presOf" srcId="{2CC1F8AE-BDA1-497A-A49F-0ECC61B39349}" destId="{F779DBAA-C7C3-4C18-A21B-42B0C847D35D}" srcOrd="0" destOrd="0" presId="urn:microsoft.com/office/officeart/2016/7/layout/BasicLinearProcessNumbered"/>
+    <dgm:cxn modelId="{13CFBE1C-9C20-43A5-8926-9B83D7B87D0A}" type="presOf" srcId="{058A2D21-41EF-49C3-A1E2-E8139002D04A}" destId="{6971CCBD-CBC6-481F-BEE2-6EE5AE0832F3}" srcOrd="0" destOrd="0" presId="urn:microsoft.com/office/officeart/2016/7/layout/BasicLinearProcessNumbered"/>
+    <dgm:cxn modelId="{B6A3BE1E-F25A-409B-9F3A-6D21B32FEA50}" type="presOf" srcId="{F37F0FCA-C808-45A5-B512-9DA95F1FDBCA}" destId="{167BBD24-D69D-441F-B6D4-ABEA0E638AD9}" srcOrd="0" destOrd="0" presId="urn:microsoft.com/office/officeart/2016/7/layout/BasicLinearProcessNumbered"/>
+    <dgm:cxn modelId="{85F15A26-994F-4670-B1C6-07A7E9022936}" type="presOf" srcId="{09D6F800-41B9-450F-999C-174D6D7BF18D}" destId="{2236C633-AAF1-4C06-9D8C-278021425D13}" srcOrd="0" destOrd="0" presId="urn:microsoft.com/office/officeart/2016/7/layout/BasicLinearProcessNumbered"/>
+    <dgm:cxn modelId="{EC29AD5C-EC30-4EC1-B2FB-D9F56B131EE4}" type="presOf" srcId="{2CC1F8AE-BDA1-497A-A49F-0ECC61B39349}" destId="{50AE49B6-C302-4D7F-9581-F9079280FF5D}" srcOrd="1" destOrd="0" presId="urn:microsoft.com/office/officeart/2016/7/layout/BasicLinearProcessNumbered"/>
+    <dgm:cxn modelId="{27224E5D-5809-4930-9A8C-1D15EF4CD087}" type="presOf" srcId="{F37F0FCA-C808-45A5-B512-9DA95F1FDBCA}" destId="{EBEEF914-9A46-413E-B0C4-538658392CA1}" srcOrd="1" destOrd="0" presId="urn:microsoft.com/office/officeart/2016/7/layout/BasicLinearProcessNumbered"/>
+    <dgm:cxn modelId="{63495261-DF37-4118-B0CA-CA5EB7DBEBE2}" srcId="{DB2BE555-3CA2-42E7-A130-5E5FD3D0BFA8}" destId="{2CC1F8AE-BDA1-497A-A49F-0ECC61B39349}" srcOrd="3" destOrd="0" parTransId="{D7E63C00-C94B-4CA3-820E-AA95E91DA150}" sibTransId="{5956022D-76FE-41D2-9449-1A1F9F94538D}"/>
+    <dgm:cxn modelId="{62FE9371-FA90-4B85-AA9F-D3766E8E4FD6}" type="presOf" srcId="{864280BB-C230-4D56-AD8F-9C68F75320EE}" destId="{15AF774E-9AE6-4F8F-A69B-19A4F73BD9BC}" srcOrd="0" destOrd="0" presId="urn:microsoft.com/office/officeart/2016/7/layout/BasicLinearProcessNumbered"/>
+    <dgm:cxn modelId="{A5971085-06F1-45A6-8388-3478CE01FA04}" srcId="{DB2BE555-3CA2-42E7-A130-5E5FD3D0BFA8}" destId="{F37F0FCA-C808-45A5-B512-9DA95F1FDBCA}" srcOrd="0" destOrd="0" parTransId="{1F010ACE-4095-491D-8A2D-A5E80C371E40}" sibTransId="{864280BB-C230-4D56-AD8F-9C68F75320EE}"/>
+    <dgm:cxn modelId="{3E789485-5248-4E5F-9981-05DB4EC13723}" srcId="{DB2BE555-3CA2-42E7-A130-5E5FD3D0BFA8}" destId="{09D6F800-41B9-450F-999C-174D6D7BF18D}" srcOrd="2" destOrd="0" parTransId="{FB070A26-D0F2-4A22-8FFA-2D25012D6A7A}" sibTransId="{B81A4DDC-061B-4464-896E-33878BC3FC8C}"/>
+    <dgm:cxn modelId="{8B82D0A4-8D9E-4CF2-8B8E-357629A5BABF}" srcId="{DB2BE555-3CA2-42E7-A130-5E5FD3D0BFA8}" destId="{058A2D21-41EF-49C3-A1E2-E8139002D04A}" srcOrd="1" destOrd="0" parTransId="{DAB807CD-B6DB-45D1-853C-D7973F69D570}" sibTransId="{B40C5B47-7C12-44BA-A7AA-B466BB3DA4A0}"/>
+    <dgm:cxn modelId="{A8FE84B1-8DEB-4063-8AC9-8441C297B369}" type="presOf" srcId="{09D6F800-41B9-450F-999C-174D6D7BF18D}" destId="{55326D1A-4856-4D43-86C9-377D00F99206}" srcOrd="1" destOrd="0" presId="urn:microsoft.com/office/officeart/2016/7/layout/BasicLinearProcessNumbered"/>
+    <dgm:cxn modelId="{E9C2B1B1-545E-4856-890B-C0DE0D91BD80}" type="presOf" srcId="{B81A4DDC-061B-4464-896E-33878BC3FC8C}" destId="{D7040E2C-B06B-498F-BAD9-A68611F0D6CC}" srcOrd="0" destOrd="0" presId="urn:microsoft.com/office/officeart/2016/7/layout/BasicLinearProcessNumbered"/>
+    <dgm:cxn modelId="{3F91E9E8-E427-4DA3-BA13-60A0C5CBA182}" type="presOf" srcId="{B40C5B47-7C12-44BA-A7AA-B466BB3DA4A0}" destId="{5621B987-64A2-4D90-AE76-5267FECAB125}" srcOrd="0" destOrd="0" presId="urn:microsoft.com/office/officeart/2016/7/layout/BasicLinearProcessNumbered"/>
+    <dgm:cxn modelId="{163EE7ED-3D95-47FF-8C98-5E09C45FCCDB}" type="presOf" srcId="{DB2BE555-3CA2-42E7-A130-5E5FD3D0BFA8}" destId="{434862D8-0D71-40D3-941E-FAAAF8078FF1}" srcOrd="0" destOrd="0" presId="urn:microsoft.com/office/officeart/2016/7/layout/BasicLinearProcessNumbered"/>
+    <dgm:cxn modelId="{07D51DF2-4C1D-4F98-9725-5BC7B326ECBB}" type="presOf" srcId="{058A2D21-41EF-49C3-A1E2-E8139002D04A}" destId="{8F398690-E440-42CE-A71A-16EBFA7FA47F}" srcOrd="1" destOrd="0" presId="urn:microsoft.com/office/officeart/2016/7/layout/BasicLinearProcessNumbered"/>
+    <dgm:cxn modelId="{F484ACF6-9A1F-4D85-9A2B-884AEAB766BF}" type="presOf" srcId="{5956022D-76FE-41D2-9449-1A1F9F94538D}" destId="{80887EDB-A7D3-48A2-B014-FECA52D436C4}" srcOrd="0" destOrd="0" presId="urn:microsoft.com/office/officeart/2016/7/layout/BasicLinearProcessNumbered"/>
+    <dgm:cxn modelId="{847B4D55-E81F-46B7-A023-41193F88148C}" type="presParOf" srcId="{434862D8-0D71-40D3-941E-FAAAF8078FF1}" destId="{5D1908BA-870B-4C23-9AFB-7F32539EC1F2}" srcOrd="0" destOrd="0" presId="urn:microsoft.com/office/officeart/2016/7/layout/BasicLinearProcessNumbered"/>
+    <dgm:cxn modelId="{E4E61AAB-2841-4E1E-A27D-789BC8858FEE}" type="presParOf" srcId="{5D1908BA-870B-4C23-9AFB-7F32539EC1F2}" destId="{167BBD24-D69D-441F-B6D4-ABEA0E638AD9}" srcOrd="0" destOrd="0" presId="urn:microsoft.com/office/officeart/2016/7/layout/BasicLinearProcessNumbered"/>
+    <dgm:cxn modelId="{77C899F2-18A5-4638-AF3E-63671AC9CF41}" type="presParOf" srcId="{5D1908BA-870B-4C23-9AFB-7F32539EC1F2}" destId="{15AF774E-9AE6-4F8F-A69B-19A4F73BD9BC}" srcOrd="1" destOrd="0" presId="urn:microsoft.com/office/officeart/2016/7/layout/BasicLinearProcessNumbered"/>
+    <dgm:cxn modelId="{34915010-4273-47F8-9A32-5A5CBC97304E}" type="presParOf" srcId="{5D1908BA-870B-4C23-9AFB-7F32539EC1F2}" destId="{21AB5068-7CB4-4293-BC8B-8A12B62FEE7D}" srcOrd="2" destOrd="0" presId="urn:microsoft.com/office/officeart/2016/7/layout/BasicLinearProcessNumbered"/>
+    <dgm:cxn modelId="{CC1FD4EB-0CF0-4F3A-A1A9-5E5C760FA9B0}" type="presParOf" srcId="{5D1908BA-870B-4C23-9AFB-7F32539EC1F2}" destId="{EBEEF914-9A46-413E-B0C4-538658392CA1}" srcOrd="3" destOrd="0" presId="urn:microsoft.com/office/officeart/2016/7/layout/BasicLinearProcessNumbered"/>
+    <dgm:cxn modelId="{F9575E50-2683-420D-921A-98158E9A1BE0}" type="presParOf" srcId="{434862D8-0D71-40D3-941E-FAAAF8078FF1}" destId="{E831ACE0-ECE2-4913-918E-F73F903022F2}" srcOrd="1" destOrd="0" presId="urn:microsoft.com/office/officeart/2016/7/layout/BasicLinearProcessNumbered"/>
+    <dgm:cxn modelId="{B9E60CB3-6CB3-4D5A-B62F-4F4C5CAF29AD}" type="presParOf" srcId="{434862D8-0D71-40D3-941E-FAAAF8078FF1}" destId="{768C3557-7058-4C3B-860A-A736BC6BD90F}" srcOrd="2" destOrd="0" presId="urn:microsoft.com/office/officeart/2016/7/layout/BasicLinearProcessNumbered"/>
+    <dgm:cxn modelId="{149E4FEC-726A-442F-BF7D-C068825D4EF8}" type="presParOf" srcId="{768C3557-7058-4C3B-860A-A736BC6BD90F}" destId="{6971CCBD-CBC6-481F-BEE2-6EE5AE0832F3}" srcOrd="0" destOrd="0" presId="urn:microsoft.com/office/officeart/2016/7/layout/BasicLinearProcessNumbered"/>
+    <dgm:cxn modelId="{FF8CC964-D07C-4091-8C6E-539AFDAD8D84}" type="presParOf" srcId="{768C3557-7058-4C3B-860A-A736BC6BD90F}" destId="{5621B987-64A2-4D90-AE76-5267FECAB125}" srcOrd="1" destOrd="0" presId="urn:microsoft.com/office/officeart/2016/7/layout/BasicLinearProcessNumbered"/>
+    <dgm:cxn modelId="{DB4FBDC8-2757-42FB-8129-BFF58C83CB8F}" type="presParOf" srcId="{768C3557-7058-4C3B-860A-A736BC6BD90F}" destId="{73EBCC14-6B82-49C1-90DF-E4869EDB4AF0}" srcOrd="2" destOrd="0" presId="urn:microsoft.com/office/officeart/2016/7/layout/BasicLinearProcessNumbered"/>
+    <dgm:cxn modelId="{ABAC9541-867F-4290-8D2E-E03435458701}" type="presParOf" srcId="{768C3557-7058-4C3B-860A-A736BC6BD90F}" destId="{8F398690-E440-42CE-A71A-16EBFA7FA47F}" srcOrd="3" destOrd="0" presId="urn:microsoft.com/office/officeart/2016/7/layout/BasicLinearProcessNumbered"/>
+    <dgm:cxn modelId="{5F090BA4-AE0B-48CB-9A1C-7F0689F3CB81}" type="presParOf" srcId="{434862D8-0D71-40D3-941E-FAAAF8078FF1}" destId="{463E2DC2-969C-469F-8F07-F69174B23A42}" srcOrd="3" destOrd="0" presId="urn:microsoft.com/office/officeart/2016/7/layout/BasicLinearProcessNumbered"/>
+    <dgm:cxn modelId="{365E20A0-C12D-4408-9618-76AC138D4215}" type="presParOf" srcId="{434862D8-0D71-40D3-941E-FAAAF8078FF1}" destId="{A48AE07E-8C84-4327-BE2D-2794A2A71AE3}" srcOrd="4" destOrd="0" presId="urn:microsoft.com/office/officeart/2016/7/layout/BasicLinearProcessNumbered"/>
+    <dgm:cxn modelId="{3757B799-8FC1-4F53-9DEC-D63AFFEFA101}" type="presParOf" srcId="{A48AE07E-8C84-4327-BE2D-2794A2A71AE3}" destId="{2236C633-AAF1-4C06-9D8C-278021425D13}" srcOrd="0" destOrd="0" presId="urn:microsoft.com/office/officeart/2016/7/layout/BasicLinearProcessNumbered"/>
+    <dgm:cxn modelId="{73DDB45B-CEA4-4047-9BDF-70E6E32DF305}" type="presParOf" srcId="{A48AE07E-8C84-4327-BE2D-2794A2A71AE3}" destId="{D7040E2C-B06B-498F-BAD9-A68611F0D6CC}" srcOrd="1" destOrd="0" presId="urn:microsoft.com/office/officeart/2016/7/layout/BasicLinearProcessNumbered"/>
+    <dgm:cxn modelId="{CDA55E05-1117-4525-8A3A-A2FBC883CE2D}" type="presParOf" srcId="{A48AE07E-8C84-4327-BE2D-2794A2A71AE3}" destId="{FE891E77-32A5-4B8C-8C80-FD2DEBFC35B0}" srcOrd="2" destOrd="0" presId="urn:microsoft.com/office/officeart/2016/7/layout/BasicLinearProcessNumbered"/>
+    <dgm:cxn modelId="{E9FE76C9-1E7C-4DC5-B590-20371C1F5D1C}" type="presParOf" srcId="{A48AE07E-8C84-4327-BE2D-2794A2A71AE3}" destId="{55326D1A-4856-4D43-86C9-377D00F99206}" srcOrd="3" destOrd="0" presId="urn:microsoft.com/office/officeart/2016/7/layout/BasicLinearProcessNumbered"/>
+    <dgm:cxn modelId="{D04C070D-A539-4540-806B-2AA87C69B612}" type="presParOf" srcId="{434862D8-0D71-40D3-941E-FAAAF8078FF1}" destId="{ACFAFC86-E7AA-4B44-AD7D-075FAB70B4EA}" srcOrd="5" destOrd="0" presId="urn:microsoft.com/office/officeart/2016/7/layout/BasicLinearProcessNumbered"/>
+    <dgm:cxn modelId="{98DB8AC3-1A82-4176-9F9D-18A72ACF42FA}" type="presParOf" srcId="{434862D8-0D71-40D3-941E-FAAAF8078FF1}" destId="{A3ACB7F5-83B4-43AE-A4B3-DF4B7B487791}" srcOrd="6" destOrd="0" presId="urn:microsoft.com/office/officeart/2016/7/layout/BasicLinearProcessNumbered"/>
+    <dgm:cxn modelId="{66B1D17F-6E2A-4B99-AC81-9AD6F723145D}" type="presParOf" srcId="{A3ACB7F5-83B4-43AE-A4B3-DF4B7B487791}" destId="{F779DBAA-C7C3-4C18-A21B-42B0C847D35D}" srcOrd="0" destOrd="0" presId="urn:microsoft.com/office/officeart/2016/7/layout/BasicLinearProcessNumbered"/>
+    <dgm:cxn modelId="{862DB574-A755-4A9C-A728-F96F81AB8C91}" type="presParOf" srcId="{A3ACB7F5-83B4-43AE-A4B3-DF4B7B487791}" destId="{80887EDB-A7D3-48A2-B014-FECA52D436C4}" srcOrd="1" destOrd="0" presId="urn:microsoft.com/office/officeart/2016/7/layout/BasicLinearProcessNumbered"/>
+    <dgm:cxn modelId="{A6DB1492-F90C-4FEF-9488-33F140732566}" type="presParOf" srcId="{A3ACB7F5-83B4-43AE-A4B3-DF4B7B487791}" destId="{99964A9B-8860-4871-8D79-6DA67EA05212}" srcOrd="2" destOrd="0" presId="urn:microsoft.com/office/officeart/2016/7/layout/BasicLinearProcessNumbered"/>
+    <dgm:cxn modelId="{80C7063F-C739-4FBF-A8F3-A11F86188FC0}" type="presParOf" srcId="{A3ACB7F5-83B4-43AE-A4B3-DF4B7B487791}" destId="{50AE49B6-C302-4D7F-9581-F9079280FF5D}" srcOrd="3" destOrd="0" presId="urn:microsoft.com/office/officeart/2016/7/layout/BasicLinearProcessNumbered"/>
+  </dgm:cxnLst>
+  <dgm:bg/>
+  <dgm:whole/>
+  <dgm:extLst>
+    <a:ext uri="http://schemas.microsoft.com/office/drawing/2008/diagram">
+      <dsp:dataModelExt xmlns:dsp="http://schemas.microsoft.com/office/drawing/2008/diagram" relId="rId6" minVer="http://schemas.openxmlformats.org/drawingml/2006/diagram"/>
+    </a:ext>
+  </dgm:extLst>
+</dgm:dataModel>
+</file>
+
+<file path=ppt/diagrams/drawing1.xml><?xml version="1.0" encoding="utf-8"?>
+<dsp:drawing xmlns:dgm="http://schemas.openxmlformats.org/drawingml/2006/diagram" xmlns:dsp="http://schemas.microsoft.com/office/drawing/2008/diagram" xmlns:a="http://schemas.openxmlformats.org/drawingml/2006/main">
+  <dsp:spTree>
+    <dsp:nvGrpSpPr>
+      <dsp:cNvPr id="0" name=""/>
+      <dsp:cNvGrpSpPr/>
+    </dsp:nvGrpSpPr>
+    <dsp:grpSpPr/>
+    <dsp:sp modelId="{167BBD24-D69D-441F-B6D4-ABEA0E638AD9}">
+      <dsp:nvSpPr>
+        <dsp:cNvPr id="0" name=""/>
+        <dsp:cNvSpPr/>
+      </dsp:nvSpPr>
+      <dsp:spPr>
+        <a:xfrm>
+          <a:off x="2365" y="0"/>
+          <a:ext cx="1876763" cy="2543754"/>
+        </a:xfrm>
+        <a:prstGeom prst="rect">
+          <a:avLst/>
+        </a:prstGeom>
+        <a:solidFill>
+          <a:schemeClr val="accent2">
+            <a:tint val="40000"/>
+            <a:alpha val="90000"/>
+            <a:hueOff val="0"/>
+            <a:satOff val="0"/>
+            <a:lumOff val="0"/>
+            <a:alphaOff val="0"/>
+          </a:schemeClr>
+        </a:solidFill>
+        <a:ln w="19050" cap="flat" cmpd="sng" algn="ctr">
+          <a:solidFill>
+            <a:schemeClr val="accent2">
+              <a:tint val="40000"/>
+              <a:alpha val="90000"/>
+              <a:hueOff val="0"/>
+              <a:satOff val="0"/>
+              <a:lumOff val="0"/>
+              <a:alphaOff val="0"/>
+            </a:schemeClr>
+          </a:solidFill>
+          <a:prstDash val="solid"/>
+          <a:miter lim="800000"/>
+        </a:ln>
+        <a:effectLst/>
+      </dsp:spPr>
+      <dsp:style>
+        <a:lnRef idx="2">
+          <a:scrgbClr r="0" g="0" b="0"/>
+        </a:lnRef>
+        <a:fillRef idx="1">
+          <a:scrgbClr r="0" g="0" b="0"/>
+        </a:fillRef>
+        <a:effectRef idx="0">
+          <a:scrgbClr r="0" g="0" b="0"/>
+        </a:effectRef>
+        <a:fontRef idx="minor"/>
+      </dsp:style>
+      <dsp:txBody>
+        <a:bodyPr spcFirstLastPara="0" vert="horz" wrap="square" lIns="146320" tIns="330200" rIns="146320" bIns="330200" numCol="1" spcCol="1270" anchor="t" anchorCtr="0">
+          <a:noAutofit/>
+        </a:bodyPr>
+        <a:lstStyle/>
+        <a:p>
+          <a:pPr marL="0" lvl="0" indent="0" algn="l" defTabSz="533400">
+            <a:lnSpc>
+              <a:spcPct val="90000"/>
+            </a:lnSpc>
+            <a:spcBef>
+              <a:spcPct val="0"/>
+            </a:spcBef>
+            <a:spcAft>
+              <a:spcPct val="35000"/>
+            </a:spcAft>
+            <a:buNone/>
+            <a:defRPr cap="all"/>
+          </a:pPr>
+          <a:r>
+            <a:rPr lang="it-IT" sz="1200" kern="1200"/>
+            <a:t>Generare automaticamente modelli 3D a partire da immagini 2D</a:t>
+          </a:r>
+          <a:endParaRPr lang="en-US" sz="1200" kern="1200"/>
+        </a:p>
+      </dsp:txBody>
+      <dsp:txXfrm>
+        <a:off x="2365" y="966626"/>
+        <a:ext cx="1876763" cy="1526252"/>
+      </dsp:txXfrm>
+    </dsp:sp>
+    <dsp:sp modelId="{15AF774E-9AE6-4F8F-A69B-19A4F73BD9BC}">
+      <dsp:nvSpPr>
+        <dsp:cNvPr id="0" name=""/>
+        <dsp:cNvSpPr/>
+      </dsp:nvSpPr>
+      <dsp:spPr>
+        <a:xfrm>
+          <a:off x="559184" y="254375"/>
+          <a:ext cx="763126" cy="763126"/>
+        </a:xfrm>
+        <a:prstGeom prst="ellipse">
+          <a:avLst/>
+        </a:prstGeom>
+        <a:solidFill>
+          <a:schemeClr val="accent2">
+            <a:hueOff val="0"/>
+            <a:satOff val="0"/>
+            <a:lumOff val="0"/>
+            <a:alphaOff val="0"/>
+          </a:schemeClr>
+        </a:solidFill>
+        <a:ln w="19050" cap="flat" cmpd="sng" algn="ctr">
+          <a:solidFill>
+            <a:schemeClr val="accent2">
+              <a:hueOff val="0"/>
+              <a:satOff val="0"/>
+              <a:lumOff val="0"/>
+              <a:alphaOff val="0"/>
+            </a:schemeClr>
+          </a:solidFill>
+          <a:prstDash val="solid"/>
+          <a:miter lim="800000"/>
+        </a:ln>
+        <a:effectLst/>
+      </dsp:spPr>
+      <dsp:style>
+        <a:lnRef idx="2">
+          <a:scrgbClr r="0" g="0" b="0"/>
+        </a:lnRef>
+        <a:fillRef idx="1">
+          <a:scrgbClr r="0" g="0" b="0"/>
+        </a:fillRef>
+        <a:effectRef idx="0">
+          <a:scrgbClr r="0" g="0" b="0"/>
+        </a:effectRef>
+        <a:fontRef idx="minor">
+          <a:schemeClr val="lt1"/>
+        </a:fontRef>
+      </dsp:style>
+      <dsp:txBody>
+        <a:bodyPr spcFirstLastPara="0" vert="horz" wrap="square" lIns="59496" tIns="12700" rIns="59496" bIns="12700" numCol="1" spcCol="1270" anchor="ctr" anchorCtr="0">
+          <a:noAutofit/>
+        </a:bodyPr>
+        <a:lstStyle/>
+        <a:p>
+          <a:pPr marL="0" lvl="0" indent="0" algn="ctr" defTabSz="1600200">
+            <a:lnSpc>
+              <a:spcPct val="90000"/>
+            </a:lnSpc>
+            <a:spcBef>
+              <a:spcPct val="0"/>
+            </a:spcBef>
+            <a:spcAft>
+              <a:spcPct val="35000"/>
+            </a:spcAft>
+            <a:buNone/>
+          </a:pPr>
+          <a:r>
+            <a:rPr lang="en-US" sz="3600" kern="1200"/>
+            <a:t>1</a:t>
+          </a:r>
+        </a:p>
+      </dsp:txBody>
+      <dsp:txXfrm>
+        <a:off x="670941" y="366132"/>
+        <a:ext cx="539612" cy="539612"/>
+      </dsp:txXfrm>
+    </dsp:sp>
+    <dsp:sp modelId="{21AB5068-7CB4-4293-BC8B-8A12B62FEE7D}">
+      <dsp:nvSpPr>
+        <dsp:cNvPr id="0" name=""/>
+        <dsp:cNvSpPr/>
+      </dsp:nvSpPr>
+      <dsp:spPr>
+        <a:xfrm>
+          <a:off x="2365" y="2543682"/>
+          <a:ext cx="1876763" cy="72"/>
+        </a:xfrm>
+        <a:prstGeom prst="rect">
+          <a:avLst/>
+        </a:prstGeom>
+        <a:solidFill>
+          <a:schemeClr val="accent3">
+            <a:hueOff val="0"/>
+            <a:satOff val="0"/>
+            <a:lumOff val="0"/>
+            <a:alphaOff val="0"/>
+          </a:schemeClr>
+        </a:solidFill>
+        <a:ln w="19050" cap="flat" cmpd="sng" algn="ctr">
+          <a:solidFill>
+            <a:schemeClr val="accent3">
+              <a:hueOff val="0"/>
+              <a:satOff val="0"/>
+              <a:lumOff val="0"/>
+              <a:alphaOff val="0"/>
+            </a:schemeClr>
+          </a:solidFill>
+          <a:prstDash val="solid"/>
+          <a:miter lim="800000"/>
+        </a:ln>
+        <a:effectLst/>
+      </dsp:spPr>
+      <dsp:style>
+        <a:lnRef idx="2">
+          <a:scrgbClr r="0" g="0" b="0"/>
+        </a:lnRef>
+        <a:fillRef idx="1">
+          <a:scrgbClr r="0" g="0" b="0"/>
+        </a:fillRef>
+        <a:effectRef idx="0">
+          <a:scrgbClr r="0" g="0" b="0"/>
+        </a:effectRef>
+        <a:fontRef idx="minor">
+          <a:schemeClr val="lt1"/>
+        </a:fontRef>
+      </dsp:style>
+    </dsp:sp>
+    <dsp:sp modelId="{6971CCBD-CBC6-481F-BEE2-6EE5AE0832F3}">
+      <dsp:nvSpPr>
+        <dsp:cNvPr id="0" name=""/>
+        <dsp:cNvSpPr/>
+      </dsp:nvSpPr>
+      <dsp:spPr>
+        <a:xfrm>
+          <a:off x="2045541" y="0"/>
+          <a:ext cx="1876763" cy="2543754"/>
+        </a:xfrm>
+        <a:prstGeom prst="rect">
+          <a:avLst/>
+        </a:prstGeom>
+        <a:solidFill>
+          <a:schemeClr val="accent3">
+            <a:tint val="40000"/>
+            <a:alpha val="90000"/>
+            <a:hueOff val="0"/>
+            <a:satOff val="0"/>
+            <a:lumOff val="0"/>
+            <a:alphaOff val="0"/>
+          </a:schemeClr>
+        </a:solidFill>
+        <a:ln w="19050" cap="flat" cmpd="sng" algn="ctr">
+          <a:solidFill>
+            <a:schemeClr val="accent3">
+              <a:tint val="40000"/>
+              <a:alpha val="90000"/>
+              <a:hueOff val="0"/>
+              <a:satOff val="0"/>
+              <a:lumOff val="0"/>
+              <a:alphaOff val="0"/>
+            </a:schemeClr>
+          </a:solidFill>
+          <a:prstDash val="solid"/>
+          <a:miter lim="800000"/>
+        </a:ln>
+        <a:effectLst/>
+      </dsp:spPr>
+      <dsp:style>
+        <a:lnRef idx="2">
+          <a:scrgbClr r="0" g="0" b="0"/>
+        </a:lnRef>
+        <a:fillRef idx="1">
+          <a:scrgbClr r="0" g="0" b="0"/>
+        </a:fillRef>
+        <a:effectRef idx="0">
+          <a:scrgbClr r="0" g="0" b="0"/>
+        </a:effectRef>
+        <a:fontRef idx="minor"/>
+      </dsp:style>
+      <dsp:txBody>
+        <a:bodyPr spcFirstLastPara="0" vert="horz" wrap="square" lIns="146320" tIns="330200" rIns="146320" bIns="330200" numCol="1" spcCol="1270" anchor="t" anchorCtr="0">
+          <a:noAutofit/>
+        </a:bodyPr>
+        <a:lstStyle/>
+        <a:p>
+          <a:pPr marL="0" lvl="0" indent="0" algn="l" defTabSz="533400">
+            <a:lnSpc>
+              <a:spcPct val="90000"/>
+            </a:lnSpc>
+            <a:spcBef>
+              <a:spcPct val="0"/>
+            </a:spcBef>
+            <a:spcAft>
+              <a:spcPct val="35000"/>
+            </a:spcAft>
+            <a:buNone/>
+            <a:defRPr cap="all"/>
+          </a:pPr>
+          <a:r>
+            <a:rPr lang="it-IT" sz="1200" kern="1200"/>
+            <a:t>Integrare tecniche di Deep Learning nella pipeline di Computer Graphics</a:t>
+          </a:r>
+          <a:endParaRPr lang="en-US" sz="1200" kern="1200"/>
+        </a:p>
+      </dsp:txBody>
+      <dsp:txXfrm>
+        <a:off x="2045541" y="966626"/>
+        <a:ext cx="1876763" cy="1526252"/>
+      </dsp:txXfrm>
+    </dsp:sp>
+    <dsp:sp modelId="{5621B987-64A2-4D90-AE76-5267FECAB125}">
+      <dsp:nvSpPr>
+        <dsp:cNvPr id="0" name=""/>
+        <dsp:cNvSpPr/>
+      </dsp:nvSpPr>
+      <dsp:spPr>
+        <a:xfrm>
+          <a:off x="2623624" y="254375"/>
+          <a:ext cx="763126" cy="763126"/>
+        </a:xfrm>
+        <a:prstGeom prst="ellipse">
+          <a:avLst/>
+        </a:prstGeom>
+        <a:solidFill>
+          <a:schemeClr val="accent4">
+            <a:hueOff val="0"/>
+            <a:satOff val="0"/>
+            <a:lumOff val="0"/>
+            <a:alphaOff val="0"/>
+          </a:schemeClr>
+        </a:solidFill>
+        <a:ln w="19050" cap="flat" cmpd="sng" algn="ctr">
+          <a:solidFill>
+            <a:schemeClr val="accent4">
+              <a:hueOff val="0"/>
+              <a:satOff val="0"/>
+              <a:lumOff val="0"/>
+              <a:alphaOff val="0"/>
+            </a:schemeClr>
+          </a:solidFill>
+          <a:prstDash val="solid"/>
+          <a:miter lim="800000"/>
+        </a:ln>
+        <a:effectLst/>
+      </dsp:spPr>
+      <dsp:style>
+        <a:lnRef idx="2">
+          <a:scrgbClr r="0" g="0" b="0"/>
+        </a:lnRef>
+        <a:fillRef idx="1">
+          <a:scrgbClr r="0" g="0" b="0"/>
+        </a:fillRef>
+        <a:effectRef idx="0">
+          <a:scrgbClr r="0" g="0" b="0"/>
+        </a:effectRef>
+        <a:fontRef idx="minor">
+          <a:schemeClr val="lt1"/>
+        </a:fontRef>
+      </dsp:style>
+      <dsp:txBody>
+        <a:bodyPr spcFirstLastPara="0" vert="horz" wrap="square" lIns="59496" tIns="12700" rIns="59496" bIns="12700" numCol="1" spcCol="1270" anchor="ctr" anchorCtr="0">
+          <a:noAutofit/>
+        </a:bodyPr>
+        <a:lstStyle/>
+        <a:p>
+          <a:pPr marL="0" lvl="0" indent="0" algn="ctr" defTabSz="1600200">
+            <a:lnSpc>
+              <a:spcPct val="90000"/>
+            </a:lnSpc>
+            <a:spcBef>
+              <a:spcPct val="0"/>
+            </a:spcBef>
+            <a:spcAft>
+              <a:spcPct val="35000"/>
+            </a:spcAft>
+            <a:buNone/>
+          </a:pPr>
+          <a:r>
+            <a:rPr lang="en-US" sz="3600" kern="1200"/>
+            <a:t>2</a:t>
+          </a:r>
+        </a:p>
+      </dsp:txBody>
+      <dsp:txXfrm>
+        <a:off x="2735381" y="366132"/>
+        <a:ext cx="539612" cy="539612"/>
+      </dsp:txXfrm>
+    </dsp:sp>
+    <dsp:sp modelId="{73EBCC14-6B82-49C1-90DF-E4869EDB4AF0}">
+      <dsp:nvSpPr>
+        <dsp:cNvPr id="0" name=""/>
+        <dsp:cNvSpPr/>
+      </dsp:nvSpPr>
+      <dsp:spPr>
+        <a:xfrm>
+          <a:off x="2066805" y="2543682"/>
+          <a:ext cx="1876763" cy="72"/>
+        </a:xfrm>
+        <a:prstGeom prst="rect">
+          <a:avLst/>
+        </a:prstGeom>
+        <a:solidFill>
+          <a:schemeClr val="accent5">
+            <a:hueOff val="0"/>
+            <a:satOff val="0"/>
+            <a:lumOff val="0"/>
+            <a:alphaOff val="0"/>
+          </a:schemeClr>
+        </a:solidFill>
+        <a:ln w="19050" cap="flat" cmpd="sng" algn="ctr">
+          <a:solidFill>
+            <a:schemeClr val="accent5">
+              <a:hueOff val="0"/>
+              <a:satOff val="0"/>
+              <a:lumOff val="0"/>
+              <a:alphaOff val="0"/>
+            </a:schemeClr>
+          </a:solidFill>
+          <a:prstDash val="solid"/>
+          <a:miter lim="800000"/>
+        </a:ln>
+        <a:effectLst/>
+      </dsp:spPr>
+      <dsp:style>
+        <a:lnRef idx="2">
+          <a:scrgbClr r="0" g="0" b="0"/>
+        </a:lnRef>
+        <a:fillRef idx="1">
+          <a:scrgbClr r="0" g="0" b="0"/>
+        </a:fillRef>
+        <a:effectRef idx="0">
+          <a:scrgbClr r="0" g="0" b="0"/>
+        </a:effectRef>
+        <a:fontRef idx="minor">
+          <a:schemeClr val="lt1"/>
+        </a:fontRef>
+      </dsp:style>
+    </dsp:sp>
+    <dsp:sp modelId="{2236C633-AAF1-4C06-9D8C-278021425D13}">
+      <dsp:nvSpPr>
+        <dsp:cNvPr id="0" name=""/>
+        <dsp:cNvSpPr/>
+      </dsp:nvSpPr>
+      <dsp:spPr>
+        <a:xfrm>
+          <a:off x="4131245" y="0"/>
+          <a:ext cx="1876763" cy="2543754"/>
+        </a:xfrm>
+        <a:prstGeom prst="rect">
+          <a:avLst/>
+        </a:prstGeom>
+        <a:solidFill>
+          <a:schemeClr val="accent4">
+            <a:tint val="40000"/>
+            <a:alpha val="90000"/>
+            <a:hueOff val="0"/>
+            <a:satOff val="0"/>
+            <a:lumOff val="0"/>
+            <a:alphaOff val="0"/>
+          </a:schemeClr>
+        </a:solidFill>
+        <a:ln w="19050" cap="flat" cmpd="sng" algn="ctr">
+          <a:solidFill>
+            <a:schemeClr val="accent4">
+              <a:tint val="40000"/>
+              <a:alpha val="90000"/>
+              <a:hueOff val="0"/>
+              <a:satOff val="0"/>
+              <a:lumOff val="0"/>
+              <a:alphaOff val="0"/>
+            </a:schemeClr>
+          </a:solidFill>
+          <a:prstDash val="solid"/>
+          <a:miter lim="800000"/>
+        </a:ln>
+        <a:effectLst/>
+      </dsp:spPr>
+      <dsp:style>
+        <a:lnRef idx="2">
+          <a:scrgbClr r="0" g="0" b="0"/>
+        </a:lnRef>
+        <a:fillRef idx="1">
+          <a:scrgbClr r="0" g="0" b="0"/>
+        </a:fillRef>
+        <a:effectRef idx="0">
+          <a:scrgbClr r="0" g="0" b="0"/>
+        </a:effectRef>
+        <a:fontRef idx="minor"/>
+      </dsp:style>
+      <dsp:txBody>
+        <a:bodyPr spcFirstLastPara="0" vert="horz" wrap="square" lIns="146320" tIns="330200" rIns="146320" bIns="330200" numCol="1" spcCol="1270" anchor="t" anchorCtr="0">
+          <a:noAutofit/>
+        </a:bodyPr>
+        <a:lstStyle/>
+        <a:p>
+          <a:pPr marL="0" lvl="0" indent="0" algn="l" defTabSz="533400">
+            <a:lnSpc>
+              <a:spcPct val="90000"/>
+            </a:lnSpc>
+            <a:spcBef>
+              <a:spcPct val="0"/>
+            </a:spcBef>
+            <a:spcAft>
+              <a:spcPct val="35000"/>
+            </a:spcAft>
+            <a:buNone/>
+            <a:defRPr cap="all"/>
+          </a:pPr>
+          <a:r>
+            <a:rPr lang="it-IT" sz="1200" kern="1200"/>
+            <a:t>Realizzare una pipeline end-to-end per la prototipazione di Digital Twin</a:t>
+          </a:r>
+          <a:endParaRPr lang="en-US" sz="1200" kern="1200"/>
+        </a:p>
+      </dsp:txBody>
+      <dsp:txXfrm>
+        <a:off x="4131245" y="966626"/>
+        <a:ext cx="1876763" cy="1526252"/>
+      </dsp:txXfrm>
+    </dsp:sp>
+    <dsp:sp modelId="{D7040E2C-B06B-498F-BAD9-A68611F0D6CC}">
+      <dsp:nvSpPr>
+        <dsp:cNvPr id="0" name=""/>
+        <dsp:cNvSpPr/>
+      </dsp:nvSpPr>
+      <dsp:spPr>
+        <a:xfrm>
+          <a:off x="4688064" y="254375"/>
+          <a:ext cx="763126" cy="763126"/>
+        </a:xfrm>
+        <a:prstGeom prst="ellipse">
+          <a:avLst/>
+        </a:prstGeom>
+        <a:solidFill>
+          <a:schemeClr val="accent6">
+            <a:hueOff val="0"/>
+            <a:satOff val="0"/>
+            <a:lumOff val="0"/>
+            <a:alphaOff val="0"/>
+          </a:schemeClr>
+        </a:solidFill>
+        <a:ln w="19050" cap="flat" cmpd="sng" algn="ctr">
+          <a:solidFill>
+            <a:schemeClr val="accent6">
+              <a:hueOff val="0"/>
+              <a:satOff val="0"/>
+              <a:lumOff val="0"/>
+              <a:alphaOff val="0"/>
+            </a:schemeClr>
+          </a:solidFill>
+          <a:prstDash val="solid"/>
+          <a:miter lim="800000"/>
+        </a:ln>
+        <a:effectLst/>
+      </dsp:spPr>
+      <dsp:style>
+        <a:lnRef idx="2">
+          <a:scrgbClr r="0" g="0" b="0"/>
+        </a:lnRef>
+        <a:fillRef idx="1">
+          <a:scrgbClr r="0" g="0" b="0"/>
+        </a:fillRef>
+        <a:effectRef idx="0">
+          <a:scrgbClr r="0" g="0" b="0"/>
+        </a:effectRef>
+        <a:fontRef idx="minor">
+          <a:schemeClr val="lt1"/>
+        </a:fontRef>
+      </dsp:style>
+      <dsp:txBody>
+        <a:bodyPr spcFirstLastPara="0" vert="horz" wrap="square" lIns="59496" tIns="12700" rIns="59496" bIns="12700" numCol="1" spcCol="1270" anchor="ctr" anchorCtr="0">
+          <a:noAutofit/>
+        </a:bodyPr>
+        <a:lstStyle/>
+        <a:p>
+          <a:pPr marL="0" lvl="0" indent="0" algn="ctr" defTabSz="1600200">
+            <a:lnSpc>
+              <a:spcPct val="90000"/>
+            </a:lnSpc>
+            <a:spcBef>
+              <a:spcPct val="0"/>
+            </a:spcBef>
+            <a:spcAft>
+              <a:spcPct val="35000"/>
+            </a:spcAft>
+            <a:buNone/>
+          </a:pPr>
+          <a:r>
+            <a:rPr lang="en-US" sz="3600" kern="1200"/>
+            <a:t>3</a:t>
+          </a:r>
+        </a:p>
+      </dsp:txBody>
+      <dsp:txXfrm>
+        <a:off x="4799821" y="366132"/>
+        <a:ext cx="539612" cy="539612"/>
+      </dsp:txXfrm>
+    </dsp:sp>
+    <dsp:sp modelId="{FE891E77-32A5-4B8C-8C80-FD2DEBFC35B0}">
+      <dsp:nvSpPr>
+        <dsp:cNvPr id="0" name=""/>
+        <dsp:cNvSpPr/>
+      </dsp:nvSpPr>
+      <dsp:spPr>
+        <a:xfrm>
+          <a:off x="4131245" y="2543682"/>
+          <a:ext cx="1876763" cy="72"/>
+        </a:xfrm>
+        <a:prstGeom prst="rect">
+          <a:avLst/>
+        </a:prstGeom>
+        <a:solidFill>
+          <a:schemeClr val="accent2">
+            <a:hueOff val="0"/>
+            <a:satOff val="0"/>
+            <a:lumOff val="0"/>
+            <a:alphaOff val="0"/>
+          </a:schemeClr>
+        </a:solidFill>
+        <a:ln w="19050" cap="flat" cmpd="sng" algn="ctr">
+          <a:solidFill>
+            <a:schemeClr val="accent2">
+              <a:hueOff val="0"/>
+              <a:satOff val="0"/>
+              <a:lumOff val="0"/>
+              <a:alphaOff val="0"/>
+            </a:schemeClr>
+          </a:solidFill>
+          <a:prstDash val="solid"/>
+          <a:miter lim="800000"/>
+        </a:ln>
+        <a:effectLst/>
+      </dsp:spPr>
+      <dsp:style>
+        <a:lnRef idx="2">
+          <a:scrgbClr r="0" g="0" b="0"/>
+        </a:lnRef>
+        <a:fillRef idx="1">
+          <a:scrgbClr r="0" g="0" b="0"/>
+        </a:fillRef>
+        <a:effectRef idx="0">
+          <a:scrgbClr r="0" g="0" b="0"/>
+        </a:effectRef>
+        <a:fontRef idx="minor">
+          <a:schemeClr val="lt1"/>
+        </a:fontRef>
+      </dsp:style>
+    </dsp:sp>
+    <dsp:sp modelId="{F779DBAA-C7C3-4C18-A21B-42B0C847D35D}">
+      <dsp:nvSpPr>
+        <dsp:cNvPr id="0" name=""/>
+        <dsp:cNvSpPr/>
+      </dsp:nvSpPr>
+      <dsp:spPr>
+        <a:xfrm>
+          <a:off x="6195685" y="0"/>
+          <a:ext cx="1876763" cy="2543754"/>
+        </a:xfrm>
+        <a:prstGeom prst="rect">
+          <a:avLst/>
+        </a:prstGeom>
+        <a:solidFill>
+          <a:schemeClr val="accent5">
+            <a:tint val="40000"/>
+            <a:alpha val="90000"/>
+            <a:hueOff val="0"/>
+            <a:satOff val="0"/>
+            <a:lumOff val="0"/>
+            <a:alphaOff val="0"/>
+          </a:schemeClr>
+        </a:solidFill>
+        <a:ln w="19050" cap="flat" cmpd="sng" algn="ctr">
+          <a:solidFill>
+            <a:schemeClr val="accent5">
+              <a:tint val="40000"/>
+              <a:alpha val="90000"/>
+              <a:hueOff val="0"/>
+              <a:satOff val="0"/>
+              <a:lumOff val="0"/>
+              <a:alphaOff val="0"/>
+            </a:schemeClr>
+          </a:solidFill>
+          <a:prstDash val="solid"/>
+          <a:miter lim="800000"/>
+        </a:ln>
+        <a:effectLst/>
+      </dsp:spPr>
+      <dsp:style>
+        <a:lnRef idx="2">
+          <a:scrgbClr r="0" g="0" b="0"/>
+        </a:lnRef>
+        <a:fillRef idx="1">
+          <a:scrgbClr r="0" g="0" b="0"/>
+        </a:fillRef>
+        <a:effectRef idx="0">
+          <a:scrgbClr r="0" g="0" b="0"/>
+        </a:effectRef>
+        <a:fontRef idx="minor"/>
+      </dsp:style>
+      <dsp:txBody>
+        <a:bodyPr spcFirstLastPara="0" vert="horz" wrap="square" lIns="146320" tIns="330200" rIns="146320" bIns="330200" numCol="1" spcCol="1270" anchor="t" anchorCtr="0">
+          <a:noAutofit/>
+        </a:bodyPr>
+        <a:lstStyle/>
+        <a:p>
+          <a:pPr marL="0" lvl="0" indent="0" algn="l" defTabSz="533400">
+            <a:lnSpc>
+              <a:spcPct val="90000"/>
+            </a:lnSpc>
+            <a:spcBef>
+              <a:spcPct val="0"/>
+            </a:spcBef>
+            <a:spcAft>
+              <a:spcPct val="35000"/>
+            </a:spcAft>
+            <a:buNone/>
+            <a:defRPr cap="all"/>
+          </a:pPr>
+          <a:r>
+            <a:rPr lang="it-IT" sz="1200" kern="1200"/>
+            <a:t>Consentire la visualizzazione e l’interazione dei modelli in ambiente XR</a:t>
+          </a:r>
+          <a:endParaRPr lang="en-US" sz="1200" kern="1200"/>
+        </a:p>
+      </dsp:txBody>
+      <dsp:txXfrm>
+        <a:off x="6195685" y="966626"/>
+        <a:ext cx="1876763" cy="1526252"/>
+      </dsp:txXfrm>
+    </dsp:sp>
+    <dsp:sp modelId="{80887EDB-A7D3-48A2-B014-FECA52D436C4}">
+      <dsp:nvSpPr>
+        <dsp:cNvPr id="0" name=""/>
+        <dsp:cNvSpPr/>
+      </dsp:nvSpPr>
+      <dsp:spPr>
+        <a:xfrm>
+          <a:off x="6752504" y="254375"/>
+          <a:ext cx="763126" cy="763126"/>
+        </a:xfrm>
+        <a:prstGeom prst="ellipse">
+          <a:avLst/>
+        </a:prstGeom>
+        <a:solidFill>
+          <a:schemeClr val="accent3">
+            <a:hueOff val="0"/>
+            <a:satOff val="0"/>
+            <a:lumOff val="0"/>
+            <a:alphaOff val="0"/>
+          </a:schemeClr>
+        </a:solidFill>
+        <a:ln w="19050" cap="flat" cmpd="sng" algn="ctr">
+          <a:solidFill>
+            <a:schemeClr val="accent3">
+              <a:hueOff val="0"/>
+              <a:satOff val="0"/>
+              <a:lumOff val="0"/>
+              <a:alphaOff val="0"/>
+            </a:schemeClr>
+          </a:solidFill>
+          <a:prstDash val="solid"/>
+          <a:miter lim="800000"/>
+        </a:ln>
+        <a:effectLst/>
+      </dsp:spPr>
+      <dsp:style>
+        <a:lnRef idx="2">
+          <a:scrgbClr r="0" g="0" b="0"/>
+        </a:lnRef>
+        <a:fillRef idx="1">
+          <a:scrgbClr r="0" g="0" b="0"/>
+        </a:fillRef>
+        <a:effectRef idx="0">
+          <a:scrgbClr r="0" g="0" b="0"/>
+        </a:effectRef>
+        <a:fontRef idx="minor">
+          <a:schemeClr val="lt1"/>
+        </a:fontRef>
+      </dsp:style>
+      <dsp:txBody>
+        <a:bodyPr spcFirstLastPara="0" vert="horz" wrap="square" lIns="59496" tIns="12700" rIns="59496" bIns="12700" numCol="1" spcCol="1270" anchor="ctr" anchorCtr="0">
+          <a:noAutofit/>
+        </a:bodyPr>
+        <a:lstStyle/>
+        <a:p>
+          <a:pPr marL="0" lvl="0" indent="0" algn="ctr" defTabSz="1600200">
+            <a:lnSpc>
+              <a:spcPct val="90000"/>
+            </a:lnSpc>
+            <a:spcBef>
+              <a:spcPct val="0"/>
+            </a:spcBef>
+            <a:spcAft>
+              <a:spcPct val="35000"/>
+            </a:spcAft>
+            <a:buNone/>
+          </a:pPr>
+          <a:r>
+            <a:rPr lang="en-US" sz="3600" kern="1200"/>
+            <a:t>4</a:t>
+          </a:r>
+        </a:p>
+      </dsp:txBody>
+      <dsp:txXfrm>
+        <a:off x="6864261" y="366132"/>
+        <a:ext cx="539612" cy="539612"/>
+      </dsp:txXfrm>
+    </dsp:sp>
+    <dsp:sp modelId="{99964A9B-8860-4871-8D79-6DA67EA05212}">
+      <dsp:nvSpPr>
+        <dsp:cNvPr id="0" name=""/>
+        <dsp:cNvSpPr/>
+      </dsp:nvSpPr>
+      <dsp:spPr>
+        <a:xfrm>
+          <a:off x="6195685" y="2543682"/>
+          <a:ext cx="1876763" cy="72"/>
+        </a:xfrm>
+        <a:prstGeom prst="rect">
+          <a:avLst/>
+        </a:prstGeom>
+        <a:solidFill>
+          <a:schemeClr val="accent4">
+            <a:hueOff val="0"/>
+            <a:satOff val="0"/>
+            <a:lumOff val="0"/>
+            <a:alphaOff val="0"/>
+          </a:schemeClr>
+        </a:solidFill>
+        <a:ln w="19050" cap="flat" cmpd="sng" algn="ctr">
+          <a:solidFill>
+            <a:schemeClr val="accent4">
+              <a:hueOff val="0"/>
+              <a:satOff val="0"/>
+              <a:lumOff val="0"/>
+              <a:alphaOff val="0"/>
+            </a:schemeClr>
+          </a:solidFill>
+          <a:prstDash val="solid"/>
+          <a:miter lim="800000"/>
+        </a:ln>
+        <a:effectLst/>
+      </dsp:spPr>
+      <dsp:style>
+        <a:lnRef idx="2">
+          <a:scrgbClr r="0" g="0" b="0"/>
+        </a:lnRef>
+        <a:fillRef idx="1">
+          <a:scrgbClr r="0" g="0" b="0"/>
+        </a:fillRef>
+        <a:effectRef idx="0">
+          <a:scrgbClr r="0" g="0" b="0"/>
+        </a:effectRef>
+        <a:fontRef idx="minor">
+          <a:schemeClr val="lt1"/>
+        </a:fontRef>
+      </dsp:style>
+    </dsp:sp>
+  </dsp:spTree>
+</dsp:drawing>
+</file>
+
+<file path=ppt/diagrams/layout1.xml><?xml version="1.0" encoding="utf-8"?>
+<dgm:layoutDef xmlns:dgm="http://schemas.openxmlformats.org/drawingml/2006/diagram" xmlns:a="http://schemas.openxmlformats.org/drawingml/2006/main" uniqueId="urn:microsoft.com/office/officeart/2016/7/layout/BasicLinearProcessNumbered">
+  <dgm:title val="Basic Linear Process Numbered"/>
+  <dgm:desc val="Used to show a progression; a timeline; sequential steps in a task, process, or workflow; or to emphasize movement or direction. Automatic numbers have been introduced to show the steps of the process which appears in a circle. Level 1 and Level 2 text appear in a rectangle."/>
+  <dgm:catLst>
+    <dgm:cat type="process" pri="500"/>
+  </dgm:catLst>
+  <dgm:sampData>
+    <dgm:dataModel>
+      <dgm:ptLst>
+        <dgm:pt modelId="0" type="doc"/>
+        <dgm:pt modelId="1">
+          <dgm:prSet phldr="1"/>
+        </dgm:pt>
+        <dgm:pt modelId="11">
+          <dgm:prSet phldr="1"/>
+        </dgm:pt>
+        <dgm:pt modelId="2">
+          <dgm:prSet phldr="1"/>
+        </dgm:pt>
+        <dgm:pt modelId="21">
+          <dgm:prSet phldr="1"/>
+        </dgm:pt>
+        <dgm:pt modelId="3">
+          <dgm:prSet phldr="1"/>
+        </dgm:pt>
+        <dgm:pt modelId="31">
+          <dgm:prSet phldr="1"/>
+        </dgm:pt>
+        <dgm:pt modelId="101" type="sibTrans" cxnId="4">
+          <dgm:prSet phldrT="1"/>
+          <dgm:t>
+            <a:bodyPr/>
+            <a:lstStyle/>
+            <a:p>
+              <a:r>
+                <a:t>1</a:t>
+              </a:r>
+            </a:p>
+          </dgm:t>
+        </dgm:pt>
+        <dgm:pt modelId="201" type="sibTrans" cxnId="5">
+          <dgm:prSet phldrT="2"/>
+          <dgm:t>
+            <a:bodyPr/>
+            <a:lstStyle/>
+            <a:p>
+              <a:r>
+                <a:t>2</a:t>
+              </a:r>
+            </a:p>
+          </dgm:t>
+        </dgm:pt>
+        <dgm:pt modelId="301" type="sibTrans" cxnId="6">
+          <dgm:prSet phldrT="3"/>
+          <dgm:t>
+            <a:bodyPr/>
+            <a:lstStyle/>
+            <a:p>
+              <a:r>
+                <a:t>3</a:t>
+              </a:r>
+            </a:p>
+          </dgm:t>
+        </dgm:pt>
+      </dgm:ptLst>
+      <dgm:cxnLst>
+        <dgm:cxn modelId="4" srcId="0" destId="1" srcOrd="0" destOrd="0" sibTransId="101"/>
+        <dgm:cxn modelId="5" srcId="0" destId="2" srcOrd="1" destOrd="0" sibTransId="201"/>
+        <dgm:cxn modelId="6" srcId="0" destId="3" srcOrd="2" destOrd="0" sibTransId="301"/>
+        <dgm:cxn modelId="13" srcId="1" destId="11" srcOrd="0" destOrd="0"/>
+        <dgm:cxn modelId="23" srcId="2" destId="21" srcOrd="0" destOrd="0"/>
+        <dgm:cxn modelId="33" srcId="3" destId="31" srcOrd="0" destOrd="0"/>
+      </dgm:cxnLst>
+      <dgm:bg/>
+      <dgm:whole/>
+    </dgm:dataModel>
+  </dgm:sampData>
+  <dgm:styleData>
+    <dgm:dataModel>
+      <dgm:ptLst>
+        <dgm:pt modelId="0" type="doc"/>
+        <dgm:pt modelId="1"/>
+        <dgm:pt modelId="11"/>
+        <dgm:pt modelId="2"/>
+        <dgm:pt modelId="21"/>
+      </dgm:ptLst>
+      <dgm:cxnLst>
+        <dgm:cxn modelId="4" srcId="0" destId="1" srcOrd="0" destOrd="0"/>
+        <dgm:cxn modelId="5" srcId="0" destId="2" srcOrd="1" destOrd="0"/>
+        <dgm:cxn modelId="13" srcId="1" destId="11" srcOrd="0" destOrd="0"/>
+        <dgm:cxn modelId="23" srcId="2" destId="21" srcOrd="0" destOrd="0"/>
+      </dgm:cxnLst>
+      <dgm:bg/>
+      <dgm:whole/>
+    </dgm:dataModel>
+  </dgm:styleData>
+  <dgm:clrData>
+    <dgm:dataModel>
+      <dgm:ptLst>
+        <dgm:pt modelId="0" type="doc"/>
+        <dgm:pt modelId="1"/>
+        <dgm:pt modelId="11"/>
+        <dgm:pt modelId="2"/>
+        <dgm:pt modelId="21"/>
+        <dgm:pt modelId="3"/>
+        <dgm:pt modelId="31"/>
+        <dgm:pt modelId="4"/>
+        <dgm:pt modelId="41"/>
+      </dgm:ptLst>
+      <dgm:cxnLst>
+        <dgm:cxn modelId="5" srcId="0" destId="1" srcOrd="0" destOrd="0"/>
+        <dgm:cxn modelId="6" srcId="0" destId="2" srcOrd="1" destOrd="0"/>
+        <dgm:cxn modelId="7" srcId="0" destId="3" srcOrd="2" destOrd="0"/>
+        <dgm:cxn modelId="8" srcId="0" destId="4" srcOrd="3" destOrd="0"/>
+        <dgm:cxn modelId="13" srcId="1" destId="11" srcOrd="0" destOrd="0"/>
+        <dgm:cxn modelId="23" srcId="2" destId="21" srcOrd="0" destOrd="0"/>
+        <dgm:cxn modelId="33" srcId="3" destId="31" srcOrd="0" destOrd="0"/>
+        <dgm:cxn modelId="43" srcId="4" destId="41" srcOrd="0" destOrd="0"/>
+      </dgm:cxnLst>
+      <dgm:bg/>
+      <dgm:whole/>
+    </dgm:dataModel>
+  </dgm:clrData>
+  <dgm:layoutNode name="Name0">
+    <dgm:varLst>
+      <dgm:animLvl val="lvl"/>
+      <dgm:resizeHandles val="exact"/>
+    </dgm:varLst>
+    <dgm:alg type="lin">
+      <dgm:param type="linDir" val="fromL"/>
+      <dgm:param type="nodeVertAlign" val="t"/>
+    </dgm:alg>
+    <dgm:shape xmlns:r="http://schemas.openxmlformats.org/officeDocument/2006/relationships" r:blip="">
+      <dgm:adjLst/>
+    </dgm:shape>
+    <dgm:presOf/>
+    <dgm:constrLst>
+      <dgm:constr type="h" for="ch" forName="compositeNode" refType="h"/>
+      <dgm:constr type="w" for="ch" forName="compositeNode" refType="w"/>
+      <dgm:constr type="w" for="des" forName="simulatedConn" refType="w" refFor="ch" refForName="compositeNode" fact="0.15"/>
+      <dgm:constr type="h" for="des" forName="simulatedConn" refType="w" refFor="des" refForName="simulatedConn"/>
+      <dgm:constr type="h" for="des" forName="vSp1" refType="w" refFor="ch" refForName="compositeNode" fact="0.8"/>
+      <dgm:constr type="h" for="des" forName="vSp2" refType="w" refFor="ch" refForName="compositeNode" fact="0.07"/>
+      <dgm:constr type="w" for="ch" forName="vProcSp" refType="w" refFor="des" refForName="simulatedConn" op="equ"/>
+      <dgm:constr type="h" for="ch" forName="vProcSp" refType="h" refFor="ch" refForName="compositeNode" op="equ"/>
+      <dgm:constr type="w" for="ch" forName="sibTrans" refType="w" refFor="ch" refForName="compositeNode" fact="0.1"/>
+      <dgm:constr type="primFontSz" for="des" forName="sibTransNodeCircle" op="equ"/>
+      <dgm:constr type="primFontSz" for="des" forName="nodeText" op="equ"/>
+      <dgm:constr type="h" for="des" forName="sibTransNodeCircle" op="equ"/>
+      <dgm:constr type="w" for="des" forName="sibTransNodeCircle" op="equ"/>
+    </dgm:constrLst>
+    <dgm:ruleLst>
+      <dgm:rule type="h" val="NaN" fact="1.2" max="NaN"/>
+    </dgm:ruleLst>
+    <dgm:forEach name="Name4" axis="ch" ptType="node">
+      <dgm:layoutNode name="compositeNode">
+        <dgm:varLst>
+          <dgm:bulletEnabled val="1"/>
+        </dgm:varLst>
+        <dgm:alg type="composite"/>
+        <dgm:constrLst>
+          <dgm:constr type="h" refType="w" op="lte" fact="1.4"/>
+          <dgm:constr type="w" for="ch" forName="bgRect" refType="w"/>
+          <dgm:constr type="h" for="ch" forName="bgRect" refType="h"/>
+          <dgm:constr type="t" for="ch" forName="bgRect"/>
+          <dgm:constr type="l" for="ch" forName="bgRect"/>
+          <dgm:constr type="h" for="ch" forName="sibTransNodeCircle" refType="h" refFor="ch" refForName="bgRect" fact="0.3"/>
+          <dgm:constr type="w" for="ch" forName="sibTransNodeCircle" refType="h" refFor="ch" refForName="sibTransNodeCircle"/>
+          <dgm:constr type="ctrX" for="ch" forName="sibTransNodeCircle" refType="w" fact="0.5"/>
+          <dgm:constr type="ctrY" for="ch" forName="sibTransNodeCircle" refType="h" fact="0.25"/>
+          <dgm:constr type="r" for="ch" forName="nodeText" refType="r" refFor="ch" refForName="bgRect"/>
+          <dgm:constr type="h" for="ch" forName="nodeText" refType="h" refFor="ch" refForName="bgRect" fact="0.6"/>
+          <dgm:constr type="t" for="ch" forName="nodeText" refType="h" refFor="ch" refForName="bgRect" fact="0.38"/>
+          <dgm:constr type="b" for="ch" forName="bottomLine" refType="b" refFor="ch" refForName="bgRect"/>
+          <dgm:constr type="w" for="ch" forName="bottomLine" refType="w" refFor="ch" refForName="bgRect"/>
+          <dgm:constr type="h" for="ch" forName="bottomLine" val="0.002"/>
+        </dgm:constrLst>
+        <dgm:ruleLst/>
+        <dgm:layoutNode name="bgRect" styleLbl="bgAccFollowNode1">
+          <dgm:alg type="sp"/>
+          <dgm:shape xmlns:r="http://schemas.openxmlformats.org/officeDocument/2006/relationships" type="rect" r:blip="">
+            <dgm:adjLst/>
+          </dgm:shape>
+          <dgm:presOf axis="self"/>
+          <dgm:constrLst/>
+          <dgm:ruleLst/>
+        </dgm:layoutNode>
+        <dgm:forEach name="Name19" axis="followSib" ptType="sibTrans" hideLastTrans="0" cnt="1">
+          <dgm:layoutNode name="sibTransNodeCircle" styleLbl="alignNode1">
+            <dgm:varLst>
+              <dgm:chMax val="0"/>
+              <dgm:bulletEnabled/>
+            </dgm:varLst>
+            <dgm:presOf axis="self" ptType="sibTrans"/>
+            <dgm:alg type="tx">
+              <dgm:param type="txAnchorVert" val="mid"/>
+              <dgm:param type="txAnchorHorzCh" val="ctr"/>
+            </dgm:alg>
+            <dgm:shape xmlns:r="http://schemas.openxmlformats.org/officeDocument/2006/relationships" type="ellipse" r:blip="">
+              <dgm:adjLst/>
+            </dgm:shape>
+            <dgm:constrLst>
+              <dgm:constr type="w" refType="h" op="lte"/>
+              <dgm:constr type="primFontSz" val="48"/>
+              <dgm:constr type="tMarg" val="1"/>
+              <dgm:constr type="lMarg" refType="w" fact="0.221"/>
+              <dgm:constr type="rMarg" refType="w" fact="0.221"/>
+              <dgm:constr type="bMarg" val="1"/>
+            </dgm:constrLst>
+            <dgm:ruleLst>
+              <dgm:rule type="primFontSz" val="14" fact="NaN" max="NaN"/>
+            </dgm:ruleLst>
+          </dgm:layoutNode>
+        </dgm:forEach>
+        <dgm:layoutNode name="bottomLine" styleLbl="alignNode1">
+          <dgm:varLst/>
+          <dgm:presOf/>
+          <dgm:alg type="sp"/>
+          <dgm:shape xmlns:r="http://schemas.openxmlformats.org/officeDocument/2006/relationships" type="rect" r:blip="">
+            <dgm:adjLst/>
+          </dgm:shape>
+          <dgm:constrLst/>
+          <dgm:ruleLst/>
+        </dgm:layoutNode>
+        <dgm:layoutNode name="nodeText" styleLbl="bgAccFollowNode1" moveWith="bgRect">
+          <dgm:varLst>
+            <dgm:bulletEnabled val="1"/>
+          </dgm:varLst>
+          <dgm:alg type="tx">
+            <dgm:param type="parTxLTRAlign" val="l"/>
+            <dgm:param type="parTxRTLAlign" val="r"/>
+            <dgm:param type="txAnchorVert" val="t"/>
+          </dgm:alg>
+          <dgm:shape xmlns:r="http://schemas.openxmlformats.org/officeDocument/2006/relationships" type="rect" r:blip="" zOrderOff="-1" hideGeom="1">
+            <dgm:adjLst/>
+          </dgm:shape>
+          <dgm:presOf axis="desOrSelf" ptType="node"/>
+          <dgm:constrLst>
+            <dgm:constr type="primFontSz" val="26"/>
+            <dgm:constr type="tMarg" val="26"/>
+            <dgm:constr type="lMarg" refType="w" fact="0.221"/>
+            <dgm:constr type="rMarg" refType="w" fact="0.221"/>
+            <dgm:constr type="bMarg" val="26"/>
+          </dgm:constrLst>
+          <dgm:ruleLst>
+            <dgm:rule type="primFontSz" val="11" fact="NaN" max="NaN"/>
+          </dgm:ruleLst>
+        </dgm:layoutNode>
+      </dgm:layoutNode>
+      <dgm:forEach name="Name14" axis="followSib" ptType="sibTrans" cnt="1">
+        <dgm:layoutNode name="sibTrans">
+          <dgm:alg type="sp"/>
+          <dgm:shape xmlns:r="http://schemas.openxmlformats.org/officeDocument/2006/relationships" r:blip="">
+            <dgm:adjLst/>
+          </dgm:shape>
+          <dgm:presOf/>
+          <dgm:constrLst/>
+          <dgm:ruleLst/>
+        </dgm:layoutNode>
+      </dgm:forEach>
+    </dgm:forEach>
+  </dgm:layoutNode>
+  <dgm:extLst>
+    <a:ext uri="{4F341089-5ED1-44EC-B178-C955D00A3D55}">
+      <dgm1611:autoBuNodeInfoLst xmlns:dgm1611="http://schemas.microsoft.com/office/drawing/2016/11/diagram">
+        <dgm1611:autoBuNodeInfo lvl="1" ptType="sibTrans">
+          <dgm1611:buPr prefix="" leadZeros="0">
+            <a:buAutoNum type="arabicParenBoth"/>
+          </dgm1611:buPr>
+        </dgm1611:autoBuNodeInfo>
+      </dgm1611:autoBuNodeInfoLst>
+    </a:ext>
+  </dgm:extLst>
+</dgm:layoutDef>
+</file>
+
+<file path=ppt/diagrams/quickStyle1.xml><?xml version="1.0" encoding="utf-8"?>
+<dgm:styleDef xmlns:dgm="http://schemas.openxmlformats.org/drawingml/2006/diagram" xmlns:a="http://schemas.openxmlformats.org/drawingml/2006/main" uniqueId="urn:microsoft.com/office/officeart/2005/8/quickstyle/simple1">
+  <dgm:title val=""/>
+  <dgm:desc val=""/>
+  <dgm:catLst>
+    <dgm:cat type="simple" pri="10100"/>
+  </dgm:catLst>
+  <dgm:scene3d>
+    <a:camera prst="orthographicFront"/>
+    <a:lightRig rig="threePt" dir="t"/>
+  </dgm:scene3d>
+  <dgm:styleLbl name="node0">
+    <dgm:scene3d>
+      <a:camera prst="orthographicFront"/>
+      <a:lightRig rig="threePt" dir="t"/>
+    </dgm:scene3d>
+    <dgm:sp3d/>
+    <dgm:txPr/>
+    <dgm:style>
+      <a:lnRef idx="2">
+        <a:scrgbClr r="0" g="0" b="0"/>
+      </a:lnRef>
+      <a:fillRef idx="1">
+        <a:scrgbClr r="0" g="0" b="0"/>
+      </a:fillRef>
+      <a:effectRef idx="0">
+        <a:scrgbClr r="0" g="0" b="0"/>
+      </a:effectRef>
+      <a:fontRef idx="minor">
+        <a:schemeClr val="lt1"/>
+      </a:fontRef>
+    </dgm:style>
+  </dgm:styleLbl>
+  <dgm:styleLbl name="lnNode1">
+    <dgm:scene3d>
+      <a:camera prst="orthographicFront"/>
+      <a:lightRig rig="threePt" dir="t"/>
+    </dgm:scene3d>
+    <dgm:sp3d/>
+    <dgm:txPr/>
+    <dgm:style>
+      <a:lnRef idx="2">
+        <a:scrgbClr r="0" g="0" b="0"/>
+      </a:lnRef>
+      <a:fillRef idx="1">
+        <a:scrgbClr r="0" g="0" b="0"/>
+      </a:fillRef>
+      <a:effectRef idx="0">
+        <a:scrgbClr r="0" g="0" b="0"/>
+      </a:effectRef>
+      <a:fontRef idx="minor">
+        <a:schemeClr val="lt1"/>
+      </a:fontRef>
+    </dgm:style>
+  </dgm:styleLbl>
+  <dgm:styleLbl name="vennNode1">
+    <dgm:scene3d>
+      <a:camera prst="orthographicFront"/>
+      <a:lightRig rig="threePt" dir="t"/>
+    </dgm:scene3d>
+    <dgm:sp3d/>
+    <dgm:txPr/>
+    <dgm:style>
+      <a:lnRef idx="2">
+        <a:scrgbClr r="0" g="0" b="0"/>
+      </a:lnRef>
+      <a:fillRef idx="1">
+        <a:scrgbClr r="0" g="0" b="0"/>
+      </a:fillRef>
+      <a:effectRef idx="0">
+        <a:scrgbClr r="0" g="0" b="0"/>
+      </a:effectRef>
+      <a:fontRef idx="minor">
+        <a:schemeClr val="tx1"/>
+      </a:fontRef>
+    </dgm:style>
+  </dgm:styleLbl>
+  <dgm:styleLbl name="alignNode1">
+    <dgm:scene3d>
+      <a:camera prst="orthographicFront"/>
+      <a:lightRig rig="threePt" dir="t"/>
+    </dgm:scene3d>
+    <dgm:sp3d/>
+    <dgm:txPr/>
+    <dgm:style>
+      <a:lnRef idx="2">
+        <a:scrgbClr r="0" g="0" b="0"/>
+      </a:lnRef>
+      <a:fillRef idx="1">
+        <a:scrgbClr r="0" g="0" b="0"/>
+      </a:fillRef>
+      <a:effectRef idx="0">
+        <a:scrgbClr r="0" g="0" b="0"/>
+      </a:effectRef>
+      <a:fontRef idx="minor">
+        <a:schemeClr val="lt1"/>
+      </a:fontRef>
+    </dgm:style>
+  </dgm:styleLbl>
+  <dgm:styleLbl name="node1">
+    <dgm:scene3d>
+      <a:camera prst="orthographicFront"/>
+      <a:lightRig rig="threePt" dir="t"/>
+    </dgm:scene3d>
+    <dgm:sp3d/>
+    <dgm:txPr/>
+    <dgm:style>
+      <a:lnRef idx="2">
+        <a:scrgbClr r="0" g="0" b="0"/>
+      </a:lnRef>
+      <a:fillRef idx="1">
+        <a:scrgbClr r="0" g="0" b="0"/>
+      </a:fillRef>
+      <a:effectRef idx="0">
+        <a:scrgbClr r="0" g="0" b="0"/>
+      </a:effectRef>
+      <a:fontRef idx="minor">
+        <a:schemeClr val="lt1"/>
+      </a:fontRef>
+    </dgm:style>
+  </dgm:styleLbl>
+  <dgm:styleLbl name="node2">
+    <dgm:scene3d>
+      <a:camera prst="orthographicFront"/>
+      <a:lightRig rig="threePt" dir="t"/>
+    </dgm:scene3d>
+    <dgm:sp3d/>
+    <dgm:txPr/>
+    <dgm:style>
+      <a:lnRef idx="2">
+        <a:scrgbClr r="0" g="0" b="0"/>
+      </a:lnRef>
+      <a:fillRef idx="1">
+        <a:scrgbClr r="0" g="0" b="0"/>
+      </a:fillRef>
+      <a:effectRef idx="0">
+        <a:scrgbClr r="0" g="0" b="0"/>
+      </a:effectRef>
+      <a:fontRef idx="minor">
+        <a:schemeClr val="lt1"/>
+      </a:fontRef>
+    </dgm:style>
+  </dgm:styleLbl>
+  <dgm:styleLbl name="node3">
+    <dgm:scene3d>
+      <a:camera prst="orthographicFront"/>
+      <a:lightRig rig="threePt" dir="t"/>
+    </dgm:scene3d>
+    <dgm:sp3d/>
+    <dgm:txPr/>
+    <dgm:style>
+      <a:lnRef idx="2">
+        <a:scrgbClr r="0" g="0" b="0"/>
+      </a:lnRef>
+      <a:fillRef idx="1">
+        <a:scrgbClr r="0" g="0" b="0"/>
+      </a:fillRef>
+      <a:effectRef idx="0">
+        <a:scrgbClr r="0" g="0" b="0"/>
+      </a:effectRef>
+      <a:fontRef idx="minor">
+        <a:schemeClr val="lt1"/>
+      </a:fontRef>
+    </dgm:style>
+  </dgm:styleLbl>
+  <dgm:styleLbl name="node4">
+    <dgm:scene3d>
+      <a:camera prst="orthographicFront"/>
+      <a:lightRig rig="threePt" dir="t"/>
+    </dgm:scene3d>
+    <dgm:sp3d/>
+    <dgm:txPr/>
+    <dgm:style>
+      <a:lnRef idx="2">
+        <a:scrgbClr r="0" g="0" b="0"/>
+      </a:lnRef>
+      <a:fillRef idx="1">
+        <a:scrgbClr r="0" g="0" b="0"/>
+      </a:fillRef>
+      <a:effectRef idx="0">
+        <a:scrgbClr r="0" g="0" b="0"/>
+      </a:effectRef>
+      <a:fontRef idx="minor">
+        <a:schemeClr val="lt1"/>
+      </a:fontRef>
+    </dgm:style>
+  </dgm:styleLbl>
+  <dgm:styleLbl name="fgImgPlace1">
+    <dgm:scene3d>
+      <a:camera prst="orthographicFront"/>
+      <a:lightRig rig="threePt" dir="t"/>
+    </dgm:scene3d>
+    <dgm:sp3d/>
+    <dgm:txPr/>
+    <dgm:style>
+      <a:lnRef idx="2">
+        <a:scrgbClr r="0" g="0" b="0"/>
+      </a:lnRef>
+      <a:fillRef idx="1">
+        <a:scrgbClr r="0" g="0" b="0"/>
+      </a:fillRef>
+      <a:effectRef idx="0">
+        <a:scrgbClr r="0" g="0" b="0"/>
+      </a:effectRef>
+      <a:fontRef idx="minor"/>
+    </dgm:style>
+  </dgm:styleLbl>
+  <dgm:styleLbl name="alignImgPlace1">
+    <dgm:scene3d>
+      <a:camera prst="orthographicFront"/>
+      <a:lightRig rig="threePt" dir="t"/>
+    </dgm:scene3d>
+    <dgm:sp3d/>
+    <dgm:txPr/>
+    <dgm:style>
+      <a:lnRef idx="2">
+        <a:scrgbClr r="0" g="0" b="0"/>
+      </a:lnRef>
+      <a:fillRef idx="1">
+        <a:scrgbClr r="0" g="0" b="0"/>
+      </a:fillRef>
+      <a:effectRef idx="0">
+        <a:scrgbClr r="0" g="0" b="0"/>
+      </a:effectRef>
+      <a:fontRef idx="minor"/>
+    </dgm:style>
+  </dgm:styleLbl>
+  <dgm:styleLbl name="bgImgPlace1">
+    <dgm:scene3d>
+      <a:camera prst="orthographicFront"/>
+      <a:lightRig rig="threePt" dir="t"/>
+    </dgm:scene3d>
+    <dgm:sp3d/>
+    <dgm:txPr/>
+    <dgm:style>
+      <a:lnRef idx="2">
+        <a:scrgbClr r="0" g="0" b="0"/>
+      </a:lnRef>
+      <a:fillRef idx="1">
+        <a:scrgbClr r="0" g="0" b="0"/>
+      </a:fillRef>
+      <a:effectRef idx="0">
+        <a:scrgbClr r="0" g="0" b="0"/>
+      </a:effectRef>
+      <a:fontRef idx="minor"/>
+    </dgm:style>
+  </dgm:styleLbl>
+  <dgm:styleLbl name="sibTrans2D1">
+    <dgm:scene3d>
+      <a:camera prst="orthographicFront"/>
+      <a:lightRig rig="threePt" dir="t"/>
+    </dgm:scene3d>
+    <dgm:sp3d/>
+    <dgm:txPr/>
+    <dgm:style>
+      <a:lnRef idx="0">
+        <a:scrgbClr r="0" g="0" b="0"/>
+      </a:lnRef>
+      <a:fillRef idx="1">
+        <a:scrgbClr r="0" g="0" b="0"/>
+      </a:fillRef>
+      <a:effectRef idx="0">
+        <a:scrgbClr r="0" g="0" b="0"/>
+      </a:effectRef>
+      <a:fontRef idx="minor">
+        <a:schemeClr val="lt1"/>
+      </a:fontRef>
+    </dgm:style>
+  </dgm:styleLbl>
+  <dgm:styleLbl name="fgSibTrans2D1">
+    <dgm:scene3d>
+      <a:camera prst="orthographicFront"/>
+      <a:lightRig rig="threePt" dir="t"/>
+    </dgm:scene3d>
+    <dgm:sp3d/>
+    <dgm:txPr/>
+    <dgm:style>
+      <a:lnRef idx="0">
+        <a:scrgbClr r="0" g="0" b="0"/>
+      </a:lnRef>
+      <a:fillRef idx="1">
+        <a:scrgbClr r="0" g="0" b="0"/>
+      </a:fillRef>
+      <a:effectRef idx="0">
+        <a:scrgbClr r="0" g="0" b="0"/>
+      </a:effectRef>
+      <a:fontRef idx="minor">
+        <a:schemeClr val="lt1"/>
+      </a:fontRef>
+    </dgm:style>
+  </dgm:styleLbl>
+  <dgm:styleLbl name="bgSibTrans2D1">
+    <dgm:scene3d>
+      <a:camera prst="orthographicFront"/>
+      <a:lightRig rig="threePt" dir="t"/>
+    </dgm:scene3d>
+    <dgm:sp3d/>
+    <dgm:txPr/>
+    <dgm:style>
+      <a:lnRef idx="0">
+        <a:scrgbClr r="0" g="0" b="0"/>
+      </a:lnRef>
+      <a:fillRef idx="1">
+        <a:scrgbClr r="0" g="0" b="0"/>
+      </a:fillRef>
+      <a:effectRef idx="0">
+        <a:scrgbClr r="0" g="0" b="0"/>
+      </a:effectRef>
+      <a:fontRef idx="minor">
+        <a:schemeClr val="lt1"/>
+      </a:fontRef>
+    </dgm:style>
+  </dgm:styleLbl>
+  <dgm:styleLbl name="sibTrans1D1">
+    <dgm:scene3d>
+      <a:camera prst="orthographicFront"/>
+      <a:lightRig rig="threePt" dir="t"/>
+    </dgm:scene3d>
+    <dgm:sp3d/>
+    <dgm:txPr/>
+    <dgm:style>
+      <a:lnRef idx="1">
+        <a:scrgbClr r="0" g="0" b="0"/>
+      </a:lnRef>
+      <a:fillRef idx="0">
+        <a:scrgbClr r="0" g="0" b="0"/>
+      </a:fillRef>
+      <a:effectRef idx="0">
+        <a:scrgbClr r="0" g="0" b="0"/>
+      </a:effectRef>
+      <a:fontRef idx="minor"/>
+    </dgm:style>
+  </dgm:styleLbl>
+  <dgm:styleLbl name="callout">
+    <dgm:scene3d>
+      <a:camera prst="orthographicFront"/>
+      <a:lightRig rig="threePt" dir="t"/>
+    </dgm:scene3d>
+    <dgm:sp3d/>
+    <dgm:txPr/>
+    <dgm:style>
+      <a:lnRef idx="2">
+        <a:scrgbClr r="0" g="0" b="0"/>
+      </a:lnRef>
+      <a:fillRef idx="1">
+        <a:scrgbClr r="0" g="0" b="0"/>
+      </a:fillRef>
+      <a:effectRef idx="0">
+        <a:scrgbClr r="0" g="0" b="0"/>
+      </a:effectRef>
+      <a:fontRef idx="minor"/>
+    </dgm:style>
+  </dgm:styleLbl>
+  <dgm:styleLbl name="asst0">
+    <dgm:scene3d>
+      <a:camera prst="orthographicFront"/>
+      <a:lightRig rig="threePt" dir="t"/>
+    </dgm:scene3d>
+    <dgm:sp3d/>
+    <dgm:txPr/>
+    <dgm:style>
+      <a:lnRef idx="2">
+        <a:scrgbClr r="0" g="0" b="0"/>
+      </a:lnRef>
+      <a:fillRef idx="1">
+        <a:scrgbClr r="0" g="0" b="0"/>
+      </a:fillRef>
+      <a:effectRef idx="0">
+        <a:scrgbClr r="0" g="0" b="0"/>
+      </a:effectRef>
+      <a:fontRef idx="minor">
+        <a:schemeClr val="lt1"/>
+      </a:fontRef>
+    </dgm:style>
+  </dgm:styleLbl>
+  <dgm:styleLbl name="asst1">
+    <dgm:scene3d>
+      <a:camera prst="orthographicFront"/>
+      <a:lightRig rig="threePt" dir="t"/>
+    </dgm:scene3d>
+    <dgm:sp3d/>
+    <dgm:txPr/>
+    <dgm:style>
+      <a:lnRef idx="2">
+        <a:scrgbClr r="0" g="0" b="0"/>
+      </a:lnRef>
+      <a:fillRef idx="1">
+        <a:scrgbClr r="0" g="0" b="0"/>
+      </a:fillRef>
+      <a:effectRef idx="0">
+        <a:scrgbClr r="0" g="0" b="0"/>
+      </a:effectRef>
+      <a:fontRef idx="minor">
+        <a:schemeClr val="lt1"/>
+      </a:fontRef>
+    </dgm:style>
+  </dgm:styleLbl>
+  <dgm:styleLbl name="asst2">
+    <dgm:scene3d>
+      <a:camera prst="orthographicFront"/>
+      <a:lightRig rig="threePt" dir="t"/>
+    </dgm:scene3d>
+    <dgm:sp3d/>
+    <dgm:txPr/>
+    <dgm:style>
+      <a:lnRef idx="2">
+        <a:scrgbClr r="0" g="0" b="0"/>
+      </a:lnRef>
+      <a:fillRef idx="1">
+        <a:scrgbClr r="0" g="0" b="0"/>
+      </a:fillRef>
+      <a:effectRef idx="0">
+        <a:scrgbClr r="0" g="0" b="0"/>
+      </a:effectRef>
+      <a:fontRef idx="minor">
+        <a:schemeClr val="lt1"/>
+      </a:fontRef>
+    </dgm:style>
+  </dgm:styleLbl>
+  <dgm:styleLbl name="asst3">
+    <dgm:scene3d>
+      <a:camera prst="orthographicFront"/>
+      <a:lightRig rig="threePt" dir="t"/>
+    </dgm:scene3d>
+    <dgm:sp3d/>
+    <dgm:txPr/>
+    <dgm:style>
+      <a:lnRef idx="2">
+        <a:scrgbClr r="0" g="0" b="0"/>
+      </a:lnRef>
+      <a:fillRef idx="1">
+        <a:scrgbClr r="0" g="0" b="0"/>
+      </a:fillRef>
+      <a:effectRef idx="0">
+        <a:scrgbClr r="0" g="0" b="0"/>
+      </a:effectRef>
+      <a:fontRef idx="minor">
+        <a:schemeClr val="lt1"/>
+      </a:fontRef>
+    </dgm:style>
+  </dgm:styleLbl>
+  <dgm:styleLbl name="asst4">
+    <dgm:scene3d>
+      <a:camera prst="orthographicFront"/>
+      <a:lightRig rig="threePt" dir="t"/>
+    </dgm:scene3d>
+    <dgm:sp3d/>
+    <dgm:txPr/>
+    <dgm:style>
+      <a:lnRef idx="2">
+        <a:scrgbClr r="0" g="0" b="0"/>
+      </a:lnRef>
+      <a:fillRef idx="1">
+        <a:scrgbClr r="0" g="0" b="0"/>
+      </a:fillRef>
+      <a:effectRef idx="0">
+        <a:scrgbClr r="0" g="0" b="0"/>
+      </a:effectRef>
+      <a:fontRef idx="minor">
+        <a:schemeClr val="lt1"/>
+      </a:fontRef>
+    </dgm:style>
+  </dgm:styleLbl>
+  <dgm:styleLbl name="parChTrans2D1">
+    <dgm:scene3d>
+      <a:camera prst="orthographicFront"/>
+      <a:lightRig rig="threePt" dir="t"/>
+    </dgm:scene3d>
+    <dgm:sp3d/>
+    <dgm:txPr/>
+    <dgm:style>
+      <a:lnRef idx="2">
+        <a:scrgbClr r="0" g="0" b="0"/>
+      </a:lnRef>
+      <a:fillRef idx="1">
+        <a:scrgbClr r="0" g="0" b="0"/>
+      </a:fillRef>
+      <a:effectRef idx="0">
+        <a:scrgbClr r="0" g="0" b="0"/>
+      </a:effectRef>
+      <a:fontRef idx="minor">
+        <a:schemeClr val="lt1"/>
+      </a:fontRef>
+    </dgm:style>
+  </dgm:styleLbl>
+  <dgm:styleLbl name="parChTrans2D2">
+    <dgm:scene3d>
+      <a:camera prst="orthographicFront"/>
+      <a:lightRig rig="threePt" dir="t"/>
+    </dgm:scene3d>
+    <dgm:sp3d/>
+    <dgm:txPr/>
+    <dgm:style>
+      <a:lnRef idx="2">
+        <a:scrgbClr r="0" g="0" b="0"/>
+      </a:lnRef>
+      <a:fillRef idx="1">
+        <a:scrgbClr r="0" g="0" b="0"/>
+      </a:fillRef>
+      <a:effectRef idx="0">
+        <a:scrgbClr r="0" g="0" b="0"/>
+      </a:effectRef>
+      <a:fontRef idx="minor">
+        <a:schemeClr val="lt1"/>
+      </a:fontRef>
+    </dgm:style>
+  </dgm:styleLbl>
+  <dgm:styleLbl name="parChTrans2D3">
+    <dgm:scene3d>
+      <a:camera prst="orthographicFront"/>
+      <a:lightRig rig="threePt" dir="t"/>
+    </dgm:scene3d>
+    <dgm:sp3d/>
+    <dgm:txPr/>
+    <dgm:style>
+      <a:lnRef idx="2">
+        <a:scrgbClr r="0" g="0" b="0"/>
+      </a:lnRef>
+      <a:fillRef idx="1">
+        <a:scrgbClr r="0" g="0" b="0"/>
+      </a:fillRef>
+      <a:effectRef idx="0">
+        <a:scrgbClr r="0" g="0" b="0"/>
+      </a:effectRef>
+      <a:fontRef idx="minor">
+        <a:schemeClr val="lt1"/>
+      </a:fontRef>
+    </dgm:style>
+  </dgm:styleLbl>
+  <dgm:styleLbl name="parChTrans2D4">
+    <dgm:scene3d>
+      <a:camera prst="orthographicFront"/>
+      <a:lightRig rig="threePt" dir="t"/>
+    </dgm:scene3d>
+    <dgm:sp3d/>
+    <dgm:txPr/>
+    <dgm:style>
+      <a:lnRef idx="2">
+        <a:scrgbClr r="0" g="0" b="0"/>
+      </a:lnRef>
+      <a:fillRef idx="1">
+        <a:scrgbClr r="0" g="0" b="0"/>
+      </a:fillRef>
+      <a:effectRef idx="0">
+        <a:scrgbClr r="0" g="0" b="0"/>
+      </a:effectRef>
+      <a:fontRef idx="minor">
+        <a:schemeClr val="lt1"/>
+      </a:fontRef>
+    </dgm:style>
+  </dgm:styleLbl>
+  <dgm:styleLbl name="parChTrans1D1">
+    <dgm:scene3d>
+      <a:camera prst="orthographicFront"/>
+      <a:lightRig rig="threePt" dir="t"/>
+    </dgm:scene3d>
+    <dgm:sp3d/>
+    <dgm:txPr/>
+    <dgm:style>
+      <a:lnRef idx="2">
+        <a:scrgbClr r="0" g="0" b="0"/>
+      </a:lnRef>
+      <a:fillRef idx="0">
+        <a:scrgbClr r="0" g="0" b="0"/>
+      </a:fillRef>
+      <a:effectRef idx="0">
+        <a:scrgbClr r="0" g="0" b="0"/>
+      </a:effectRef>
+      <a:fontRef idx="minor"/>
+    </dgm:style>
+  </dgm:styleLbl>
+  <dgm:styleLbl name="parChTrans1D2">
+    <dgm:scene3d>
+      <a:camera prst="orthographicFront"/>
+      <a:lightRig rig="threePt" dir="t"/>
+    </dgm:scene3d>
+    <dgm:sp3d/>
+    <dgm:txPr/>
+    <dgm:style>
+      <a:lnRef idx="2">
+        <a:scrgbClr r="0" g="0" b="0"/>
+      </a:lnRef>
+      <a:fillRef idx="0">
+        <a:scrgbClr r="0" g="0" b="0"/>
+      </a:fillRef>
+      <a:effectRef idx="0">
+        <a:scrgbClr r="0" g="0" b="0"/>
+      </a:effectRef>
+      <a:fontRef idx="minor"/>
+    </dgm:style>
+  </dgm:styleLbl>
+  <dgm:styleLbl name="parChTrans1D3">
+    <dgm:scene3d>
+      <a:camera prst="orthographicFront"/>
+      <a:lightRig rig="threePt" dir="t"/>
+    </dgm:scene3d>
+    <dgm:sp3d/>
+    <dgm:txPr/>
+    <dgm:style>
+      <a:lnRef idx="2">
+        <a:scrgbClr r="0" g="0" b="0"/>
+      </a:lnRef>
+      <a:fillRef idx="0">
+        <a:scrgbClr r="0" g="0" b="0"/>
+      </a:fillRef>
+      <a:effectRef idx="0">
+        <a:scrgbClr r="0" g="0" b="0"/>
+      </a:effectRef>
+      <a:fontRef idx="minor"/>
+    </dgm:style>
+  </dgm:styleLbl>
+  <dgm:styleLbl name="parChTrans1D4">
+    <dgm:scene3d>
+      <a:camera prst="orthographicFront"/>
+      <a:lightRig rig="threePt" dir="t"/>
+    </dgm:scene3d>
+    <dgm:sp3d/>
+    <dgm:txPr/>
+    <dgm:style>
+      <a:lnRef idx="2">
+        <a:scrgbClr r="0" g="0" b="0"/>
+      </a:lnRef>
+      <a:fillRef idx="0">
+        <a:scrgbClr r="0" g="0" b="0"/>
+      </a:fillRef>
+      <a:effectRef idx="0">
+        <a:scrgbClr r="0" g="0" b="0"/>
+      </a:effectRef>
+      <a:fontRef idx="minor"/>
+    </dgm:style>
+  </dgm:styleLbl>
+  <dgm:styleLbl name="fgAcc1">
+    <dgm:scene3d>
+      <a:camera prst="orthographicFront"/>
+      <a:lightRig rig="threePt" dir="t"/>
+    </dgm:scene3d>
+    <dgm:sp3d/>
+    <dgm:txPr/>
+    <dgm:style>
+      <a:lnRef idx="2">
+        <a:scrgbClr r="0" g="0" b="0"/>
+      </a:lnRef>
+      <a:fillRef idx="1">
+        <a:scrgbClr r="0" g="0" b="0"/>
+      </a:fillRef>
+      <a:effectRef idx="0">
+        <a:scrgbClr r="0" g="0" b="0"/>
+      </a:effectRef>
+      <a:fontRef idx="minor"/>
+    </dgm:style>
+  </dgm:styleLbl>
+  <dgm:styleLbl name="conFgAcc1">
+    <dgm:scene3d>
+      <a:camera prst="orthographicFront"/>
+      <a:lightRig rig="threePt" dir="t"/>
+    </dgm:scene3d>
+    <dgm:sp3d/>
+    <dgm:txPr/>
+    <dgm:style>
+      <a:lnRef idx="2">
+        <a:scrgbClr r="0" g="0" b="0"/>
+      </a:lnRef>
+      <a:fillRef idx="1">
+        <a:scrgbClr r="0" g="0" b="0"/>
+      </a:fillRef>
+      <a:effectRef idx="0">
+        <a:scrgbClr r="0" g="0" b="0"/>
+      </a:effectRef>
+      <a:fontRef idx="minor"/>
+    </dgm:style>
+  </dgm:styleLbl>
+  <dgm:styleLbl name="alignAcc1">
+    <dgm:scene3d>
+      <a:camera prst="orthographicFront"/>
+      <a:lightRig rig="threePt" dir="t"/>
+    </dgm:scene3d>
+    <dgm:sp3d/>
+    <dgm:txPr/>
+    <dgm:style>
+      <a:lnRef idx="2">
+        <a:scrgbClr r="0" g="0" b="0"/>
+      </a:lnRef>
+      <a:fillRef idx="1">
+        <a:scrgbClr r="0" g="0" b="0"/>
+      </a:fillRef>
+      <a:effectRef idx="0">
+        <a:scrgbClr r="0" g="0" b="0"/>
+      </a:effectRef>
+      <a:fontRef idx="minor"/>
+    </dgm:style>
+  </dgm:styleLbl>
+  <dgm:styleLbl name="trAlignAcc1">
+    <dgm:scene3d>
+      <a:camera prst="orthographicFront"/>
+      <a:lightRig rig="threePt" dir="t"/>
+    </dgm:scene3d>
+    <dgm:sp3d/>
+    <dgm:txPr/>
+    <dgm:style>
+      <a:lnRef idx="1">
+        <a:scrgbClr r="0" g="0" b="0"/>
+      </a:lnRef>
+      <a:fillRef idx="1">
+        <a:scrgbClr r="0" g="0" b="0"/>
+      </a:fillRef>
+      <a:effectRef idx="0">
+        <a:scrgbClr r="0" g="0" b="0"/>
+      </a:effectRef>
+      <a:fontRef idx="minor"/>
+    </dgm:style>
+  </dgm:styleLbl>
+  <dgm:styleLbl name="bgAcc1">
+    <dgm:scene3d>
+      <a:camera prst="orthographicFront"/>
+      <a:lightRig rig="threePt" dir="t"/>
+    </dgm:scene3d>
+    <dgm:sp3d/>
+    <dgm:txPr/>
+    <dgm:style>
+      <a:lnRef idx="2">
+        <a:scrgbClr r="0" g="0" b="0"/>
+      </a:lnRef>
+      <a:fillRef idx="1">
+        <a:scrgbClr r="0" g="0" b="0"/>
+      </a:fillRef>
+      <a:effectRef idx="0">
+        <a:scrgbClr r="0" g="0" b="0"/>
+      </a:effectRef>
+      <a:fontRef idx="minor"/>
+    </dgm:style>
+  </dgm:styleLbl>
+  <dgm:styleLbl name="solidFgAcc1">
+    <dgm:scene3d>
+      <a:camera prst="orthographicFront"/>
+      <a:lightRig rig="threePt" dir="t"/>
+    </dgm:scene3d>
+    <dgm:sp3d/>
+    <dgm:txPr/>
+    <dgm:style>
+      <a:lnRef idx="2">
+        <a:scrgbClr r="0" g="0" b="0"/>
+      </a:lnRef>
+      <a:fillRef idx="1">
+        <a:scrgbClr r="0" g="0" b="0"/>
+      </a:fillRef>
+      <a:effectRef idx="0">
+        <a:scrgbClr r="0" g="0" b="0"/>
+      </a:effectRef>
+      <a:fontRef idx="minor"/>
+    </dgm:style>
+  </dgm:styleLbl>
+  <dgm:styleLbl name="solidAlignAcc1">
+    <dgm:scene3d>
+      <a:camera prst="orthographicFront"/>
+      <a:lightRig rig="threePt" dir="t"/>
+    </dgm:scene3d>
+    <dgm:sp3d/>
+    <dgm:txPr/>
+    <dgm:style>
+      <a:lnRef idx="2">
+        <a:scrgbClr r="0" g="0" b="0"/>
+      </a:lnRef>
+      <a:fillRef idx="1">
+        <a:scrgbClr r="0" g="0" b="0"/>
+      </a:fillRef>
+      <a:effectRef idx="0">
+        <a:scrgbClr r="0" g="0" b="0"/>
+      </a:effectRef>
+      <a:fontRef idx="minor"/>
+    </dgm:style>
+  </dgm:styleLbl>
+  <dgm:styleLbl name="solidBgAcc1">
+    <dgm:scene3d>
+      <a:camera prst="orthographicFront"/>
+      <a:lightRig rig="threePt" dir="t"/>
+    </dgm:scene3d>
+    <dgm:sp3d/>
+    <dgm:txPr/>
+    <dgm:style>
+      <a:lnRef idx="2">
+        <a:scrgbClr r="0" g="0" b="0"/>
+      </a:lnRef>
+      <a:fillRef idx="1">
+        <a:scrgbClr r="0" g="0" b="0"/>
+      </a:fillRef>
+      <a:effectRef idx="0">
+        <a:scrgbClr r="0" g="0" b="0"/>
+      </a:effectRef>
+      <a:fontRef idx="minor"/>
+    </dgm:style>
+  </dgm:styleLbl>
+  <dgm:styleLbl name="fgAccFollowNode1">
+    <dgm:scene3d>
+      <a:camera prst="orthographicFront"/>
+      <a:lightRig rig="threePt" dir="t"/>
+    </dgm:scene3d>
+    <dgm:sp3d/>
+    <dgm:txPr/>
+    <dgm:style>
+      <a:lnRef idx="2">
+        <a:scrgbClr r="0" g="0" b="0"/>
+      </a:lnRef>
+      <a:fillRef idx="1">
+        <a:scrgbClr r="0" g="0" b="0"/>
+      </a:fillRef>
+      <a:effectRef idx="0">
+        <a:scrgbClr r="0" g="0" b="0"/>
+      </a:effectRef>
+      <a:fontRef idx="minor"/>
+    </dgm:style>
+  </dgm:styleLbl>
+  <dgm:styleLbl name="alignAccFollowNode1">
+    <dgm:scene3d>
+      <a:camera prst="orthographicFront"/>
+      <a:lightRig rig="threePt" dir="t"/>
+    </dgm:scene3d>
+    <dgm:sp3d/>
+    <dgm:txPr/>
+    <dgm:style>
+      <a:lnRef idx="2">
+        <a:scrgbClr r="0" g="0" b="0"/>
+      </a:lnRef>
+      <a:fillRef idx="1">
+        <a:scrgbClr r="0" g="0" b="0"/>
+      </a:fillRef>
+      <a:effectRef idx="0">
+        <a:scrgbClr r="0" g="0" b="0"/>
+      </a:effectRef>
+      <a:fontRef idx="minor"/>
+    </dgm:style>
+  </dgm:styleLbl>
+  <dgm:styleLbl name="bgAccFollowNode1">
+    <dgm:scene3d>
+      <a:camera prst="orthographicFront"/>
+      <a:lightRig rig="threePt" dir="t"/>
+    </dgm:scene3d>
+    <dgm:sp3d/>
+    <dgm:txPr/>
+    <dgm:style>
+      <a:lnRef idx="2">
+        <a:scrgbClr r="0" g="0" b="0"/>
+      </a:lnRef>
+      <a:fillRef idx="1">
+        <a:scrgbClr r="0" g="0" b="0"/>
+      </a:fillRef>
+      <a:effectRef idx="0">
+        <a:scrgbClr r="0" g="0" b="0"/>
+      </a:effectRef>
+      <a:fontRef idx="minor"/>
+    </dgm:style>
+  </dgm:styleLbl>
+  <dgm:styleLbl name="fgAcc0">
+    <dgm:scene3d>
+      <a:camera prst="orthographicFront"/>
+      <a:lightRig rig="threePt" dir="t"/>
+    </dgm:scene3d>
+    <dgm:sp3d/>
+    <dgm:txPr/>
+    <dgm:style>
+      <a:lnRef idx="2">
+        <a:scrgbClr r="0" g="0" b="0"/>
+      </a:lnRef>
+      <a:fillRef idx="1">
+        <a:scrgbClr r="0" g="0" b="0"/>
+      </a:fillRef>
+      <a:effectRef idx="0">
+        <a:scrgbClr r="0" g="0" b="0"/>
+      </a:effectRef>
+      <a:fontRef idx="minor"/>
+    </dgm:style>
+  </dgm:styleLbl>
+  <dgm:styleLbl name="fgAcc2">
+    <dgm:scene3d>
+      <a:camera prst="orthographicFront"/>
+      <a:lightRig rig="threePt" dir="t"/>
+    </dgm:scene3d>
+    <dgm:sp3d/>
+    <dgm:txPr/>
+    <dgm:style>
+      <a:lnRef idx="2">
+        <a:scrgbClr r="0" g="0" b="0"/>
+      </a:lnRef>
+      <a:fillRef idx="1">
+        <a:scrgbClr r="0" g="0" b="0"/>
+      </a:fillRef>
+      <a:effectRef idx="0">
+        <a:scrgbClr r="0" g="0" b="0"/>
+      </a:effectRef>
+      <a:fontRef idx="minor"/>
+    </dgm:style>
+  </dgm:styleLbl>
+  <dgm:styleLbl name="fgAcc3">
+    <dgm:scene3d>
+      <a:camera prst="orthographicFront"/>
+      <a:lightRig rig="threePt" dir="t"/>
+    </dgm:scene3d>
+    <dgm:sp3d/>
+    <dgm:txPr/>
+    <dgm:style>
+      <a:lnRef idx="2">
+        <a:scrgbClr r="0" g="0" b="0"/>
+      </a:lnRef>
+      <a:fillRef idx="1">
+        <a:scrgbClr r="0" g="0" b="0"/>
+      </a:fillRef>
+      <a:effectRef idx="0">
+        <a:scrgbClr r="0" g="0" b="0"/>
+      </a:effectRef>
+      <a:fontRef idx="minor"/>
+    </dgm:style>
+  </dgm:styleLbl>
+  <dgm:styleLbl name="fgAcc4">
+    <dgm:scene3d>
+      <a:camera prst="orthographicFront"/>
+      <a:lightRig rig="threePt" dir="t"/>
+    </dgm:scene3d>
+    <dgm:sp3d/>
+    <dgm:txPr/>
+    <dgm:style>
+      <a:lnRef idx="2">
+        <a:scrgbClr r="0" g="0" b="0"/>
+      </a:lnRef>
+      <a:fillRef idx="1">
+        <a:scrgbClr r="0" g="0" b="0"/>
+      </a:fillRef>
+      <a:effectRef idx="0">
+        <a:scrgbClr r="0" g="0" b="0"/>
+      </a:effectRef>
+      <a:fontRef idx="minor"/>
+    </dgm:style>
+  </dgm:styleLbl>
+  <dgm:styleLbl name="bgShp">
+    <dgm:scene3d>
+      <a:camera prst="orthographicFront"/>
+      <a:lightRig rig="threePt" dir="t"/>
+    </dgm:scene3d>
+    <dgm:sp3d/>
+    <dgm:txPr/>
+    <dgm:style>
+      <a:lnRef idx="0">
+        <a:scrgbClr r="0" g="0" b="0"/>
+      </a:lnRef>
+      <a:fillRef idx="1">
+        <a:scrgbClr r="0" g="0" b="0"/>
+      </a:fillRef>
+      <a:effectRef idx="0">
+        <a:scrgbClr r="0" g="0" b="0"/>
+      </a:effectRef>
+      <a:fontRef idx="minor"/>
+    </dgm:style>
+  </dgm:styleLbl>
+  <dgm:styleLbl name="dkBgShp">
+    <dgm:scene3d>
+      <a:camera prst="orthographicFront"/>
+      <a:lightRig rig="threePt" dir="t"/>
+    </dgm:scene3d>
+    <dgm:sp3d/>
+    <dgm:txPr/>
+    <dgm:style>
+      <a:lnRef idx="0">
+        <a:scrgbClr r="0" g="0" b="0"/>
+      </a:lnRef>
+      <a:fillRef idx="1">
+        <a:scrgbClr r="0" g="0" b="0"/>
+      </a:fillRef>
+      <a:effectRef idx="0">
+        <a:scrgbClr r="0" g="0" b="0"/>
+      </a:effectRef>
+      <a:fontRef idx="minor"/>
+    </dgm:style>
+  </dgm:styleLbl>
+  <dgm:styleLbl name="trBgShp">
+    <dgm:scene3d>
+      <a:camera prst="orthographicFront"/>
+      <a:lightRig rig="threePt" dir="t"/>
+    </dgm:scene3d>
+    <dgm:sp3d/>
+    <dgm:txPr/>
+    <dgm:style>
+      <a:lnRef idx="0">
+        <a:scrgbClr r="0" g="0" b="0"/>
+      </a:lnRef>
+      <a:fillRef idx="1">
+        <a:scrgbClr r="0" g="0" b="0"/>
+      </a:fillRef>
+      <a:effectRef idx="0">
+        <a:scrgbClr r="0" g="0" b="0"/>
+      </a:effectRef>
+      <a:fontRef idx="minor"/>
+    </dgm:style>
+  </dgm:styleLbl>
+  <dgm:styleLbl name="fgShp">
+    <dgm:scene3d>
+      <a:camera prst="orthographicFront"/>
+      <a:lightRig rig="threePt" dir="t"/>
+    </dgm:scene3d>
+    <dgm:sp3d/>
+    <dgm:txPr/>
+    <dgm:style>
+      <a:lnRef idx="2">
+        <a:scrgbClr r="0" g="0" b="0"/>
+      </a:lnRef>
+      <a:fillRef idx="1">
+        <a:scrgbClr r="0" g="0" b="0"/>
+      </a:fillRef>
+      <a:effectRef idx="0">
+        <a:scrgbClr r="0" g="0" b="0"/>
+      </a:effectRef>
+      <a:fontRef idx="minor"/>
+    </dgm:style>
+  </dgm:styleLbl>
+  <dgm:styleLbl name="revTx">
+    <dgm:scene3d>
+      <a:camera prst="orthographicFront"/>
+      <a:lightRig rig="threePt" dir="t"/>
+    </dgm:scene3d>
+    <dgm:sp3d/>
+    <dgm:txPr/>
+    <dgm:style>
+      <a:lnRef idx="0">
+        <a:scrgbClr r="0" g="0" b="0"/>
+      </a:lnRef>
+      <a:fillRef idx="0">
+        <a:scrgbClr r="0" g="0" b="0"/>
+      </a:fillRef>
+      <a:effectRef idx="0">
+        <a:scrgbClr r="0" g="0" b="0"/>
+      </a:effectRef>
+      <a:fontRef idx="minor"/>
+    </dgm:style>
+  </dgm:styleLbl>
+</dgm:styleDef>
 </file>
 
 <file path=ppt/slideLayouts/slideLayout1.xml><?xml version="1.0" encoding="utf-8"?>
@@ -264,7 +3749,7 @@
           <a:p>
             <a:fld id="{EED1DF21-BA39-4E56-B179-F2B1C815403D}" type="datetimeFigureOut">
               <a:rPr lang="it-IT" smtClean="0"/>
-              <a:t>08/01/2026</a:t>
+              <a:t>09/01/2026</a:t>
             </a:fld>
             <a:endParaRPr lang="it-IT"/>
           </a:p>
@@ -462,7 +3947,7 @@
           <a:p>
             <a:fld id="{EED1DF21-BA39-4E56-B179-F2B1C815403D}" type="datetimeFigureOut">
               <a:rPr lang="it-IT" smtClean="0"/>
-              <a:t>08/01/2026</a:t>
+              <a:t>09/01/2026</a:t>
             </a:fld>
             <a:endParaRPr lang="it-IT"/>
           </a:p>
@@ -670,7 +4155,7 @@
           <a:p>
             <a:fld id="{EED1DF21-BA39-4E56-B179-F2B1C815403D}" type="datetimeFigureOut">
               <a:rPr lang="it-IT" smtClean="0"/>
-              <a:t>08/01/2026</a:t>
+              <a:t>09/01/2026</a:t>
             </a:fld>
             <a:endParaRPr lang="it-IT"/>
           </a:p>
@@ -868,7 +4353,7 @@
           <a:p>
             <a:fld id="{EED1DF21-BA39-4E56-B179-F2B1C815403D}" type="datetimeFigureOut">
               <a:rPr lang="it-IT" smtClean="0"/>
-              <a:t>08/01/2026</a:t>
+              <a:t>09/01/2026</a:t>
             </a:fld>
             <a:endParaRPr lang="it-IT"/>
           </a:p>
@@ -1143,7 +4628,7 @@
           <a:p>
             <a:fld id="{EED1DF21-BA39-4E56-B179-F2B1C815403D}" type="datetimeFigureOut">
               <a:rPr lang="it-IT" smtClean="0"/>
-              <a:t>08/01/2026</a:t>
+              <a:t>09/01/2026</a:t>
             </a:fld>
             <a:endParaRPr lang="it-IT"/>
           </a:p>
@@ -1408,7 +4893,7 @@
           <a:p>
             <a:fld id="{EED1DF21-BA39-4E56-B179-F2B1C815403D}" type="datetimeFigureOut">
               <a:rPr lang="it-IT" smtClean="0"/>
-              <a:t>08/01/2026</a:t>
+              <a:t>09/01/2026</a:t>
             </a:fld>
             <a:endParaRPr lang="it-IT"/>
           </a:p>
@@ -1820,7 +5305,7 @@
           <a:p>
             <a:fld id="{EED1DF21-BA39-4E56-B179-F2B1C815403D}" type="datetimeFigureOut">
               <a:rPr lang="it-IT" smtClean="0"/>
-              <a:t>08/01/2026</a:t>
+              <a:t>09/01/2026</a:t>
             </a:fld>
             <a:endParaRPr lang="it-IT"/>
           </a:p>
@@ -1961,7 +5446,7 @@
           <a:p>
             <a:fld id="{EED1DF21-BA39-4E56-B179-F2B1C815403D}" type="datetimeFigureOut">
               <a:rPr lang="it-IT" smtClean="0"/>
-              <a:t>08/01/2026</a:t>
+              <a:t>09/01/2026</a:t>
             </a:fld>
             <a:endParaRPr lang="it-IT"/>
           </a:p>
@@ -2074,7 +5559,7 @@
           <a:p>
             <a:fld id="{EED1DF21-BA39-4E56-B179-F2B1C815403D}" type="datetimeFigureOut">
               <a:rPr lang="it-IT" smtClean="0"/>
-              <a:t>08/01/2026</a:t>
+              <a:t>09/01/2026</a:t>
             </a:fld>
             <a:endParaRPr lang="it-IT"/>
           </a:p>
@@ -2385,7 +5870,7 @@
           <a:p>
             <a:fld id="{EED1DF21-BA39-4E56-B179-F2B1C815403D}" type="datetimeFigureOut">
               <a:rPr lang="it-IT" smtClean="0"/>
-              <a:t>08/01/2026</a:t>
+              <a:t>09/01/2026</a:t>
             </a:fld>
             <a:endParaRPr lang="it-IT"/>
           </a:p>
@@ -2673,7 +6158,7 @@
           <a:p>
             <a:fld id="{EED1DF21-BA39-4E56-B179-F2B1C815403D}" type="datetimeFigureOut">
               <a:rPr lang="it-IT" smtClean="0"/>
-              <a:t>08/01/2026</a:t>
+              <a:t>09/01/2026</a:t>
             </a:fld>
             <a:endParaRPr lang="it-IT"/>
           </a:p>
@@ -2914,7 +6399,7 @@
           <a:p>
             <a:fld id="{EED1DF21-BA39-4E56-B179-F2B1C815403D}" type="datetimeFigureOut">
               <a:rPr lang="it-IT" smtClean="0"/>
-              <a:t>08/01/2026</a:t>
+              <a:t>09/01/2026</a:t>
             </a:fld>
             <a:endParaRPr lang="it-IT"/>
           </a:p>
@@ -3317,6 +6802,14 @@
 <file path=ppt/slides/slide1.xml><?xml version="1.0" encoding="utf-8"?>
 <p:sld xmlns:a="http://schemas.openxmlformats.org/drawingml/2006/main" xmlns:r="http://schemas.openxmlformats.org/officeDocument/2006/relationships" xmlns:p="http://schemas.openxmlformats.org/presentationml/2006/main">
   <p:cSld>
+    <p:bg>
+      <p:bgPr>
+        <a:solidFill>
+          <a:schemeClr val="bg1"/>
+        </a:solidFill>
+        <a:effectLst/>
+      </p:bgPr>
+    </p:bg>
     <p:spTree>
       <p:nvGrpSpPr>
         <p:cNvPr id="1" name=""/>
@@ -3331,6 +6824,195 @@
           <a:chExt cx="0" cy="0"/>
         </a:xfrm>
       </p:grpSpPr>
+      <p:sp useBgFill="1">
+        <p:nvSpPr>
+          <p:cNvPr id="24" name="Rectangle 23">
+            <a:extLst>
+              <a:ext uri="{FF2B5EF4-FFF2-40B4-BE49-F238E27FC236}">
+                <a16:creationId xmlns:a16="http://schemas.microsoft.com/office/drawing/2014/main" id="{19D32F93-50AC-4C46-A5DB-291C60DDB7BD}"/>
+              </a:ext>
+              <a:ext uri="{C183D7F6-B498-43B3-948B-1728B52AA6E4}">
+                <adec:decorative xmlns:adec="http://schemas.microsoft.com/office/drawing/2017/decorative" val="1"/>
+              </a:ext>
+            </a:extLst>
+          </p:cNvPr>
+          <p:cNvSpPr>
+            <a:spLocks noGrp="1" noRot="1" noChangeAspect="1" noMove="1" noResize="1" noEditPoints="1" noAdjustHandles="1" noChangeArrowheads="1" noChangeShapeType="1" noTextEdit="1"/>
+          </p:cNvSpPr>
+          <p:nvPr>
+            <p:extLst>
+              <p:ext uri="{386F3935-93C4-4BCD-93E2-E3B085C9AB24}">
+                <p16:designElem xmlns:p16="http://schemas.microsoft.com/office/powerpoint/2015/main" val="1"/>
+              </p:ext>
+            </p:extLst>
+          </p:nvPr>
+        </p:nvSpPr>
+        <p:spPr>
+          <a:xfrm>
+            <a:off x="0" y="0"/>
+            <a:ext cx="12192000" cy="6858000"/>
+          </a:xfrm>
+          <a:prstGeom prst="rect">
+            <a:avLst/>
+          </a:prstGeom>
+          <a:ln>
+            <a:noFill/>
+          </a:ln>
+        </p:spPr>
+        <p:style>
+          <a:lnRef idx="2">
+            <a:schemeClr val="accent1">
+              <a:shade val="50000"/>
+            </a:schemeClr>
+          </a:lnRef>
+          <a:fillRef idx="1">
+            <a:schemeClr val="accent1"/>
+          </a:fillRef>
+          <a:effectRef idx="0">
+            <a:schemeClr val="accent1"/>
+          </a:effectRef>
+          <a:fontRef idx="minor">
+            <a:schemeClr val="lt1"/>
+          </a:fontRef>
+        </p:style>
+        <p:txBody>
+          <a:bodyPr rtlCol="0" anchor="ctr"/>
+          <a:lstStyle/>
+          <a:p>
+            <a:pPr algn="ctr"/>
+            <a:endParaRPr lang="en-US"/>
+          </a:p>
+        </p:txBody>
+      </p:sp>
+      <p:sp>
+        <p:nvSpPr>
+          <p:cNvPr id="26" name="Right Triangle 25">
+            <a:extLst>
+              <a:ext uri="{FF2B5EF4-FFF2-40B4-BE49-F238E27FC236}">
+                <a16:creationId xmlns:a16="http://schemas.microsoft.com/office/drawing/2014/main" id="{827DC2C4-B485-428A-BF4A-472D2967F47F}"/>
+              </a:ext>
+              <a:ext uri="{C183D7F6-B498-43B3-948B-1728B52AA6E4}">
+                <adec:decorative xmlns:adec="http://schemas.microsoft.com/office/drawing/2017/decorative" val="1"/>
+              </a:ext>
+            </a:extLst>
+          </p:cNvPr>
+          <p:cNvSpPr>
+            <a:spLocks noGrp="1" noRot="1" noChangeAspect="1" noMove="1" noResize="1" noEditPoints="1" noAdjustHandles="1" noChangeArrowheads="1" noChangeShapeType="1" noTextEdit="1"/>
+          </p:cNvSpPr>
+          <p:nvPr>
+            <p:extLst>
+              <p:ext uri="{386F3935-93C4-4BCD-93E2-E3B085C9AB24}">
+                <p16:designElem xmlns:p16="http://schemas.microsoft.com/office/powerpoint/2015/main" val="1"/>
+              </p:ext>
+            </p:extLst>
+          </p:nvPr>
+        </p:nvSpPr>
+        <p:spPr>
+          <a:xfrm flipH="1">
+            <a:off x="8576720" y="3335867"/>
+            <a:ext cx="3291840" cy="3200400"/>
+          </a:xfrm>
+          <a:prstGeom prst="rtTriangle">
+            <a:avLst/>
+          </a:prstGeom>
+          <a:solidFill>
+            <a:schemeClr val="accent4"/>
+          </a:solidFill>
+          <a:ln>
+            <a:noFill/>
+          </a:ln>
+        </p:spPr>
+        <p:style>
+          <a:lnRef idx="2">
+            <a:schemeClr val="accent1">
+              <a:shade val="50000"/>
+            </a:schemeClr>
+          </a:lnRef>
+          <a:fillRef idx="1">
+            <a:schemeClr val="accent1"/>
+          </a:fillRef>
+          <a:effectRef idx="0">
+            <a:schemeClr val="accent1"/>
+          </a:effectRef>
+          <a:fontRef idx="minor">
+            <a:schemeClr val="lt1"/>
+          </a:fontRef>
+        </p:style>
+        <p:txBody>
+          <a:bodyPr rtlCol="0" anchor="ctr"/>
+          <a:lstStyle/>
+          <a:p>
+            <a:pPr algn="ctr"/>
+            <a:endParaRPr lang="en-US" dirty="0"/>
+          </a:p>
+        </p:txBody>
+      </p:sp>
+      <p:sp>
+        <p:nvSpPr>
+          <p:cNvPr id="28" name="Rectangle 27">
+            <a:extLst>
+              <a:ext uri="{FF2B5EF4-FFF2-40B4-BE49-F238E27FC236}">
+                <a16:creationId xmlns:a16="http://schemas.microsoft.com/office/drawing/2014/main" id="{EE04B5EB-F158-4507-90DD-BD23620C7CC9}"/>
+              </a:ext>
+              <a:ext uri="{C183D7F6-B498-43B3-948B-1728B52AA6E4}">
+                <adec:decorative xmlns:adec="http://schemas.microsoft.com/office/drawing/2017/decorative" val="1"/>
+              </a:ext>
+            </a:extLst>
+          </p:cNvPr>
+          <p:cNvSpPr>
+            <a:spLocks noGrp="1" noRot="1" noChangeAspect="1" noMove="1" noResize="1" noEditPoints="1" noAdjustHandles="1" noChangeArrowheads="1" noChangeShapeType="1" noTextEdit="1"/>
+          </p:cNvSpPr>
+          <p:nvPr>
+            <p:extLst>
+              <p:ext uri="{386F3935-93C4-4BCD-93E2-E3B085C9AB24}">
+                <p16:designElem xmlns:p16="http://schemas.microsoft.com/office/powerpoint/2015/main" val="1"/>
+              </p:ext>
+            </p:extLst>
+          </p:nvPr>
+        </p:nvSpPr>
+        <p:spPr>
+          <a:xfrm>
+            <a:off x="641774" y="623275"/>
+            <a:ext cx="10905053" cy="5607882"/>
+          </a:xfrm>
+          <a:prstGeom prst="rect">
+            <a:avLst/>
+          </a:prstGeom>
+          <a:noFill/>
+          <a:ln w="19050">
+            <a:solidFill>
+              <a:schemeClr val="tx1">
+                <a:lumMod val="75000"/>
+                <a:lumOff val="25000"/>
+              </a:schemeClr>
+            </a:solidFill>
+          </a:ln>
+        </p:spPr>
+        <p:style>
+          <a:lnRef idx="2">
+            <a:schemeClr val="accent1">
+              <a:shade val="50000"/>
+            </a:schemeClr>
+          </a:lnRef>
+          <a:fillRef idx="1">
+            <a:schemeClr val="accent1"/>
+          </a:fillRef>
+          <a:effectRef idx="0">
+            <a:schemeClr val="accent1"/>
+          </a:effectRef>
+          <a:fontRef idx="minor">
+            <a:schemeClr val="lt1"/>
+          </a:fontRef>
+        </p:style>
+        <p:txBody>
+          <a:bodyPr rtlCol="0" anchor="ctr"/>
+          <a:lstStyle/>
+          <a:p>
+            <a:pPr algn="ctr"/>
+            <a:endParaRPr lang="en-US"/>
+          </a:p>
+        </p:txBody>
+      </p:sp>
       <p:sp>
         <p:nvSpPr>
           <p:cNvPr id="2" name="Title 1"/>
@@ -3343,22 +7025,22 @@
         </p:nvSpPr>
         <p:spPr>
           <a:xfrm>
-            <a:off x="5164492" y="320041"/>
-            <a:ext cx="5030313" cy="3892668"/>
+            <a:off x="965200" y="1383528"/>
+            <a:ext cx="5925989" cy="3167510"/>
           </a:xfrm>
         </p:spPr>
         <p:txBody>
-          <a:bodyPr>
-            <a:noAutofit/>
+          <a:bodyPr anchor="b">
+            <a:normAutofit/>
           </a:bodyPr>
           <a:lstStyle/>
           <a:p>
-            <a:pPr algn="l"/>
-            <a:r>
-              <a:rPr lang="it-IT" sz="4400" b="1" dirty="0"/>
+            <a:pPr algn="r"/>
+            <a:r>
+              <a:rPr lang="it-IT" sz="3800" b="1" dirty="0"/>
               <a:t>Prototipazione Rapida di Digital Twin tramite Mixed Reality e Deep Learning su Meta Quest</a:t>
             </a:r>
-            <a:endParaRPr lang="it-IT" sz="3600" dirty="0"/>
+            <a:endParaRPr lang="it-IT" sz="3800" dirty="0"/>
           </a:p>
         </p:txBody>
       </p:sp>
@@ -3374,23 +7056,23 @@
         </p:nvSpPr>
         <p:spPr>
           <a:xfrm>
-            <a:off x="5164274" y="4631161"/>
-            <a:ext cx="5030524" cy="1569486"/>
+            <a:off x="965201" y="4582814"/>
+            <a:ext cx="5925987" cy="1312657"/>
           </a:xfrm>
         </p:spPr>
         <p:txBody>
-          <a:bodyPr>
+          <a:bodyPr anchor="t">
             <a:normAutofit/>
           </a:bodyPr>
           <a:lstStyle/>
           <a:p>
-            <a:pPr algn="l"/>
-            <a:endParaRPr lang="it-IT" dirty="0"/>
-          </a:p>
-          <a:p>
-            <a:pPr algn="l"/>
-            <a:r>
-              <a:rPr lang="it-IT" dirty="0"/>
+            <a:pPr algn="r"/>
+            <a:endParaRPr lang="it-IT"/>
+          </a:p>
+          <a:p>
+            <a:pPr algn="r"/>
+            <a:r>
+              <a:rPr lang="it-IT"/>
               <a:t>Marco Di Vita – 2026</a:t>
             </a:r>
           </a:p>
@@ -3418,14 +7100,68 @@
         </p:blipFill>
         <p:spPr>
           <a:xfrm>
-            <a:off x="1824151" y="1172519"/>
-            <a:ext cx="3040190" cy="3040190"/>
+            <a:off x="7599140" y="2209474"/>
+            <a:ext cx="2489416" cy="2489416"/>
           </a:xfrm>
           <a:prstGeom prst="rect">
             <a:avLst/>
           </a:prstGeom>
         </p:spPr>
       </p:pic>
+      <p:sp>
+        <p:nvSpPr>
+          <p:cNvPr id="4" name="Rettangolo 3">
+            <a:extLst>
+              <a:ext uri="{FF2B5EF4-FFF2-40B4-BE49-F238E27FC236}">
+                <a16:creationId xmlns:a16="http://schemas.microsoft.com/office/drawing/2014/main" id="{B8E031F5-6520-8689-1FE0-8880C530D38F}"/>
+              </a:ext>
+            </a:extLst>
+          </p:cNvPr>
+          <p:cNvSpPr/>
+          <p:nvPr/>
+        </p:nvSpPr>
+        <p:spPr>
+          <a:xfrm rot="1916257">
+            <a:off x="9975903" y="3593301"/>
+            <a:ext cx="361507" cy="856992"/>
+          </a:xfrm>
+          <a:prstGeom prst="rect">
+            <a:avLst/>
+          </a:prstGeom>
+          <a:solidFill>
+            <a:schemeClr val="bg1"/>
+          </a:solidFill>
+          <a:ln>
+            <a:solidFill>
+              <a:schemeClr val="bg1"/>
+            </a:solidFill>
+          </a:ln>
+        </p:spPr>
+        <p:style>
+          <a:lnRef idx="2">
+            <a:schemeClr val="accent1">
+              <a:shade val="15000"/>
+            </a:schemeClr>
+          </a:lnRef>
+          <a:fillRef idx="1">
+            <a:schemeClr val="accent1"/>
+          </a:fillRef>
+          <a:effectRef idx="0">
+            <a:schemeClr val="accent1"/>
+          </a:effectRef>
+          <a:fontRef idx="minor">
+            <a:schemeClr val="lt1"/>
+          </a:fontRef>
+        </p:style>
+        <p:txBody>
+          <a:bodyPr rtlCol="0" anchor="ctr"/>
+          <a:lstStyle/>
+          <a:p>
+            <a:pPr algn="ctr"/>
+            <a:endParaRPr lang="it-IT"/>
+          </a:p>
+        </p:txBody>
+      </p:sp>
     </p:spTree>
   </p:cSld>
   <p:clrMapOvr>
@@ -3434,9 +7170,17 @@
 </p:sld>
 </file>
 
-<file path=ppt/slides/slide10.xml><?xml version="1.0" encoding="utf-8"?>
+<file path=ppt/slides/slide2.xml><?xml version="1.0" encoding="utf-8"?>
 <p:sld xmlns:a="http://schemas.openxmlformats.org/drawingml/2006/main" xmlns:r="http://schemas.openxmlformats.org/officeDocument/2006/relationships" xmlns:p="http://schemas.openxmlformats.org/presentationml/2006/main">
   <p:cSld>
+    <p:bg>
+      <p:bgPr>
+        <a:solidFill>
+          <a:schemeClr val="bg1"/>
+        </a:solidFill>
+        <a:effectLst/>
+      </p:bgPr>
+    </p:bg>
     <p:spTree>
       <p:nvGrpSpPr>
         <p:cNvPr id="1" name=""/>
@@ -3451,12 +7195,201 @@
           <a:chExt cx="0" cy="0"/>
         </a:xfrm>
       </p:grpSpPr>
+      <p:sp useBgFill="1">
+        <p:nvSpPr>
+          <p:cNvPr id="20" name="Rectangle 19">
+            <a:extLst>
+              <a:ext uri="{FF2B5EF4-FFF2-40B4-BE49-F238E27FC236}">
+                <a16:creationId xmlns:a16="http://schemas.microsoft.com/office/drawing/2014/main" id="{081EA652-8C6A-4E69-BEB9-170809474553}"/>
+              </a:ext>
+              <a:ext uri="{C183D7F6-B498-43B3-948B-1728B52AA6E4}">
+                <adec:decorative xmlns:adec="http://schemas.microsoft.com/office/drawing/2017/decorative" val="1"/>
+              </a:ext>
+            </a:extLst>
+          </p:cNvPr>
+          <p:cNvSpPr>
+            <a:spLocks noGrp="1" noRot="1" noChangeAspect="1" noMove="1" noResize="1" noEditPoints="1" noAdjustHandles="1" noChangeArrowheads="1" noChangeShapeType="1" noTextEdit="1"/>
+          </p:cNvSpPr>
+          <p:nvPr>
+            <p:extLst>
+              <p:ext uri="{386F3935-93C4-4BCD-93E2-E3B085C9AB24}">
+                <p16:designElem xmlns:p16="http://schemas.microsoft.com/office/powerpoint/2015/main" val="1"/>
+              </p:ext>
+            </p:extLst>
+          </p:nvPr>
+        </p:nvSpPr>
+        <p:spPr>
+          <a:xfrm>
+            <a:off x="0" y="0"/>
+            <a:ext cx="12192000" cy="6858000"/>
+          </a:xfrm>
+          <a:prstGeom prst="rect">
+            <a:avLst/>
+          </a:prstGeom>
+          <a:ln>
+            <a:noFill/>
+          </a:ln>
+        </p:spPr>
+        <p:style>
+          <a:lnRef idx="2">
+            <a:schemeClr val="accent1">
+              <a:shade val="50000"/>
+            </a:schemeClr>
+          </a:lnRef>
+          <a:fillRef idx="1">
+            <a:schemeClr val="accent1"/>
+          </a:fillRef>
+          <a:effectRef idx="0">
+            <a:schemeClr val="accent1"/>
+          </a:effectRef>
+          <a:fontRef idx="minor">
+            <a:schemeClr val="lt1"/>
+          </a:fontRef>
+        </p:style>
+        <p:txBody>
+          <a:bodyPr rtlCol="0" anchor="ctr"/>
+          <a:lstStyle/>
+          <a:p>
+            <a:pPr algn="ctr"/>
+            <a:endParaRPr lang="en-US"/>
+          </a:p>
+        </p:txBody>
+      </p:sp>
+      <p:sp>
+        <p:nvSpPr>
+          <p:cNvPr id="22" name="Right Triangle 21">
+            <a:extLst>
+              <a:ext uri="{FF2B5EF4-FFF2-40B4-BE49-F238E27FC236}">
+                <a16:creationId xmlns:a16="http://schemas.microsoft.com/office/drawing/2014/main" id="{5298780A-33B9-4EA2-8F67-DE68AD62841B}"/>
+              </a:ext>
+              <a:ext uri="{C183D7F6-B498-43B3-948B-1728B52AA6E4}">
+                <adec:decorative xmlns:adec="http://schemas.microsoft.com/office/drawing/2017/decorative" val="1"/>
+              </a:ext>
+            </a:extLst>
+          </p:cNvPr>
+          <p:cNvSpPr>
+            <a:spLocks noGrp="1" noRot="1" noChangeAspect="1" noMove="1" noResize="1" noEditPoints="1" noAdjustHandles="1" noChangeArrowheads="1" noChangeShapeType="1" noTextEdit="1"/>
+          </p:cNvSpPr>
+          <p:nvPr>
+            <p:extLst>
+              <p:ext uri="{386F3935-93C4-4BCD-93E2-E3B085C9AB24}">
+                <p16:designElem xmlns:p16="http://schemas.microsoft.com/office/powerpoint/2015/main" val="1"/>
+              </p:ext>
+            </p:extLst>
+          </p:nvPr>
+        </p:nvSpPr>
+        <p:spPr>
+          <a:xfrm flipH="1">
+            <a:off x="8576720" y="3335867"/>
+            <a:ext cx="3291840" cy="3200400"/>
+          </a:xfrm>
+          <a:prstGeom prst="rtTriangle">
+            <a:avLst/>
+          </a:prstGeom>
+          <a:solidFill>
+            <a:schemeClr val="accent4"/>
+          </a:solidFill>
+          <a:ln>
+            <a:noFill/>
+          </a:ln>
+        </p:spPr>
+        <p:style>
+          <a:lnRef idx="2">
+            <a:schemeClr val="accent1">
+              <a:shade val="50000"/>
+            </a:schemeClr>
+          </a:lnRef>
+          <a:fillRef idx="1">
+            <a:schemeClr val="accent1"/>
+          </a:fillRef>
+          <a:effectRef idx="0">
+            <a:schemeClr val="accent1"/>
+          </a:effectRef>
+          <a:fontRef idx="minor">
+            <a:schemeClr val="lt1"/>
+          </a:fontRef>
+        </p:style>
+        <p:txBody>
+          <a:bodyPr rtlCol="0" anchor="ctr"/>
+          <a:lstStyle/>
+          <a:p>
+            <a:pPr algn="ctr"/>
+            <a:endParaRPr lang="en-US" dirty="0"/>
+          </a:p>
+        </p:txBody>
+      </p:sp>
+      <p:sp>
+        <p:nvSpPr>
+          <p:cNvPr id="24" name="Rectangle 23">
+            <a:extLst>
+              <a:ext uri="{FF2B5EF4-FFF2-40B4-BE49-F238E27FC236}">
+                <a16:creationId xmlns:a16="http://schemas.microsoft.com/office/drawing/2014/main" id="{7F488E8B-4E1E-4402-8935-D4E6C02615C7}"/>
+              </a:ext>
+              <a:ext uri="{C183D7F6-B498-43B3-948B-1728B52AA6E4}">
+                <adec:decorative xmlns:adec="http://schemas.microsoft.com/office/drawing/2017/decorative" val="1"/>
+              </a:ext>
+            </a:extLst>
+          </p:cNvPr>
+          <p:cNvSpPr>
+            <a:spLocks noGrp="1" noRot="1" noChangeAspect="1" noMove="1" noResize="1" noEditPoints="1" noAdjustHandles="1" noChangeArrowheads="1" noChangeShapeType="1" noTextEdit="1"/>
+          </p:cNvSpPr>
+          <p:nvPr>
+            <p:extLst>
+              <p:ext uri="{386F3935-93C4-4BCD-93E2-E3B085C9AB24}">
+                <p16:designElem xmlns:p16="http://schemas.microsoft.com/office/powerpoint/2015/main" val="1"/>
+              </p:ext>
+            </p:extLst>
+          </p:nvPr>
+        </p:nvSpPr>
+        <p:spPr>
+          <a:xfrm>
+            <a:off x="641774" y="623275"/>
+            <a:ext cx="10905053" cy="5607882"/>
+          </a:xfrm>
+          <a:prstGeom prst="rect">
+            <a:avLst/>
+          </a:prstGeom>
+          <a:noFill/>
+          <a:ln w="19050">
+            <a:solidFill>
+              <a:schemeClr val="tx1">
+                <a:lumMod val="75000"/>
+                <a:lumOff val="25000"/>
+              </a:schemeClr>
+            </a:solidFill>
+          </a:ln>
+        </p:spPr>
+        <p:style>
+          <a:lnRef idx="2">
+            <a:schemeClr val="accent1">
+              <a:shade val="50000"/>
+            </a:schemeClr>
+          </a:lnRef>
+          <a:fillRef idx="1">
+            <a:schemeClr val="accent1"/>
+          </a:fillRef>
+          <a:effectRef idx="0">
+            <a:schemeClr val="accent1"/>
+          </a:effectRef>
+          <a:fontRef idx="minor">
+            <a:schemeClr val="lt1"/>
+          </a:fontRef>
+        </p:style>
+        <p:txBody>
+          <a:bodyPr rtlCol="0" anchor="ctr"/>
+          <a:lstStyle/>
+          <a:p>
+            <a:pPr algn="ctr"/>
+            <a:endParaRPr lang="en-US"/>
+          </a:p>
+        </p:txBody>
+      </p:sp>
       <p:sp>
         <p:nvSpPr>
           <p:cNvPr id="2" name="Titolo 1">
             <a:extLst>
               <a:ext uri="{FF2B5EF4-FFF2-40B4-BE49-F238E27FC236}">
-                <a16:creationId xmlns:a16="http://schemas.microsoft.com/office/drawing/2014/main" id="{FE69B082-F493-C955-CD08-27E62BF082C9}"/>
+                <a16:creationId xmlns:a16="http://schemas.microsoft.com/office/drawing/2014/main" id="{D6353504-3939-2F3A-594F-AA054A87AADF}"/>
               </a:ext>
             </a:extLst>
           </p:cNvPr>
@@ -3467,32 +7400,317 @@
             <p:ph type="title"/>
           </p:nvPr>
         </p:nvSpPr>
-        <p:spPr/>
+        <p:spPr>
+          <a:xfrm>
+            <a:off x="1285240" y="1050595"/>
+            <a:ext cx="8074815" cy="1618489"/>
+          </a:xfrm>
+        </p:spPr>
         <p:txBody>
-          <a:bodyPr/>
+          <a:bodyPr anchor="ctr">
+            <a:normAutofit/>
+          </a:bodyPr>
           <a:lstStyle/>
           <a:p>
             <a:r>
-              <a:rPr lang="en-US" dirty="0" err="1"/>
-              <a:t>Risultati</a:t>
-            </a:r>
-            <a:r>
-              <a:rPr lang="en-US" dirty="0"/>
-              <a:t> </a:t>
-            </a:r>
-            <a:r>
-              <a:rPr lang="en-US" dirty="0" err="1"/>
-              <a:t>ottenuti</a:t>
-            </a:r>
-            <a:r>
-              <a:rPr lang="en-US" dirty="0"/>
-              <a:t> ed </a:t>
-            </a:r>
-            <a:r>
-              <a:rPr lang="en-US" dirty="0" err="1"/>
-              <a:t>esempi</a:t>
-            </a:r>
-            <a:endParaRPr lang="it-IT" dirty="0"/>
+              <a:rPr lang="en-US" sz="7200"/>
+              <a:t>Obiettivi del progetto</a:t>
+            </a:r>
+            <a:endParaRPr lang="it-IT" sz="7200"/>
+          </a:p>
+        </p:txBody>
+      </p:sp>
+      <p:graphicFrame>
+        <p:nvGraphicFramePr>
+          <p:cNvPr id="5" name="Segnaposto contenuto 2">
+            <a:extLst>
+              <a:ext uri="{FF2B5EF4-FFF2-40B4-BE49-F238E27FC236}">
+                <a16:creationId xmlns:a16="http://schemas.microsoft.com/office/drawing/2014/main" id="{16398330-6AA8-3948-E4C7-F1F87345716A}"/>
+              </a:ext>
+            </a:extLst>
+          </p:cNvPr>
+          <p:cNvGraphicFramePr>
+            <a:graphicFrameLocks noGrp="1"/>
+          </p:cNvGraphicFramePr>
+          <p:nvPr>
+            <p:ph idx="1"/>
+            <p:extLst>
+              <p:ext uri="{D42A27DB-BD31-4B8C-83A1-F6EECF244321}">
+                <p14:modId xmlns:p14="http://schemas.microsoft.com/office/powerpoint/2010/main" val="1612415321"/>
+              </p:ext>
+            </p:extLst>
+          </p:nvPr>
+        </p:nvGraphicFramePr>
+        <p:xfrm>
+          <a:off x="1285240" y="2921000"/>
+          <a:ext cx="8074815" cy="2543754"/>
+        </p:xfrm>
+        <a:graphic>
+          <a:graphicData uri="http://schemas.openxmlformats.org/drawingml/2006/diagram">
+            <dgm:relIds xmlns:dgm="http://schemas.openxmlformats.org/drawingml/2006/diagram" xmlns:r="http://schemas.openxmlformats.org/officeDocument/2006/relationships" r:dm="rId2" r:lo="rId3" r:qs="rId4" r:cs="rId5"/>
+          </a:graphicData>
+        </a:graphic>
+      </p:graphicFrame>
+    </p:spTree>
+    <p:extLst>
+      <p:ext uri="{BB962C8B-B14F-4D97-AF65-F5344CB8AC3E}">
+        <p14:creationId xmlns:p14="http://schemas.microsoft.com/office/powerpoint/2010/main" val="2548992285"/>
+      </p:ext>
+    </p:extLst>
+  </p:cSld>
+  <p:clrMapOvr>
+    <a:masterClrMapping/>
+  </p:clrMapOvr>
+</p:sld>
+</file>
+
+<file path=ppt/slides/slide3.xml><?xml version="1.0" encoding="utf-8"?>
+<p:sld xmlns:a="http://schemas.openxmlformats.org/drawingml/2006/main" xmlns:r="http://schemas.openxmlformats.org/officeDocument/2006/relationships" xmlns:p="http://schemas.openxmlformats.org/presentationml/2006/main">
+  <p:cSld>
+    <p:bg>
+      <p:bgPr>
+        <a:solidFill>
+          <a:schemeClr val="bg1"/>
+        </a:solidFill>
+        <a:effectLst/>
+      </p:bgPr>
+    </p:bg>
+    <p:spTree>
+      <p:nvGrpSpPr>
+        <p:cNvPr id="1" name=""/>
+        <p:cNvGrpSpPr/>
+        <p:nvPr/>
+      </p:nvGrpSpPr>
+      <p:grpSpPr>
+        <a:xfrm>
+          <a:off x="0" y="0"/>
+          <a:ext cx="0" cy="0"/>
+          <a:chOff x="0" y="0"/>
+          <a:chExt cx="0" cy="0"/>
+        </a:xfrm>
+      </p:grpSpPr>
+      <p:sp useBgFill="1">
+        <p:nvSpPr>
+          <p:cNvPr id="25" name="Rectangle 24">
+            <a:extLst>
+              <a:ext uri="{FF2B5EF4-FFF2-40B4-BE49-F238E27FC236}">
+                <a16:creationId xmlns:a16="http://schemas.microsoft.com/office/drawing/2014/main" id="{081EA652-8C6A-4E69-BEB9-170809474553}"/>
+              </a:ext>
+              <a:ext uri="{C183D7F6-B498-43B3-948B-1728B52AA6E4}">
+                <adec:decorative xmlns:adec="http://schemas.microsoft.com/office/drawing/2017/decorative" val="1"/>
+              </a:ext>
+            </a:extLst>
+          </p:cNvPr>
+          <p:cNvSpPr>
+            <a:spLocks noGrp="1" noRot="1" noChangeAspect="1" noMove="1" noResize="1" noEditPoints="1" noAdjustHandles="1" noChangeArrowheads="1" noChangeShapeType="1" noTextEdit="1"/>
+          </p:cNvSpPr>
+          <p:nvPr>
+            <p:extLst>
+              <p:ext uri="{386F3935-93C4-4BCD-93E2-E3B085C9AB24}">
+                <p16:designElem xmlns:p16="http://schemas.microsoft.com/office/powerpoint/2015/main" val="1"/>
+              </p:ext>
+            </p:extLst>
+          </p:nvPr>
+        </p:nvSpPr>
+        <p:spPr>
+          <a:xfrm>
+            <a:off x="0" y="0"/>
+            <a:ext cx="12192000" cy="6858000"/>
+          </a:xfrm>
+          <a:prstGeom prst="rect">
+            <a:avLst/>
+          </a:prstGeom>
+          <a:ln>
+            <a:noFill/>
+          </a:ln>
+        </p:spPr>
+        <p:style>
+          <a:lnRef idx="2">
+            <a:schemeClr val="accent1">
+              <a:shade val="50000"/>
+            </a:schemeClr>
+          </a:lnRef>
+          <a:fillRef idx="1">
+            <a:schemeClr val="accent1"/>
+          </a:fillRef>
+          <a:effectRef idx="0">
+            <a:schemeClr val="accent1"/>
+          </a:effectRef>
+          <a:fontRef idx="minor">
+            <a:schemeClr val="lt1"/>
+          </a:fontRef>
+        </p:style>
+        <p:txBody>
+          <a:bodyPr rtlCol="0" anchor="ctr"/>
+          <a:lstStyle/>
+          <a:p>
+            <a:pPr algn="ctr"/>
+            <a:endParaRPr lang="en-US"/>
+          </a:p>
+        </p:txBody>
+      </p:sp>
+      <p:sp>
+        <p:nvSpPr>
+          <p:cNvPr id="27" name="Right Triangle 26">
+            <a:extLst>
+              <a:ext uri="{FF2B5EF4-FFF2-40B4-BE49-F238E27FC236}">
+                <a16:creationId xmlns:a16="http://schemas.microsoft.com/office/drawing/2014/main" id="{5298780A-33B9-4EA2-8F67-DE68AD62841B}"/>
+              </a:ext>
+              <a:ext uri="{C183D7F6-B498-43B3-948B-1728B52AA6E4}">
+                <adec:decorative xmlns:adec="http://schemas.microsoft.com/office/drawing/2017/decorative" val="1"/>
+              </a:ext>
+            </a:extLst>
+          </p:cNvPr>
+          <p:cNvSpPr>
+            <a:spLocks noGrp="1" noRot="1" noChangeAspect="1" noMove="1" noResize="1" noEditPoints="1" noAdjustHandles="1" noChangeArrowheads="1" noChangeShapeType="1" noTextEdit="1"/>
+          </p:cNvSpPr>
+          <p:nvPr>
+            <p:extLst>
+              <p:ext uri="{386F3935-93C4-4BCD-93E2-E3B085C9AB24}">
+                <p16:designElem xmlns:p16="http://schemas.microsoft.com/office/powerpoint/2015/main" val="1"/>
+              </p:ext>
+            </p:extLst>
+          </p:nvPr>
+        </p:nvSpPr>
+        <p:spPr>
+          <a:xfrm flipH="1">
+            <a:off x="8576720" y="3335867"/>
+            <a:ext cx="3291840" cy="3200400"/>
+          </a:xfrm>
+          <a:prstGeom prst="rtTriangle">
+            <a:avLst/>
+          </a:prstGeom>
+          <a:solidFill>
+            <a:schemeClr val="accent4"/>
+          </a:solidFill>
+          <a:ln>
+            <a:noFill/>
+          </a:ln>
+        </p:spPr>
+        <p:style>
+          <a:lnRef idx="2">
+            <a:schemeClr val="accent1">
+              <a:shade val="50000"/>
+            </a:schemeClr>
+          </a:lnRef>
+          <a:fillRef idx="1">
+            <a:schemeClr val="accent1"/>
+          </a:fillRef>
+          <a:effectRef idx="0">
+            <a:schemeClr val="accent1"/>
+          </a:effectRef>
+          <a:fontRef idx="minor">
+            <a:schemeClr val="lt1"/>
+          </a:fontRef>
+        </p:style>
+        <p:txBody>
+          <a:bodyPr rtlCol="0" anchor="ctr"/>
+          <a:lstStyle/>
+          <a:p>
+            <a:pPr algn="ctr"/>
+            <a:endParaRPr lang="en-US" dirty="0"/>
+          </a:p>
+        </p:txBody>
+      </p:sp>
+      <p:sp>
+        <p:nvSpPr>
+          <p:cNvPr id="29" name="Rectangle 28">
+            <a:extLst>
+              <a:ext uri="{FF2B5EF4-FFF2-40B4-BE49-F238E27FC236}">
+                <a16:creationId xmlns:a16="http://schemas.microsoft.com/office/drawing/2014/main" id="{7F488E8B-4E1E-4402-8935-D4E6C02615C7}"/>
+              </a:ext>
+              <a:ext uri="{C183D7F6-B498-43B3-948B-1728B52AA6E4}">
+                <adec:decorative xmlns:adec="http://schemas.microsoft.com/office/drawing/2017/decorative" val="1"/>
+              </a:ext>
+            </a:extLst>
+          </p:cNvPr>
+          <p:cNvSpPr>
+            <a:spLocks noGrp="1" noRot="1" noChangeAspect="1" noMove="1" noResize="1" noEditPoints="1" noAdjustHandles="1" noChangeArrowheads="1" noChangeShapeType="1" noTextEdit="1"/>
+          </p:cNvSpPr>
+          <p:nvPr>
+            <p:extLst>
+              <p:ext uri="{386F3935-93C4-4BCD-93E2-E3B085C9AB24}">
+                <p16:designElem xmlns:p16="http://schemas.microsoft.com/office/powerpoint/2015/main" val="1"/>
+              </p:ext>
+            </p:extLst>
+          </p:nvPr>
+        </p:nvSpPr>
+        <p:spPr>
+          <a:xfrm>
+            <a:off x="641774" y="623275"/>
+            <a:ext cx="10905053" cy="5607882"/>
+          </a:xfrm>
+          <a:prstGeom prst="rect">
+            <a:avLst/>
+          </a:prstGeom>
+          <a:noFill/>
+          <a:ln w="19050">
+            <a:solidFill>
+              <a:schemeClr val="tx1">
+                <a:lumMod val="75000"/>
+                <a:lumOff val="25000"/>
+              </a:schemeClr>
+            </a:solidFill>
+          </a:ln>
+        </p:spPr>
+        <p:style>
+          <a:lnRef idx="2">
+            <a:schemeClr val="accent1">
+              <a:shade val="50000"/>
+            </a:schemeClr>
+          </a:lnRef>
+          <a:fillRef idx="1">
+            <a:schemeClr val="accent1"/>
+          </a:fillRef>
+          <a:effectRef idx="0">
+            <a:schemeClr val="accent1"/>
+          </a:effectRef>
+          <a:fontRef idx="minor">
+            <a:schemeClr val="lt1"/>
+          </a:fontRef>
+        </p:style>
+        <p:txBody>
+          <a:bodyPr rtlCol="0" anchor="ctr"/>
+          <a:lstStyle/>
+          <a:p>
+            <a:pPr algn="ctr"/>
+            <a:endParaRPr lang="en-US"/>
+          </a:p>
+        </p:txBody>
+      </p:sp>
+      <p:sp>
+        <p:nvSpPr>
+          <p:cNvPr id="2" name="Titolo 1">
+            <a:extLst>
+              <a:ext uri="{FF2B5EF4-FFF2-40B4-BE49-F238E27FC236}">
+                <a16:creationId xmlns:a16="http://schemas.microsoft.com/office/drawing/2014/main" id="{3D1ADD5D-9F92-30C7-2402-93BE9EDBAF03}"/>
+              </a:ext>
+            </a:extLst>
+          </p:cNvPr>
+          <p:cNvSpPr>
+            <a:spLocks noGrp="1"/>
+          </p:cNvSpPr>
+          <p:nvPr>
+            <p:ph type="title"/>
+          </p:nvPr>
+        </p:nvSpPr>
+        <p:spPr>
+          <a:xfrm>
+            <a:off x="1285240" y="1050595"/>
+            <a:ext cx="8074815" cy="1618489"/>
+          </a:xfrm>
+        </p:spPr>
+        <p:txBody>
+          <a:bodyPr anchor="ctr">
+            <a:normAutofit/>
+          </a:bodyPr>
+          <a:lstStyle/>
+          <a:p>
+            <a:r>
+              <a:rPr lang="en-US" sz="7200"/>
+              <a:t>Architettura generale</a:t>
+            </a:r>
+            <a:endParaRPr lang="it-IT" sz="7200"/>
           </a:p>
         </p:txBody>
       </p:sp>
@@ -3501,7 +7719,7 @@
           <p:cNvPr id="4" name="Rectangle 1">
             <a:extLst>
               <a:ext uri="{FF2B5EF4-FFF2-40B4-BE49-F238E27FC236}">
-                <a16:creationId xmlns:a16="http://schemas.microsoft.com/office/drawing/2014/main" id="{8325AFEB-6D12-4370-56AB-E1479942B8CE}"/>
+                <a16:creationId xmlns:a16="http://schemas.microsoft.com/office/drawing/2014/main" id="{D83E7C1D-5E31-4255-10BF-C16B77729159}"/>
               </a:ext>
             </a:extLst>
           </p:cNvPr>
@@ -3513,14 +7731,13 @@
           </p:nvPr>
         </p:nvSpPr>
         <p:spPr bwMode="auto">
+          <a:xfrm>
+            <a:off x="1285240" y="2969469"/>
+            <a:ext cx="8074815" cy="2800395"/>
+          </a:xfrm>
           <a:prstGeom prst="rect">
             <a:avLst/>
           </a:prstGeom>
-          <a:noFill/>
-          <a:ln>
-            <a:noFill/>
-          </a:ln>
-          <a:effectLst/>
           <a:extLst>
             <a:ext uri="{909E8E84-426E-40DD-AFC4-6F175D3DCCD1}">
               <a14:hiddenFill xmlns:a14="http://schemas.microsoft.com/office/drawing/2010/main">
@@ -3551,23 +7768,20 @@
           </a:extLst>
         </p:spPr>
         <p:txBody>
-          <a:bodyPr vert="horz" wrap="none" lIns="91440" tIns="45720" rIns="91440" bIns="45720" numCol="1" anchor="ctr" anchorCtr="0" compatLnSpc="1">
+          <a:bodyPr vert="horz" lIns="91440" tIns="45720" rIns="91440" bIns="45720" numCol="1" anchor="t" anchorCtr="0" compatLnSpc="1">
             <a:prstTxWarp prst="textNoShape">
               <a:avLst/>
             </a:prstTxWarp>
-            <a:spAutoFit/>
+            <a:normAutofit/>
           </a:bodyPr>
           <a:lstStyle/>
           <a:p>
-            <a:pPr marL="0" marR="0" lvl="0" indent="0" algn="l" defTabSz="914400" rtl="0" eaLnBrk="0" fontAlgn="base" latinLnBrk="0" hangingPunct="0">
-              <a:lnSpc>
-                <a:spcPct val="100000"/>
-              </a:lnSpc>
+            <a:pPr marL="0" marR="0" lvl="0" indent="0" defTabSz="914400" rtl="0" eaLnBrk="0" fontAlgn="base" latinLnBrk="0" hangingPunct="0">
               <a:spcBef>
                 <a:spcPct val="0"/>
               </a:spcBef>
               <a:spcAft>
-                <a:spcPct val="0"/>
+                <a:spcPts val="600"/>
               </a:spcAft>
               <a:buClrTx/>
               <a:buSzTx/>
@@ -3576,29 +7790,60 @@
               <a:tabLst/>
             </a:pPr>
             <a:r>
-              <a:rPr kumimoji="0" lang="it-IT" altLang="it-IT" sz="1800" b="0" i="0" u="none" strike="noStrike" cap="none" normalizeH="0" baseline="0">
+              <a:rPr kumimoji="0" lang="it-IT" altLang="it-IT" sz="2000" i="0" u="none" strike="noStrike" cap="none" normalizeH="0" baseline="0" dirty="0">
                 <a:ln>
                   <a:noFill/>
                 </a:ln>
-                <a:solidFill>
-                  <a:schemeClr val="tx1"/>
-                </a:solidFill>
                 <a:effectLst/>
                 <a:latin typeface="Arial" panose="020B0604020202020204" pitchFamily="34" charset="0"/>
               </a:rPr>
-              <a:t>Generazione automatica di modelli 3D a partire da immagini 2D</a:t>
-            </a:r>
-          </a:p>
-          <a:p>
-            <a:pPr marL="0" marR="0" lvl="0" indent="0" algn="l" defTabSz="914400" rtl="0" eaLnBrk="0" fontAlgn="base" latinLnBrk="0" hangingPunct="0">
-              <a:lnSpc>
-                <a:spcPct val="100000"/>
-              </a:lnSpc>
+              <a:t>Architettura client–server con separazione tra </a:t>
+            </a:r>
+            <a:r>
+              <a:rPr kumimoji="0" lang="it-IT" altLang="it-IT" sz="2000" i="0" u="none" strike="noStrike" cap="none" normalizeH="0" baseline="0" dirty="0" err="1">
+                <a:ln>
+                  <a:noFill/>
+                </a:ln>
+                <a:effectLst/>
+                <a:latin typeface="Arial" panose="020B0604020202020204" pitchFamily="34" charset="0"/>
+              </a:rPr>
+              <a:t>frontend</a:t>
+            </a:r>
+            <a:r>
+              <a:rPr kumimoji="0" lang="it-IT" altLang="it-IT" sz="2000" i="0" u="none" strike="noStrike" cap="none" normalizeH="0" baseline="0" dirty="0">
+                <a:ln>
+                  <a:noFill/>
+                </a:ln>
+                <a:effectLst/>
+                <a:latin typeface="Arial" panose="020B0604020202020204" pitchFamily="34" charset="0"/>
+              </a:rPr>
+              <a:t> e </a:t>
+            </a:r>
+            <a:r>
+              <a:rPr kumimoji="0" lang="it-IT" altLang="it-IT" sz="2000" i="0" u="none" strike="noStrike" cap="none" normalizeH="0" baseline="0" dirty="0" err="1">
+                <a:ln>
+                  <a:noFill/>
+                </a:ln>
+                <a:effectLst/>
+                <a:latin typeface="Arial" panose="020B0604020202020204" pitchFamily="34" charset="0"/>
+              </a:rPr>
+              <a:t>backend</a:t>
+            </a:r>
+            <a:endParaRPr kumimoji="0" lang="it-IT" altLang="it-IT" sz="2000" i="0" u="none" strike="noStrike" cap="none" normalizeH="0" baseline="0" dirty="0">
+              <a:ln>
+                <a:noFill/>
+              </a:ln>
+              <a:effectLst/>
+              <a:latin typeface="Arial" panose="020B0604020202020204" pitchFamily="34" charset="0"/>
+            </a:endParaRPr>
+          </a:p>
+          <a:p>
+            <a:pPr marL="0" marR="0" lvl="0" indent="0" defTabSz="914400" rtl="0" eaLnBrk="0" fontAlgn="base" latinLnBrk="0" hangingPunct="0">
               <a:spcBef>
                 <a:spcPct val="0"/>
               </a:spcBef>
               <a:spcAft>
-                <a:spcPct val="0"/>
+                <a:spcPts val="600"/>
               </a:spcAft>
               <a:buClrTx/>
               <a:buSzTx/>
@@ -3607,29 +7852,53 @@
               <a:tabLst/>
             </a:pPr>
             <a:r>
-              <a:rPr kumimoji="0" lang="it-IT" altLang="it-IT" sz="1800" b="0" i="0" u="none" strike="noStrike" cap="none" normalizeH="0" baseline="0">
+              <a:rPr kumimoji="0" lang="it-IT" altLang="it-IT" sz="2000" i="0" u="none" strike="noStrike" cap="none" normalizeH="0" baseline="0" dirty="0" err="1">
                 <a:ln>
                   <a:noFill/>
                 </a:ln>
-                <a:solidFill>
-                  <a:schemeClr val="tx1"/>
-                </a:solidFill>
                 <a:effectLst/>
                 <a:latin typeface="Arial" panose="020B0604020202020204" pitchFamily="34" charset="0"/>
               </a:rPr>
-              <a:t>Pipeline end-to-end completamente funzionante</a:t>
-            </a:r>
-          </a:p>
-          <a:p>
-            <a:pPr marL="0" marR="0" lvl="0" indent="0" algn="l" defTabSz="914400" rtl="0" eaLnBrk="0" fontAlgn="base" latinLnBrk="0" hangingPunct="0">
-              <a:lnSpc>
-                <a:spcPct val="100000"/>
-              </a:lnSpc>
+              <a:t>Backend</a:t>
+            </a:r>
+            <a:r>
+              <a:rPr kumimoji="0" lang="it-IT" altLang="it-IT" sz="2000" i="0" u="none" strike="noStrike" cap="none" normalizeH="0" baseline="0" dirty="0">
+                <a:ln>
+                  <a:noFill/>
+                </a:ln>
+                <a:effectLst/>
+                <a:latin typeface="Arial" panose="020B0604020202020204" pitchFamily="34" charset="0"/>
+              </a:rPr>
+              <a:t> </a:t>
+            </a:r>
+            <a:r>
+              <a:rPr kumimoji="0" lang="it-IT" altLang="it-IT" sz="2000" i="0" u="none" strike="noStrike" cap="none" normalizeH="0" baseline="0" dirty="0" err="1">
+                <a:ln>
+                  <a:noFill/>
+                </a:ln>
+                <a:effectLst/>
+                <a:latin typeface="Arial" panose="020B0604020202020204" pitchFamily="34" charset="0"/>
+              </a:rPr>
+              <a:t>Flask</a:t>
+            </a:r>
+            <a:r>
+              <a:rPr kumimoji="0" lang="it-IT" altLang="it-IT" sz="2000" i="0" u="none" strike="noStrike" cap="none" normalizeH="0" baseline="0" dirty="0">
+                <a:ln>
+                  <a:noFill/>
+                </a:ln>
+                <a:effectLst/>
+                <a:latin typeface="Arial" panose="020B0604020202020204" pitchFamily="34" charset="0"/>
+              </a:rPr>
+              <a:t> per orchestrare i modelli di Deep Learning</a:t>
+            </a:r>
+          </a:p>
+          <a:p>
+            <a:pPr marL="0" marR="0" lvl="0" indent="0" defTabSz="914400" rtl="0" eaLnBrk="0" fontAlgn="base" latinLnBrk="0" hangingPunct="0">
               <a:spcBef>
                 <a:spcPct val="0"/>
               </a:spcBef>
               <a:spcAft>
-                <a:spcPct val="0"/>
+                <a:spcPts val="600"/>
               </a:spcAft>
               <a:buClrTx/>
               <a:buSzTx/>
@@ -3638,29 +7907,23 @@
               <a:tabLst/>
             </a:pPr>
             <a:r>
-              <a:rPr kumimoji="0" lang="it-IT" altLang="it-IT" sz="1800" b="0" i="0" u="none" strike="noStrike" cap="none" normalizeH="0" baseline="0">
+              <a:rPr kumimoji="0" lang="it-IT" altLang="it-IT" sz="2000" i="0" u="none" strike="noStrike" cap="none" normalizeH="0" baseline="0" dirty="0">
                 <a:ln>
                   <a:noFill/>
                 </a:ln>
-                <a:solidFill>
-                  <a:schemeClr val="tx1"/>
-                </a:solidFill>
                 <a:effectLst/>
                 <a:latin typeface="Arial" panose="020B0604020202020204" pitchFamily="34" charset="0"/>
               </a:rPr>
-              <a:t>Integrazione efficace tra Deep Learning e Computer Graphics</a:t>
-            </a:r>
-          </a:p>
-          <a:p>
-            <a:pPr marL="0" marR="0" lvl="0" indent="0" algn="l" defTabSz="914400" rtl="0" eaLnBrk="0" fontAlgn="base" latinLnBrk="0" hangingPunct="0">
-              <a:lnSpc>
-                <a:spcPct val="100000"/>
-              </a:lnSpc>
+              <a:t>SAM per la segmentazione automatica dell’oggetto dall’immagine</a:t>
+            </a:r>
+          </a:p>
+          <a:p>
+            <a:pPr marL="0" marR="0" lvl="0" indent="0" defTabSz="914400" rtl="0" eaLnBrk="0" fontAlgn="base" latinLnBrk="0" hangingPunct="0">
               <a:spcBef>
                 <a:spcPct val="0"/>
               </a:spcBef>
               <a:spcAft>
-                <a:spcPct val="0"/>
+                <a:spcPts val="600"/>
               </a:spcAft>
               <a:buClrTx/>
               <a:buSzTx/>
@@ -3669,29 +7932,33 @@
               <a:tabLst/>
             </a:pPr>
             <a:r>
-              <a:rPr kumimoji="0" lang="it-IT" altLang="it-IT" sz="1800" b="0" i="0" u="none" strike="noStrike" cap="none" normalizeH="0" baseline="0">
+              <a:rPr kumimoji="0" lang="it-IT" altLang="it-IT" sz="2000" i="0" u="none" strike="noStrike" cap="none" normalizeH="0" baseline="0" dirty="0" err="1">
                 <a:ln>
                   <a:noFill/>
                 </a:ln>
-                <a:solidFill>
-                  <a:schemeClr val="tx1"/>
-                </a:solidFill>
                 <a:effectLst/>
                 <a:latin typeface="Arial" panose="020B0604020202020204" pitchFamily="34" charset="0"/>
               </a:rPr>
-              <a:t>Caricamento dinamico dei modelli in Unity</a:t>
-            </a:r>
-          </a:p>
-          <a:p>
-            <a:pPr marL="0" marR="0" lvl="0" indent="0" algn="l" defTabSz="914400" rtl="0" eaLnBrk="0" fontAlgn="base" latinLnBrk="0" hangingPunct="0">
-              <a:lnSpc>
-                <a:spcPct val="100000"/>
-              </a:lnSpc>
+              <a:t>Stable</a:t>
+            </a:r>
+            <a:r>
+              <a:rPr kumimoji="0" lang="it-IT" altLang="it-IT" sz="2000" i="0" u="none" strike="noStrike" cap="none" normalizeH="0" baseline="0" dirty="0">
+                <a:ln>
+                  <a:noFill/>
+                </a:ln>
+                <a:effectLst/>
+                <a:latin typeface="Arial" panose="020B0604020202020204" pitchFamily="34" charset="0"/>
+              </a:rPr>
+              <a:t> Fast 3D per la generazione del modello tridimensionale</a:t>
+            </a:r>
+          </a:p>
+          <a:p>
+            <a:pPr marL="0" marR="0" lvl="0" indent="0" defTabSz="914400" rtl="0" eaLnBrk="0" fontAlgn="base" latinLnBrk="0" hangingPunct="0">
               <a:spcBef>
                 <a:spcPct val="0"/>
               </a:spcBef>
               <a:spcAft>
-                <a:spcPct val="0"/>
+                <a:spcPts val="600"/>
               </a:spcAft>
               <a:buClrTx/>
               <a:buSzTx/>
@@ -3700,48 +7967,50 @@
               <a:tabLst/>
             </a:pPr>
             <a:r>
-              <a:rPr kumimoji="0" lang="it-IT" altLang="it-IT" sz="1800" b="0" i="0" u="none" strike="noStrike" cap="none" normalizeH="0" baseline="0">
+              <a:rPr kumimoji="0" lang="it-IT" altLang="it-IT" sz="2000" i="0" u="none" strike="noStrike" cap="none" normalizeH="0" baseline="0" dirty="0">
                 <a:ln>
                   <a:noFill/>
                 </a:ln>
-                <a:solidFill>
-                  <a:schemeClr val="tx1"/>
-                </a:solidFill>
                 <a:effectLst/>
                 <a:latin typeface="Arial" panose="020B0604020202020204" pitchFamily="34" charset="0"/>
               </a:rPr>
-              <a:t>Interazione XR immediata (grab, move, inspect)</a:t>
-            </a:r>
-          </a:p>
-          <a:p>
-            <a:pPr marL="0" marR="0" lvl="0" indent="0" algn="l" defTabSz="914400" rtl="0" eaLnBrk="0" fontAlgn="base" latinLnBrk="0" hangingPunct="0">
-              <a:lnSpc>
-                <a:spcPct val="100000"/>
-              </a:lnSpc>
+              <a:t>Comunicazione tramite HTTP/REST e scambio di file in formato GLB</a:t>
+            </a:r>
+          </a:p>
+          <a:p>
+            <a:pPr marL="0" indent="0" eaLnBrk="0" fontAlgn="base" hangingPunct="0">
               <a:spcBef>
                 <a:spcPct val="0"/>
               </a:spcBef>
               <a:spcAft>
-                <a:spcPct val="0"/>
+                <a:spcPts val="600"/>
               </a:spcAft>
-              <a:buClrTx/>
-              <a:buSzTx/>
               <a:buFontTx/>
               <a:buChar char="•"/>
-              <a:tabLst/>
             </a:pPr>
             <a:r>
-              <a:rPr kumimoji="0" lang="it-IT" altLang="it-IT" sz="1800" b="0" i="0" u="none" strike="noStrike" cap="none" normalizeH="0" baseline="0">
-                <a:ln>
-                  <a:noFill/>
-                </a:ln>
-                <a:solidFill>
-                  <a:schemeClr val="tx1"/>
-                </a:solidFill>
-                <a:effectLst/>
+              <a:rPr lang="it-IT" altLang="it-IT" sz="2000" dirty="0" err="1">
                 <a:latin typeface="Arial" panose="020B0604020202020204" pitchFamily="34" charset="0"/>
               </a:rPr>
-              <a:t>Riduzione significativa del tempo di creazione di asset 3D</a:t>
+              <a:t>Frontend</a:t>
+            </a:r>
+            <a:r>
+              <a:rPr lang="it-IT" altLang="it-IT" sz="2000" dirty="0">
+                <a:latin typeface="Arial" panose="020B0604020202020204" pitchFamily="34" charset="0"/>
+              </a:rPr>
+              <a:t> </a:t>
+            </a:r>
+            <a:r>
+              <a:rPr lang="it-IT" altLang="it-IT" sz="2000" dirty="0" err="1">
+                <a:latin typeface="Arial" panose="020B0604020202020204" pitchFamily="34" charset="0"/>
+              </a:rPr>
+              <a:t>Unity</a:t>
+            </a:r>
+            <a:r>
+              <a:rPr lang="it-IT" altLang="it-IT" sz="2000" dirty="0">
+                <a:latin typeface="Arial" panose="020B0604020202020204" pitchFamily="34" charset="0"/>
+              </a:rPr>
+              <a:t> per visualizzazione, interazione XR e gestione dell’utente</a:t>
             </a:r>
           </a:p>
         </p:txBody>
@@ -3749,7 +8018,7 @@
     </p:spTree>
     <p:extLst>
       <p:ext uri="{BB962C8B-B14F-4D97-AF65-F5344CB8AC3E}">
-        <p14:creationId xmlns:p14="http://schemas.microsoft.com/office/powerpoint/2010/main" val="3584950625"/>
+        <p14:creationId xmlns:p14="http://schemas.microsoft.com/office/powerpoint/2010/main" val="3899940210"/>
       </p:ext>
     </p:extLst>
   </p:cSld>
@@ -3759,9 +8028,17 @@
 </p:sld>
 </file>
 
-<file path=ppt/slides/slide11.xml><?xml version="1.0" encoding="utf-8"?>
+<file path=ppt/slides/slide4.xml><?xml version="1.0" encoding="utf-8"?>
 <p:sld xmlns:a="http://schemas.openxmlformats.org/drawingml/2006/main" xmlns:r="http://schemas.openxmlformats.org/officeDocument/2006/relationships" xmlns:p="http://schemas.openxmlformats.org/presentationml/2006/main">
   <p:cSld>
+    <p:bg>
+      <p:bgPr>
+        <a:solidFill>
+          <a:schemeClr val="bg1"/>
+        </a:solidFill>
+        <a:effectLst/>
+      </p:bgPr>
+    </p:bg>
     <p:spTree>
       <p:nvGrpSpPr>
         <p:cNvPr id="1" name=""/>
@@ -3776,12 +8053,201 @@
           <a:chExt cx="0" cy="0"/>
         </a:xfrm>
       </p:grpSpPr>
+      <p:sp useBgFill="1">
+        <p:nvSpPr>
+          <p:cNvPr id="23" name="Rectangle 22">
+            <a:extLst>
+              <a:ext uri="{FF2B5EF4-FFF2-40B4-BE49-F238E27FC236}">
+                <a16:creationId xmlns:a16="http://schemas.microsoft.com/office/drawing/2014/main" id="{081EA652-8C6A-4E69-BEB9-170809474553}"/>
+              </a:ext>
+              <a:ext uri="{C183D7F6-B498-43B3-948B-1728B52AA6E4}">
+                <adec:decorative xmlns:adec="http://schemas.microsoft.com/office/drawing/2017/decorative" val="1"/>
+              </a:ext>
+            </a:extLst>
+          </p:cNvPr>
+          <p:cNvSpPr>
+            <a:spLocks noGrp="1" noRot="1" noChangeAspect="1" noMove="1" noResize="1" noEditPoints="1" noAdjustHandles="1" noChangeArrowheads="1" noChangeShapeType="1" noTextEdit="1"/>
+          </p:cNvSpPr>
+          <p:nvPr>
+            <p:extLst>
+              <p:ext uri="{386F3935-93C4-4BCD-93E2-E3B085C9AB24}">
+                <p16:designElem xmlns:p16="http://schemas.microsoft.com/office/powerpoint/2015/main" val="1"/>
+              </p:ext>
+            </p:extLst>
+          </p:nvPr>
+        </p:nvSpPr>
+        <p:spPr>
+          <a:xfrm>
+            <a:off x="0" y="0"/>
+            <a:ext cx="12192000" cy="6858000"/>
+          </a:xfrm>
+          <a:prstGeom prst="rect">
+            <a:avLst/>
+          </a:prstGeom>
+          <a:ln>
+            <a:noFill/>
+          </a:ln>
+        </p:spPr>
+        <p:style>
+          <a:lnRef idx="2">
+            <a:schemeClr val="accent1">
+              <a:shade val="50000"/>
+            </a:schemeClr>
+          </a:lnRef>
+          <a:fillRef idx="1">
+            <a:schemeClr val="accent1"/>
+          </a:fillRef>
+          <a:effectRef idx="0">
+            <a:schemeClr val="accent1"/>
+          </a:effectRef>
+          <a:fontRef idx="minor">
+            <a:schemeClr val="lt1"/>
+          </a:fontRef>
+        </p:style>
+        <p:txBody>
+          <a:bodyPr rtlCol="0" anchor="ctr"/>
+          <a:lstStyle/>
+          <a:p>
+            <a:pPr algn="ctr"/>
+            <a:endParaRPr lang="en-US"/>
+          </a:p>
+        </p:txBody>
+      </p:sp>
+      <p:sp>
+        <p:nvSpPr>
+          <p:cNvPr id="25" name="Right Triangle 24">
+            <a:extLst>
+              <a:ext uri="{FF2B5EF4-FFF2-40B4-BE49-F238E27FC236}">
+                <a16:creationId xmlns:a16="http://schemas.microsoft.com/office/drawing/2014/main" id="{5298780A-33B9-4EA2-8F67-DE68AD62841B}"/>
+              </a:ext>
+              <a:ext uri="{C183D7F6-B498-43B3-948B-1728B52AA6E4}">
+                <adec:decorative xmlns:adec="http://schemas.microsoft.com/office/drawing/2017/decorative" val="1"/>
+              </a:ext>
+            </a:extLst>
+          </p:cNvPr>
+          <p:cNvSpPr>
+            <a:spLocks noGrp="1" noRot="1" noChangeAspect="1" noMove="1" noResize="1" noEditPoints="1" noAdjustHandles="1" noChangeArrowheads="1" noChangeShapeType="1" noTextEdit="1"/>
+          </p:cNvSpPr>
+          <p:nvPr>
+            <p:extLst>
+              <p:ext uri="{386F3935-93C4-4BCD-93E2-E3B085C9AB24}">
+                <p16:designElem xmlns:p16="http://schemas.microsoft.com/office/powerpoint/2015/main" val="1"/>
+              </p:ext>
+            </p:extLst>
+          </p:nvPr>
+        </p:nvSpPr>
+        <p:spPr>
+          <a:xfrm flipH="1">
+            <a:off x="8576720" y="3335867"/>
+            <a:ext cx="3291840" cy="3200400"/>
+          </a:xfrm>
+          <a:prstGeom prst="rtTriangle">
+            <a:avLst/>
+          </a:prstGeom>
+          <a:solidFill>
+            <a:schemeClr val="accent4"/>
+          </a:solidFill>
+          <a:ln>
+            <a:noFill/>
+          </a:ln>
+        </p:spPr>
+        <p:style>
+          <a:lnRef idx="2">
+            <a:schemeClr val="accent1">
+              <a:shade val="50000"/>
+            </a:schemeClr>
+          </a:lnRef>
+          <a:fillRef idx="1">
+            <a:schemeClr val="accent1"/>
+          </a:fillRef>
+          <a:effectRef idx="0">
+            <a:schemeClr val="accent1"/>
+          </a:effectRef>
+          <a:fontRef idx="minor">
+            <a:schemeClr val="lt1"/>
+          </a:fontRef>
+        </p:style>
+        <p:txBody>
+          <a:bodyPr rtlCol="0" anchor="ctr"/>
+          <a:lstStyle/>
+          <a:p>
+            <a:pPr algn="ctr"/>
+            <a:endParaRPr lang="en-US" dirty="0"/>
+          </a:p>
+        </p:txBody>
+      </p:sp>
+      <p:sp>
+        <p:nvSpPr>
+          <p:cNvPr id="27" name="Rectangle 26">
+            <a:extLst>
+              <a:ext uri="{FF2B5EF4-FFF2-40B4-BE49-F238E27FC236}">
+                <a16:creationId xmlns:a16="http://schemas.microsoft.com/office/drawing/2014/main" id="{7F488E8B-4E1E-4402-8935-D4E6C02615C7}"/>
+              </a:ext>
+              <a:ext uri="{C183D7F6-B498-43B3-948B-1728B52AA6E4}">
+                <adec:decorative xmlns:adec="http://schemas.microsoft.com/office/drawing/2017/decorative" val="1"/>
+              </a:ext>
+            </a:extLst>
+          </p:cNvPr>
+          <p:cNvSpPr>
+            <a:spLocks noGrp="1" noRot="1" noChangeAspect="1" noMove="1" noResize="1" noEditPoints="1" noAdjustHandles="1" noChangeArrowheads="1" noChangeShapeType="1" noTextEdit="1"/>
+          </p:cNvSpPr>
+          <p:nvPr>
+            <p:extLst>
+              <p:ext uri="{386F3935-93C4-4BCD-93E2-E3B085C9AB24}">
+                <p16:designElem xmlns:p16="http://schemas.microsoft.com/office/powerpoint/2015/main" val="1"/>
+              </p:ext>
+            </p:extLst>
+          </p:nvPr>
+        </p:nvSpPr>
+        <p:spPr>
+          <a:xfrm>
+            <a:off x="641774" y="623275"/>
+            <a:ext cx="10905053" cy="5607882"/>
+          </a:xfrm>
+          <a:prstGeom prst="rect">
+            <a:avLst/>
+          </a:prstGeom>
+          <a:noFill/>
+          <a:ln w="19050">
+            <a:solidFill>
+              <a:schemeClr val="tx1">
+                <a:lumMod val="75000"/>
+                <a:lumOff val="25000"/>
+              </a:schemeClr>
+            </a:solidFill>
+          </a:ln>
+        </p:spPr>
+        <p:style>
+          <a:lnRef idx="2">
+            <a:schemeClr val="accent1">
+              <a:shade val="50000"/>
+            </a:schemeClr>
+          </a:lnRef>
+          <a:fillRef idx="1">
+            <a:schemeClr val="accent1"/>
+          </a:fillRef>
+          <a:effectRef idx="0">
+            <a:schemeClr val="accent1"/>
+          </a:effectRef>
+          <a:fontRef idx="minor">
+            <a:schemeClr val="lt1"/>
+          </a:fontRef>
+        </p:style>
+        <p:txBody>
+          <a:bodyPr rtlCol="0" anchor="ctr"/>
+          <a:lstStyle/>
+          <a:p>
+            <a:pPr algn="ctr"/>
+            <a:endParaRPr lang="en-US"/>
+          </a:p>
+        </p:txBody>
+      </p:sp>
       <p:sp>
         <p:nvSpPr>
           <p:cNvPr id="2" name="Titolo 1">
             <a:extLst>
               <a:ext uri="{FF2B5EF4-FFF2-40B4-BE49-F238E27FC236}">
-                <a16:creationId xmlns:a16="http://schemas.microsoft.com/office/drawing/2014/main" id="{3F86F6DA-76C8-C64D-46AA-6DC24199AE3B}"/>
+                <a16:creationId xmlns:a16="http://schemas.microsoft.com/office/drawing/2014/main" id="{51215768-3174-BC96-B4E0-E9BCDC60A5A6}"/>
               </a:ext>
             </a:extLst>
           </p:cNvPr>
@@ -3792,25 +8258,32 @@
             <p:ph type="title"/>
           </p:nvPr>
         </p:nvSpPr>
-        <p:spPr/>
+        <p:spPr>
+          <a:xfrm>
+            <a:off x="1285240" y="1050595"/>
+            <a:ext cx="8074815" cy="1618489"/>
+          </a:xfrm>
+        </p:spPr>
         <p:txBody>
-          <a:bodyPr/>
+          <a:bodyPr anchor="ctr">
+            <a:normAutofit/>
+          </a:bodyPr>
           <a:lstStyle/>
           <a:p>
             <a:r>
-              <a:rPr lang="en-US" dirty="0" err="1"/>
-              <a:t>Conclusioni</a:t>
-            </a:r>
-            <a:endParaRPr lang="it-IT" dirty="0"/>
+              <a:rPr lang="en-US" sz="5600"/>
+              <a:t>Pipeline di funzionamento</a:t>
+            </a:r>
+            <a:endParaRPr lang="it-IT" sz="5600"/>
           </a:p>
         </p:txBody>
       </p:sp>
       <p:sp>
         <p:nvSpPr>
-          <p:cNvPr id="4" name="Rectangle 1">
+          <p:cNvPr id="7" name="Rectangle 4">
             <a:extLst>
               <a:ext uri="{FF2B5EF4-FFF2-40B4-BE49-F238E27FC236}">
-                <a16:creationId xmlns:a16="http://schemas.microsoft.com/office/drawing/2014/main" id="{5A368DD7-440A-A00A-D2F1-E8B03526069A}"/>
+                <a16:creationId xmlns:a16="http://schemas.microsoft.com/office/drawing/2014/main" id="{A723BDB3-652A-9C3B-10D1-3229245ABBDB}"/>
               </a:ext>
             </a:extLst>
           </p:cNvPr>
@@ -3823,17 +8296,12 @@
         </p:nvSpPr>
         <p:spPr bwMode="auto">
           <a:xfrm>
-            <a:off x="838200" y="3262630"/>
-            <a:ext cx="7634462" cy="1477328"/>
+            <a:off x="1285240" y="2969469"/>
+            <a:ext cx="8074815" cy="2800395"/>
           </a:xfrm>
           <a:prstGeom prst="rect">
             <a:avLst/>
           </a:prstGeom>
-          <a:noFill/>
-          <a:ln>
-            <a:noFill/>
-          </a:ln>
-          <a:effectLst/>
           <a:extLst>
             <a:ext uri="{909E8E84-426E-40DD-AFC4-6F175D3DCCD1}">
               <a14:hiddenFill xmlns:a14="http://schemas.microsoft.com/office/drawing/2010/main">
@@ -3864,23 +8332,20 @@
           </a:extLst>
         </p:spPr>
         <p:txBody>
-          <a:bodyPr vert="horz" wrap="none" lIns="91440" tIns="45720" rIns="91440" bIns="45720" numCol="1" anchor="ctr" anchorCtr="0" compatLnSpc="1">
+          <a:bodyPr vert="horz" lIns="91440" tIns="45720" rIns="91440" bIns="45720" numCol="1" anchor="t" anchorCtr="0" compatLnSpc="1">
             <a:prstTxWarp prst="textNoShape">
               <a:avLst/>
             </a:prstTxWarp>
-            <a:spAutoFit/>
+            <a:normAutofit/>
           </a:bodyPr>
           <a:lstStyle/>
           <a:p>
-            <a:pPr marL="0" marR="0" lvl="0" indent="0" algn="l" defTabSz="914400" rtl="0" eaLnBrk="0" fontAlgn="base" latinLnBrk="0" hangingPunct="0">
-              <a:lnSpc>
-                <a:spcPct val="100000"/>
-              </a:lnSpc>
+            <a:pPr marL="0" marR="0" lvl="0" indent="0" defTabSz="914400" rtl="0" eaLnBrk="0" fontAlgn="base" latinLnBrk="0" hangingPunct="0">
               <a:spcBef>
                 <a:spcPct val="0"/>
               </a:spcBef>
               <a:spcAft>
-                <a:spcPct val="0"/>
+                <a:spcPts val="600"/>
               </a:spcAft>
               <a:buClrTx/>
               <a:buSzTx/>
@@ -3889,29 +8354,23 @@
               <a:tabLst/>
             </a:pPr>
             <a:r>
-              <a:rPr kumimoji="0" lang="it-IT" altLang="it-IT" sz="1800" b="0" i="0" u="sng" strike="noStrike" cap="none" normalizeH="0" baseline="0">
+              <a:rPr kumimoji="0" lang="it-IT" altLang="it-IT" sz="2000" b="0" i="0" u="none" strike="noStrike" cap="none" normalizeH="0" baseline="0">
                 <a:ln>
                   <a:noFill/>
                 </a:ln>
-                <a:solidFill>
-                  <a:schemeClr val="tx1"/>
-                </a:solidFill>
                 <a:effectLst/>
                 <a:latin typeface="Arial" panose="020B0604020202020204" pitchFamily="34" charset="0"/>
               </a:rPr>
-              <a:t>Dimostrata la fattibilità della generazione automatica di Digital Twin 3D</a:t>
-            </a:r>
-          </a:p>
-          <a:p>
-            <a:pPr marL="0" marR="0" lvl="0" indent="0" algn="l" defTabSz="914400" rtl="0" eaLnBrk="0" fontAlgn="base" latinLnBrk="0" hangingPunct="0">
-              <a:lnSpc>
-                <a:spcPct val="100000"/>
-              </a:lnSpc>
+              <a:t>Selezione di un’immagine 2D tramite interfaccia Unity</a:t>
+            </a:r>
+          </a:p>
+          <a:p>
+            <a:pPr marL="0" marR="0" lvl="0" indent="0" defTabSz="914400" rtl="0" eaLnBrk="0" fontAlgn="base" latinLnBrk="0" hangingPunct="0">
               <a:spcBef>
                 <a:spcPct val="0"/>
               </a:spcBef>
               <a:spcAft>
-                <a:spcPct val="0"/>
+                <a:spcPts val="600"/>
               </a:spcAft>
               <a:buClrTx/>
               <a:buSzTx/>
@@ -3920,29 +8379,23 @@
               <a:tabLst/>
             </a:pPr>
             <a:r>
-              <a:rPr kumimoji="0" lang="it-IT" altLang="it-IT" sz="1800" b="0" i="0" u="sng" strike="noStrike" cap="none" normalizeH="0" baseline="0">
+              <a:rPr kumimoji="0" lang="it-IT" altLang="it-IT" sz="2000" b="0" i="0" u="none" strike="noStrike" cap="none" normalizeH="0" baseline="0">
                 <a:ln>
                   <a:noFill/>
                 </a:ln>
-                <a:solidFill>
-                  <a:schemeClr val="tx1"/>
-                </a:solidFill>
                 <a:effectLst/>
                 <a:latin typeface="Arial" panose="020B0604020202020204" pitchFamily="34" charset="0"/>
               </a:rPr>
-              <a:t>Integrazione efficace di tecniche di Deep Learning e Computer Graphics</a:t>
-            </a:r>
-          </a:p>
-          <a:p>
-            <a:pPr marL="0" marR="0" lvl="0" indent="0" algn="l" defTabSz="914400" rtl="0" eaLnBrk="0" fontAlgn="base" latinLnBrk="0" hangingPunct="0">
-              <a:lnSpc>
-                <a:spcPct val="100000"/>
-              </a:lnSpc>
+              <a:t>Invio dell’immagine al backend per la segmentazione automatica (SAM)</a:t>
+            </a:r>
+          </a:p>
+          <a:p>
+            <a:pPr marL="0" marR="0" lvl="0" indent="0" defTabSz="914400" rtl="0" eaLnBrk="0" fontAlgn="base" latinLnBrk="0" hangingPunct="0">
               <a:spcBef>
                 <a:spcPct val="0"/>
               </a:spcBef>
               <a:spcAft>
-                <a:spcPct val="0"/>
+                <a:spcPts val="600"/>
               </a:spcAft>
               <a:buClrTx/>
               <a:buSzTx/>
@@ -3951,29 +8404,23 @@
               <a:tabLst/>
             </a:pPr>
             <a:r>
-              <a:rPr kumimoji="0" lang="it-IT" altLang="it-IT" sz="1800" b="0" i="0" u="sng" strike="noStrike" cap="none" normalizeH="0" baseline="0">
+              <a:rPr kumimoji="0" lang="it-IT" altLang="it-IT" sz="2000" b="0" i="0" u="none" strike="noStrike" cap="none" normalizeH="0" baseline="0">
                 <a:ln>
                   <a:noFill/>
                 </a:ln>
-                <a:solidFill>
-                  <a:schemeClr val="tx1"/>
-                </a:solidFill>
                 <a:effectLst/>
                 <a:latin typeface="Arial" panose="020B0604020202020204" pitchFamily="34" charset="0"/>
               </a:rPr>
-              <a:t>Pipeline modulare e facilmente estendibile</a:t>
-            </a:r>
-          </a:p>
-          <a:p>
-            <a:pPr marL="0" marR="0" lvl="0" indent="0" algn="l" defTabSz="914400" rtl="0" eaLnBrk="0" fontAlgn="base" latinLnBrk="0" hangingPunct="0">
-              <a:lnSpc>
-                <a:spcPct val="100000"/>
-              </a:lnSpc>
+              <a:t>Estrazione dell’oggetto principale dall’immagine</a:t>
+            </a:r>
+          </a:p>
+          <a:p>
+            <a:pPr marL="0" marR="0" lvl="0" indent="0" defTabSz="914400" rtl="0" eaLnBrk="0" fontAlgn="base" latinLnBrk="0" hangingPunct="0">
               <a:spcBef>
                 <a:spcPct val="0"/>
               </a:spcBef>
               <a:spcAft>
-                <a:spcPct val="0"/>
+                <a:spcPts val="600"/>
               </a:spcAft>
               <a:buClrTx/>
               <a:buSzTx/>
@@ -3982,29 +8429,23 @@
               <a:tabLst/>
             </a:pPr>
             <a:r>
-              <a:rPr kumimoji="0" lang="it-IT" altLang="it-IT" sz="1800" b="0" i="0" u="sng" strike="noStrike" cap="none" normalizeH="0" baseline="0">
+              <a:rPr kumimoji="0" lang="it-IT" altLang="it-IT" sz="2000" b="0" i="0" u="none" strike="noStrike" cap="none" normalizeH="0" baseline="0">
                 <a:ln>
                   <a:noFill/>
                 </a:ln>
-                <a:solidFill>
-                  <a:schemeClr val="tx1"/>
-                </a:solidFill>
                 <a:effectLst/>
                 <a:latin typeface="Arial" panose="020B0604020202020204" pitchFamily="34" charset="0"/>
               </a:rPr>
-              <a:t>Unity e XR come strumenti efficaci per l’interazione con i modelli</a:t>
-            </a:r>
-          </a:p>
-          <a:p>
-            <a:pPr marL="0" marR="0" lvl="0" indent="0" algn="l" defTabSz="914400" rtl="0" eaLnBrk="0" fontAlgn="base" latinLnBrk="0" hangingPunct="0">
-              <a:lnSpc>
-                <a:spcPct val="100000"/>
-              </a:lnSpc>
+              <a:t>Generazione del modello 3D tramite Stable Fast 3D</a:t>
+            </a:r>
+          </a:p>
+          <a:p>
+            <a:pPr marL="0" marR="0" lvl="0" indent="0" defTabSz="914400" rtl="0" eaLnBrk="0" fontAlgn="base" latinLnBrk="0" hangingPunct="0">
               <a:spcBef>
                 <a:spcPct val="0"/>
               </a:spcBef>
               <a:spcAft>
-                <a:spcPct val="0"/>
+                <a:spcPts val="600"/>
               </a:spcAft>
               <a:buClrTx/>
               <a:buSzTx/>
@@ -4013,17 +8454,64 @@
               <a:tabLst/>
             </a:pPr>
             <a:r>
-              <a:rPr kumimoji="0" lang="it-IT" altLang="it-IT" sz="1800" b="0" i="0" u="sng" strike="noStrike" cap="none" normalizeH="0" baseline="0">
+              <a:rPr kumimoji="0" lang="it-IT" altLang="it-IT" sz="2000" b="0" i="0" u="none" strike="noStrike" cap="none" normalizeH="0" baseline="0">
                 <a:ln>
                   <a:noFill/>
                 </a:ln>
-                <a:solidFill>
-                  <a:schemeClr val="tx1"/>
-                </a:solidFill>
                 <a:effectLst/>
                 <a:latin typeface="Arial" panose="020B0604020202020204" pitchFamily="34" charset="0"/>
               </a:rPr>
-              <a:t>Base solida per sviluppi futuri in ambito Digital Twin e Mixed Reality</a:t>
+              <a:t>Esportazione del modello in formato GLB</a:t>
+            </a:r>
+          </a:p>
+          <a:p>
+            <a:pPr marL="0" marR="0" lvl="0" indent="0" defTabSz="914400" rtl="0" eaLnBrk="0" fontAlgn="base" latinLnBrk="0" hangingPunct="0">
+              <a:spcBef>
+                <a:spcPct val="0"/>
+              </a:spcBef>
+              <a:spcAft>
+                <a:spcPts val="600"/>
+              </a:spcAft>
+              <a:buClrTx/>
+              <a:buSzTx/>
+              <a:buFontTx/>
+              <a:buChar char="•"/>
+              <a:tabLst/>
+            </a:pPr>
+            <a:r>
+              <a:rPr kumimoji="0" lang="it-IT" altLang="it-IT" sz="2000" b="0" i="0" u="none" strike="noStrike" cap="none" normalizeH="0" baseline="0">
+                <a:ln>
+                  <a:noFill/>
+                </a:ln>
+                <a:effectLst/>
+                <a:latin typeface="Arial" panose="020B0604020202020204" pitchFamily="34" charset="0"/>
+              </a:rPr>
+              <a:t>Caricamento dinamico del modello in Unity</a:t>
+            </a:r>
+          </a:p>
+          <a:p>
+            <a:pPr marL="0" marR="0" lvl="0" indent="0" defTabSz="914400" rtl="0" eaLnBrk="0" fontAlgn="base" latinLnBrk="0" hangingPunct="0">
+              <a:spcBef>
+                <a:spcPct val="0"/>
+              </a:spcBef>
+              <a:spcAft>
+                <a:spcPts val="600"/>
+              </a:spcAft>
+              <a:buClrTx/>
+              <a:buSzTx/>
+              <a:buFontTx/>
+              <a:buChar char="•"/>
+              <a:tabLst/>
+            </a:pPr>
+            <a:r>
+              <a:rPr kumimoji="0" lang="it-IT" altLang="it-IT" sz="2000" b="0" i="0" u="none" strike="noStrike" cap="none" normalizeH="0" baseline="0">
+                <a:ln>
+                  <a:noFill/>
+                </a:ln>
+                <a:effectLst/>
+                <a:latin typeface="Arial" panose="020B0604020202020204" pitchFamily="34" charset="0"/>
+              </a:rPr>
+              <a:t>Interazione del modello in ambiente XR (grab, move, inspect)</a:t>
             </a:r>
           </a:p>
         </p:txBody>
@@ -4031,7 +8519,7 @@
     </p:spTree>
     <p:extLst>
       <p:ext uri="{BB962C8B-B14F-4D97-AF65-F5344CB8AC3E}">
-        <p14:creationId xmlns:p14="http://schemas.microsoft.com/office/powerpoint/2010/main" val="4198567422"/>
+        <p14:creationId xmlns:p14="http://schemas.microsoft.com/office/powerpoint/2010/main" val="2985595154"/>
       </p:ext>
     </p:extLst>
   </p:cSld>
@@ -4041,9 +8529,17 @@
 </p:sld>
 </file>
 
-<file path=ppt/slides/slide2.xml><?xml version="1.0" encoding="utf-8"?>
+<file path=ppt/slides/slide5.xml><?xml version="1.0" encoding="utf-8"?>
 <p:sld xmlns:a="http://schemas.openxmlformats.org/drawingml/2006/main" xmlns:r="http://schemas.openxmlformats.org/officeDocument/2006/relationships" xmlns:p="http://schemas.openxmlformats.org/presentationml/2006/main">
   <p:cSld>
+    <p:bg>
+      <p:bgPr>
+        <a:solidFill>
+          <a:schemeClr val="bg1"/>
+        </a:solidFill>
+        <a:effectLst/>
+      </p:bgPr>
+    </p:bg>
     <p:spTree>
       <p:nvGrpSpPr>
         <p:cNvPr id="1" name=""/>
@@ -4058,138 +8554,201 @@
           <a:chExt cx="0" cy="0"/>
         </a:xfrm>
       </p:grpSpPr>
+      <p:sp useBgFill="1">
+        <p:nvSpPr>
+          <p:cNvPr id="199" name="Rectangle 198">
+            <a:extLst>
+              <a:ext uri="{FF2B5EF4-FFF2-40B4-BE49-F238E27FC236}">
+                <a16:creationId xmlns:a16="http://schemas.microsoft.com/office/drawing/2014/main" id="{9D25F302-27C5-414F-97F8-6EA0A6C028BA}"/>
+              </a:ext>
+              <a:ext uri="{C183D7F6-B498-43B3-948B-1728B52AA6E4}">
+                <adec:decorative xmlns:adec="http://schemas.microsoft.com/office/drawing/2017/decorative" val="1"/>
+              </a:ext>
+            </a:extLst>
+          </p:cNvPr>
+          <p:cNvSpPr>
+            <a:spLocks noGrp="1" noRot="1" noChangeAspect="1" noMove="1" noResize="1" noEditPoints="1" noAdjustHandles="1" noChangeArrowheads="1" noChangeShapeType="1" noTextEdit="1"/>
+          </p:cNvSpPr>
+          <p:nvPr>
+            <p:extLst>
+              <p:ext uri="{386F3935-93C4-4BCD-93E2-E3B085C9AB24}">
+                <p16:designElem xmlns:p16="http://schemas.microsoft.com/office/powerpoint/2015/main" val="1"/>
+              </p:ext>
+            </p:extLst>
+          </p:nvPr>
+        </p:nvSpPr>
+        <p:spPr>
+          <a:xfrm>
+            <a:off x="0" y="0"/>
+            <a:ext cx="12192000" cy="6858000"/>
+          </a:xfrm>
+          <a:prstGeom prst="rect">
+            <a:avLst/>
+          </a:prstGeom>
+          <a:ln>
+            <a:noFill/>
+          </a:ln>
+        </p:spPr>
+        <p:style>
+          <a:lnRef idx="2">
+            <a:schemeClr val="accent1">
+              <a:shade val="50000"/>
+            </a:schemeClr>
+          </a:lnRef>
+          <a:fillRef idx="1">
+            <a:schemeClr val="accent1"/>
+          </a:fillRef>
+          <a:effectRef idx="0">
+            <a:schemeClr val="accent1"/>
+          </a:effectRef>
+          <a:fontRef idx="minor">
+            <a:schemeClr val="lt1"/>
+          </a:fontRef>
+        </p:style>
+        <p:txBody>
+          <a:bodyPr rtlCol="0" anchor="ctr"/>
+          <a:lstStyle/>
+          <a:p>
+            <a:pPr algn="ctr"/>
+            <a:endParaRPr lang="en-US"/>
+          </a:p>
+        </p:txBody>
+      </p:sp>
+      <p:sp>
+        <p:nvSpPr>
+          <p:cNvPr id="201" name="Right Triangle 200">
+            <a:extLst>
+              <a:ext uri="{FF2B5EF4-FFF2-40B4-BE49-F238E27FC236}">
+                <a16:creationId xmlns:a16="http://schemas.microsoft.com/office/drawing/2014/main" id="{830A36F8-48C2-4842-A87B-8CE8DF4E7FD2}"/>
+              </a:ext>
+              <a:ext uri="{C183D7F6-B498-43B3-948B-1728B52AA6E4}">
+                <adec:decorative xmlns:adec="http://schemas.microsoft.com/office/drawing/2017/decorative" val="1"/>
+              </a:ext>
+            </a:extLst>
+          </p:cNvPr>
+          <p:cNvSpPr>
+            <a:spLocks noGrp="1" noRot="1" noChangeAspect="1" noMove="1" noResize="1" noEditPoints="1" noAdjustHandles="1" noChangeArrowheads="1" noChangeShapeType="1" noTextEdit="1"/>
+          </p:cNvSpPr>
+          <p:nvPr>
+            <p:extLst>
+              <p:ext uri="{386F3935-93C4-4BCD-93E2-E3B085C9AB24}">
+                <p16:designElem xmlns:p16="http://schemas.microsoft.com/office/powerpoint/2015/main" val="1"/>
+              </p:ext>
+            </p:extLst>
+          </p:nvPr>
+        </p:nvSpPr>
+        <p:spPr>
+          <a:xfrm flipH="1">
+            <a:off x="8576720" y="3335867"/>
+            <a:ext cx="3291840" cy="3200400"/>
+          </a:xfrm>
+          <a:prstGeom prst="rtTriangle">
+            <a:avLst/>
+          </a:prstGeom>
+          <a:solidFill>
+            <a:schemeClr val="accent4"/>
+          </a:solidFill>
+          <a:ln>
+            <a:noFill/>
+          </a:ln>
+        </p:spPr>
+        <p:style>
+          <a:lnRef idx="2">
+            <a:schemeClr val="accent1">
+              <a:shade val="50000"/>
+            </a:schemeClr>
+          </a:lnRef>
+          <a:fillRef idx="1">
+            <a:schemeClr val="accent1"/>
+          </a:fillRef>
+          <a:effectRef idx="0">
+            <a:schemeClr val="accent1"/>
+          </a:effectRef>
+          <a:fontRef idx="minor">
+            <a:schemeClr val="lt1"/>
+          </a:fontRef>
+        </p:style>
+        <p:txBody>
+          <a:bodyPr rtlCol="0" anchor="ctr"/>
+          <a:lstStyle/>
+          <a:p>
+            <a:pPr algn="ctr"/>
+            <a:endParaRPr lang="en-US" dirty="0"/>
+          </a:p>
+        </p:txBody>
+      </p:sp>
+      <p:sp>
+        <p:nvSpPr>
+          <p:cNvPr id="203" name="Rectangle 202">
+            <a:extLst>
+              <a:ext uri="{FF2B5EF4-FFF2-40B4-BE49-F238E27FC236}">
+                <a16:creationId xmlns:a16="http://schemas.microsoft.com/office/drawing/2014/main" id="{8F451A30-466B-4996-9BA5-CD6ABCC6D558}"/>
+              </a:ext>
+              <a:ext uri="{C183D7F6-B498-43B3-948B-1728B52AA6E4}">
+                <adec:decorative xmlns:adec="http://schemas.microsoft.com/office/drawing/2017/decorative" val="1"/>
+              </a:ext>
+            </a:extLst>
+          </p:cNvPr>
+          <p:cNvSpPr>
+            <a:spLocks noGrp="1" noRot="1" noChangeAspect="1" noMove="1" noResize="1" noEditPoints="1" noAdjustHandles="1" noChangeArrowheads="1" noChangeShapeType="1" noTextEdit="1"/>
+          </p:cNvSpPr>
+          <p:nvPr>
+            <p:extLst>
+              <p:ext uri="{386F3935-93C4-4BCD-93E2-E3B085C9AB24}">
+                <p16:designElem xmlns:p16="http://schemas.microsoft.com/office/powerpoint/2015/main" val="1"/>
+              </p:ext>
+            </p:extLst>
+          </p:nvPr>
+        </p:nvSpPr>
+        <p:spPr>
+          <a:xfrm>
+            <a:off x="641774" y="623275"/>
+            <a:ext cx="10905053" cy="5607882"/>
+          </a:xfrm>
+          <a:prstGeom prst="rect">
+            <a:avLst/>
+          </a:prstGeom>
+          <a:noFill/>
+          <a:ln w="19050">
+            <a:solidFill>
+              <a:schemeClr val="tx1">
+                <a:lumMod val="75000"/>
+                <a:lumOff val="25000"/>
+              </a:schemeClr>
+            </a:solidFill>
+          </a:ln>
+        </p:spPr>
+        <p:style>
+          <a:lnRef idx="2">
+            <a:schemeClr val="accent1">
+              <a:shade val="50000"/>
+            </a:schemeClr>
+          </a:lnRef>
+          <a:fillRef idx="1">
+            <a:schemeClr val="accent1"/>
+          </a:fillRef>
+          <a:effectRef idx="0">
+            <a:schemeClr val="accent1"/>
+          </a:effectRef>
+          <a:fontRef idx="minor">
+            <a:schemeClr val="lt1"/>
+          </a:fontRef>
+        </p:style>
+        <p:txBody>
+          <a:bodyPr rtlCol="0" anchor="ctr"/>
+          <a:lstStyle/>
+          <a:p>
+            <a:pPr algn="ctr"/>
+            <a:endParaRPr lang="en-US"/>
+          </a:p>
+        </p:txBody>
+      </p:sp>
       <p:sp>
         <p:nvSpPr>
           <p:cNvPr id="2" name="Titolo 1">
             <a:extLst>
               <a:ext uri="{FF2B5EF4-FFF2-40B4-BE49-F238E27FC236}">
-                <a16:creationId xmlns:a16="http://schemas.microsoft.com/office/drawing/2014/main" id="{34F08AF0-C4EA-4445-B2C0-CB3E44B08C93}"/>
-              </a:ext>
-            </a:extLst>
-          </p:cNvPr>
-          <p:cNvSpPr>
-            <a:spLocks noGrp="1"/>
-          </p:cNvSpPr>
-          <p:nvPr>
-            <p:ph type="ctrTitle"/>
-          </p:nvPr>
-        </p:nvSpPr>
-        <p:spPr/>
-        <p:txBody>
-          <a:bodyPr>
-            <a:normAutofit fontScale="90000"/>
-          </a:bodyPr>
-          <a:lstStyle/>
-          <a:p>
-            <a:r>
-              <a:rPr lang="en-US" dirty="0"/>
-              <a:t>Slide </a:t>
-            </a:r>
-            <a:r>
-              <a:rPr lang="en-US" dirty="0" err="1"/>
-              <a:t>presentazione</a:t>
-            </a:r>
-            <a:br>
-              <a:rPr lang="en-US" dirty="0"/>
-            </a:br>
-            <a:r>
-              <a:rPr lang="en-US" dirty="0" err="1"/>
-              <a:t>titolo</a:t>
-            </a:r>
-            <a:br>
-              <a:rPr lang="en-US" dirty="0"/>
-            </a:br>
-            <a:r>
-              <a:rPr lang="en-US" dirty="0" err="1"/>
-              <a:t>nome</a:t>
-            </a:r>
-            <a:r>
-              <a:rPr lang="en-US" dirty="0"/>
-              <a:t> </a:t>
-            </a:r>
-            <a:br>
-              <a:rPr lang="en-US" dirty="0"/>
-            </a:br>
-            <a:r>
-              <a:rPr lang="en-US" dirty="0"/>
-              <a:t>anno </a:t>
-            </a:r>
-            <a:r>
-              <a:rPr lang="en-US" dirty="0" err="1"/>
-              <a:t>accademico</a:t>
-            </a:r>
-            <a:br>
-              <a:rPr lang="en-US" dirty="0"/>
-            </a:br>
-            <a:r>
-              <a:rPr lang="en-US" dirty="0" err="1"/>
-              <a:t>studente</a:t>
-            </a:r>
-            <a:endParaRPr lang="it-IT" dirty="0"/>
-          </a:p>
-        </p:txBody>
-      </p:sp>
-      <p:sp>
-        <p:nvSpPr>
-          <p:cNvPr id="3" name="Sottotitolo 2">
-            <a:extLst>
-              <a:ext uri="{FF2B5EF4-FFF2-40B4-BE49-F238E27FC236}">
-                <a16:creationId xmlns:a16="http://schemas.microsoft.com/office/drawing/2014/main" id="{6F44E945-0F3C-1749-77D2-B199FFCCC135}"/>
-              </a:ext>
-            </a:extLst>
-          </p:cNvPr>
-          <p:cNvSpPr>
-            <a:spLocks noGrp="1"/>
-          </p:cNvSpPr>
-          <p:nvPr>
-            <p:ph type="subTitle" idx="1"/>
-          </p:nvPr>
-        </p:nvSpPr>
-        <p:spPr/>
-        <p:txBody>
-          <a:bodyPr/>
-          <a:lstStyle/>
-          <a:p>
-            <a:endParaRPr lang="it-IT" dirty="0"/>
-          </a:p>
-        </p:txBody>
-      </p:sp>
-    </p:spTree>
-    <p:extLst>
-      <p:ext uri="{BB962C8B-B14F-4D97-AF65-F5344CB8AC3E}">
-        <p14:creationId xmlns:p14="http://schemas.microsoft.com/office/powerpoint/2010/main" val="2788706379"/>
-      </p:ext>
-    </p:extLst>
-  </p:cSld>
-  <p:clrMapOvr>
-    <a:masterClrMapping/>
-  </p:clrMapOvr>
-</p:sld>
-</file>
-
-<file path=ppt/slides/slide3.xml><?xml version="1.0" encoding="utf-8"?>
-<p:sld xmlns:a="http://schemas.openxmlformats.org/drawingml/2006/main" xmlns:r="http://schemas.openxmlformats.org/officeDocument/2006/relationships" xmlns:p="http://schemas.openxmlformats.org/presentationml/2006/main">
-  <p:cSld>
-    <p:spTree>
-      <p:nvGrpSpPr>
-        <p:cNvPr id="1" name=""/>
-        <p:cNvGrpSpPr/>
-        <p:nvPr/>
-      </p:nvGrpSpPr>
-      <p:grpSpPr>
-        <a:xfrm>
-          <a:off x="0" y="0"/>
-          <a:ext cx="0" cy="0"/>
-          <a:chOff x="0" y="0"/>
-          <a:chExt cx="0" cy="0"/>
-        </a:xfrm>
-      </p:grpSpPr>
-      <p:sp>
-        <p:nvSpPr>
-          <p:cNvPr id="2" name="Titolo 1">
-            <a:extLst>
-              <a:ext uri="{FF2B5EF4-FFF2-40B4-BE49-F238E27FC236}">
-                <a16:creationId xmlns:a16="http://schemas.microsoft.com/office/drawing/2014/main" id="{D6353504-3939-2F3A-594F-AA054A87AADF}"/>
+                <a16:creationId xmlns:a16="http://schemas.microsoft.com/office/drawing/2014/main" id="{4AFB53D7-3113-A997-7F65-BC843B58D357}"/>
               </a:ext>
             </a:extLst>
           </p:cNvPr>
@@ -4200,151 +8759,70 @@
             <p:ph type="title"/>
           </p:nvPr>
         </p:nvSpPr>
-        <p:spPr/>
+        <p:spPr>
+          <a:xfrm>
+            <a:off x="1123356" y="1188637"/>
+            <a:ext cx="9984615" cy="1597228"/>
+          </a:xfrm>
+        </p:spPr>
         <p:txBody>
-          <a:bodyPr/>
+          <a:bodyPr>
+            <a:normAutofit/>
+          </a:bodyPr>
           <a:lstStyle/>
           <a:p>
             <a:r>
-              <a:rPr lang="en-US" dirty="0" err="1"/>
-              <a:t>Obiettivi</a:t>
-            </a:r>
-            <a:r>
-              <a:rPr lang="en-US" dirty="0"/>
-              <a:t> del </a:t>
-            </a:r>
-            <a:r>
-              <a:rPr lang="en-US" dirty="0" err="1"/>
-              <a:t>progetto</a:t>
-            </a:r>
-            <a:endParaRPr lang="it-IT" dirty="0"/>
+              <a:rPr lang="en-US" sz="6000" dirty="0"/>
+              <a:t>Uno </a:t>
+            </a:r>
+            <a:r>
+              <a:rPr lang="en-US" sz="6000" dirty="0" err="1"/>
+              <a:t>sguardo</a:t>
+            </a:r>
+            <a:r>
+              <a:rPr lang="en-US" sz="6000" dirty="0"/>
+              <a:t> al backend</a:t>
+            </a:r>
+            <a:endParaRPr lang="it-IT" sz="6000" dirty="0"/>
           </a:p>
         </p:txBody>
       </p:sp>
+      <p:pic>
+        <p:nvPicPr>
+          <p:cNvPr id="4" name="Immagine 3" descr="Immagine che contiene Carattere, testo, schermata, Elementi grafici&#10;&#10;Il contenuto generato dall'IA potrebbe non essere corretto.">
+            <a:extLst>
+              <a:ext uri="{FF2B5EF4-FFF2-40B4-BE49-F238E27FC236}">
+                <a16:creationId xmlns:a16="http://schemas.microsoft.com/office/drawing/2014/main" id="{39BC95B9-444A-7002-0D1B-6FFFF2C4673A}"/>
+              </a:ext>
+            </a:extLst>
+          </p:cNvPr>
+          <p:cNvPicPr>
+            <a:picLocks noChangeAspect="1"/>
+          </p:cNvPicPr>
+          <p:nvPr/>
+        </p:nvPicPr>
+        <p:blipFill>
+          <a:blip r:embed="rId2"/>
+          <a:stretch>
+            <a:fillRect/>
+          </a:stretch>
+        </p:blipFill>
+        <p:spPr>
+          <a:xfrm>
+            <a:off x="1123357" y="3555930"/>
+            <a:ext cx="3533985" cy="1652991"/>
+          </a:xfrm>
+          <a:prstGeom prst="rect">
+            <a:avLst/>
+          </a:prstGeom>
+        </p:spPr>
+      </p:pic>
       <p:sp>
         <p:nvSpPr>
-          <p:cNvPr id="3" name="Segnaposto contenuto 2">
+          <p:cNvPr id="6" name="Rectangle 3">
             <a:extLst>
               <a:ext uri="{FF2B5EF4-FFF2-40B4-BE49-F238E27FC236}">
-                <a16:creationId xmlns:a16="http://schemas.microsoft.com/office/drawing/2014/main" id="{C31DEE7B-67CE-E7BB-CB20-6C344812FBF1}"/>
-              </a:ext>
-            </a:extLst>
-          </p:cNvPr>
-          <p:cNvSpPr>
-            <a:spLocks noGrp="1"/>
-          </p:cNvSpPr>
-          <p:nvPr>
-            <p:ph idx="1"/>
-          </p:nvPr>
-        </p:nvSpPr>
-        <p:spPr/>
-        <p:txBody>
-          <a:bodyPr/>
-          <a:lstStyle/>
-          <a:p>
-            <a:r>
-              <a:rPr lang="it-IT" dirty="0"/>
-              <a:t>Generare automaticamente modelli 3D a partire da immagini 2D</a:t>
-            </a:r>
-          </a:p>
-          <a:p>
-            <a:r>
-              <a:rPr lang="it-IT" dirty="0"/>
-              <a:t>Integrare tecniche di Deep Learning nella pipeline di Computer Graphics</a:t>
-            </a:r>
-          </a:p>
-          <a:p>
-            <a:r>
-              <a:rPr lang="it-IT" dirty="0"/>
-              <a:t>Realizzare una pipeline end-to-end per la prototipazione di Digital Twin</a:t>
-            </a:r>
-          </a:p>
-          <a:p>
-            <a:r>
-              <a:rPr lang="it-IT" dirty="0"/>
-              <a:t>Consentire la visualizzazione e l’interazione dei modelli in ambiente XR</a:t>
-            </a:r>
-          </a:p>
-          <a:p>
-            <a:r>
-              <a:rPr lang="it-IT" dirty="0"/>
-              <a:t>Ridurre tempi e complessità della creazione manuale di asset 3D</a:t>
-            </a:r>
-          </a:p>
-          <a:p>
-            <a:endParaRPr lang="it-IT" dirty="0"/>
-          </a:p>
-        </p:txBody>
-      </p:sp>
-    </p:spTree>
-    <p:extLst>
-      <p:ext uri="{BB962C8B-B14F-4D97-AF65-F5344CB8AC3E}">
-        <p14:creationId xmlns:p14="http://schemas.microsoft.com/office/powerpoint/2010/main" val="2548992285"/>
-      </p:ext>
-    </p:extLst>
-  </p:cSld>
-  <p:clrMapOvr>
-    <a:masterClrMapping/>
-  </p:clrMapOvr>
-</p:sld>
-</file>
-
-<file path=ppt/slides/slide4.xml><?xml version="1.0" encoding="utf-8"?>
-<p:sld xmlns:a="http://schemas.openxmlformats.org/drawingml/2006/main" xmlns:r="http://schemas.openxmlformats.org/officeDocument/2006/relationships" xmlns:p="http://schemas.openxmlformats.org/presentationml/2006/main">
-  <p:cSld>
-    <p:spTree>
-      <p:nvGrpSpPr>
-        <p:cNvPr id="1" name=""/>
-        <p:cNvGrpSpPr/>
-        <p:nvPr/>
-      </p:nvGrpSpPr>
-      <p:grpSpPr>
-        <a:xfrm>
-          <a:off x="0" y="0"/>
-          <a:ext cx="0" cy="0"/>
-          <a:chOff x="0" y="0"/>
-          <a:chExt cx="0" cy="0"/>
-        </a:xfrm>
-      </p:grpSpPr>
-      <p:sp>
-        <p:nvSpPr>
-          <p:cNvPr id="2" name="Titolo 1">
-            <a:extLst>
-              <a:ext uri="{FF2B5EF4-FFF2-40B4-BE49-F238E27FC236}">
-                <a16:creationId xmlns:a16="http://schemas.microsoft.com/office/drawing/2014/main" id="{3D1ADD5D-9F92-30C7-2402-93BE9EDBAF03}"/>
-              </a:ext>
-            </a:extLst>
-          </p:cNvPr>
-          <p:cNvSpPr>
-            <a:spLocks noGrp="1"/>
-          </p:cNvSpPr>
-          <p:nvPr>
-            <p:ph type="title"/>
-          </p:nvPr>
-        </p:nvSpPr>
-        <p:spPr/>
-        <p:txBody>
-          <a:bodyPr/>
-          <a:lstStyle/>
-          <a:p>
-            <a:r>
-              <a:rPr lang="en-US" dirty="0" err="1"/>
-              <a:t>Architettura</a:t>
-            </a:r>
-            <a:r>
-              <a:rPr lang="en-US" dirty="0"/>
-              <a:t> generale</a:t>
-            </a:r>
-            <a:endParaRPr lang="it-IT" dirty="0"/>
-          </a:p>
-        </p:txBody>
-      </p:sp>
-      <p:sp>
-        <p:nvSpPr>
-          <p:cNvPr id="4" name="Rectangle 1">
-            <a:extLst>
-              <a:ext uri="{FF2B5EF4-FFF2-40B4-BE49-F238E27FC236}">
-                <a16:creationId xmlns:a16="http://schemas.microsoft.com/office/drawing/2014/main" id="{D83E7C1D-5E31-4255-10BF-C16B77729159}"/>
+                <a16:creationId xmlns:a16="http://schemas.microsoft.com/office/drawing/2014/main" id="{FB0BE9D5-9503-361F-1CBE-95626AEC38ED}"/>
               </a:ext>
             </a:extLst>
           </p:cNvPr>
@@ -4356,14 +8834,13 @@
           </p:nvPr>
         </p:nvSpPr>
         <p:spPr bwMode="auto">
+          <a:xfrm>
+            <a:off x="5255260" y="2998278"/>
+            <a:ext cx="4763383" cy="2728198"/>
+          </a:xfrm>
           <a:prstGeom prst="rect">
             <a:avLst/>
           </a:prstGeom>
-          <a:noFill/>
-          <a:ln>
-            <a:noFill/>
-          </a:ln>
-          <a:effectLst/>
           <a:extLst>
             <a:ext uri="{909E8E84-426E-40DD-AFC4-6F175D3DCCD1}">
               <a14:hiddenFill xmlns:a14="http://schemas.microsoft.com/office/drawing/2010/main">
@@ -4394,23 +8871,20 @@
           </a:extLst>
         </p:spPr>
         <p:txBody>
-          <a:bodyPr vert="horz" wrap="none" lIns="91440" tIns="45720" rIns="91440" bIns="45720" numCol="1" anchor="ctr" anchorCtr="0" compatLnSpc="1">
+          <a:bodyPr vert="horz" lIns="91440" tIns="45720" rIns="91440" bIns="45720" numCol="1" anchor="t" anchorCtr="0" compatLnSpc="1">
             <a:prstTxWarp prst="textNoShape">
               <a:avLst/>
             </a:prstTxWarp>
-            <a:spAutoFit/>
+            <a:normAutofit/>
           </a:bodyPr>
           <a:lstStyle/>
           <a:p>
-            <a:pPr marL="0" marR="0" lvl="0" indent="0" algn="l" defTabSz="914400" rtl="0" eaLnBrk="0" fontAlgn="base" latinLnBrk="0" hangingPunct="0">
-              <a:lnSpc>
-                <a:spcPct val="100000"/>
-              </a:lnSpc>
+            <a:pPr marL="0" marR="0" lvl="0" indent="0" defTabSz="914400" rtl="0" eaLnBrk="0" fontAlgn="base" latinLnBrk="0" hangingPunct="0">
               <a:spcBef>
                 <a:spcPct val="0"/>
               </a:spcBef>
               <a:spcAft>
-                <a:spcPct val="0"/>
+                <a:spcPts val="600"/>
               </a:spcAft>
               <a:buClrTx/>
               <a:buSzTx/>
@@ -4419,55 +8893,60 @@
               <a:tabLst/>
             </a:pPr>
             <a:r>
-              <a:rPr kumimoji="0" lang="it-IT" altLang="it-IT" sz="1800" b="0" i="0" u="none" strike="noStrike" cap="none" normalizeH="0" baseline="0">
+              <a:rPr kumimoji="0" lang="it-IT" altLang="it-IT" sz="1600" b="0" i="0" u="none" strike="noStrike" cap="none" normalizeH="0" baseline="0" dirty="0" err="1">
                 <a:ln>
                   <a:noFill/>
                 </a:ln>
-                <a:solidFill>
-                  <a:schemeClr val="tx1"/>
-                </a:solidFill>
                 <a:effectLst/>
                 <a:latin typeface="Arial" panose="020B0604020202020204" pitchFamily="34" charset="0"/>
               </a:rPr>
-              <a:t>Architettura </a:t>
-            </a:r>
-            <a:r>
-              <a:rPr kumimoji="0" lang="it-IT" altLang="it-IT" sz="1800" b="1" i="0" u="none" strike="noStrike" cap="none" normalizeH="0" baseline="0">
+              <a:t>Backend</a:t>
+            </a:r>
+            <a:r>
+              <a:rPr kumimoji="0" lang="it-IT" altLang="it-IT" sz="1600" b="0" i="0" u="none" strike="noStrike" cap="none" normalizeH="0" baseline="0" dirty="0">
                 <a:ln>
                   <a:noFill/>
                 </a:ln>
-                <a:solidFill>
-                  <a:schemeClr val="tx1"/>
-                </a:solidFill>
                 <a:effectLst/>
                 <a:latin typeface="Arial" panose="020B0604020202020204" pitchFamily="34" charset="0"/>
               </a:rPr>
-              <a:t>client–server</a:t>
-            </a:r>
-            <a:r>
-              <a:rPr kumimoji="0" lang="it-IT" altLang="it-IT" sz="1800" b="0" i="0" u="none" strike="noStrike" cap="none" normalizeH="0" baseline="0">
+              <a:t> sviluppato in </a:t>
+            </a:r>
+            <a:r>
+              <a:rPr kumimoji="0" lang="it-IT" altLang="it-IT" sz="1600" b="1" i="0" u="none" strike="noStrike" cap="none" normalizeH="0" baseline="0" dirty="0">
                 <a:ln>
                   <a:noFill/>
                 </a:ln>
-                <a:solidFill>
-                  <a:schemeClr val="tx1"/>
-                </a:solidFill>
                 <a:effectLst/>
                 <a:latin typeface="Arial" panose="020B0604020202020204" pitchFamily="34" charset="0"/>
               </a:rPr>
-              <a:t> con separazione tra frontend e backend</a:t>
-            </a:r>
-          </a:p>
-          <a:p>
-            <a:pPr marL="0" marR="0" lvl="0" indent="0" algn="l" defTabSz="914400" rtl="0" eaLnBrk="0" fontAlgn="base" latinLnBrk="0" hangingPunct="0">
-              <a:lnSpc>
-                <a:spcPct val="100000"/>
-              </a:lnSpc>
+              <a:t>Python con </a:t>
+            </a:r>
+            <a:r>
+              <a:rPr kumimoji="0" lang="it-IT" altLang="it-IT" sz="1600" b="1" i="0" u="none" strike="noStrike" cap="none" normalizeH="0" baseline="0" dirty="0" err="1">
+                <a:ln>
+                  <a:noFill/>
+                </a:ln>
+                <a:effectLst/>
+                <a:latin typeface="Arial" panose="020B0604020202020204" pitchFamily="34" charset="0"/>
+              </a:rPr>
+              <a:t>Flask</a:t>
+            </a:r>
+            <a:endParaRPr kumimoji="0" lang="it-IT" altLang="it-IT" sz="1600" b="0" i="0" u="none" strike="noStrike" cap="none" normalizeH="0" baseline="0" dirty="0">
+              <a:ln>
+                <a:noFill/>
+              </a:ln>
+              <a:effectLst/>
+              <a:latin typeface="Arial" panose="020B0604020202020204" pitchFamily="34" charset="0"/>
+            </a:endParaRPr>
+          </a:p>
+          <a:p>
+            <a:pPr marL="0" marR="0" lvl="0" indent="0" defTabSz="914400" rtl="0" eaLnBrk="0" fontAlgn="base" latinLnBrk="0" hangingPunct="0">
               <a:spcBef>
                 <a:spcPct val="0"/>
               </a:spcBef>
               <a:spcAft>
-                <a:spcPct val="0"/>
+                <a:spcPts val="600"/>
               </a:spcAft>
               <a:buClrTx/>
               <a:buSzTx/>
@@ -4476,42 +8955,23 @@
               <a:tabLst/>
             </a:pPr>
             <a:r>
-              <a:rPr kumimoji="0" lang="it-IT" altLang="it-IT" sz="1800" b="1" i="0" u="none" strike="noStrike" cap="none" normalizeH="0" baseline="0">
+              <a:rPr kumimoji="0" lang="it-IT" altLang="it-IT" sz="1600" b="0" i="0" u="none" strike="noStrike" cap="none" normalizeH="0" baseline="0" dirty="0">
                 <a:ln>
                   <a:noFill/>
                 </a:ln>
-                <a:solidFill>
-                  <a:schemeClr val="tx1"/>
-                </a:solidFill>
                 <a:effectLst/>
                 <a:latin typeface="Arial" panose="020B0604020202020204" pitchFamily="34" charset="0"/>
               </a:rPr>
-              <a:t>Frontend Unity</a:t>
-            </a:r>
-            <a:r>
-              <a:rPr kumimoji="0" lang="it-IT" altLang="it-IT" sz="1800" b="0" i="0" u="none" strike="noStrike" cap="none" normalizeH="0" baseline="0">
-                <a:ln>
-                  <a:noFill/>
-                </a:ln>
-                <a:solidFill>
-                  <a:schemeClr val="tx1"/>
-                </a:solidFill>
-                <a:effectLst/>
-                <a:latin typeface="Arial" panose="020B0604020202020204" pitchFamily="34" charset="0"/>
-              </a:rPr>
-              <a:t> per visualizzazione, interazione XR e gestione dell’utente</a:t>
-            </a:r>
-          </a:p>
-          <a:p>
-            <a:pPr marL="0" marR="0" lvl="0" indent="0" algn="l" defTabSz="914400" rtl="0" eaLnBrk="0" fontAlgn="base" latinLnBrk="0" hangingPunct="0">
-              <a:lnSpc>
-                <a:spcPct val="100000"/>
-              </a:lnSpc>
+              <a:t>Gestione delle richieste di segmentazione e generazione 3D</a:t>
+            </a:r>
+          </a:p>
+          <a:p>
+            <a:pPr marL="0" marR="0" lvl="0" indent="0" defTabSz="914400" rtl="0" eaLnBrk="0" fontAlgn="base" latinLnBrk="0" hangingPunct="0">
               <a:spcBef>
                 <a:spcPct val="0"/>
               </a:spcBef>
               <a:spcAft>
-                <a:spcPct val="0"/>
+                <a:spcPts val="600"/>
               </a:spcAft>
               <a:buClrTx/>
               <a:buSzTx/>
@@ -4520,42 +8980,43 @@
               <a:tabLst/>
             </a:pPr>
             <a:r>
-              <a:rPr kumimoji="0" lang="it-IT" altLang="it-IT" sz="1800" b="1" i="0" u="none" strike="noStrike" cap="none" normalizeH="0" baseline="0">
+              <a:rPr kumimoji="0" lang="it-IT" altLang="it-IT" sz="1600" b="0" i="0" u="none" strike="noStrike" cap="none" normalizeH="0" baseline="0" dirty="0">
                 <a:ln>
                   <a:noFill/>
                 </a:ln>
-                <a:solidFill>
-                  <a:schemeClr val="tx1"/>
-                </a:solidFill>
                 <a:effectLst/>
                 <a:latin typeface="Arial" panose="020B0604020202020204" pitchFamily="34" charset="0"/>
               </a:rPr>
-              <a:t>Backend Flask</a:t>
-            </a:r>
-            <a:r>
-              <a:rPr kumimoji="0" lang="it-IT" altLang="it-IT" sz="1800" b="0" i="0" u="none" strike="noStrike" cap="none" normalizeH="0" baseline="0">
+              <a:t>Caricamento del modello </a:t>
+            </a:r>
+            <a:r>
+              <a:rPr kumimoji="0" lang="it-IT" altLang="it-IT" sz="1600" b="1" i="0" u="none" strike="noStrike" cap="none" normalizeH="0" baseline="0" dirty="0">
                 <a:ln>
                   <a:noFill/>
                 </a:ln>
-                <a:solidFill>
-                  <a:schemeClr val="tx1"/>
-                </a:solidFill>
                 <a:effectLst/>
                 <a:latin typeface="Arial" panose="020B0604020202020204" pitchFamily="34" charset="0"/>
               </a:rPr>
-              <a:t> per orchestrare i modelli di Deep Learning</a:t>
-            </a:r>
-          </a:p>
-          <a:p>
-            <a:pPr marL="0" marR="0" lvl="0" indent="0" algn="l" defTabSz="914400" rtl="0" eaLnBrk="0" fontAlgn="base" latinLnBrk="0" hangingPunct="0">
-              <a:lnSpc>
-                <a:spcPct val="100000"/>
-              </a:lnSpc>
+              <a:t>SAM</a:t>
+            </a:r>
+            <a:r>
+              <a:rPr kumimoji="0" lang="it-IT" altLang="it-IT" sz="1600" b="0" i="0" u="none" strike="noStrike" cap="none" normalizeH="0" baseline="0" dirty="0">
+                <a:ln>
+                  <a:noFill/>
+                </a:ln>
+                <a:effectLst/>
+                <a:latin typeface="Arial" panose="020B0604020202020204" pitchFamily="34" charset="0"/>
+              </a:rPr>
+              <a:t> all’avvio del server</a:t>
+            </a:r>
+          </a:p>
+          <a:p>
+            <a:pPr marL="0" marR="0" lvl="0" indent="0" defTabSz="914400" rtl="0" eaLnBrk="0" fontAlgn="base" latinLnBrk="0" hangingPunct="0">
               <a:spcBef>
                 <a:spcPct val="0"/>
               </a:spcBef>
               <a:spcAft>
-                <a:spcPct val="0"/>
+                <a:spcPts val="600"/>
               </a:spcAft>
               <a:buClrTx/>
               <a:buSzTx/>
@@ -4564,42 +9025,70 @@
               <a:tabLst/>
             </a:pPr>
             <a:r>
-              <a:rPr kumimoji="0" lang="it-IT" altLang="it-IT" sz="1800" b="1" i="0" u="none" strike="noStrike" cap="none" normalizeH="0" baseline="0">
+              <a:rPr kumimoji="0" lang="it-IT" altLang="it-IT" sz="1600" b="0" i="0" u="none" strike="noStrike" cap="none" normalizeH="0" baseline="0" dirty="0">
                 <a:ln>
                   <a:noFill/>
                 </a:ln>
-                <a:solidFill>
-                  <a:schemeClr val="tx1"/>
-                </a:solidFill>
                 <a:effectLst/>
                 <a:latin typeface="Arial" panose="020B0604020202020204" pitchFamily="34" charset="0"/>
               </a:rPr>
-              <a:t>SAM</a:t>
-            </a:r>
-            <a:r>
-              <a:rPr kumimoji="0" lang="it-IT" altLang="it-IT" sz="1800" b="0" i="0" u="none" strike="noStrike" cap="none" normalizeH="0" baseline="0">
+              <a:t>Invocazione di </a:t>
+            </a:r>
+            <a:r>
+              <a:rPr kumimoji="0" lang="it-IT" altLang="it-IT" sz="1600" b="1" i="0" u="none" strike="noStrike" cap="none" normalizeH="0" baseline="0" dirty="0" err="1">
                 <a:ln>
                   <a:noFill/>
                 </a:ln>
-                <a:solidFill>
-                  <a:schemeClr val="tx1"/>
-                </a:solidFill>
                 <a:effectLst/>
                 <a:latin typeface="Arial" panose="020B0604020202020204" pitchFamily="34" charset="0"/>
               </a:rPr>
-              <a:t> per la segmentazione automatica dell’oggetto dall’immagine</a:t>
-            </a:r>
-          </a:p>
-          <a:p>
-            <a:pPr marL="0" marR="0" lvl="0" indent="0" algn="l" defTabSz="914400" rtl="0" eaLnBrk="0" fontAlgn="base" latinLnBrk="0" hangingPunct="0">
-              <a:lnSpc>
-                <a:spcPct val="100000"/>
-              </a:lnSpc>
+              <a:t>Stable</a:t>
+            </a:r>
+            <a:r>
+              <a:rPr kumimoji="0" lang="it-IT" altLang="it-IT" sz="1600" b="1" i="0" u="none" strike="noStrike" cap="none" normalizeH="0" baseline="0" dirty="0">
+                <a:ln>
+                  <a:noFill/>
+                </a:ln>
+                <a:effectLst/>
+                <a:latin typeface="Arial" panose="020B0604020202020204" pitchFamily="34" charset="0"/>
+              </a:rPr>
+              <a:t> Fast 3D</a:t>
+            </a:r>
+            <a:r>
+              <a:rPr kumimoji="0" lang="it-IT" altLang="it-IT" sz="1600" b="0" i="0" u="none" strike="noStrike" cap="none" normalizeH="0" baseline="0" dirty="0">
+                <a:ln>
+                  <a:noFill/>
+                </a:ln>
+                <a:effectLst/>
+                <a:latin typeface="Arial" panose="020B0604020202020204" pitchFamily="34" charset="0"/>
+              </a:rPr>
+              <a:t> tramite </a:t>
+            </a:r>
+            <a:r>
+              <a:rPr kumimoji="0" lang="it-IT" altLang="it-IT" sz="1600" b="0" i="0" u="none" strike="noStrike" cap="none" normalizeH="0" baseline="0" dirty="0" err="1">
+                <a:ln>
+                  <a:noFill/>
+                </a:ln>
+                <a:effectLst/>
+                <a:latin typeface="Arial" panose="020B0604020202020204" pitchFamily="34" charset="0"/>
+              </a:rPr>
+              <a:t>subprocess</a:t>
+            </a:r>
+            <a:endParaRPr kumimoji="0" lang="it-IT" altLang="it-IT" sz="1600" b="0" i="0" u="none" strike="noStrike" cap="none" normalizeH="0" baseline="0" dirty="0">
+              <a:ln>
+                <a:noFill/>
+              </a:ln>
+              <a:effectLst/>
+              <a:latin typeface="Arial" panose="020B0604020202020204" pitchFamily="34" charset="0"/>
+            </a:endParaRPr>
+          </a:p>
+          <a:p>
+            <a:pPr marL="0" marR="0" lvl="0" indent="0" defTabSz="914400" rtl="0" eaLnBrk="0" fontAlgn="base" latinLnBrk="0" hangingPunct="0">
               <a:spcBef>
                 <a:spcPct val="0"/>
               </a:spcBef>
               <a:spcAft>
-                <a:spcPct val="0"/>
+                <a:spcPts val="600"/>
               </a:spcAft>
               <a:buClrTx/>
               <a:buSzTx/>
@@ -4608,42 +9097,23 @@
               <a:tabLst/>
             </a:pPr>
             <a:r>
-              <a:rPr kumimoji="0" lang="it-IT" altLang="it-IT" sz="1800" b="1" i="0" u="none" strike="noStrike" cap="none" normalizeH="0" baseline="0">
+              <a:rPr kumimoji="0" lang="it-IT" altLang="it-IT" sz="1600" b="0" i="0" u="none" strike="noStrike" cap="none" normalizeH="0" baseline="0" dirty="0">
                 <a:ln>
                   <a:noFill/>
                 </a:ln>
-                <a:solidFill>
-                  <a:schemeClr val="tx1"/>
-                </a:solidFill>
                 <a:effectLst/>
                 <a:latin typeface="Arial" panose="020B0604020202020204" pitchFamily="34" charset="0"/>
               </a:rPr>
-              <a:t>Stable Fast 3D</a:t>
-            </a:r>
-            <a:r>
-              <a:rPr kumimoji="0" lang="it-IT" altLang="it-IT" sz="1800" b="0" i="0" u="none" strike="noStrike" cap="none" normalizeH="0" baseline="0">
-                <a:ln>
-                  <a:noFill/>
-                </a:ln>
-                <a:solidFill>
-                  <a:schemeClr val="tx1"/>
-                </a:solidFill>
-                <a:effectLst/>
-                <a:latin typeface="Arial" panose="020B0604020202020204" pitchFamily="34" charset="0"/>
-              </a:rPr>
-              <a:t> per la generazione del modello tridimensionale</a:t>
-            </a:r>
-          </a:p>
-          <a:p>
-            <a:pPr marL="0" marR="0" lvl="0" indent="0" algn="l" defTabSz="914400" rtl="0" eaLnBrk="0" fontAlgn="base" latinLnBrk="0" hangingPunct="0">
-              <a:lnSpc>
-                <a:spcPct val="100000"/>
-              </a:lnSpc>
+              <a:t>Gestione dei file temporanei e dei modelli generati</a:t>
+            </a:r>
+          </a:p>
+          <a:p>
+            <a:pPr marL="0" marR="0" lvl="0" indent="0" defTabSz="914400" rtl="0" eaLnBrk="0" fontAlgn="base" latinLnBrk="0" hangingPunct="0">
               <a:spcBef>
                 <a:spcPct val="0"/>
               </a:spcBef>
               <a:spcAft>
-                <a:spcPct val="0"/>
+                <a:spcPts val="600"/>
               </a:spcAft>
               <a:buClrTx/>
               <a:buSzTx/>
@@ -4652,64 +9122,29 @@
               <a:tabLst/>
             </a:pPr>
             <a:r>
-              <a:rPr kumimoji="0" lang="it-IT" altLang="it-IT" sz="1800" b="0" i="0" u="none" strike="noStrike" cap="none" normalizeH="0" baseline="0">
+              <a:rPr kumimoji="0" lang="it-IT" altLang="it-IT" sz="1600" b="0" i="0" u="none" strike="noStrike" cap="none" normalizeH="0" baseline="0" dirty="0">
                 <a:ln>
                   <a:noFill/>
                 </a:ln>
-                <a:solidFill>
-                  <a:schemeClr val="tx1"/>
-                </a:solidFill>
                 <a:effectLst/>
                 <a:latin typeface="Arial" panose="020B0604020202020204" pitchFamily="34" charset="0"/>
               </a:rPr>
-              <a:t>Comunicazione tramite </a:t>
-            </a:r>
-            <a:r>
-              <a:rPr kumimoji="0" lang="it-IT" altLang="it-IT" sz="1800" b="1" i="0" u="none" strike="noStrike" cap="none" normalizeH="0" baseline="0">
+              <a:t>Esposizione di API REST per la comunicazione con </a:t>
+            </a:r>
+            <a:r>
+              <a:rPr kumimoji="0" lang="it-IT" altLang="it-IT" sz="1600" b="0" i="0" u="none" strike="noStrike" cap="none" normalizeH="0" baseline="0" dirty="0" err="1">
                 <a:ln>
                   <a:noFill/>
                 </a:ln>
-                <a:solidFill>
-                  <a:schemeClr val="tx1"/>
-                </a:solidFill>
                 <a:effectLst/>
                 <a:latin typeface="Arial" panose="020B0604020202020204" pitchFamily="34" charset="0"/>
               </a:rPr>
-              <a:t>HTTP/REST</a:t>
-            </a:r>
-            <a:r>
-              <a:rPr kumimoji="0" lang="it-IT" altLang="it-IT" sz="1800" b="0" i="0" u="none" strike="noStrike" cap="none" normalizeH="0" baseline="0">
-                <a:ln>
-                  <a:noFill/>
-                </a:ln>
-                <a:solidFill>
-                  <a:schemeClr val="tx1"/>
-                </a:solidFill>
-                <a:effectLst/>
-                <a:latin typeface="Arial" panose="020B0604020202020204" pitchFamily="34" charset="0"/>
-              </a:rPr>
-              <a:t> e scambio di file in formato </a:t>
-            </a:r>
-            <a:r>
-              <a:rPr kumimoji="0" lang="it-IT" altLang="it-IT" sz="1800" b="1" i="0" u="none" strike="noStrike" cap="none" normalizeH="0" baseline="0">
-                <a:ln>
-                  <a:noFill/>
-                </a:ln>
-                <a:solidFill>
-                  <a:schemeClr val="tx1"/>
-                </a:solidFill>
-                <a:effectLst/>
-                <a:latin typeface="Arial" panose="020B0604020202020204" pitchFamily="34" charset="0"/>
-              </a:rPr>
-              <a:t>GLB</a:t>
-            </a:r>
-            <a:endParaRPr kumimoji="0" lang="it-IT" altLang="it-IT" sz="1800" b="0" i="0" u="none" strike="noStrike" cap="none" normalizeH="0" baseline="0">
+              <a:t>Unity</a:t>
+            </a:r>
+            <a:endParaRPr kumimoji="0" lang="it-IT" altLang="it-IT" sz="1600" b="0" i="0" u="none" strike="noStrike" cap="none" normalizeH="0" baseline="0" dirty="0">
               <a:ln>
                 <a:noFill/>
               </a:ln>
-              <a:solidFill>
-                <a:schemeClr val="tx1"/>
-              </a:solidFill>
               <a:effectLst/>
               <a:latin typeface="Arial" panose="020B0604020202020204" pitchFamily="34" charset="0"/>
             </a:endParaRPr>
@@ -4719,7 +9154,7 @@
     </p:spTree>
     <p:extLst>
       <p:ext uri="{BB962C8B-B14F-4D97-AF65-F5344CB8AC3E}">
-        <p14:creationId xmlns:p14="http://schemas.microsoft.com/office/powerpoint/2010/main" val="3899940210"/>
+        <p14:creationId xmlns:p14="http://schemas.microsoft.com/office/powerpoint/2010/main" val="3164934938"/>
       </p:ext>
     </p:extLst>
   </p:cSld>
@@ -4729,9 +9164,17 @@
 </p:sld>
 </file>
 
-<file path=ppt/slides/slide5.xml><?xml version="1.0" encoding="utf-8"?>
+<file path=ppt/slides/slide6.xml><?xml version="1.0" encoding="utf-8"?>
 <p:sld xmlns:a="http://schemas.openxmlformats.org/drawingml/2006/main" xmlns:r="http://schemas.openxmlformats.org/officeDocument/2006/relationships" xmlns:p="http://schemas.openxmlformats.org/presentationml/2006/main">
   <p:cSld>
+    <p:bg>
+      <p:bgPr>
+        <a:solidFill>
+          <a:schemeClr val="bg1"/>
+        </a:solidFill>
+        <a:effectLst/>
+      </p:bgPr>
+    </p:bg>
     <p:spTree>
       <p:nvGrpSpPr>
         <p:cNvPr id="1" name=""/>
@@ -4746,12 +9189,201 @@
           <a:chExt cx="0" cy="0"/>
         </a:xfrm>
       </p:grpSpPr>
+      <p:sp useBgFill="1">
+        <p:nvSpPr>
+          <p:cNvPr id="33" name="Rectangle 32">
+            <a:extLst>
+              <a:ext uri="{FF2B5EF4-FFF2-40B4-BE49-F238E27FC236}">
+                <a16:creationId xmlns:a16="http://schemas.microsoft.com/office/drawing/2014/main" id="{081EA652-8C6A-4E69-BEB9-170809474553}"/>
+              </a:ext>
+              <a:ext uri="{C183D7F6-B498-43B3-948B-1728B52AA6E4}">
+                <adec:decorative xmlns:adec="http://schemas.microsoft.com/office/drawing/2017/decorative" val="1"/>
+              </a:ext>
+            </a:extLst>
+          </p:cNvPr>
+          <p:cNvSpPr>
+            <a:spLocks noGrp="1" noRot="1" noChangeAspect="1" noMove="1" noResize="1" noEditPoints="1" noAdjustHandles="1" noChangeArrowheads="1" noChangeShapeType="1" noTextEdit="1"/>
+          </p:cNvSpPr>
+          <p:nvPr>
+            <p:extLst>
+              <p:ext uri="{386F3935-93C4-4BCD-93E2-E3B085C9AB24}">
+                <p16:designElem xmlns:p16="http://schemas.microsoft.com/office/powerpoint/2015/main" val="1"/>
+              </p:ext>
+            </p:extLst>
+          </p:nvPr>
+        </p:nvSpPr>
+        <p:spPr>
+          <a:xfrm>
+            <a:off x="0" y="0"/>
+            <a:ext cx="12192000" cy="6858000"/>
+          </a:xfrm>
+          <a:prstGeom prst="rect">
+            <a:avLst/>
+          </a:prstGeom>
+          <a:ln>
+            <a:noFill/>
+          </a:ln>
+        </p:spPr>
+        <p:style>
+          <a:lnRef idx="2">
+            <a:schemeClr val="accent1">
+              <a:shade val="50000"/>
+            </a:schemeClr>
+          </a:lnRef>
+          <a:fillRef idx="1">
+            <a:schemeClr val="accent1"/>
+          </a:fillRef>
+          <a:effectRef idx="0">
+            <a:schemeClr val="accent1"/>
+          </a:effectRef>
+          <a:fontRef idx="minor">
+            <a:schemeClr val="lt1"/>
+          </a:fontRef>
+        </p:style>
+        <p:txBody>
+          <a:bodyPr rtlCol="0" anchor="ctr"/>
+          <a:lstStyle/>
+          <a:p>
+            <a:pPr algn="ctr"/>
+            <a:endParaRPr lang="en-US"/>
+          </a:p>
+        </p:txBody>
+      </p:sp>
+      <p:sp>
+        <p:nvSpPr>
+          <p:cNvPr id="35" name="Right Triangle 34">
+            <a:extLst>
+              <a:ext uri="{FF2B5EF4-FFF2-40B4-BE49-F238E27FC236}">
+                <a16:creationId xmlns:a16="http://schemas.microsoft.com/office/drawing/2014/main" id="{5298780A-33B9-4EA2-8F67-DE68AD62841B}"/>
+              </a:ext>
+              <a:ext uri="{C183D7F6-B498-43B3-948B-1728B52AA6E4}">
+                <adec:decorative xmlns:adec="http://schemas.microsoft.com/office/drawing/2017/decorative" val="1"/>
+              </a:ext>
+            </a:extLst>
+          </p:cNvPr>
+          <p:cNvSpPr>
+            <a:spLocks noGrp="1" noRot="1" noChangeAspect="1" noMove="1" noResize="1" noEditPoints="1" noAdjustHandles="1" noChangeArrowheads="1" noChangeShapeType="1" noTextEdit="1"/>
+          </p:cNvSpPr>
+          <p:nvPr>
+            <p:extLst>
+              <p:ext uri="{386F3935-93C4-4BCD-93E2-E3B085C9AB24}">
+                <p16:designElem xmlns:p16="http://schemas.microsoft.com/office/powerpoint/2015/main" val="1"/>
+              </p:ext>
+            </p:extLst>
+          </p:nvPr>
+        </p:nvSpPr>
+        <p:spPr>
+          <a:xfrm flipH="1">
+            <a:off x="8576720" y="3335867"/>
+            <a:ext cx="3291840" cy="3200400"/>
+          </a:xfrm>
+          <a:prstGeom prst="rtTriangle">
+            <a:avLst/>
+          </a:prstGeom>
+          <a:solidFill>
+            <a:schemeClr val="accent4"/>
+          </a:solidFill>
+          <a:ln>
+            <a:noFill/>
+          </a:ln>
+        </p:spPr>
+        <p:style>
+          <a:lnRef idx="2">
+            <a:schemeClr val="accent1">
+              <a:shade val="50000"/>
+            </a:schemeClr>
+          </a:lnRef>
+          <a:fillRef idx="1">
+            <a:schemeClr val="accent1"/>
+          </a:fillRef>
+          <a:effectRef idx="0">
+            <a:schemeClr val="accent1"/>
+          </a:effectRef>
+          <a:fontRef idx="minor">
+            <a:schemeClr val="lt1"/>
+          </a:fontRef>
+        </p:style>
+        <p:txBody>
+          <a:bodyPr rtlCol="0" anchor="ctr"/>
+          <a:lstStyle/>
+          <a:p>
+            <a:pPr algn="ctr"/>
+            <a:endParaRPr lang="en-US" dirty="0"/>
+          </a:p>
+        </p:txBody>
+      </p:sp>
+      <p:sp>
+        <p:nvSpPr>
+          <p:cNvPr id="37" name="Rectangle 36">
+            <a:extLst>
+              <a:ext uri="{FF2B5EF4-FFF2-40B4-BE49-F238E27FC236}">
+                <a16:creationId xmlns:a16="http://schemas.microsoft.com/office/drawing/2014/main" id="{7F488E8B-4E1E-4402-8935-D4E6C02615C7}"/>
+              </a:ext>
+              <a:ext uri="{C183D7F6-B498-43B3-948B-1728B52AA6E4}">
+                <adec:decorative xmlns:adec="http://schemas.microsoft.com/office/drawing/2017/decorative" val="1"/>
+              </a:ext>
+            </a:extLst>
+          </p:cNvPr>
+          <p:cNvSpPr>
+            <a:spLocks noGrp="1" noRot="1" noChangeAspect="1" noMove="1" noResize="1" noEditPoints="1" noAdjustHandles="1" noChangeArrowheads="1" noChangeShapeType="1" noTextEdit="1"/>
+          </p:cNvSpPr>
+          <p:nvPr>
+            <p:extLst>
+              <p:ext uri="{386F3935-93C4-4BCD-93E2-E3B085C9AB24}">
+                <p16:designElem xmlns:p16="http://schemas.microsoft.com/office/powerpoint/2015/main" val="1"/>
+              </p:ext>
+            </p:extLst>
+          </p:nvPr>
+        </p:nvSpPr>
+        <p:spPr>
+          <a:xfrm>
+            <a:off x="641774" y="623275"/>
+            <a:ext cx="10905053" cy="5607882"/>
+          </a:xfrm>
+          <a:prstGeom prst="rect">
+            <a:avLst/>
+          </a:prstGeom>
+          <a:noFill/>
+          <a:ln w="19050">
+            <a:solidFill>
+              <a:schemeClr val="tx1">
+                <a:lumMod val="75000"/>
+                <a:lumOff val="25000"/>
+              </a:schemeClr>
+            </a:solidFill>
+          </a:ln>
+        </p:spPr>
+        <p:style>
+          <a:lnRef idx="2">
+            <a:schemeClr val="accent1">
+              <a:shade val="50000"/>
+            </a:schemeClr>
+          </a:lnRef>
+          <a:fillRef idx="1">
+            <a:schemeClr val="accent1"/>
+          </a:fillRef>
+          <a:effectRef idx="0">
+            <a:schemeClr val="accent1"/>
+          </a:effectRef>
+          <a:fontRef idx="minor">
+            <a:schemeClr val="lt1"/>
+          </a:fontRef>
+        </p:style>
+        <p:txBody>
+          <a:bodyPr rtlCol="0" anchor="ctr"/>
+          <a:lstStyle/>
+          <a:p>
+            <a:pPr algn="ctr"/>
+            <a:endParaRPr lang="en-US"/>
+          </a:p>
+        </p:txBody>
+      </p:sp>
       <p:sp>
         <p:nvSpPr>
           <p:cNvPr id="2" name="Titolo 1">
             <a:extLst>
               <a:ext uri="{FF2B5EF4-FFF2-40B4-BE49-F238E27FC236}">
-                <a16:creationId xmlns:a16="http://schemas.microsoft.com/office/drawing/2014/main" id="{51215768-3174-BC96-B4E0-E9BCDC60A5A6}"/>
+                <a16:creationId xmlns:a16="http://schemas.microsoft.com/office/drawing/2014/main" id="{9E5F4B23-82ED-25D1-E0CF-CBD13E9C8180}"/>
               </a:ext>
             </a:extLst>
           </p:cNvPr>
@@ -4762,29 +9394,31 @@
             <p:ph type="title"/>
           </p:nvPr>
         </p:nvSpPr>
-        <p:spPr/>
+        <p:spPr>
+          <a:xfrm>
+            <a:off x="1285240" y="1050595"/>
+            <a:ext cx="8074815" cy="1618489"/>
+          </a:xfrm>
+        </p:spPr>
         <p:txBody>
-          <a:bodyPr/>
+          <a:bodyPr anchor="ctr">
+            <a:normAutofit/>
+          </a:bodyPr>
           <a:lstStyle/>
           <a:p>
             <a:r>
-              <a:rPr lang="en-US" dirty="0"/>
-              <a:t>Pipeline di </a:t>
-            </a:r>
-            <a:r>
-              <a:rPr lang="en-US" dirty="0" err="1"/>
-              <a:t>funzionamento</a:t>
-            </a:r>
-            <a:endParaRPr lang="it-IT" dirty="0"/>
+              <a:rPr lang="it-IT" sz="5000"/>
+              <a:t>SAM – Segment Anything Model</a:t>
+            </a:r>
           </a:p>
         </p:txBody>
       </p:sp>
       <p:sp>
         <p:nvSpPr>
-          <p:cNvPr id="7" name="Rectangle 4">
+          <p:cNvPr id="6" name="Rectangle 3">
             <a:extLst>
               <a:ext uri="{FF2B5EF4-FFF2-40B4-BE49-F238E27FC236}">
-                <a16:creationId xmlns:a16="http://schemas.microsoft.com/office/drawing/2014/main" id="{A723BDB3-652A-9C3B-10D1-3229245ABBDB}"/>
+                <a16:creationId xmlns:a16="http://schemas.microsoft.com/office/drawing/2014/main" id="{2867CC50-B4EE-98FD-5E9F-CC79938538F5}"/>
               </a:ext>
             </a:extLst>
           </p:cNvPr>
@@ -4796,14 +9430,13 @@
           </p:nvPr>
         </p:nvSpPr>
         <p:spPr bwMode="auto">
+          <a:xfrm>
+            <a:off x="1285240" y="2969469"/>
+            <a:ext cx="8074815" cy="2800395"/>
+          </a:xfrm>
           <a:prstGeom prst="rect">
             <a:avLst/>
           </a:prstGeom>
-          <a:noFill/>
-          <a:ln>
-            <a:noFill/>
-          </a:ln>
-          <a:effectLst/>
           <a:extLst>
             <a:ext uri="{909E8E84-426E-40DD-AFC4-6F175D3DCCD1}">
               <a14:hiddenFill xmlns:a14="http://schemas.microsoft.com/office/drawing/2010/main">
@@ -4834,23 +9467,20 @@
           </a:extLst>
         </p:spPr>
         <p:txBody>
-          <a:bodyPr vert="horz" wrap="none" lIns="91440" tIns="45720" rIns="91440" bIns="45720" numCol="1" anchor="ctr" anchorCtr="0" compatLnSpc="1">
+          <a:bodyPr vert="horz" lIns="91440" tIns="45720" rIns="91440" bIns="45720" numCol="1" anchor="t" anchorCtr="0" compatLnSpc="1">
             <a:prstTxWarp prst="textNoShape">
               <a:avLst/>
             </a:prstTxWarp>
-            <a:spAutoFit/>
+            <a:normAutofit/>
           </a:bodyPr>
           <a:lstStyle/>
           <a:p>
-            <a:pPr marL="0" marR="0" lvl="0" indent="0" algn="l" defTabSz="914400" rtl="0" eaLnBrk="0" fontAlgn="base" latinLnBrk="0" hangingPunct="0">
-              <a:lnSpc>
-                <a:spcPct val="100000"/>
-              </a:lnSpc>
+            <a:pPr marL="0" marR="0" lvl="0" indent="0" defTabSz="914400" rtl="0" eaLnBrk="0" fontAlgn="base" latinLnBrk="0" hangingPunct="0">
               <a:spcBef>
                 <a:spcPct val="0"/>
               </a:spcBef>
               <a:spcAft>
-                <a:spcPct val="0"/>
+                <a:spcPts val="600"/>
               </a:spcAft>
               <a:buClrTx/>
               <a:buSzTx/>
@@ -4859,29 +9489,23 @@
               <a:tabLst/>
             </a:pPr>
             <a:r>
-              <a:rPr kumimoji="0" lang="it-IT" altLang="it-IT" sz="1800" b="0" i="0" u="none" strike="noStrike" cap="none" normalizeH="0" baseline="0">
+              <a:rPr kumimoji="0" lang="it-IT" altLang="it-IT" sz="2200" i="0" u="none" strike="noStrike" cap="none" normalizeH="0" baseline="0" dirty="0">
                 <a:ln>
                   <a:noFill/>
                 </a:ln>
-                <a:solidFill>
-                  <a:schemeClr val="tx1"/>
-                </a:solidFill>
                 <a:effectLst/>
                 <a:latin typeface="Arial" panose="020B0604020202020204" pitchFamily="34" charset="0"/>
               </a:rPr>
-              <a:t>Selezione di un’immagine 2D tramite interfaccia Unity</a:t>
-            </a:r>
-          </a:p>
-          <a:p>
-            <a:pPr marL="0" marR="0" lvl="0" indent="0" algn="l" defTabSz="914400" rtl="0" eaLnBrk="0" fontAlgn="base" latinLnBrk="0" hangingPunct="0">
-              <a:lnSpc>
-                <a:spcPct val="100000"/>
-              </a:lnSpc>
+              <a:t>Modello di segmentazione automatica basato su Vision Transformer</a:t>
+            </a:r>
+          </a:p>
+          <a:p>
+            <a:pPr marL="0" marR="0" lvl="0" indent="0" defTabSz="914400" rtl="0" eaLnBrk="0" fontAlgn="base" latinLnBrk="0" hangingPunct="0">
               <a:spcBef>
                 <a:spcPct val="0"/>
               </a:spcBef>
               <a:spcAft>
-                <a:spcPct val="0"/>
+                <a:spcPts val="600"/>
               </a:spcAft>
               <a:buClrTx/>
               <a:buSzTx/>
@@ -4890,29 +9514,23 @@
               <a:tabLst/>
             </a:pPr>
             <a:r>
-              <a:rPr kumimoji="0" lang="it-IT" altLang="it-IT" sz="1800" b="0" i="0" u="none" strike="noStrike" cap="none" normalizeH="0" baseline="0">
+              <a:rPr kumimoji="0" lang="it-IT" altLang="it-IT" sz="2200" i="0" u="none" strike="noStrike" cap="none" normalizeH="0" baseline="0" dirty="0">
                 <a:ln>
                   <a:noFill/>
                 </a:ln>
-                <a:solidFill>
-                  <a:schemeClr val="tx1"/>
-                </a:solidFill>
                 <a:effectLst/>
                 <a:latin typeface="Arial" panose="020B0604020202020204" pitchFamily="34" charset="0"/>
               </a:rPr>
-              <a:t>Invio dell’immagine al backend per la segmentazione automatica (SAM)</a:t>
-            </a:r>
-          </a:p>
-          <a:p>
-            <a:pPr marL="0" marR="0" lvl="0" indent="0" algn="l" defTabSz="914400" rtl="0" eaLnBrk="0" fontAlgn="base" latinLnBrk="0" hangingPunct="0">
-              <a:lnSpc>
-                <a:spcPct val="100000"/>
-              </a:lnSpc>
+              <a:t>Utilizzato per isolare l’oggetto principale dall’immagine 2D</a:t>
+            </a:r>
+          </a:p>
+          <a:p>
+            <a:pPr marL="0" marR="0" lvl="0" indent="0" defTabSz="914400" rtl="0" eaLnBrk="0" fontAlgn="base" latinLnBrk="0" hangingPunct="0">
               <a:spcBef>
                 <a:spcPct val="0"/>
               </a:spcBef>
               <a:spcAft>
-                <a:spcPct val="0"/>
+                <a:spcPts val="600"/>
               </a:spcAft>
               <a:buClrTx/>
               <a:buSzTx/>
@@ -4921,29 +9539,23 @@
               <a:tabLst/>
             </a:pPr>
             <a:r>
-              <a:rPr kumimoji="0" lang="it-IT" altLang="it-IT" sz="1800" b="0" i="0" u="none" strike="noStrike" cap="none" normalizeH="0" baseline="0">
+              <a:rPr kumimoji="0" lang="it-IT" altLang="it-IT" sz="2200" i="0" u="none" strike="noStrike" cap="none" normalizeH="0" baseline="0" dirty="0">
                 <a:ln>
                   <a:noFill/>
                 </a:ln>
-                <a:solidFill>
-                  <a:schemeClr val="tx1"/>
-                </a:solidFill>
                 <a:effectLst/>
                 <a:latin typeface="Arial" panose="020B0604020202020204" pitchFamily="34" charset="0"/>
               </a:rPr>
-              <a:t>Estrazione dell’oggetto principale dall’immagine</a:t>
-            </a:r>
-          </a:p>
-          <a:p>
-            <a:pPr marL="0" marR="0" lvl="0" indent="0" algn="l" defTabSz="914400" rtl="0" eaLnBrk="0" fontAlgn="base" latinLnBrk="0" hangingPunct="0">
-              <a:lnSpc>
-                <a:spcPct val="100000"/>
-              </a:lnSpc>
+              <a:t>Non richiede addestramento o annotazioni specifiche</a:t>
+            </a:r>
+          </a:p>
+          <a:p>
+            <a:pPr marL="0" marR="0" lvl="0" indent="0" defTabSz="914400" rtl="0" eaLnBrk="0" fontAlgn="base" latinLnBrk="0" hangingPunct="0">
               <a:spcBef>
                 <a:spcPct val="0"/>
               </a:spcBef>
               <a:spcAft>
-                <a:spcPct val="0"/>
+                <a:spcPts val="600"/>
               </a:spcAft>
               <a:buClrTx/>
               <a:buSzTx/>
@@ -4952,29 +9564,23 @@
               <a:tabLst/>
             </a:pPr>
             <a:r>
-              <a:rPr kumimoji="0" lang="it-IT" altLang="it-IT" sz="1800" b="0" i="0" u="none" strike="noStrike" cap="none" normalizeH="0" baseline="0">
+              <a:rPr kumimoji="0" lang="it-IT" altLang="it-IT" sz="2200" i="0" u="none" strike="noStrike" cap="none" normalizeH="0" baseline="0" dirty="0">
                 <a:ln>
                   <a:noFill/>
                 </a:ln>
-                <a:solidFill>
-                  <a:schemeClr val="tx1"/>
-                </a:solidFill>
                 <a:effectLst/>
                 <a:latin typeface="Arial" panose="020B0604020202020204" pitchFamily="34" charset="0"/>
               </a:rPr>
-              <a:t>Generazione del modello 3D tramite Stable Fast 3D</a:t>
-            </a:r>
-          </a:p>
-          <a:p>
-            <a:pPr marL="0" marR="0" lvl="0" indent="0" algn="l" defTabSz="914400" rtl="0" eaLnBrk="0" fontAlgn="base" latinLnBrk="0" hangingPunct="0">
-              <a:lnSpc>
-                <a:spcPct val="100000"/>
-              </a:lnSpc>
+              <a:t>Elevata robustezza a variazioni di forma, colore e contesto</a:t>
+            </a:r>
+          </a:p>
+          <a:p>
+            <a:pPr marL="0" marR="0" lvl="0" indent="0" defTabSz="914400" rtl="0" eaLnBrk="0" fontAlgn="base" latinLnBrk="0" hangingPunct="0">
               <a:spcBef>
                 <a:spcPct val="0"/>
               </a:spcBef>
               <a:spcAft>
-                <a:spcPct val="0"/>
+                <a:spcPts val="600"/>
               </a:spcAft>
               <a:buClrTx/>
               <a:buSzTx/>
@@ -4983,79 +9589,14 @@
               <a:tabLst/>
             </a:pPr>
             <a:r>
-              <a:rPr kumimoji="0" lang="it-IT" altLang="it-IT" sz="1800" b="0" i="0" u="none" strike="noStrike" cap="none" normalizeH="0" baseline="0">
+              <a:rPr kumimoji="0" lang="it-IT" altLang="it-IT" sz="2200" i="0" u="none" strike="noStrike" cap="none" normalizeH="0" baseline="0" dirty="0">
                 <a:ln>
                   <a:noFill/>
                 </a:ln>
-                <a:solidFill>
-                  <a:schemeClr val="tx1"/>
-                </a:solidFill>
                 <a:effectLst/>
                 <a:latin typeface="Arial" panose="020B0604020202020204" pitchFamily="34" charset="0"/>
               </a:rPr>
-              <a:t>Esportazione del modello in formato GLB</a:t>
-            </a:r>
-          </a:p>
-          <a:p>
-            <a:pPr marL="0" marR="0" lvl="0" indent="0" algn="l" defTabSz="914400" rtl="0" eaLnBrk="0" fontAlgn="base" latinLnBrk="0" hangingPunct="0">
-              <a:lnSpc>
-                <a:spcPct val="100000"/>
-              </a:lnSpc>
-              <a:spcBef>
-                <a:spcPct val="0"/>
-              </a:spcBef>
-              <a:spcAft>
-                <a:spcPct val="0"/>
-              </a:spcAft>
-              <a:buClrTx/>
-              <a:buSzTx/>
-              <a:buFontTx/>
-              <a:buChar char="•"/>
-              <a:tabLst/>
-            </a:pPr>
-            <a:r>
-              <a:rPr kumimoji="0" lang="it-IT" altLang="it-IT" sz="1800" b="0" i="0" u="none" strike="noStrike" cap="none" normalizeH="0" baseline="0">
-                <a:ln>
-                  <a:noFill/>
-                </a:ln>
-                <a:solidFill>
-                  <a:schemeClr val="tx1"/>
-                </a:solidFill>
-                <a:effectLst/>
-                <a:latin typeface="Arial" panose="020B0604020202020204" pitchFamily="34" charset="0"/>
-              </a:rPr>
-              <a:t>Caricamento dinamico del modello in Unity</a:t>
-            </a:r>
-          </a:p>
-          <a:p>
-            <a:pPr marL="0" marR="0" lvl="0" indent="0" algn="l" defTabSz="914400" rtl="0" eaLnBrk="0" fontAlgn="base" latinLnBrk="0" hangingPunct="0">
-              <a:lnSpc>
-                <a:spcPct val="100000"/>
-              </a:lnSpc>
-              <a:spcBef>
-                <a:spcPct val="0"/>
-              </a:spcBef>
-              <a:spcAft>
-                <a:spcPct val="0"/>
-              </a:spcAft>
-              <a:buClrTx/>
-              <a:buSzTx/>
-              <a:buFontTx/>
-              <a:buChar char="•"/>
-              <a:tabLst/>
-            </a:pPr>
-            <a:r>
-              <a:rPr kumimoji="0" lang="it-IT" altLang="it-IT" sz="1800" b="0" i="0" u="none" strike="noStrike" cap="none" normalizeH="0" baseline="0">
-                <a:ln>
-                  <a:noFill/>
-                </a:ln>
-                <a:solidFill>
-                  <a:schemeClr val="tx1"/>
-                </a:solidFill>
-                <a:effectLst/>
-                <a:latin typeface="Arial" panose="020B0604020202020204" pitchFamily="34" charset="0"/>
-              </a:rPr>
-              <a:t>Interazione del modello in ambiente XR (grab, move, inspect)</a:t>
+              <a:t>Produzione di maschere utilizzate come input per la generazione 3D</a:t>
             </a:r>
           </a:p>
         </p:txBody>
@@ -5063,7 +9604,7 @@
     </p:spTree>
     <p:extLst>
       <p:ext uri="{BB962C8B-B14F-4D97-AF65-F5344CB8AC3E}">
-        <p14:creationId xmlns:p14="http://schemas.microsoft.com/office/powerpoint/2010/main" val="2985595154"/>
+        <p14:creationId xmlns:p14="http://schemas.microsoft.com/office/powerpoint/2010/main" val="3419870471"/>
       </p:ext>
     </p:extLst>
   </p:cSld>
@@ -5073,9 +9614,17 @@
 </p:sld>
 </file>
 
-<file path=ppt/slides/slide6.xml><?xml version="1.0" encoding="utf-8"?>
+<file path=ppt/slides/slide7.xml><?xml version="1.0" encoding="utf-8"?>
 <p:sld xmlns:a="http://schemas.openxmlformats.org/drawingml/2006/main" xmlns:r="http://schemas.openxmlformats.org/officeDocument/2006/relationships" xmlns:p="http://schemas.openxmlformats.org/presentationml/2006/main">
   <p:cSld>
+    <p:bg>
+      <p:bgPr>
+        <a:solidFill>
+          <a:schemeClr val="bg1"/>
+        </a:solidFill>
+        <a:effectLst/>
+      </p:bgPr>
+    </p:bg>
     <p:spTree>
       <p:nvGrpSpPr>
         <p:cNvPr id="1" name=""/>
@@ -5090,12 +9639,201 @@
           <a:chExt cx="0" cy="0"/>
         </a:xfrm>
       </p:grpSpPr>
+      <p:sp useBgFill="1">
+        <p:nvSpPr>
+          <p:cNvPr id="20" name="Rectangle 19">
+            <a:extLst>
+              <a:ext uri="{FF2B5EF4-FFF2-40B4-BE49-F238E27FC236}">
+                <a16:creationId xmlns:a16="http://schemas.microsoft.com/office/drawing/2014/main" id="{081EA652-8C6A-4E69-BEB9-170809474553}"/>
+              </a:ext>
+              <a:ext uri="{C183D7F6-B498-43B3-948B-1728B52AA6E4}">
+                <adec:decorative xmlns:adec="http://schemas.microsoft.com/office/drawing/2017/decorative" val="1"/>
+              </a:ext>
+            </a:extLst>
+          </p:cNvPr>
+          <p:cNvSpPr>
+            <a:spLocks noGrp="1" noRot="1" noChangeAspect="1" noMove="1" noResize="1" noEditPoints="1" noAdjustHandles="1" noChangeArrowheads="1" noChangeShapeType="1" noTextEdit="1"/>
+          </p:cNvSpPr>
+          <p:nvPr>
+            <p:extLst>
+              <p:ext uri="{386F3935-93C4-4BCD-93E2-E3B085C9AB24}">
+                <p16:designElem xmlns:p16="http://schemas.microsoft.com/office/powerpoint/2015/main" val="1"/>
+              </p:ext>
+            </p:extLst>
+          </p:nvPr>
+        </p:nvSpPr>
+        <p:spPr>
+          <a:xfrm>
+            <a:off x="0" y="0"/>
+            <a:ext cx="12192000" cy="6858000"/>
+          </a:xfrm>
+          <a:prstGeom prst="rect">
+            <a:avLst/>
+          </a:prstGeom>
+          <a:ln>
+            <a:noFill/>
+          </a:ln>
+        </p:spPr>
+        <p:style>
+          <a:lnRef idx="2">
+            <a:schemeClr val="accent1">
+              <a:shade val="50000"/>
+            </a:schemeClr>
+          </a:lnRef>
+          <a:fillRef idx="1">
+            <a:schemeClr val="accent1"/>
+          </a:fillRef>
+          <a:effectRef idx="0">
+            <a:schemeClr val="accent1"/>
+          </a:effectRef>
+          <a:fontRef idx="minor">
+            <a:schemeClr val="lt1"/>
+          </a:fontRef>
+        </p:style>
+        <p:txBody>
+          <a:bodyPr rtlCol="0" anchor="ctr"/>
+          <a:lstStyle/>
+          <a:p>
+            <a:pPr algn="ctr"/>
+            <a:endParaRPr lang="en-US"/>
+          </a:p>
+        </p:txBody>
+      </p:sp>
+      <p:sp>
+        <p:nvSpPr>
+          <p:cNvPr id="22" name="Right Triangle 21">
+            <a:extLst>
+              <a:ext uri="{FF2B5EF4-FFF2-40B4-BE49-F238E27FC236}">
+                <a16:creationId xmlns:a16="http://schemas.microsoft.com/office/drawing/2014/main" id="{5298780A-33B9-4EA2-8F67-DE68AD62841B}"/>
+              </a:ext>
+              <a:ext uri="{C183D7F6-B498-43B3-948B-1728B52AA6E4}">
+                <adec:decorative xmlns:adec="http://schemas.microsoft.com/office/drawing/2017/decorative" val="1"/>
+              </a:ext>
+            </a:extLst>
+          </p:cNvPr>
+          <p:cNvSpPr>
+            <a:spLocks noGrp="1" noRot="1" noChangeAspect="1" noMove="1" noResize="1" noEditPoints="1" noAdjustHandles="1" noChangeArrowheads="1" noChangeShapeType="1" noTextEdit="1"/>
+          </p:cNvSpPr>
+          <p:nvPr>
+            <p:extLst>
+              <p:ext uri="{386F3935-93C4-4BCD-93E2-E3B085C9AB24}">
+                <p16:designElem xmlns:p16="http://schemas.microsoft.com/office/powerpoint/2015/main" val="1"/>
+              </p:ext>
+            </p:extLst>
+          </p:nvPr>
+        </p:nvSpPr>
+        <p:spPr>
+          <a:xfrm flipH="1">
+            <a:off x="8576720" y="3335867"/>
+            <a:ext cx="3291840" cy="3200400"/>
+          </a:xfrm>
+          <a:prstGeom prst="rtTriangle">
+            <a:avLst/>
+          </a:prstGeom>
+          <a:solidFill>
+            <a:schemeClr val="accent4"/>
+          </a:solidFill>
+          <a:ln>
+            <a:noFill/>
+          </a:ln>
+        </p:spPr>
+        <p:style>
+          <a:lnRef idx="2">
+            <a:schemeClr val="accent1">
+              <a:shade val="50000"/>
+            </a:schemeClr>
+          </a:lnRef>
+          <a:fillRef idx="1">
+            <a:schemeClr val="accent1"/>
+          </a:fillRef>
+          <a:effectRef idx="0">
+            <a:schemeClr val="accent1"/>
+          </a:effectRef>
+          <a:fontRef idx="minor">
+            <a:schemeClr val="lt1"/>
+          </a:fontRef>
+        </p:style>
+        <p:txBody>
+          <a:bodyPr rtlCol="0" anchor="ctr"/>
+          <a:lstStyle/>
+          <a:p>
+            <a:pPr algn="ctr"/>
+            <a:endParaRPr lang="en-US" dirty="0"/>
+          </a:p>
+        </p:txBody>
+      </p:sp>
+      <p:sp>
+        <p:nvSpPr>
+          <p:cNvPr id="24" name="Rectangle 23">
+            <a:extLst>
+              <a:ext uri="{FF2B5EF4-FFF2-40B4-BE49-F238E27FC236}">
+                <a16:creationId xmlns:a16="http://schemas.microsoft.com/office/drawing/2014/main" id="{7F488E8B-4E1E-4402-8935-D4E6C02615C7}"/>
+              </a:ext>
+              <a:ext uri="{C183D7F6-B498-43B3-948B-1728B52AA6E4}">
+                <adec:decorative xmlns:adec="http://schemas.microsoft.com/office/drawing/2017/decorative" val="1"/>
+              </a:ext>
+            </a:extLst>
+          </p:cNvPr>
+          <p:cNvSpPr>
+            <a:spLocks noGrp="1" noRot="1" noChangeAspect="1" noMove="1" noResize="1" noEditPoints="1" noAdjustHandles="1" noChangeArrowheads="1" noChangeShapeType="1" noTextEdit="1"/>
+          </p:cNvSpPr>
+          <p:nvPr>
+            <p:extLst>
+              <p:ext uri="{386F3935-93C4-4BCD-93E2-E3B085C9AB24}">
+                <p16:designElem xmlns:p16="http://schemas.microsoft.com/office/powerpoint/2015/main" val="1"/>
+              </p:ext>
+            </p:extLst>
+          </p:nvPr>
+        </p:nvSpPr>
+        <p:spPr>
+          <a:xfrm>
+            <a:off x="641774" y="623275"/>
+            <a:ext cx="10905053" cy="5607882"/>
+          </a:xfrm>
+          <a:prstGeom prst="rect">
+            <a:avLst/>
+          </a:prstGeom>
+          <a:noFill/>
+          <a:ln w="19050">
+            <a:solidFill>
+              <a:schemeClr val="tx1">
+                <a:lumMod val="75000"/>
+                <a:lumOff val="25000"/>
+              </a:schemeClr>
+            </a:solidFill>
+          </a:ln>
+        </p:spPr>
+        <p:style>
+          <a:lnRef idx="2">
+            <a:schemeClr val="accent1">
+              <a:shade val="50000"/>
+            </a:schemeClr>
+          </a:lnRef>
+          <a:fillRef idx="1">
+            <a:schemeClr val="accent1"/>
+          </a:fillRef>
+          <a:effectRef idx="0">
+            <a:schemeClr val="accent1"/>
+          </a:effectRef>
+          <a:fontRef idx="minor">
+            <a:schemeClr val="lt1"/>
+          </a:fontRef>
+        </p:style>
+        <p:txBody>
+          <a:bodyPr rtlCol="0" anchor="ctr"/>
+          <a:lstStyle/>
+          <a:p>
+            <a:pPr algn="ctr"/>
+            <a:endParaRPr lang="en-US"/>
+          </a:p>
+        </p:txBody>
+      </p:sp>
       <p:sp>
         <p:nvSpPr>
           <p:cNvPr id="2" name="Titolo 1">
             <a:extLst>
               <a:ext uri="{FF2B5EF4-FFF2-40B4-BE49-F238E27FC236}">
-                <a16:creationId xmlns:a16="http://schemas.microsoft.com/office/drawing/2014/main" id="{4AFB53D7-3113-A997-7F65-BC843B58D357}"/>
+                <a16:creationId xmlns:a16="http://schemas.microsoft.com/office/drawing/2014/main" id="{930BB17F-84B0-6EB9-BD2A-D30B7129CADC}"/>
               </a:ext>
             </a:extLst>
           </p:cNvPr>
@@ -5106,33 +9844,32 @@
             <p:ph type="title"/>
           </p:nvPr>
         </p:nvSpPr>
-        <p:spPr/>
+        <p:spPr>
+          <a:xfrm>
+            <a:off x="1285240" y="1050595"/>
+            <a:ext cx="8074815" cy="1618489"/>
+          </a:xfrm>
+        </p:spPr>
         <p:txBody>
-          <a:bodyPr/>
+          <a:bodyPr anchor="ctr">
+            <a:normAutofit/>
+          </a:bodyPr>
           <a:lstStyle/>
           <a:p>
             <a:r>
-              <a:rPr lang="en-US" dirty="0"/>
-              <a:t>Uno </a:t>
-            </a:r>
-            <a:r>
-              <a:rPr lang="en-US" dirty="0" err="1"/>
-              <a:t>sguardo</a:t>
-            </a:r>
-            <a:r>
-              <a:rPr lang="en-US" dirty="0"/>
-              <a:t> al backend</a:t>
-            </a:r>
-            <a:endParaRPr lang="it-IT" dirty="0"/>
+              <a:rPr lang="en-US" sz="7200"/>
+              <a:t>Stable fast 3d</a:t>
+            </a:r>
+            <a:endParaRPr lang="it-IT" sz="7200"/>
           </a:p>
         </p:txBody>
       </p:sp>
       <p:sp>
         <p:nvSpPr>
-          <p:cNvPr id="6" name="Rectangle 3">
+          <p:cNvPr id="4" name="Rectangle 1">
             <a:extLst>
               <a:ext uri="{FF2B5EF4-FFF2-40B4-BE49-F238E27FC236}">
-                <a16:creationId xmlns:a16="http://schemas.microsoft.com/office/drawing/2014/main" id="{FB0BE9D5-9503-361F-1CBE-95626AEC38ED}"/>
+                <a16:creationId xmlns:a16="http://schemas.microsoft.com/office/drawing/2014/main" id="{18E3ED03-7445-C0E8-AD0C-6D5DCA1F4EF3}"/>
               </a:ext>
             </a:extLst>
           </p:cNvPr>
@@ -5144,14 +9881,13 @@
           </p:nvPr>
         </p:nvSpPr>
         <p:spPr bwMode="auto">
+          <a:xfrm>
+            <a:off x="1285240" y="2969469"/>
+            <a:ext cx="8074815" cy="2800395"/>
+          </a:xfrm>
           <a:prstGeom prst="rect">
             <a:avLst/>
           </a:prstGeom>
-          <a:noFill/>
-          <a:ln>
-            <a:noFill/>
-          </a:ln>
-          <a:effectLst/>
           <a:extLst>
             <a:ext uri="{909E8E84-426E-40DD-AFC4-6F175D3DCCD1}">
               <a14:hiddenFill xmlns:a14="http://schemas.microsoft.com/office/drawing/2010/main">
@@ -5182,23 +9918,20 @@
           </a:extLst>
         </p:spPr>
         <p:txBody>
-          <a:bodyPr vert="horz" wrap="none" lIns="91440" tIns="45720" rIns="91440" bIns="45720" numCol="1" anchor="ctr" anchorCtr="0" compatLnSpc="1">
+          <a:bodyPr vert="horz" lIns="91440" tIns="45720" rIns="91440" bIns="45720" numCol="1" anchor="t" anchorCtr="0" compatLnSpc="1">
             <a:prstTxWarp prst="textNoShape">
               <a:avLst/>
             </a:prstTxWarp>
-            <a:spAutoFit/>
+            <a:normAutofit/>
           </a:bodyPr>
           <a:lstStyle/>
           <a:p>
-            <a:pPr marL="0" marR="0" lvl="0" indent="0" algn="l" defTabSz="914400" rtl="0" eaLnBrk="0" fontAlgn="base" latinLnBrk="0" hangingPunct="0">
-              <a:lnSpc>
-                <a:spcPct val="100000"/>
-              </a:lnSpc>
+            <a:pPr marL="0" marR="0" lvl="0" indent="0" defTabSz="914400" rtl="0" eaLnBrk="0" fontAlgn="base" latinLnBrk="0" hangingPunct="0">
               <a:spcBef>
                 <a:spcPct val="0"/>
               </a:spcBef>
               <a:spcAft>
-                <a:spcPct val="0"/>
+                <a:spcPts val="600"/>
               </a:spcAft>
               <a:buClrTx/>
               <a:buSzTx/>
@@ -5207,78 +9940,23 @@
               <a:tabLst/>
             </a:pPr>
             <a:r>
-              <a:rPr kumimoji="0" lang="it-IT" altLang="it-IT" sz="1800" b="0" i="0" u="none" strike="noStrike" cap="none" normalizeH="0" baseline="0" dirty="0" err="1">
+              <a:rPr kumimoji="0" lang="it-IT" altLang="it-IT" sz="2200" i="0" u="none" strike="noStrike" cap="none" normalizeH="0" baseline="0" dirty="0">
                 <a:ln>
                   <a:noFill/>
                 </a:ln>
-                <a:solidFill>
-                  <a:schemeClr val="tx1"/>
-                </a:solidFill>
                 <a:effectLst/>
                 <a:latin typeface="Arial" panose="020B0604020202020204" pitchFamily="34" charset="0"/>
               </a:rPr>
-              <a:t>Backend</a:t>
-            </a:r>
-            <a:r>
-              <a:rPr kumimoji="0" lang="it-IT" altLang="it-IT" sz="1800" b="0" i="0" u="none" strike="noStrike" cap="none" normalizeH="0" baseline="0" dirty="0">
-                <a:ln>
-                  <a:noFill/>
-                </a:ln>
-                <a:solidFill>
-                  <a:schemeClr val="tx1"/>
-                </a:solidFill>
-                <a:effectLst/>
-                <a:latin typeface="Arial" panose="020B0604020202020204" pitchFamily="34" charset="0"/>
-              </a:rPr>
-              <a:t> sviluppato in </a:t>
-            </a:r>
-            <a:r>
-              <a:rPr kumimoji="0" lang="it-IT" altLang="it-IT" sz="1800" b="1" i="0" u="none" strike="noStrike" cap="none" normalizeH="0" baseline="0" dirty="0">
-                <a:ln>
-                  <a:noFill/>
-                </a:ln>
-                <a:solidFill>
-                  <a:schemeClr val="tx1"/>
-                </a:solidFill>
-                <a:effectLst/>
-                <a:latin typeface="Arial" panose="020B0604020202020204" pitchFamily="34" charset="0"/>
-              </a:rPr>
-              <a:t>Python con </a:t>
-            </a:r>
-            <a:r>
-              <a:rPr kumimoji="0" lang="it-IT" altLang="it-IT" sz="1800" b="1" i="0" u="none" strike="noStrike" cap="none" normalizeH="0" baseline="0" dirty="0" err="1">
-                <a:ln>
-                  <a:noFill/>
-                </a:ln>
-                <a:solidFill>
-                  <a:schemeClr val="tx1"/>
-                </a:solidFill>
-                <a:effectLst/>
-                <a:latin typeface="Arial" panose="020B0604020202020204" pitchFamily="34" charset="0"/>
-              </a:rPr>
-              <a:t>Flask</a:t>
-            </a:r>
-            <a:endParaRPr kumimoji="0" lang="it-IT" altLang="it-IT" sz="1800" b="0" i="0" u="none" strike="noStrike" cap="none" normalizeH="0" baseline="0" dirty="0">
-              <a:ln>
-                <a:noFill/>
-              </a:ln>
-              <a:solidFill>
-                <a:schemeClr val="tx1"/>
-              </a:solidFill>
-              <a:effectLst/>
-              <a:latin typeface="Arial" panose="020B0604020202020204" pitchFamily="34" charset="0"/>
-            </a:endParaRPr>
-          </a:p>
-          <a:p>
-            <a:pPr marL="0" marR="0" lvl="0" indent="0" algn="l" defTabSz="914400" rtl="0" eaLnBrk="0" fontAlgn="base" latinLnBrk="0" hangingPunct="0">
-              <a:lnSpc>
-                <a:spcPct val="100000"/>
-              </a:lnSpc>
+              <a:t>Modello di generazione 3D a partire da immagini 2D</a:t>
+            </a:r>
+          </a:p>
+          <a:p>
+            <a:pPr marL="0" marR="0" lvl="0" indent="0" defTabSz="914400" rtl="0" eaLnBrk="0" fontAlgn="base" latinLnBrk="0" hangingPunct="0">
               <a:spcBef>
                 <a:spcPct val="0"/>
               </a:spcBef>
               <a:spcAft>
-                <a:spcPct val="0"/>
+                <a:spcPts val="600"/>
               </a:spcAft>
               <a:buClrTx/>
               <a:buSzTx/>
@@ -5287,29 +9965,23 @@
               <a:tabLst/>
             </a:pPr>
             <a:r>
-              <a:rPr kumimoji="0" lang="it-IT" altLang="it-IT" sz="1800" b="0" i="0" u="none" strike="noStrike" cap="none" normalizeH="0" baseline="0" dirty="0">
+              <a:rPr kumimoji="0" lang="it-IT" altLang="it-IT" sz="2200" i="0" u="none" strike="noStrike" cap="none" normalizeH="0" baseline="0" dirty="0">
                 <a:ln>
                   <a:noFill/>
                 </a:ln>
-                <a:solidFill>
-                  <a:schemeClr val="tx1"/>
-                </a:solidFill>
                 <a:effectLst/>
                 <a:latin typeface="Arial" panose="020B0604020202020204" pitchFamily="34" charset="0"/>
               </a:rPr>
-              <a:t>Gestione delle richieste di segmentazione e generazione 3D</a:t>
-            </a:r>
-          </a:p>
-          <a:p>
-            <a:pPr marL="0" marR="0" lvl="0" indent="0" algn="l" defTabSz="914400" rtl="0" eaLnBrk="0" fontAlgn="base" latinLnBrk="0" hangingPunct="0">
-              <a:lnSpc>
-                <a:spcPct val="100000"/>
-              </a:lnSpc>
+              <a:t>Produce mesh tridimensionali coerenti a partire dall’oggetto segmentato</a:t>
+            </a:r>
+          </a:p>
+          <a:p>
+            <a:pPr marL="0" marR="0" lvl="0" indent="0" defTabSz="914400" rtl="0" eaLnBrk="0" fontAlgn="base" latinLnBrk="0" hangingPunct="0">
               <a:spcBef>
                 <a:spcPct val="0"/>
               </a:spcBef>
               <a:spcAft>
-                <a:spcPct val="0"/>
+                <a:spcPts val="600"/>
               </a:spcAft>
               <a:buClrTx/>
               <a:buSzTx/>
@@ -5318,55 +9990,23 @@
               <a:tabLst/>
             </a:pPr>
             <a:r>
-              <a:rPr kumimoji="0" lang="it-IT" altLang="it-IT" sz="1800" b="0" i="0" u="none" strike="noStrike" cap="none" normalizeH="0" baseline="0" dirty="0">
+              <a:rPr kumimoji="0" lang="it-IT" altLang="it-IT" sz="2200" i="0" u="none" strike="noStrike" cap="none" normalizeH="0" baseline="0" dirty="0">
                 <a:ln>
                   <a:noFill/>
                 </a:ln>
-                <a:solidFill>
-                  <a:schemeClr val="tx1"/>
-                </a:solidFill>
                 <a:effectLst/>
                 <a:latin typeface="Arial" panose="020B0604020202020204" pitchFamily="34" charset="0"/>
               </a:rPr>
-              <a:t>Caricamento del modello </a:t>
-            </a:r>
-            <a:r>
-              <a:rPr kumimoji="0" lang="it-IT" altLang="it-IT" sz="1800" b="1" i="0" u="none" strike="noStrike" cap="none" normalizeH="0" baseline="0" dirty="0">
-                <a:ln>
-                  <a:noFill/>
-                </a:ln>
-                <a:solidFill>
-                  <a:schemeClr val="tx1"/>
-                </a:solidFill>
-                <a:effectLst/>
-                <a:latin typeface="Arial" panose="020B0604020202020204" pitchFamily="34" charset="0"/>
-              </a:rPr>
-              <a:t>SAM</a:t>
-            </a:r>
-            <a:r>
-              <a:rPr kumimoji="0" lang="it-IT" altLang="it-IT" sz="1800" b="0" i="0" u="none" strike="noStrike" cap="none" normalizeH="0" baseline="0" dirty="0">
-                <a:ln>
-                  <a:noFill/>
-                </a:ln>
-                <a:solidFill>
-                  <a:schemeClr val="tx1"/>
-                </a:solidFill>
-                <a:effectLst/>
-                <a:latin typeface="Arial" panose="020B0604020202020204" pitchFamily="34" charset="0"/>
-              </a:rPr>
-              <a:t> all’avvio del server</a:t>
-            </a:r>
-          </a:p>
-          <a:p>
-            <a:pPr marL="0" marR="0" lvl="0" indent="0" algn="l" defTabSz="914400" rtl="0" eaLnBrk="0" fontAlgn="base" latinLnBrk="0" hangingPunct="0">
-              <a:lnSpc>
-                <a:spcPct val="100000"/>
-              </a:lnSpc>
+              <a:t>Ottimizzato per velocità di esecuzione e semplicità di integrazione</a:t>
+            </a:r>
+          </a:p>
+          <a:p>
+            <a:pPr marL="0" marR="0" lvl="0" indent="0" defTabSz="914400" rtl="0" eaLnBrk="0" fontAlgn="base" latinLnBrk="0" hangingPunct="0">
               <a:spcBef>
                 <a:spcPct val="0"/>
               </a:spcBef>
               <a:spcAft>
-                <a:spcPct val="0"/>
+                <a:spcPts val="600"/>
               </a:spcAft>
               <a:buClrTx/>
               <a:buSzTx/>
@@ -5375,91 +10015,23 @@
               <a:tabLst/>
             </a:pPr>
             <a:r>
-              <a:rPr kumimoji="0" lang="it-IT" altLang="it-IT" sz="1800" b="0" i="0" u="none" strike="noStrike" cap="none" normalizeH="0" baseline="0" dirty="0">
+              <a:rPr kumimoji="0" lang="it-IT" altLang="it-IT" sz="2200" i="0" u="none" strike="noStrike" cap="none" normalizeH="0" baseline="0" dirty="0">
                 <a:ln>
                   <a:noFill/>
                 </a:ln>
-                <a:solidFill>
-                  <a:schemeClr val="tx1"/>
-                </a:solidFill>
                 <a:effectLst/>
                 <a:latin typeface="Arial" panose="020B0604020202020204" pitchFamily="34" charset="0"/>
               </a:rPr>
-              <a:t>Invocazione di </a:t>
-            </a:r>
-            <a:r>
-              <a:rPr kumimoji="0" lang="it-IT" altLang="it-IT" sz="1800" b="1" i="0" u="none" strike="noStrike" cap="none" normalizeH="0" baseline="0" dirty="0" err="1">
-                <a:ln>
-                  <a:noFill/>
-                </a:ln>
-                <a:solidFill>
-                  <a:schemeClr val="tx1"/>
-                </a:solidFill>
-                <a:effectLst/>
-                <a:latin typeface="Arial" panose="020B0604020202020204" pitchFamily="34" charset="0"/>
-              </a:rPr>
-              <a:t>Stable</a:t>
-            </a:r>
-            <a:r>
-              <a:rPr kumimoji="0" lang="it-IT" altLang="it-IT" sz="1800" b="1" i="0" u="none" strike="noStrike" cap="none" normalizeH="0" baseline="0" dirty="0">
-                <a:ln>
-                  <a:noFill/>
-                </a:ln>
-                <a:solidFill>
-                  <a:schemeClr val="tx1"/>
-                </a:solidFill>
-                <a:effectLst/>
-                <a:latin typeface="Arial" panose="020B0604020202020204" pitchFamily="34" charset="0"/>
-              </a:rPr>
-              <a:t> Fast 3D</a:t>
-            </a:r>
-            <a:r>
-              <a:rPr kumimoji="0" lang="it-IT" altLang="it-IT" sz="1800" b="0" i="0" u="none" strike="noStrike" cap="none" normalizeH="0" baseline="0" dirty="0">
-                <a:ln>
-                  <a:noFill/>
-                </a:ln>
-                <a:solidFill>
-                  <a:schemeClr val="tx1"/>
-                </a:solidFill>
-                <a:effectLst/>
-                <a:latin typeface="Arial" panose="020B0604020202020204" pitchFamily="34" charset="0"/>
-              </a:rPr>
-              <a:t> tramite </a:t>
-            </a:r>
-            <a:r>
-              <a:rPr kumimoji="0" lang="it-IT" altLang="it-IT" sz="1800" b="0" i="0" u="none" strike="noStrike" cap="none" normalizeH="0" baseline="0" dirty="0" err="1">
-                <a:ln>
-                  <a:noFill/>
-                </a:ln>
-                <a:solidFill>
-                  <a:schemeClr val="tx1"/>
-                </a:solidFill>
-                <a:effectLst/>
-                <a:latin typeface="Arial" panose="020B0604020202020204" pitchFamily="34" charset="0"/>
-              </a:rPr>
-              <a:t>subprocess</a:t>
-            </a:r>
-            <a:endParaRPr kumimoji="0" lang="it-IT" altLang="it-IT" sz="1800" b="0" i="0" u="none" strike="noStrike" cap="none" normalizeH="0" baseline="0" dirty="0">
-              <a:ln>
-                <a:noFill/>
-              </a:ln>
-              <a:solidFill>
-                <a:schemeClr val="tx1"/>
-              </a:solidFill>
-              <a:effectLst/>
-              <a:latin typeface="Arial" panose="020B0604020202020204" pitchFamily="34" charset="0"/>
-            </a:endParaRPr>
-          </a:p>
-          <a:p>
-            <a:pPr marL="0" marR="0" lvl="0" indent="0" algn="l" defTabSz="914400" rtl="0" eaLnBrk="0" fontAlgn="base" latinLnBrk="0" hangingPunct="0">
-              <a:lnSpc>
-                <a:spcPct val="100000"/>
-              </a:lnSpc>
+              <a:t>Output esportato direttamente in formato GLB</a:t>
+            </a:r>
+          </a:p>
+          <a:p>
+            <a:pPr marL="0" marR="0" lvl="0" indent="0" defTabSz="914400" rtl="0" eaLnBrk="0" fontAlgn="base" latinLnBrk="0" hangingPunct="0">
               <a:spcBef>
                 <a:spcPct val="0"/>
               </a:spcBef>
               <a:spcAft>
-                <a:spcPct val="0"/>
+                <a:spcPts val="600"/>
               </a:spcAft>
               <a:buClrTx/>
               <a:buSzTx/>
@@ -5468,79 +10040,22 @@
               <a:tabLst/>
             </a:pPr>
             <a:r>
-              <a:rPr kumimoji="0" lang="it-IT" altLang="it-IT" sz="1800" b="0" i="0" u="none" strike="noStrike" cap="none" normalizeH="0" baseline="0" dirty="0">
+              <a:rPr kumimoji="0" lang="it-IT" altLang="it-IT" sz="2200" i="0" u="none" strike="noStrike" cap="none" normalizeH="0" baseline="0" dirty="0">
                 <a:ln>
                   <a:noFill/>
                 </a:ln>
-                <a:solidFill>
-                  <a:schemeClr val="tx1"/>
-                </a:solidFill>
                 <a:effectLst/>
                 <a:latin typeface="Arial" panose="020B0604020202020204" pitchFamily="34" charset="0"/>
               </a:rPr>
-              <a:t>Gestione dei file temporanei e dei modelli generati</a:t>
-            </a:r>
-          </a:p>
-          <a:p>
-            <a:pPr marL="0" marR="0" lvl="0" indent="0" algn="l" defTabSz="914400" rtl="0" eaLnBrk="0" fontAlgn="base" latinLnBrk="0" hangingPunct="0">
-              <a:lnSpc>
-                <a:spcPct val="100000"/>
-              </a:lnSpc>
-              <a:spcBef>
-                <a:spcPct val="0"/>
-              </a:spcBef>
-              <a:spcAft>
-                <a:spcPct val="0"/>
-              </a:spcAft>
-              <a:buClrTx/>
-              <a:buSzTx/>
-              <a:buFontTx/>
-              <a:buChar char="•"/>
-              <a:tabLst/>
-            </a:pPr>
-            <a:r>
-              <a:rPr kumimoji="0" lang="it-IT" altLang="it-IT" sz="1800" b="0" i="0" u="none" strike="noStrike" cap="none" normalizeH="0" baseline="0" dirty="0">
-                <a:ln>
-                  <a:noFill/>
-                </a:ln>
-                <a:solidFill>
-                  <a:schemeClr val="tx1"/>
-                </a:solidFill>
-                <a:effectLst/>
-                <a:latin typeface="Arial" panose="020B0604020202020204" pitchFamily="34" charset="0"/>
-              </a:rPr>
-              <a:t>Esposizione di API REST per la comunicazione con </a:t>
-            </a:r>
-            <a:r>
-              <a:rPr kumimoji="0" lang="it-IT" altLang="it-IT" sz="1800" b="0" i="0" u="none" strike="noStrike" cap="none" normalizeH="0" baseline="0" dirty="0" err="1">
-                <a:ln>
-                  <a:noFill/>
-                </a:ln>
-                <a:solidFill>
-                  <a:schemeClr val="tx1"/>
-                </a:solidFill>
-                <a:effectLst/>
-                <a:latin typeface="Arial" panose="020B0604020202020204" pitchFamily="34" charset="0"/>
-              </a:rPr>
-              <a:t>Unity</a:t>
-            </a:r>
-            <a:endParaRPr kumimoji="0" lang="it-IT" altLang="it-IT" sz="1800" b="0" i="0" u="none" strike="noStrike" cap="none" normalizeH="0" baseline="0" dirty="0">
-              <a:ln>
-                <a:noFill/>
-              </a:ln>
-              <a:solidFill>
-                <a:schemeClr val="tx1"/>
-              </a:solidFill>
-              <a:effectLst/>
-              <a:latin typeface="Arial" panose="020B0604020202020204" pitchFamily="34" charset="0"/>
-            </a:endParaRPr>
+              <a:t>Integrabile in pipeline automatiche senza intervento manuale</a:t>
+            </a:r>
           </a:p>
         </p:txBody>
       </p:sp>
     </p:spTree>
     <p:extLst>
       <p:ext uri="{BB962C8B-B14F-4D97-AF65-F5344CB8AC3E}">
-        <p14:creationId xmlns:p14="http://schemas.microsoft.com/office/powerpoint/2010/main" val="3164934938"/>
+        <p14:creationId xmlns:p14="http://schemas.microsoft.com/office/powerpoint/2010/main" val="864472644"/>
       </p:ext>
     </p:extLst>
   </p:cSld>
@@ -5550,9 +10065,17 @@
 </p:sld>
 </file>
 
-<file path=ppt/slides/slide7.xml><?xml version="1.0" encoding="utf-8"?>
+<file path=ppt/slides/slide8.xml><?xml version="1.0" encoding="utf-8"?>
 <p:sld xmlns:a="http://schemas.openxmlformats.org/drawingml/2006/main" xmlns:r="http://schemas.openxmlformats.org/officeDocument/2006/relationships" xmlns:p="http://schemas.openxmlformats.org/presentationml/2006/main">
   <p:cSld>
+    <p:bg>
+      <p:bgPr>
+        <a:solidFill>
+          <a:schemeClr val="bg1"/>
+        </a:solidFill>
+        <a:effectLst/>
+      </p:bgPr>
+    </p:bg>
     <p:spTree>
       <p:nvGrpSpPr>
         <p:cNvPr id="1" name=""/>
@@ -5567,12 +10090,72 @@
           <a:chExt cx="0" cy="0"/>
         </a:xfrm>
       </p:grpSpPr>
+      <p:sp useBgFill="1">
+        <p:nvSpPr>
+          <p:cNvPr id="10" name="Rectangle 9">
+            <a:extLst>
+              <a:ext uri="{FF2B5EF4-FFF2-40B4-BE49-F238E27FC236}">
+                <a16:creationId xmlns:a16="http://schemas.microsoft.com/office/drawing/2014/main" id="{058A14AF-9FB5-4CC7-BA35-E8E85D3EDF0E}"/>
+              </a:ext>
+              <a:ext uri="{C183D7F6-B498-43B3-948B-1728B52AA6E4}">
+                <adec:decorative xmlns:adec="http://schemas.microsoft.com/office/drawing/2017/decorative" val="1"/>
+              </a:ext>
+            </a:extLst>
+          </p:cNvPr>
+          <p:cNvSpPr>
+            <a:spLocks noGrp="1" noRot="1" noChangeAspect="1" noMove="1" noResize="1" noEditPoints="1" noAdjustHandles="1" noChangeArrowheads="1" noChangeShapeType="1" noTextEdit="1"/>
+          </p:cNvSpPr>
+          <p:nvPr>
+            <p:extLst>
+              <p:ext uri="{386F3935-93C4-4BCD-93E2-E3B085C9AB24}">
+                <p16:designElem xmlns:p16="http://schemas.microsoft.com/office/powerpoint/2015/main" val="1"/>
+              </p:ext>
+            </p:extLst>
+          </p:nvPr>
+        </p:nvSpPr>
+        <p:spPr>
+          <a:xfrm>
+            <a:off x="0" y="0"/>
+            <a:ext cx="12191999" cy="6857365"/>
+          </a:xfrm>
+          <a:prstGeom prst="rect">
+            <a:avLst/>
+          </a:prstGeom>
+          <a:ln>
+            <a:noFill/>
+          </a:ln>
+        </p:spPr>
+        <p:style>
+          <a:lnRef idx="2">
+            <a:schemeClr val="accent1">
+              <a:shade val="50000"/>
+            </a:schemeClr>
+          </a:lnRef>
+          <a:fillRef idx="1">
+            <a:schemeClr val="accent1"/>
+          </a:fillRef>
+          <a:effectRef idx="0">
+            <a:schemeClr val="accent1"/>
+          </a:effectRef>
+          <a:fontRef idx="minor">
+            <a:schemeClr val="lt1"/>
+          </a:fontRef>
+        </p:style>
+        <p:txBody>
+          <a:bodyPr rtlCol="0" anchor="ctr"/>
+          <a:lstStyle/>
+          <a:p>
+            <a:pPr algn="ctr"/>
+            <a:endParaRPr lang="en-US"/>
+          </a:p>
+        </p:txBody>
+      </p:sp>
       <p:sp>
         <p:nvSpPr>
           <p:cNvPr id="2" name="Titolo 1">
             <a:extLst>
               <a:ext uri="{FF2B5EF4-FFF2-40B4-BE49-F238E27FC236}">
-                <a16:creationId xmlns:a16="http://schemas.microsoft.com/office/drawing/2014/main" id="{9E5F4B23-82ED-25D1-E0CF-CBD13E9C8180}"/>
+                <a16:creationId xmlns:a16="http://schemas.microsoft.com/office/drawing/2014/main" id="{91FEB96F-DA26-7943-9FEA-1738C5EDF2F1}"/>
               </a:ext>
             </a:extLst>
           </p:cNvPr>
@@ -5583,40 +10166,165 @@
             <p:ph type="title"/>
           </p:nvPr>
         </p:nvSpPr>
-        <p:spPr/>
+        <p:spPr>
+          <a:xfrm>
+            <a:off x="793662" y="386930"/>
+            <a:ext cx="10066122" cy="1298448"/>
+          </a:xfrm>
+        </p:spPr>
         <p:txBody>
-          <a:bodyPr/>
+          <a:bodyPr anchor="b">
+            <a:normAutofit/>
+          </a:bodyPr>
           <a:lstStyle/>
           <a:p>
             <a:r>
-              <a:rPr lang="it-IT" dirty="0"/>
-              <a:t>SAM – </a:t>
-            </a:r>
-            <a:r>
-              <a:rPr lang="it-IT" dirty="0" err="1"/>
-              <a:t>Segment</a:t>
-            </a:r>
-            <a:r>
-              <a:rPr lang="it-IT" dirty="0"/>
-              <a:t> </a:t>
-            </a:r>
-            <a:r>
-              <a:rPr lang="it-IT" dirty="0" err="1"/>
-              <a:t>Anything</a:t>
-            </a:r>
-            <a:r>
-              <a:rPr lang="it-IT" dirty="0"/>
-              <a:t> Model</a:t>
-            </a:r>
+              <a:rPr lang="en-US" sz="4800"/>
+              <a:t>Uno sguardo al frontend</a:t>
+            </a:r>
+            <a:endParaRPr lang="it-IT" sz="4800"/>
           </a:p>
         </p:txBody>
       </p:sp>
       <p:sp>
         <p:nvSpPr>
-          <p:cNvPr id="6" name="Rectangle 3">
+          <p:cNvPr id="12" name="Rectangle 11">
             <a:extLst>
               <a:ext uri="{FF2B5EF4-FFF2-40B4-BE49-F238E27FC236}">
-                <a16:creationId xmlns:a16="http://schemas.microsoft.com/office/drawing/2014/main" id="{2867CC50-B4EE-98FD-5E9F-CC79938538F5}"/>
+                <a16:creationId xmlns:a16="http://schemas.microsoft.com/office/drawing/2014/main" id="{3A9A4357-BD1D-4622-A4FE-766E6AB8DE84}"/>
+              </a:ext>
+              <a:ext uri="{C183D7F6-B498-43B3-948B-1728B52AA6E4}">
+                <adec:decorative xmlns:adec="http://schemas.microsoft.com/office/drawing/2017/decorative" val="1"/>
+              </a:ext>
+            </a:extLst>
+          </p:cNvPr>
+          <p:cNvSpPr>
+            <a:spLocks noGrp="1" noRot="1" noChangeAspect="1" noMove="1" noResize="1" noEditPoints="1" noAdjustHandles="1" noChangeArrowheads="1" noChangeShapeType="1" noTextEdit="1"/>
+          </p:cNvSpPr>
+          <p:nvPr>
+            <p:extLst>
+              <p:ext uri="{386F3935-93C4-4BCD-93E2-E3B085C9AB24}">
+                <p16:designElem xmlns:p16="http://schemas.microsoft.com/office/powerpoint/2015/main" val="1"/>
+              </p:ext>
+            </p:extLst>
+          </p:nvPr>
+        </p:nvSpPr>
+        <p:spPr>
+          <a:xfrm flipH="1" flipV="1">
+            <a:off x="-2" y="1998845"/>
+            <a:ext cx="11454595" cy="781699"/>
+          </a:xfrm>
+          <a:prstGeom prst="rect">
+            <a:avLst/>
+          </a:prstGeom>
+          <a:solidFill>
+            <a:schemeClr val="accent4"/>
+          </a:solidFill>
+          <a:ln>
+            <a:noFill/>
+          </a:ln>
+        </p:spPr>
+        <p:style>
+          <a:lnRef idx="2">
+            <a:schemeClr val="accent1">
+              <a:shade val="50000"/>
+            </a:schemeClr>
+          </a:lnRef>
+          <a:fillRef idx="1">
+            <a:schemeClr val="accent1"/>
+          </a:fillRef>
+          <a:effectRef idx="0">
+            <a:schemeClr val="accent1"/>
+          </a:effectRef>
+          <a:fontRef idx="minor">
+            <a:schemeClr val="lt1"/>
+          </a:fontRef>
+        </p:style>
+        <p:txBody>
+          <a:bodyPr rtlCol="0" anchor="ctr"/>
+          <a:lstStyle/>
+          <a:p>
+            <a:pPr algn="ctr"/>
+            <a:endParaRPr lang="en-US"/>
+          </a:p>
+        </p:txBody>
+      </p:sp>
+      <p:sp>
+        <p:nvSpPr>
+          <p:cNvPr id="14" name="Rectangle 13">
+            <a:extLst>
+              <a:ext uri="{FF2B5EF4-FFF2-40B4-BE49-F238E27FC236}">
+                <a16:creationId xmlns:a16="http://schemas.microsoft.com/office/drawing/2014/main" id="{E659831F-0D9A-4C63-9EBB-8435B85A440F}"/>
+              </a:ext>
+              <a:ext uri="{C183D7F6-B498-43B3-948B-1728B52AA6E4}">
+                <adec:decorative xmlns:adec="http://schemas.microsoft.com/office/drawing/2017/decorative" val="1"/>
+              </a:ext>
+            </a:extLst>
+          </p:cNvPr>
+          <p:cNvSpPr>
+            <a:spLocks noGrp="1" noRot="1" noChangeAspect="1" noMove="1" noResize="1" noEditPoints="1" noAdjustHandles="1" noChangeArrowheads="1" noChangeShapeType="1" noTextEdit="1"/>
+          </p:cNvSpPr>
+          <p:nvPr>
+            <p:extLst>
+              <p:ext uri="{386F3935-93C4-4BCD-93E2-E3B085C9AB24}">
+                <p16:designElem xmlns:p16="http://schemas.microsoft.com/office/powerpoint/2015/main" val="1"/>
+              </p:ext>
+            </p:extLst>
+          </p:nvPr>
+        </p:nvSpPr>
+        <p:spPr>
+          <a:xfrm>
+            <a:off x="0" y="2203079"/>
+            <a:ext cx="11383362" cy="4267991"/>
+          </a:xfrm>
+          <a:prstGeom prst="rect">
+            <a:avLst/>
+          </a:prstGeom>
+          <a:solidFill>
+            <a:schemeClr val="bg1"/>
+          </a:solidFill>
+          <a:ln>
+            <a:noFill/>
+          </a:ln>
+          <a:effectLst>
+            <a:outerShdw blurRad="139700" dist="127000" dir="5400000" algn="t" rotWithShape="0">
+              <a:prstClr val="black">
+                <a:alpha val="15000"/>
+              </a:prstClr>
+            </a:outerShdw>
+          </a:effectLst>
+        </p:spPr>
+        <p:style>
+          <a:lnRef idx="2">
+            <a:schemeClr val="accent1">
+              <a:shade val="50000"/>
+            </a:schemeClr>
+          </a:lnRef>
+          <a:fillRef idx="1">
+            <a:schemeClr val="accent1"/>
+          </a:fillRef>
+          <a:effectRef idx="0">
+            <a:schemeClr val="accent1"/>
+          </a:effectRef>
+          <a:fontRef idx="minor">
+            <a:schemeClr val="lt1"/>
+          </a:fontRef>
+        </p:style>
+        <p:txBody>
+          <a:bodyPr rtlCol="0" anchor="ctr"/>
+          <a:lstStyle/>
+          <a:p>
+            <a:pPr algn="ctr"/>
+            <a:endParaRPr lang="en-US"/>
+          </a:p>
+        </p:txBody>
+      </p:sp>
+      <p:sp>
+        <p:nvSpPr>
+          <p:cNvPr id="5" name="Rectangle 2">
+            <a:extLst>
+              <a:ext uri="{FF2B5EF4-FFF2-40B4-BE49-F238E27FC236}">
+                <a16:creationId xmlns:a16="http://schemas.microsoft.com/office/drawing/2014/main" id="{09355E79-4647-AC46-3659-56EE46F84A5F}"/>
               </a:ext>
             </a:extLst>
           </p:cNvPr>
@@ -5629,17 +10337,12 @@
         </p:nvSpPr>
         <p:spPr bwMode="auto">
           <a:xfrm>
-            <a:off x="838200" y="3816350"/>
-            <a:ext cx="265113" cy="369888"/>
+            <a:off x="793661" y="2599509"/>
+            <a:ext cx="4530898" cy="3639450"/>
           </a:xfrm>
           <a:prstGeom prst="rect">
             <a:avLst/>
           </a:prstGeom>
-          <a:noFill/>
-          <a:ln>
-            <a:noFill/>
-          </a:ln>
-          <a:effectLst/>
           <a:extLst>
             <a:ext uri="{909E8E84-426E-40DD-AFC4-6F175D3DCCD1}">
               <a14:hiddenFill xmlns:a14="http://schemas.microsoft.com/office/drawing/2010/main">
@@ -5670,23 +10373,20 @@
           </a:extLst>
         </p:spPr>
         <p:txBody>
-          <a:bodyPr vert="horz" wrap="none" lIns="91440" tIns="45720" rIns="91440" bIns="45720" numCol="1" anchor="ctr" anchorCtr="0" compatLnSpc="1">
+          <a:bodyPr vert="horz" lIns="91440" tIns="45720" rIns="91440" bIns="45720" numCol="1" anchor="ctr" anchorCtr="0" compatLnSpc="1">
             <a:prstTxWarp prst="textNoShape">
               <a:avLst/>
             </a:prstTxWarp>
-            <a:spAutoFit/>
+            <a:normAutofit/>
           </a:bodyPr>
           <a:lstStyle/>
           <a:p>
-            <a:pPr marL="0" marR="0" lvl="0" indent="0" algn="l" defTabSz="914400" rtl="0" eaLnBrk="0" fontAlgn="base" latinLnBrk="0" hangingPunct="0">
-              <a:lnSpc>
-                <a:spcPct val="100000"/>
-              </a:lnSpc>
+            <a:pPr marL="0" marR="0" lvl="0" indent="0" defTabSz="914400" rtl="0" eaLnBrk="0" fontAlgn="base" latinLnBrk="0" hangingPunct="0">
               <a:spcBef>
                 <a:spcPct val="0"/>
               </a:spcBef>
               <a:spcAft>
-                <a:spcPct val="0"/>
+                <a:spcPts val="600"/>
               </a:spcAft>
               <a:buClrTx/>
               <a:buSzTx/>
@@ -5695,52 +10395,50 @@
               <a:tabLst/>
             </a:pPr>
             <a:r>
-              <a:rPr kumimoji="0" lang="it-IT" altLang="it-IT" sz="1800" b="0" i="0" u="none" strike="noStrike" cap="none" normalizeH="0" baseline="0" dirty="0">
+              <a:rPr kumimoji="0" lang="it-IT" altLang="it-IT" sz="2000" b="0" i="0" u="none" strike="noStrike" cap="none" normalizeH="0" baseline="0" dirty="0" err="1">
                 <a:ln>
                   <a:noFill/>
                 </a:ln>
-                <a:solidFill>
-                  <a:schemeClr val="tx1"/>
-                </a:solidFill>
                 <a:effectLst/>
                 <a:latin typeface="Arial" panose="020B0604020202020204" pitchFamily="34" charset="0"/>
               </a:rPr>
-              <a:t>Modello di </a:t>
-            </a:r>
-            <a:r>
-              <a:rPr kumimoji="0" lang="it-IT" altLang="it-IT" sz="1800" b="1" i="0" u="none" strike="noStrike" cap="none" normalizeH="0" baseline="0" dirty="0">
+              <a:t>Frontend</a:t>
+            </a:r>
+            <a:r>
+              <a:rPr kumimoji="0" lang="it-IT" altLang="it-IT" sz="2000" b="0" i="0" u="none" strike="noStrike" cap="none" normalizeH="0" baseline="0" dirty="0">
                 <a:ln>
                   <a:noFill/>
                 </a:ln>
-                <a:solidFill>
-                  <a:schemeClr val="tx1"/>
-                </a:solidFill>
                 <a:effectLst/>
                 <a:latin typeface="Arial" panose="020B0604020202020204" pitchFamily="34" charset="0"/>
               </a:rPr>
-              <a:t>segmentazione automatica basato su Vision Transformer</a:t>
-            </a:r>
-            <a:endParaRPr kumimoji="0" lang="it-IT" altLang="it-IT" sz="1800" b="0" i="0" u="none" strike="noStrike" cap="none" normalizeH="0" baseline="0" dirty="0">
+              <a:t> sviluppato in </a:t>
+            </a:r>
+            <a:r>
+              <a:rPr kumimoji="0" lang="it-IT" altLang="it-IT" sz="2000" b="1" i="0" u="none" strike="noStrike" cap="none" normalizeH="0" baseline="0" dirty="0" err="1">
+                <a:ln>
+                  <a:noFill/>
+                </a:ln>
+                <a:effectLst/>
+                <a:latin typeface="Arial" panose="020B0604020202020204" pitchFamily="34" charset="0"/>
+              </a:rPr>
+              <a:t>Unity</a:t>
+            </a:r>
+            <a:endParaRPr kumimoji="0" lang="it-IT" altLang="it-IT" sz="2000" b="0" i="0" u="none" strike="noStrike" cap="none" normalizeH="0" baseline="0" dirty="0">
               <a:ln>
                 <a:noFill/>
               </a:ln>
-              <a:solidFill>
-                <a:schemeClr val="tx1"/>
-              </a:solidFill>
               <a:effectLst/>
               <a:latin typeface="Arial" panose="020B0604020202020204" pitchFamily="34" charset="0"/>
             </a:endParaRPr>
           </a:p>
           <a:p>
-            <a:pPr marL="0" marR="0" lvl="0" indent="0" algn="l" defTabSz="914400" rtl="0" eaLnBrk="0" fontAlgn="base" latinLnBrk="0" hangingPunct="0">
-              <a:lnSpc>
-                <a:spcPct val="100000"/>
-              </a:lnSpc>
+            <a:pPr marL="0" marR="0" lvl="0" indent="0" defTabSz="914400" rtl="0" eaLnBrk="0" fontAlgn="base" latinLnBrk="0" hangingPunct="0">
               <a:spcBef>
                 <a:spcPct val="0"/>
               </a:spcBef>
               <a:spcAft>
-                <a:spcPct val="0"/>
+                <a:spcPts val="600"/>
               </a:spcAft>
               <a:buClrTx/>
               <a:buSzTx/>
@@ -5749,29 +10447,23 @@
               <a:tabLst/>
             </a:pPr>
             <a:r>
-              <a:rPr kumimoji="0" lang="it-IT" altLang="it-IT" sz="1800" b="0" i="0" u="none" strike="noStrike" cap="none" normalizeH="0" baseline="0" dirty="0">
+              <a:rPr kumimoji="0" lang="it-IT" altLang="it-IT" sz="2000" b="0" i="0" u="none" strike="noStrike" cap="none" normalizeH="0" baseline="0" dirty="0">
                 <a:ln>
                   <a:noFill/>
                 </a:ln>
-                <a:solidFill>
-                  <a:schemeClr val="tx1"/>
-                </a:solidFill>
                 <a:effectLst/>
                 <a:latin typeface="Arial" panose="020B0604020202020204" pitchFamily="34" charset="0"/>
               </a:rPr>
-              <a:t>Utilizzato per isolare l’oggetto principale dall’immagine 2D</a:t>
-            </a:r>
-          </a:p>
-          <a:p>
-            <a:pPr marL="0" marR="0" lvl="0" indent="0" algn="l" defTabSz="914400" rtl="0" eaLnBrk="0" fontAlgn="base" latinLnBrk="0" hangingPunct="0">
-              <a:lnSpc>
-                <a:spcPct val="100000"/>
-              </a:lnSpc>
+              <a:t>Gestione dell’interfaccia utente per l’intera pipeline</a:t>
+            </a:r>
+          </a:p>
+          <a:p>
+            <a:pPr marL="0" marR="0" lvl="0" indent="0" defTabSz="914400" rtl="0" eaLnBrk="0" fontAlgn="base" latinLnBrk="0" hangingPunct="0">
               <a:spcBef>
                 <a:spcPct val="0"/>
               </a:spcBef>
               <a:spcAft>
-                <a:spcPct val="0"/>
+                <a:spcPts val="600"/>
               </a:spcAft>
               <a:buClrTx/>
               <a:buSzTx/>
@@ -5780,29 +10472,60 @@
               <a:tabLst/>
             </a:pPr>
             <a:r>
-              <a:rPr kumimoji="0" lang="it-IT" altLang="it-IT" sz="1800" b="0" i="0" u="none" strike="noStrike" cap="none" normalizeH="0" baseline="0" dirty="0">
+              <a:rPr kumimoji="0" lang="it-IT" altLang="it-IT" sz="2000" b="0" i="0" u="none" strike="noStrike" cap="none" normalizeH="0" baseline="0" dirty="0">
                 <a:ln>
                   <a:noFill/>
                 </a:ln>
-                <a:solidFill>
-                  <a:schemeClr val="tx1"/>
-                </a:solidFill>
                 <a:effectLst/>
                 <a:latin typeface="Arial" panose="020B0604020202020204" pitchFamily="34" charset="0"/>
               </a:rPr>
-              <a:t>Non richiede addestramento o annotazioni specifiche</a:t>
-            </a:r>
-          </a:p>
-          <a:p>
-            <a:pPr marL="0" marR="0" lvl="0" indent="0" algn="l" defTabSz="914400" rtl="0" eaLnBrk="0" fontAlgn="base" latinLnBrk="0" hangingPunct="0">
-              <a:lnSpc>
-                <a:spcPct val="100000"/>
-              </a:lnSpc>
+              <a:t>Caricamento dinamico dei modelli </a:t>
+            </a:r>
+            <a:r>
+              <a:rPr kumimoji="0" lang="it-IT" altLang="it-IT" sz="2000" b="1" i="0" u="none" strike="noStrike" cap="none" normalizeH="0" baseline="0" dirty="0">
+                <a:ln>
+                  <a:noFill/>
+                </a:ln>
+                <a:effectLst/>
+                <a:latin typeface="Arial" panose="020B0604020202020204" pitchFamily="34" charset="0"/>
+              </a:rPr>
+              <a:t>GLB</a:t>
+            </a:r>
+            <a:r>
+              <a:rPr kumimoji="0" lang="it-IT" altLang="it-IT" sz="2000" b="0" i="0" u="none" strike="noStrike" cap="none" normalizeH="0" baseline="0" dirty="0">
+                <a:ln>
+                  <a:noFill/>
+                </a:ln>
+                <a:effectLst/>
+                <a:latin typeface="Arial" panose="020B0604020202020204" pitchFamily="34" charset="0"/>
+              </a:rPr>
+              <a:t> generati rendendoli </a:t>
+            </a:r>
+            <a:r>
+              <a:rPr kumimoji="0" lang="it-IT" altLang="it-IT" sz="2000" b="0" i="0" u="none" strike="noStrike" cap="none" normalizeH="0" baseline="0" dirty="0" err="1">
+                <a:ln>
+                  <a:noFill/>
+                </a:ln>
+                <a:effectLst/>
+                <a:latin typeface="Arial" panose="020B0604020202020204" pitchFamily="34" charset="0"/>
+              </a:rPr>
+              <a:t>Grabbable</a:t>
+            </a:r>
+            <a:endParaRPr kumimoji="0" lang="it-IT" altLang="it-IT" sz="2000" b="0" i="0" u="none" strike="noStrike" cap="none" normalizeH="0" baseline="0" dirty="0">
+              <a:ln>
+                <a:noFill/>
+              </a:ln>
+              <a:effectLst/>
+              <a:latin typeface="Arial" panose="020B0604020202020204" pitchFamily="34" charset="0"/>
+            </a:endParaRPr>
+          </a:p>
+          <a:p>
+            <a:pPr marL="0" marR="0" lvl="0" indent="0" defTabSz="914400" rtl="0" eaLnBrk="0" fontAlgn="base" latinLnBrk="0" hangingPunct="0">
               <a:spcBef>
                 <a:spcPct val="0"/>
               </a:spcBef>
               <a:spcAft>
-                <a:spcPct val="0"/>
+                <a:spcPts val="600"/>
               </a:spcAft>
               <a:buClrTx/>
               <a:buSzTx/>
@@ -5811,56 +10534,135 @@
               <a:tabLst/>
             </a:pPr>
             <a:r>
-              <a:rPr kumimoji="0" lang="it-IT" altLang="it-IT" sz="1800" b="0" i="0" u="none" strike="noStrike" cap="none" normalizeH="0" baseline="0" dirty="0">
+              <a:rPr kumimoji="0" lang="it-IT" altLang="it-IT" sz="2000" b="0" i="0" u="none" strike="noStrike" cap="none" normalizeH="0" baseline="0" dirty="0">
                 <a:ln>
                   <a:noFill/>
                 </a:ln>
-                <a:solidFill>
-                  <a:schemeClr val="tx1"/>
-                </a:solidFill>
                 <a:effectLst/>
                 <a:latin typeface="Arial" panose="020B0604020202020204" pitchFamily="34" charset="0"/>
               </a:rPr>
-              <a:t>Elevata robustezza a variazioni di forma, colore e contesto</a:t>
-            </a:r>
-          </a:p>
-          <a:p>
-            <a:pPr marL="0" marR="0" lvl="0" indent="0" algn="l" defTabSz="914400" rtl="0" eaLnBrk="0" fontAlgn="base" latinLnBrk="0" hangingPunct="0">
-              <a:lnSpc>
-                <a:spcPct val="100000"/>
-              </a:lnSpc>
-              <a:spcBef>
-                <a:spcPct val="0"/>
-              </a:spcBef>
-              <a:spcAft>
-                <a:spcPct val="0"/>
-              </a:spcAft>
-              <a:buClrTx/>
-              <a:buSzTx/>
-              <a:buFontTx/>
-              <a:buChar char="•"/>
-              <a:tabLst/>
-            </a:pPr>
-            <a:r>
-              <a:rPr kumimoji="0" lang="it-IT" altLang="it-IT" sz="1800" b="0" i="0" u="none" strike="noStrike" cap="none" normalizeH="0" baseline="0" dirty="0">
+              <a:t>Integrazione con </a:t>
+            </a:r>
+            <a:r>
+              <a:rPr kumimoji="0" lang="it-IT" altLang="it-IT" sz="2000" b="1" i="0" u="none" strike="noStrike" cap="none" normalizeH="0" baseline="0" dirty="0">
                 <a:ln>
                   <a:noFill/>
                 </a:ln>
-                <a:solidFill>
-                  <a:schemeClr val="tx1"/>
-                </a:solidFill>
                 <a:effectLst/>
                 <a:latin typeface="Arial" panose="020B0604020202020204" pitchFamily="34" charset="0"/>
               </a:rPr>
-              <a:t>Produzione di maschere utilizzate come input per la generazione 3D</a:t>
-            </a:r>
+              <a:t>Meta XR SDK</a:t>
+            </a:r>
+            <a:r>
+              <a:rPr kumimoji="0" lang="it-IT" altLang="it-IT" sz="2000" b="0" i="0" u="none" strike="noStrike" cap="none" normalizeH="0" baseline="0" dirty="0">
+                <a:ln>
+                  <a:noFill/>
+                </a:ln>
+                <a:effectLst/>
+                <a:latin typeface="Arial" panose="020B0604020202020204" pitchFamily="34" charset="0"/>
+              </a:rPr>
+              <a:t> per l’interazione</a:t>
+            </a:r>
+          </a:p>
+        </p:txBody>
+      </p:sp>
+      <p:pic>
+        <p:nvPicPr>
+          <p:cNvPr id="4" name="Immagine 3" descr="Immagine che contiene testo, Carattere, schermata, design&#10;&#10;Il contenuto generato dall'IA potrebbe non essere corretto.">
+            <a:extLst>
+              <a:ext uri="{FF2B5EF4-FFF2-40B4-BE49-F238E27FC236}">
+                <a16:creationId xmlns:a16="http://schemas.microsoft.com/office/drawing/2014/main" id="{B9FCAAD1-0BFA-65AB-B5DC-1BC5FC194DE9}"/>
+              </a:ext>
+            </a:extLst>
+          </p:cNvPr>
+          <p:cNvPicPr>
+            <a:picLocks noChangeAspect="1"/>
+          </p:cNvPicPr>
+          <p:nvPr/>
+        </p:nvPicPr>
+        <p:blipFill>
+          <a:blip r:embed="rId2"/>
+          <a:stretch>
+            <a:fillRect/>
+          </a:stretch>
+        </p:blipFill>
+        <p:spPr>
+          <a:xfrm>
+            <a:off x="5911532" y="3011243"/>
+            <a:ext cx="5150277" cy="2660268"/>
+          </a:xfrm>
+          <a:prstGeom prst="rect">
+            <a:avLst/>
+          </a:prstGeom>
+        </p:spPr>
+      </p:pic>
+      <p:sp>
+        <p:nvSpPr>
+          <p:cNvPr id="16" name="Rectangle 15">
+            <a:extLst>
+              <a:ext uri="{FF2B5EF4-FFF2-40B4-BE49-F238E27FC236}">
+                <a16:creationId xmlns:a16="http://schemas.microsoft.com/office/drawing/2014/main" id="{E6995CE5-F890-4ABA-82A2-26507CE8D2A3}"/>
+              </a:ext>
+              <a:ext uri="{C183D7F6-B498-43B3-948B-1728B52AA6E4}">
+                <adec:decorative xmlns:adec="http://schemas.microsoft.com/office/drawing/2017/decorative" val="1"/>
+              </a:ext>
+            </a:extLst>
+          </p:cNvPr>
+          <p:cNvSpPr>
+            <a:spLocks noGrp="1" noRot="1" noChangeAspect="1" noMove="1" noResize="1" noEditPoints="1" noAdjustHandles="1" noChangeArrowheads="1" noChangeShapeType="1" noTextEdit="1"/>
+          </p:cNvSpPr>
+          <p:nvPr>
+            <p:extLst>
+              <p:ext uri="{386F3935-93C4-4BCD-93E2-E3B085C9AB24}">
+                <p16:designElem xmlns:p16="http://schemas.microsoft.com/office/powerpoint/2015/main" val="1"/>
+              </p:ext>
+            </p:extLst>
+          </p:nvPr>
+        </p:nvSpPr>
+        <p:spPr>
+          <a:xfrm rot="5400000">
+            <a:off x="11228040" y="2313027"/>
+            <a:ext cx="781700" cy="152382"/>
+          </a:xfrm>
+          <a:prstGeom prst="rect">
+            <a:avLst/>
+          </a:prstGeom>
+          <a:solidFill>
+            <a:schemeClr val="accent4"/>
+          </a:solidFill>
+          <a:ln>
+            <a:noFill/>
+          </a:ln>
+        </p:spPr>
+        <p:style>
+          <a:lnRef idx="2">
+            <a:schemeClr val="accent1">
+              <a:shade val="50000"/>
+            </a:schemeClr>
+          </a:lnRef>
+          <a:fillRef idx="1">
+            <a:schemeClr val="accent1"/>
+          </a:fillRef>
+          <a:effectRef idx="0">
+            <a:schemeClr val="accent1"/>
+          </a:effectRef>
+          <a:fontRef idx="minor">
+            <a:schemeClr val="lt1"/>
+          </a:fontRef>
+        </p:style>
+        <p:txBody>
+          <a:bodyPr rtlCol="0" anchor="ctr"/>
+          <a:lstStyle/>
+          <a:p>
+            <a:pPr algn="ctr"/>
+            <a:endParaRPr lang="en-US"/>
           </a:p>
         </p:txBody>
       </p:sp>
     </p:spTree>
     <p:extLst>
       <p:ext uri="{BB962C8B-B14F-4D97-AF65-F5344CB8AC3E}">
-        <p14:creationId xmlns:p14="http://schemas.microsoft.com/office/powerpoint/2010/main" val="3419870471"/>
+        <p14:creationId xmlns:p14="http://schemas.microsoft.com/office/powerpoint/2010/main" val="1061098722"/>
       </p:ext>
     </p:extLst>
   </p:cSld>
@@ -5870,9 +10672,17 @@
 </p:sld>
 </file>
 
-<file path=ppt/slides/slide8.xml><?xml version="1.0" encoding="utf-8"?>
+<file path=ppt/slides/slide9.xml><?xml version="1.0" encoding="utf-8"?>
 <p:sld xmlns:a="http://schemas.openxmlformats.org/drawingml/2006/main" xmlns:r="http://schemas.openxmlformats.org/officeDocument/2006/relationships" xmlns:p="http://schemas.openxmlformats.org/presentationml/2006/main">
   <p:cSld>
+    <p:bg>
+      <p:bgPr>
+        <a:solidFill>
+          <a:schemeClr val="bg1"/>
+        </a:solidFill>
+        <a:effectLst/>
+      </p:bgPr>
+    </p:bg>
     <p:spTree>
       <p:nvGrpSpPr>
         <p:cNvPr id="1" name=""/>
@@ -5887,12 +10697,295 @@
           <a:chExt cx="0" cy="0"/>
         </a:xfrm>
       </p:grpSpPr>
+      <p:sp useBgFill="1">
+        <p:nvSpPr>
+          <p:cNvPr id="14" name="Rectangle 13">
+            <a:extLst>
+              <a:ext uri="{FF2B5EF4-FFF2-40B4-BE49-F238E27FC236}">
+                <a16:creationId xmlns:a16="http://schemas.microsoft.com/office/drawing/2014/main" id="{149FB5C3-7336-4FE0-A30C-CC0A3646D499}"/>
+              </a:ext>
+              <a:ext uri="{C183D7F6-B498-43B3-948B-1728B52AA6E4}">
+                <adec:decorative xmlns:adec="http://schemas.microsoft.com/office/drawing/2017/decorative" val="1"/>
+              </a:ext>
+            </a:extLst>
+          </p:cNvPr>
+          <p:cNvSpPr>
+            <a:spLocks noGrp="1" noRot="1" noChangeAspect="1" noMove="1" noResize="1" noEditPoints="1" noAdjustHandles="1" noChangeArrowheads="1" noChangeShapeType="1" noTextEdit="1"/>
+          </p:cNvSpPr>
+          <p:nvPr>
+            <p:extLst>
+              <p:ext uri="{386F3935-93C4-4BCD-93E2-E3B085C9AB24}">
+                <p16:designElem xmlns:p16="http://schemas.microsoft.com/office/powerpoint/2015/main" val="1"/>
+              </p:ext>
+            </p:extLst>
+          </p:nvPr>
+        </p:nvSpPr>
+        <p:spPr>
+          <a:xfrm>
+            <a:off x="0" y="0"/>
+            <a:ext cx="12191999" cy="6857365"/>
+          </a:xfrm>
+          <a:prstGeom prst="rect">
+            <a:avLst/>
+          </a:prstGeom>
+          <a:ln>
+            <a:noFill/>
+          </a:ln>
+        </p:spPr>
+        <p:style>
+          <a:lnRef idx="2">
+            <a:schemeClr val="accent1">
+              <a:shade val="50000"/>
+            </a:schemeClr>
+          </a:lnRef>
+          <a:fillRef idx="1">
+            <a:schemeClr val="accent1"/>
+          </a:fillRef>
+          <a:effectRef idx="0">
+            <a:schemeClr val="accent1"/>
+          </a:effectRef>
+          <a:fontRef idx="minor">
+            <a:schemeClr val="lt1"/>
+          </a:fontRef>
+        </p:style>
+        <p:txBody>
+          <a:bodyPr rtlCol="0" anchor="ctr"/>
+          <a:lstStyle/>
+          <a:p>
+            <a:pPr algn="ctr"/>
+            <a:endParaRPr lang="en-US"/>
+          </a:p>
+        </p:txBody>
+      </p:sp>
+      <p:grpSp>
+        <p:nvGrpSpPr>
+          <p:cNvPr id="16" name="Group 15">
+            <a:extLst>
+              <a:ext uri="{FF2B5EF4-FFF2-40B4-BE49-F238E27FC236}">
+                <a16:creationId xmlns:a16="http://schemas.microsoft.com/office/drawing/2014/main" id="{19A6B5CE-CB1D-48EE-8B43-E952235C8371}"/>
+              </a:ext>
+              <a:ext uri="{C183D7F6-B498-43B3-948B-1728B52AA6E4}">
+                <adec:decorative xmlns:adec="http://schemas.microsoft.com/office/drawing/2017/decorative" val="1"/>
+              </a:ext>
+            </a:extLst>
+          </p:cNvPr>
+          <p:cNvGrpSpPr>
+            <a:grpSpLocks noGrp="1" noUngrp="1" noRot="1" noChangeAspect="1" noMove="1" noResize="1"/>
+          </p:cNvGrpSpPr>
+          <p:nvPr>
+            <p:extLst>
+              <p:ext uri="{386F3935-93C4-4BCD-93E2-E3B085C9AB24}">
+                <p16:designElem xmlns:p16="http://schemas.microsoft.com/office/powerpoint/2015/main" val="1"/>
+              </p:ext>
+            </p:extLst>
+          </p:nvPr>
+        </p:nvGrpSpPr>
+        <p:grpSpPr>
+          <a:xfrm rot="5400000">
+            <a:off x="-2340441" y="2666183"/>
+            <a:ext cx="5860051" cy="527712"/>
+            <a:chOff x="6081624" y="1998368"/>
+            <a:chExt cx="5613457" cy="782175"/>
+          </a:xfrm>
+          <a:solidFill>
+            <a:schemeClr val="accent4"/>
+          </a:solidFill>
+        </p:grpSpPr>
+        <p:sp>
+          <p:nvSpPr>
+            <p:cNvPr id="17" name="Rectangle 16">
+              <a:extLst>
+                <a:ext uri="{FF2B5EF4-FFF2-40B4-BE49-F238E27FC236}">
+                  <a16:creationId xmlns:a16="http://schemas.microsoft.com/office/drawing/2014/main" id="{E3F3EAA5-4E15-400B-BBA3-82B3F49A2178}"/>
+                </a:ext>
+                <a:ext uri="{C183D7F6-B498-43B3-948B-1728B52AA6E4}">
+                  <adec:decorative xmlns:adec="http://schemas.microsoft.com/office/drawing/2017/decorative" val="1"/>
+                </a:ext>
+              </a:extLst>
+            </p:cNvPr>
+            <p:cNvSpPr/>
+            <p:nvPr>
+              <p:extLst>
+                <p:ext uri="{386F3935-93C4-4BCD-93E2-E3B085C9AB24}">
+                  <p16:designElem xmlns:p16="http://schemas.microsoft.com/office/powerpoint/2015/main" val="1"/>
+                </p:ext>
+              </p:extLst>
+            </p:nvPr>
+          </p:nvSpPr>
+          <p:spPr>
+            <a:xfrm rot="5400000">
+              <a:off x="11228040" y="2313027"/>
+              <a:ext cx="781700" cy="152382"/>
+            </a:xfrm>
+            <a:prstGeom prst="rect">
+              <a:avLst/>
+            </a:prstGeom>
+            <a:grpFill/>
+            <a:ln>
+              <a:noFill/>
+            </a:ln>
+          </p:spPr>
+          <p:style>
+            <a:lnRef idx="2">
+              <a:schemeClr val="accent1">
+                <a:shade val="50000"/>
+              </a:schemeClr>
+            </a:lnRef>
+            <a:fillRef idx="1">
+              <a:schemeClr val="accent1"/>
+            </a:fillRef>
+            <a:effectRef idx="0">
+              <a:schemeClr val="accent1"/>
+            </a:effectRef>
+            <a:fontRef idx="minor">
+              <a:schemeClr val="lt1"/>
+            </a:fontRef>
+          </p:style>
+          <p:txBody>
+            <a:bodyPr rtlCol="0" anchor="ctr"/>
+            <a:lstStyle/>
+            <a:p>
+              <a:pPr algn="ctr"/>
+              <a:endParaRPr lang="en-US"/>
+            </a:p>
+          </p:txBody>
+        </p:sp>
+        <p:sp>
+          <p:nvSpPr>
+            <p:cNvPr id="18" name="Rectangle 17">
+              <a:extLst>
+                <a:ext uri="{FF2B5EF4-FFF2-40B4-BE49-F238E27FC236}">
+                  <a16:creationId xmlns:a16="http://schemas.microsoft.com/office/drawing/2014/main" id="{72BA2E40-BE9B-4C54-9CDD-40EE804CCE64}"/>
+                </a:ext>
+                <a:ext uri="{C183D7F6-B498-43B3-948B-1728B52AA6E4}">
+                  <adec:decorative xmlns:adec="http://schemas.microsoft.com/office/drawing/2017/decorative" val="1"/>
+                </a:ext>
+              </a:extLst>
+            </p:cNvPr>
+            <p:cNvSpPr/>
+            <p:nvPr>
+              <p:extLst>
+                <p:ext uri="{386F3935-93C4-4BCD-93E2-E3B085C9AB24}">
+                  <p16:designElem xmlns:p16="http://schemas.microsoft.com/office/powerpoint/2015/main" val="1"/>
+                </p:ext>
+              </p:extLst>
+            </p:nvPr>
+          </p:nvSpPr>
+          <p:spPr>
+            <a:xfrm flipH="1" flipV="1">
+              <a:off x="6081624" y="1998844"/>
+              <a:ext cx="5372968" cy="781699"/>
+            </a:xfrm>
+            <a:prstGeom prst="rect">
+              <a:avLst/>
+            </a:prstGeom>
+            <a:grpFill/>
+            <a:ln>
+              <a:noFill/>
+            </a:ln>
+          </p:spPr>
+          <p:style>
+            <a:lnRef idx="2">
+              <a:schemeClr val="accent1">
+                <a:shade val="50000"/>
+              </a:schemeClr>
+            </a:lnRef>
+            <a:fillRef idx="1">
+              <a:schemeClr val="accent1"/>
+            </a:fillRef>
+            <a:effectRef idx="0">
+              <a:schemeClr val="accent1"/>
+            </a:effectRef>
+            <a:fontRef idx="minor">
+              <a:schemeClr val="lt1"/>
+            </a:fontRef>
+          </p:style>
+          <p:txBody>
+            <a:bodyPr rtlCol="0" anchor="ctr"/>
+            <a:lstStyle/>
+            <a:p>
+              <a:pPr algn="ctr"/>
+              <a:endParaRPr lang="en-US"/>
+            </a:p>
+          </p:txBody>
+        </p:sp>
+      </p:grpSp>
+      <p:sp>
+        <p:nvSpPr>
+          <p:cNvPr id="20" name="Rectangle 19">
+            <a:extLst>
+              <a:ext uri="{FF2B5EF4-FFF2-40B4-BE49-F238E27FC236}">
+                <a16:creationId xmlns:a16="http://schemas.microsoft.com/office/drawing/2014/main" id="{0DA909B4-15FF-46A6-8A7F-7AEF977FE9ED}"/>
+              </a:ext>
+              <a:ext uri="{C183D7F6-B498-43B3-948B-1728B52AA6E4}">
+                <adec:decorative xmlns:adec="http://schemas.microsoft.com/office/drawing/2017/decorative" val="1"/>
+              </a:ext>
+            </a:extLst>
+          </p:cNvPr>
+          <p:cNvSpPr>
+            <a:spLocks noGrp="1" noRot="1" noChangeAspect="1" noMove="1" noResize="1" noEditPoints="1" noAdjustHandles="1" noChangeArrowheads="1" noChangeShapeType="1" noTextEdit="1"/>
+          </p:cNvSpPr>
+          <p:nvPr>
+            <p:extLst>
+              <p:ext uri="{386F3935-93C4-4BCD-93E2-E3B085C9AB24}">
+                <p16:designElem xmlns:p16="http://schemas.microsoft.com/office/powerpoint/2015/main" val="1"/>
+              </p:ext>
+            </p:extLst>
+          </p:nvPr>
+        </p:nvSpPr>
+        <p:spPr>
+          <a:xfrm>
+            <a:off x="579528" y="517897"/>
+            <a:ext cx="11111729" cy="5857966"/>
+          </a:xfrm>
+          <a:prstGeom prst="rect">
+            <a:avLst/>
+          </a:prstGeom>
+          <a:solidFill>
+            <a:schemeClr val="bg1"/>
+          </a:solidFill>
+          <a:ln>
+            <a:noFill/>
+          </a:ln>
+          <a:effectLst>
+            <a:outerShdw blurRad="139700" dist="127000" dir="5400000" algn="t" rotWithShape="0">
+              <a:prstClr val="black">
+                <a:alpha val="15000"/>
+              </a:prstClr>
+            </a:outerShdw>
+          </a:effectLst>
+        </p:spPr>
+        <p:style>
+          <a:lnRef idx="2">
+            <a:schemeClr val="accent1">
+              <a:shade val="50000"/>
+            </a:schemeClr>
+          </a:lnRef>
+          <a:fillRef idx="1">
+            <a:schemeClr val="accent1"/>
+          </a:fillRef>
+          <a:effectRef idx="0">
+            <a:schemeClr val="accent1"/>
+          </a:effectRef>
+          <a:fontRef idx="minor">
+            <a:schemeClr val="lt1"/>
+          </a:fontRef>
+        </p:style>
+        <p:txBody>
+          <a:bodyPr rtlCol="0" anchor="ctr"/>
+          <a:lstStyle/>
+          <a:p>
+            <a:pPr algn="ctr"/>
+            <a:endParaRPr lang="en-US"/>
+          </a:p>
+        </p:txBody>
+      </p:sp>
       <p:sp>
         <p:nvSpPr>
           <p:cNvPr id="2" name="Titolo 1">
             <a:extLst>
               <a:ext uri="{FF2B5EF4-FFF2-40B4-BE49-F238E27FC236}">
-                <a16:creationId xmlns:a16="http://schemas.microsoft.com/office/drawing/2014/main" id="{930BB17F-84B0-6EB9-BD2A-D30B7129CADC}"/>
+                <a16:creationId xmlns:a16="http://schemas.microsoft.com/office/drawing/2014/main" id="{FE69B082-F493-C955-CD08-27E62BF082C9}"/>
               </a:ext>
             </a:extLst>
           </p:cNvPr>
@@ -5903,16 +10996,102 @@
             <p:ph type="title"/>
           </p:nvPr>
         </p:nvSpPr>
-        <p:spPr/>
+        <p:spPr>
+          <a:xfrm>
+            <a:off x="1057025" y="922644"/>
+            <a:ext cx="5040285" cy="1169585"/>
+          </a:xfrm>
+        </p:spPr>
         <p:txBody>
-          <a:bodyPr/>
+          <a:bodyPr anchor="b">
+            <a:normAutofit/>
+          </a:bodyPr>
           <a:lstStyle/>
           <a:p>
             <a:r>
-              <a:rPr lang="en-US" dirty="0"/>
-              <a:t>Stable fast 3d</a:t>
-            </a:r>
-            <a:endParaRPr lang="it-IT" dirty="0"/>
+              <a:rPr lang="en-US" sz="3700" dirty="0" err="1"/>
+              <a:t>Risultati</a:t>
+            </a:r>
+            <a:r>
+              <a:rPr lang="en-US" sz="3700" dirty="0"/>
+              <a:t> </a:t>
+            </a:r>
+            <a:r>
+              <a:rPr lang="en-US" sz="3700" dirty="0" err="1"/>
+              <a:t>ottenuti</a:t>
+            </a:r>
+            <a:r>
+              <a:rPr lang="en-US" sz="3700" dirty="0"/>
+              <a:t> ed </a:t>
+            </a:r>
+            <a:r>
+              <a:rPr lang="en-US" sz="3700" dirty="0" err="1"/>
+              <a:t>esempi</a:t>
+            </a:r>
+            <a:endParaRPr lang="it-IT" sz="3700" dirty="0"/>
+          </a:p>
+        </p:txBody>
+      </p:sp>
+      <p:sp>
+        <p:nvSpPr>
+          <p:cNvPr id="22" name="Rectangle 21">
+            <a:extLst>
+              <a:ext uri="{FF2B5EF4-FFF2-40B4-BE49-F238E27FC236}">
+                <a16:creationId xmlns:a16="http://schemas.microsoft.com/office/drawing/2014/main" id="{1382A32C-5B0C-4B1C-A074-76C6DBCC9F87}"/>
+              </a:ext>
+              <a:ext uri="{C183D7F6-B498-43B3-948B-1728B52AA6E4}">
+                <adec:decorative xmlns:adec="http://schemas.microsoft.com/office/drawing/2017/decorative" val="1"/>
+              </a:ext>
+            </a:extLst>
+          </p:cNvPr>
+          <p:cNvSpPr>
+            <a:spLocks noGrp="1" noRot="1" noChangeAspect="1" noMove="1" noResize="1" noEditPoints="1" noAdjustHandles="1" noChangeArrowheads="1" noChangeShapeType="1" noTextEdit="1"/>
+          </p:cNvSpPr>
+          <p:nvPr>
+            <p:extLst>
+              <p:ext uri="{386F3935-93C4-4BCD-93E2-E3B085C9AB24}">
+                <p16:designElem xmlns:p16="http://schemas.microsoft.com/office/powerpoint/2015/main" val="1"/>
+              </p:ext>
+            </p:extLst>
+          </p:nvPr>
+        </p:nvSpPr>
+        <p:spPr>
+          <a:xfrm flipH="1">
+            <a:off x="1055714" y="2263365"/>
+            <a:ext cx="4937760" cy="27432"/>
+          </a:xfrm>
+          <a:prstGeom prst="rect">
+            <a:avLst/>
+          </a:prstGeom>
+          <a:solidFill>
+            <a:schemeClr val="accent4"/>
+          </a:solidFill>
+          <a:ln>
+            <a:noFill/>
+          </a:ln>
+        </p:spPr>
+        <p:style>
+          <a:lnRef idx="2">
+            <a:schemeClr val="accent1">
+              <a:shade val="50000"/>
+            </a:schemeClr>
+          </a:lnRef>
+          <a:fillRef idx="1">
+            <a:schemeClr val="accent1"/>
+          </a:fillRef>
+          <a:effectRef idx="0">
+            <a:schemeClr val="accent1"/>
+          </a:effectRef>
+          <a:fontRef idx="minor">
+            <a:schemeClr val="lt1"/>
+          </a:fontRef>
+        </p:style>
+        <p:txBody>
+          <a:bodyPr rtlCol="0" anchor="ctr"/>
+          <a:lstStyle/>
+          <a:p>
+            <a:pPr algn="ctr"/>
+            <a:endParaRPr lang="en-US"/>
           </a:p>
         </p:txBody>
       </p:sp>
@@ -5921,7 +11100,7 @@
           <p:cNvPr id="4" name="Rectangle 1">
             <a:extLst>
               <a:ext uri="{FF2B5EF4-FFF2-40B4-BE49-F238E27FC236}">
-                <a16:creationId xmlns:a16="http://schemas.microsoft.com/office/drawing/2014/main" id="{18E3ED03-7445-C0E8-AD0C-6D5DCA1F4EF3}"/>
+                <a16:creationId xmlns:a16="http://schemas.microsoft.com/office/drawing/2014/main" id="{8325AFEB-6D12-4370-56AB-E1479942B8CE}"/>
               </a:ext>
             </a:extLst>
           </p:cNvPr>
@@ -5933,14 +11112,13 @@
           </p:nvPr>
         </p:nvSpPr>
         <p:spPr bwMode="auto">
+          <a:xfrm>
+            <a:off x="1055715" y="2508105"/>
+            <a:ext cx="5040285" cy="3632493"/>
+          </a:xfrm>
           <a:prstGeom prst="rect">
             <a:avLst/>
           </a:prstGeom>
-          <a:noFill/>
-          <a:ln>
-            <a:noFill/>
-          </a:ln>
-          <a:effectLst/>
           <a:extLst>
             <a:ext uri="{909E8E84-426E-40DD-AFC4-6F175D3DCCD1}">
               <a14:hiddenFill xmlns:a14="http://schemas.microsoft.com/office/drawing/2010/main">
@@ -5971,23 +11149,20 @@
           </a:extLst>
         </p:spPr>
         <p:txBody>
-          <a:bodyPr vert="horz" wrap="none" lIns="91440" tIns="45720" rIns="91440" bIns="45720" numCol="1" anchor="ctr" anchorCtr="0" compatLnSpc="1">
+          <a:bodyPr vert="horz" lIns="91440" tIns="45720" rIns="91440" bIns="45720" numCol="1" anchor="ctr" anchorCtr="0" compatLnSpc="1">
             <a:prstTxWarp prst="textNoShape">
               <a:avLst/>
             </a:prstTxWarp>
-            <a:spAutoFit/>
+            <a:normAutofit/>
           </a:bodyPr>
           <a:lstStyle/>
           <a:p>
-            <a:pPr marL="0" marR="0" lvl="0" indent="0" algn="l" defTabSz="914400" rtl="0" eaLnBrk="0" fontAlgn="base" latinLnBrk="0" hangingPunct="0">
-              <a:lnSpc>
-                <a:spcPct val="100000"/>
-              </a:lnSpc>
+            <a:pPr marL="0" marR="0" lvl="0" indent="0" defTabSz="914400" rtl="0" eaLnBrk="0" fontAlgn="base" latinLnBrk="0" hangingPunct="0">
               <a:spcBef>
                 <a:spcPct val="0"/>
               </a:spcBef>
               <a:spcAft>
-                <a:spcPct val="0"/>
+                <a:spcPts val="600"/>
               </a:spcAft>
               <a:buClrTx/>
               <a:buSzTx/>
@@ -5996,52 +11171,23 @@
               <a:tabLst/>
             </a:pPr>
             <a:r>
-              <a:rPr kumimoji="0" lang="it-IT" altLang="it-IT" sz="1800" b="0" i="0" u="none" strike="noStrike" cap="none" normalizeH="0" baseline="0">
+              <a:rPr kumimoji="0" lang="it-IT" altLang="it-IT" sz="2000" b="0" i="0" u="none" strike="noStrike" cap="none" normalizeH="0" baseline="0" dirty="0">
                 <a:ln>
                   <a:noFill/>
                 </a:ln>
-                <a:solidFill>
-                  <a:schemeClr val="tx1"/>
-                </a:solidFill>
                 <a:effectLst/>
                 <a:latin typeface="Arial" panose="020B0604020202020204" pitchFamily="34" charset="0"/>
               </a:rPr>
-              <a:t>Modello di </a:t>
-            </a:r>
-            <a:r>
-              <a:rPr kumimoji="0" lang="it-IT" altLang="it-IT" sz="1800" b="1" i="0" u="none" strike="noStrike" cap="none" normalizeH="0" baseline="0">
-                <a:ln>
-                  <a:noFill/>
-                </a:ln>
-                <a:solidFill>
-                  <a:schemeClr val="tx1"/>
-                </a:solidFill>
-                <a:effectLst/>
-                <a:latin typeface="Arial" panose="020B0604020202020204" pitchFamily="34" charset="0"/>
-              </a:rPr>
-              <a:t>generazione 3D a partire da immagini 2D</a:t>
-            </a:r>
-            <a:endParaRPr kumimoji="0" lang="it-IT" altLang="it-IT" sz="1800" b="0" i="0" u="none" strike="noStrike" cap="none" normalizeH="0" baseline="0">
-              <a:ln>
-                <a:noFill/>
-              </a:ln>
-              <a:solidFill>
-                <a:schemeClr val="tx1"/>
-              </a:solidFill>
-              <a:effectLst/>
-              <a:latin typeface="Arial" panose="020B0604020202020204" pitchFamily="34" charset="0"/>
-            </a:endParaRPr>
-          </a:p>
-          <a:p>
-            <a:pPr marL="0" marR="0" lvl="0" indent="0" algn="l" defTabSz="914400" rtl="0" eaLnBrk="0" fontAlgn="base" latinLnBrk="0" hangingPunct="0">
-              <a:lnSpc>
-                <a:spcPct val="100000"/>
-              </a:lnSpc>
+              <a:t>Generazione automatica di modelli 3D a partire da immagini 2D</a:t>
+            </a:r>
+          </a:p>
+          <a:p>
+            <a:pPr marL="0" marR="0" lvl="0" indent="0" defTabSz="914400" rtl="0" eaLnBrk="0" fontAlgn="base" latinLnBrk="0" hangingPunct="0">
               <a:spcBef>
                 <a:spcPct val="0"/>
               </a:spcBef>
               <a:spcAft>
-                <a:spcPct val="0"/>
+                <a:spcPts val="600"/>
               </a:spcAft>
               <a:buClrTx/>
               <a:buSzTx/>
@@ -6050,29 +11196,23 @@
               <a:tabLst/>
             </a:pPr>
             <a:r>
-              <a:rPr kumimoji="0" lang="it-IT" altLang="it-IT" sz="1800" b="0" i="0" u="none" strike="noStrike" cap="none" normalizeH="0" baseline="0">
+              <a:rPr kumimoji="0" lang="it-IT" altLang="it-IT" sz="2000" b="0" i="0" u="none" strike="noStrike" cap="none" normalizeH="0" baseline="0" dirty="0">
                 <a:ln>
                   <a:noFill/>
                 </a:ln>
-                <a:solidFill>
-                  <a:schemeClr val="tx1"/>
-                </a:solidFill>
                 <a:effectLst/>
                 <a:latin typeface="Arial" panose="020B0604020202020204" pitchFamily="34" charset="0"/>
               </a:rPr>
-              <a:t>Produce mesh tridimensionali coerenti a partire dall’oggetto segmentato</a:t>
-            </a:r>
-          </a:p>
-          <a:p>
-            <a:pPr marL="0" marR="0" lvl="0" indent="0" algn="l" defTabSz="914400" rtl="0" eaLnBrk="0" fontAlgn="base" latinLnBrk="0" hangingPunct="0">
-              <a:lnSpc>
-                <a:spcPct val="100000"/>
-              </a:lnSpc>
+              <a:t>Pipeline end-to-end completamente funzionante</a:t>
+            </a:r>
+          </a:p>
+          <a:p>
+            <a:pPr marL="0" marR="0" lvl="0" indent="0" defTabSz="914400" rtl="0" eaLnBrk="0" fontAlgn="base" latinLnBrk="0" hangingPunct="0">
               <a:spcBef>
                 <a:spcPct val="0"/>
               </a:spcBef>
               <a:spcAft>
-                <a:spcPct val="0"/>
+                <a:spcPts val="600"/>
               </a:spcAft>
               <a:buClrTx/>
               <a:buSzTx/>
@@ -6081,551 +11221,142 @@
               <a:tabLst/>
             </a:pPr>
             <a:r>
-              <a:rPr kumimoji="0" lang="it-IT" altLang="it-IT" sz="1800" b="0" i="0" u="none" strike="noStrike" cap="none" normalizeH="0" baseline="0">
+              <a:rPr kumimoji="0" lang="it-IT" altLang="it-IT" sz="2000" b="0" i="0" u="none" strike="noStrike" cap="none" normalizeH="0" baseline="0" dirty="0">
                 <a:ln>
                   <a:noFill/>
                 </a:ln>
-                <a:solidFill>
-                  <a:schemeClr val="tx1"/>
-                </a:solidFill>
                 <a:effectLst/>
                 <a:latin typeface="Arial" panose="020B0604020202020204" pitchFamily="34" charset="0"/>
               </a:rPr>
-              <a:t>Ottimizzato per </a:t>
-            </a:r>
-            <a:r>
-              <a:rPr kumimoji="0" lang="it-IT" altLang="it-IT" sz="1800" b="1" i="0" u="none" strike="noStrike" cap="none" normalizeH="0" baseline="0">
+              <a:t>Interazione XR immediata (</a:t>
+            </a:r>
+            <a:r>
+              <a:rPr kumimoji="0" lang="it-IT" altLang="it-IT" sz="2000" b="0" i="0" u="none" strike="noStrike" cap="none" normalizeH="0" baseline="0" dirty="0" err="1">
                 <a:ln>
                   <a:noFill/>
                 </a:ln>
-                <a:solidFill>
-                  <a:schemeClr val="tx1"/>
-                </a:solidFill>
                 <a:effectLst/>
                 <a:latin typeface="Arial" panose="020B0604020202020204" pitchFamily="34" charset="0"/>
               </a:rPr>
-              <a:t>velocità di esecuzione</a:t>
-            </a:r>
-            <a:r>
-              <a:rPr kumimoji="0" lang="it-IT" altLang="it-IT" sz="1800" b="0" i="0" u="none" strike="noStrike" cap="none" normalizeH="0" baseline="0">
+              <a:t>grab</a:t>
+            </a:r>
+            <a:r>
+              <a:rPr kumimoji="0" lang="it-IT" altLang="it-IT" sz="2000" b="0" i="0" u="none" strike="noStrike" cap="none" normalizeH="0" baseline="0" dirty="0">
                 <a:ln>
                   <a:noFill/>
                 </a:ln>
-                <a:solidFill>
-                  <a:schemeClr val="tx1"/>
-                </a:solidFill>
                 <a:effectLst/>
                 <a:latin typeface="Arial" panose="020B0604020202020204" pitchFamily="34" charset="0"/>
               </a:rPr>
-              <a:t> e semplicità di integrazione</a:t>
-            </a:r>
-          </a:p>
-          <a:p>
-            <a:pPr marL="0" marR="0" lvl="0" indent="0" algn="l" defTabSz="914400" rtl="0" eaLnBrk="0" fontAlgn="base" latinLnBrk="0" hangingPunct="0">
-              <a:lnSpc>
-                <a:spcPct val="100000"/>
-              </a:lnSpc>
-              <a:spcBef>
-                <a:spcPct val="0"/>
-              </a:spcBef>
-              <a:spcAft>
-                <a:spcPct val="0"/>
-              </a:spcAft>
-              <a:buClrTx/>
-              <a:buSzTx/>
-              <a:buFontTx/>
-              <a:buChar char="•"/>
-              <a:tabLst/>
-            </a:pPr>
-            <a:r>
-              <a:rPr kumimoji="0" lang="it-IT" altLang="it-IT" sz="1800" b="0" i="0" u="none" strike="noStrike" cap="none" normalizeH="0" baseline="0">
+              <a:t>, </a:t>
+            </a:r>
+            <a:r>
+              <a:rPr kumimoji="0" lang="it-IT" altLang="it-IT" sz="2000" b="0" i="0" u="none" strike="noStrike" cap="none" normalizeH="0" baseline="0" dirty="0" err="1">
                 <a:ln>
                   <a:noFill/>
                 </a:ln>
-                <a:solidFill>
-                  <a:schemeClr val="tx1"/>
-                </a:solidFill>
                 <a:effectLst/>
                 <a:latin typeface="Arial" panose="020B0604020202020204" pitchFamily="34" charset="0"/>
               </a:rPr>
-              <a:t>Output esportato direttamente in formato </a:t>
-            </a:r>
-            <a:r>
-              <a:rPr kumimoji="0" lang="it-IT" altLang="it-IT" sz="1800" b="1" i="0" u="none" strike="noStrike" cap="none" normalizeH="0" baseline="0">
+              <a:t>move</a:t>
+            </a:r>
+            <a:r>
+              <a:rPr kumimoji="0" lang="it-IT" altLang="it-IT" sz="2000" b="0" i="0" u="none" strike="noStrike" cap="none" normalizeH="0" baseline="0" dirty="0">
                 <a:ln>
                   <a:noFill/>
                 </a:ln>
-                <a:solidFill>
-                  <a:schemeClr val="tx1"/>
-                </a:solidFill>
                 <a:effectLst/>
                 <a:latin typeface="Arial" panose="020B0604020202020204" pitchFamily="34" charset="0"/>
               </a:rPr>
-              <a:t>GLB</a:t>
-            </a:r>
-            <a:endParaRPr kumimoji="0" lang="it-IT" altLang="it-IT" sz="1800" b="0" i="0" u="none" strike="noStrike" cap="none" normalizeH="0" baseline="0">
-              <a:ln>
-                <a:noFill/>
-              </a:ln>
-              <a:solidFill>
-                <a:schemeClr val="tx1"/>
-              </a:solidFill>
-              <a:effectLst/>
-              <a:latin typeface="Arial" panose="020B0604020202020204" pitchFamily="34" charset="0"/>
-            </a:endParaRPr>
-          </a:p>
-          <a:p>
-            <a:pPr marL="0" marR="0" lvl="0" indent="0" algn="l" defTabSz="914400" rtl="0" eaLnBrk="0" fontAlgn="base" latinLnBrk="0" hangingPunct="0">
-              <a:lnSpc>
-                <a:spcPct val="100000"/>
-              </a:lnSpc>
-              <a:spcBef>
-                <a:spcPct val="0"/>
-              </a:spcBef>
-              <a:spcAft>
-                <a:spcPct val="0"/>
-              </a:spcAft>
-              <a:buClrTx/>
-              <a:buSzTx/>
-              <a:buFontTx/>
-              <a:buChar char="•"/>
-              <a:tabLst/>
-            </a:pPr>
-            <a:r>
-              <a:rPr kumimoji="0" lang="it-IT" altLang="it-IT" sz="1800" b="0" i="0" u="none" strike="noStrike" cap="none" normalizeH="0" baseline="0">
+              <a:t>, </a:t>
+            </a:r>
+            <a:r>
+              <a:rPr kumimoji="0" lang="it-IT" altLang="it-IT" sz="2000" b="0" i="0" u="none" strike="noStrike" cap="none" normalizeH="0" baseline="0" dirty="0" err="1">
                 <a:ln>
                   <a:noFill/>
                 </a:ln>
-                <a:solidFill>
-                  <a:schemeClr val="tx1"/>
-                </a:solidFill>
                 <a:effectLst/>
                 <a:latin typeface="Arial" panose="020B0604020202020204" pitchFamily="34" charset="0"/>
               </a:rPr>
-              <a:t>Integrabile in pipeline automatiche senza intervento manuale</a:t>
+              <a:t>inspect</a:t>
+            </a:r>
+            <a:r>
+              <a:rPr kumimoji="0" lang="it-IT" altLang="it-IT" sz="2000" b="0" i="0" u="none" strike="noStrike" cap="none" normalizeH="0" baseline="0" dirty="0">
+                <a:ln>
+                  <a:noFill/>
+                </a:ln>
+                <a:effectLst/>
+                <a:latin typeface="Arial" panose="020B0604020202020204" pitchFamily="34" charset="0"/>
+              </a:rPr>
+              <a:t>)</a:t>
             </a:r>
           </a:p>
         </p:txBody>
       </p:sp>
+      <p:pic>
+        <p:nvPicPr>
+          <p:cNvPr id="9" name="Immagine 8" descr="Immagine che contiene arredo, sedia&#10;&#10;Il contenuto generato dall'IA potrebbe non essere corretto.">
+            <a:extLst>
+              <a:ext uri="{FF2B5EF4-FFF2-40B4-BE49-F238E27FC236}">
+                <a16:creationId xmlns:a16="http://schemas.microsoft.com/office/drawing/2014/main" id="{76F7F699-494A-D081-9B89-29015E67EB74}"/>
+              </a:ext>
+            </a:extLst>
+          </p:cNvPr>
+          <p:cNvPicPr>
+            <a:picLocks noChangeAspect="1"/>
+          </p:cNvPicPr>
+          <p:nvPr/>
+        </p:nvPicPr>
+        <p:blipFill>
+          <a:blip r:embed="rId2"/>
+          <a:stretch>
+            <a:fillRect/>
+          </a:stretch>
+        </p:blipFill>
+        <p:spPr>
+          <a:xfrm>
+            <a:off x="7673747" y="3405713"/>
+            <a:ext cx="2984015" cy="2707994"/>
+          </a:xfrm>
+          <a:prstGeom prst="rect">
+            <a:avLst/>
+          </a:prstGeom>
+        </p:spPr>
+      </p:pic>
+      <p:pic>
+        <p:nvPicPr>
+          <p:cNvPr id="7" name="Immagine 6" descr="Immagine che contiene testo, schermata&#10;&#10;Il contenuto generato dall'IA potrebbe non essere corretto.">
+            <a:extLst>
+              <a:ext uri="{FF2B5EF4-FFF2-40B4-BE49-F238E27FC236}">
+                <a16:creationId xmlns:a16="http://schemas.microsoft.com/office/drawing/2014/main" id="{E7382E47-2DCE-5AED-E4D8-33A3506DEC79}"/>
+              </a:ext>
+            </a:extLst>
+          </p:cNvPr>
+          <p:cNvPicPr>
+            <a:picLocks noChangeAspect="1"/>
+          </p:cNvPicPr>
+          <p:nvPr/>
+        </p:nvPicPr>
+        <p:blipFill>
+          <a:blip r:embed="rId3"/>
+          <a:stretch>
+            <a:fillRect/>
+          </a:stretch>
+        </p:blipFill>
+        <p:spPr>
+          <a:xfrm>
+            <a:off x="7673746" y="671219"/>
+            <a:ext cx="2984015" cy="2581173"/>
+          </a:xfrm>
+          <a:prstGeom prst="rect">
+            <a:avLst/>
+          </a:prstGeom>
+        </p:spPr>
+      </p:pic>
     </p:spTree>
     <p:extLst>
       <p:ext uri="{BB962C8B-B14F-4D97-AF65-F5344CB8AC3E}">
-        <p14:creationId xmlns:p14="http://schemas.microsoft.com/office/powerpoint/2010/main" val="864472644"/>
-      </p:ext>
-    </p:extLst>
-  </p:cSld>
-  <p:clrMapOvr>
-    <a:masterClrMapping/>
-  </p:clrMapOvr>
-</p:sld>
-</file>
-
-<file path=ppt/slides/slide9.xml><?xml version="1.0" encoding="utf-8"?>
-<p:sld xmlns:a="http://schemas.openxmlformats.org/drawingml/2006/main" xmlns:r="http://schemas.openxmlformats.org/officeDocument/2006/relationships" xmlns:p="http://schemas.openxmlformats.org/presentationml/2006/main">
-  <p:cSld>
-    <p:spTree>
-      <p:nvGrpSpPr>
-        <p:cNvPr id="1" name=""/>
-        <p:cNvGrpSpPr/>
-        <p:nvPr/>
-      </p:nvGrpSpPr>
-      <p:grpSpPr>
-        <a:xfrm>
-          <a:off x="0" y="0"/>
-          <a:ext cx="0" cy="0"/>
-          <a:chOff x="0" y="0"/>
-          <a:chExt cx="0" cy="0"/>
-        </a:xfrm>
-      </p:grpSpPr>
-      <p:sp>
-        <p:nvSpPr>
-          <p:cNvPr id="2" name="Titolo 1">
-            <a:extLst>
-              <a:ext uri="{FF2B5EF4-FFF2-40B4-BE49-F238E27FC236}">
-                <a16:creationId xmlns:a16="http://schemas.microsoft.com/office/drawing/2014/main" id="{91FEB96F-DA26-7943-9FEA-1738C5EDF2F1}"/>
-              </a:ext>
-            </a:extLst>
-          </p:cNvPr>
-          <p:cNvSpPr>
-            <a:spLocks noGrp="1"/>
-          </p:cNvSpPr>
-          <p:nvPr>
-            <p:ph type="title"/>
-          </p:nvPr>
-        </p:nvSpPr>
-        <p:spPr/>
-        <p:txBody>
-          <a:bodyPr/>
-          <a:lstStyle/>
-          <a:p>
-            <a:r>
-              <a:rPr lang="en-US" dirty="0"/>
-              <a:t>Uno </a:t>
-            </a:r>
-            <a:r>
-              <a:rPr lang="en-US" dirty="0" err="1"/>
-              <a:t>sguardo</a:t>
-            </a:r>
-            <a:r>
-              <a:rPr lang="en-US" dirty="0"/>
-              <a:t> al frontend</a:t>
-            </a:r>
-            <a:endParaRPr lang="it-IT" dirty="0"/>
-          </a:p>
-        </p:txBody>
-      </p:sp>
-      <p:sp>
-        <p:nvSpPr>
-          <p:cNvPr id="5" name="Rectangle 2">
-            <a:extLst>
-              <a:ext uri="{FF2B5EF4-FFF2-40B4-BE49-F238E27FC236}">
-                <a16:creationId xmlns:a16="http://schemas.microsoft.com/office/drawing/2014/main" id="{09355E79-4647-AC46-3659-56EE46F84A5F}"/>
-              </a:ext>
-            </a:extLst>
-          </p:cNvPr>
-          <p:cNvSpPr>
-            <a:spLocks noGrp="1" noChangeArrowheads="1"/>
-          </p:cNvSpPr>
-          <p:nvPr>
-            <p:ph idx="1"/>
-          </p:nvPr>
-        </p:nvSpPr>
-        <p:spPr bwMode="auto">
-          <a:prstGeom prst="rect">
-            <a:avLst/>
-          </a:prstGeom>
-          <a:noFill/>
-          <a:ln>
-            <a:noFill/>
-          </a:ln>
-          <a:effectLst/>
-          <a:extLst>
-            <a:ext uri="{909E8E84-426E-40DD-AFC4-6F175D3DCCD1}">
-              <a14:hiddenFill xmlns:a14="http://schemas.microsoft.com/office/drawing/2010/main">
-                <a:solidFill>
-                  <a:schemeClr val="accent1"/>
-                </a:solidFill>
-              </a14:hiddenFill>
-            </a:ext>
-            <a:ext uri="{91240B29-F687-4F45-9708-019B960494DF}">
-              <a14:hiddenLine xmlns:a14="http://schemas.microsoft.com/office/drawing/2010/main" w="9525">
-                <a:solidFill>
-                  <a:schemeClr val="tx1"/>
-                </a:solidFill>
-                <a:miter lim="800000"/>
-                <a:headEnd/>
-                <a:tailEnd/>
-              </a14:hiddenLine>
-            </a:ext>
-            <a:ext uri="{AF507438-7753-43E0-B8FC-AC1667EBCBE1}">
-              <a14:hiddenEffects xmlns:a14="http://schemas.microsoft.com/office/drawing/2010/main">
-                <a:effectLst>
-                  <a:outerShdw dist="35921" dir="2700000" algn="ctr" rotWithShape="0">
-                    <a:schemeClr val="bg2"/>
-                  </a:outerShdw>
-                </a:effectLst>
-              </a14:hiddenEffects>
-            </a:ext>
-          </a:extLst>
-        </p:spPr>
-        <p:txBody>
-          <a:bodyPr vert="horz" wrap="none" lIns="91440" tIns="45720" rIns="91440" bIns="45720" numCol="1" anchor="ctr" anchorCtr="0" compatLnSpc="1">
-            <a:prstTxWarp prst="textNoShape">
-              <a:avLst/>
-            </a:prstTxWarp>
-            <a:spAutoFit/>
-          </a:bodyPr>
-          <a:lstStyle/>
-          <a:p>
-            <a:pPr marL="0" marR="0" lvl="0" indent="0" algn="l" defTabSz="914400" rtl="0" eaLnBrk="0" fontAlgn="base" latinLnBrk="0" hangingPunct="0">
-              <a:lnSpc>
-                <a:spcPct val="100000"/>
-              </a:lnSpc>
-              <a:spcBef>
-                <a:spcPct val="0"/>
-              </a:spcBef>
-              <a:spcAft>
-                <a:spcPct val="0"/>
-              </a:spcAft>
-              <a:buClrTx/>
-              <a:buSzTx/>
-              <a:buFontTx/>
-              <a:buChar char="•"/>
-              <a:tabLst/>
-            </a:pPr>
-            <a:r>
-              <a:rPr kumimoji="0" lang="it-IT" altLang="it-IT" sz="1800" b="0" i="0" u="none" strike="noStrike" cap="none" normalizeH="0" baseline="0">
-                <a:ln>
-                  <a:noFill/>
-                </a:ln>
-                <a:solidFill>
-                  <a:schemeClr val="tx1"/>
-                </a:solidFill>
-                <a:effectLst/>
-                <a:latin typeface="Arial" panose="020B0604020202020204" pitchFamily="34" charset="0"/>
-              </a:rPr>
-              <a:t>Frontend sviluppato in </a:t>
-            </a:r>
-            <a:r>
-              <a:rPr kumimoji="0" lang="it-IT" altLang="it-IT" sz="1800" b="1" i="0" u="none" strike="noStrike" cap="none" normalizeH="0" baseline="0">
-                <a:ln>
-                  <a:noFill/>
-                </a:ln>
-                <a:solidFill>
-                  <a:schemeClr val="tx1"/>
-                </a:solidFill>
-                <a:effectLst/>
-                <a:latin typeface="Arial" panose="020B0604020202020204" pitchFamily="34" charset="0"/>
-              </a:rPr>
-              <a:t>Unity</a:t>
-            </a:r>
-            <a:endParaRPr kumimoji="0" lang="it-IT" altLang="it-IT" sz="1800" b="0" i="0" u="none" strike="noStrike" cap="none" normalizeH="0" baseline="0">
-              <a:ln>
-                <a:noFill/>
-              </a:ln>
-              <a:solidFill>
-                <a:schemeClr val="tx1"/>
-              </a:solidFill>
-              <a:effectLst/>
-              <a:latin typeface="Arial" panose="020B0604020202020204" pitchFamily="34" charset="0"/>
-            </a:endParaRPr>
-          </a:p>
-          <a:p>
-            <a:pPr marL="0" marR="0" lvl="0" indent="0" algn="l" defTabSz="914400" rtl="0" eaLnBrk="0" fontAlgn="base" latinLnBrk="0" hangingPunct="0">
-              <a:lnSpc>
-                <a:spcPct val="100000"/>
-              </a:lnSpc>
-              <a:spcBef>
-                <a:spcPct val="0"/>
-              </a:spcBef>
-              <a:spcAft>
-                <a:spcPct val="0"/>
-              </a:spcAft>
-              <a:buClrTx/>
-              <a:buSzTx/>
-              <a:buFontTx/>
-              <a:buChar char="•"/>
-              <a:tabLst/>
-            </a:pPr>
-            <a:r>
-              <a:rPr kumimoji="0" lang="it-IT" altLang="it-IT" sz="1800" b="0" i="0" u="none" strike="noStrike" cap="none" normalizeH="0" baseline="0">
-                <a:ln>
-                  <a:noFill/>
-                </a:ln>
-                <a:solidFill>
-                  <a:schemeClr val="tx1"/>
-                </a:solidFill>
-                <a:effectLst/>
-                <a:latin typeface="Arial" panose="020B0604020202020204" pitchFamily="34" charset="0"/>
-              </a:rPr>
-              <a:t>Gestione dell’interfaccia utente per l’intera pipeline</a:t>
-            </a:r>
-          </a:p>
-          <a:p>
-            <a:pPr marL="0" marR="0" lvl="0" indent="0" algn="l" defTabSz="914400" rtl="0" eaLnBrk="0" fontAlgn="base" latinLnBrk="0" hangingPunct="0">
-              <a:lnSpc>
-                <a:spcPct val="100000"/>
-              </a:lnSpc>
-              <a:spcBef>
-                <a:spcPct val="0"/>
-              </a:spcBef>
-              <a:spcAft>
-                <a:spcPct val="0"/>
-              </a:spcAft>
-              <a:buClrTx/>
-              <a:buSzTx/>
-              <a:buFontTx/>
-              <a:buChar char="•"/>
-              <a:tabLst/>
-            </a:pPr>
-            <a:r>
-              <a:rPr kumimoji="0" lang="it-IT" altLang="it-IT" sz="1800" b="0" i="0" u="none" strike="noStrike" cap="none" normalizeH="0" baseline="0">
-                <a:ln>
-                  <a:noFill/>
-                </a:ln>
-                <a:solidFill>
-                  <a:schemeClr val="tx1"/>
-                </a:solidFill>
-                <a:effectLst/>
-                <a:latin typeface="Arial" panose="020B0604020202020204" pitchFamily="34" charset="0"/>
-              </a:rPr>
-              <a:t>Invio delle richieste al backend tramite </a:t>
-            </a:r>
-            <a:r>
-              <a:rPr kumimoji="0" lang="it-IT" altLang="it-IT" sz="1800" b="1" i="0" u="none" strike="noStrike" cap="none" normalizeH="0" baseline="0">
-                <a:ln>
-                  <a:noFill/>
-                </a:ln>
-                <a:solidFill>
-                  <a:schemeClr val="tx1"/>
-                </a:solidFill>
-                <a:effectLst/>
-                <a:latin typeface="Arial" panose="020B0604020202020204" pitchFamily="34" charset="0"/>
-              </a:rPr>
-              <a:t>HTTP/REST</a:t>
-            </a:r>
-            <a:endParaRPr kumimoji="0" lang="it-IT" altLang="it-IT" sz="1800" b="0" i="0" u="none" strike="noStrike" cap="none" normalizeH="0" baseline="0">
-              <a:ln>
-                <a:noFill/>
-              </a:ln>
-              <a:solidFill>
-                <a:schemeClr val="tx1"/>
-              </a:solidFill>
-              <a:effectLst/>
-              <a:latin typeface="Arial" panose="020B0604020202020204" pitchFamily="34" charset="0"/>
-            </a:endParaRPr>
-          </a:p>
-          <a:p>
-            <a:pPr marL="0" marR="0" lvl="0" indent="0" algn="l" defTabSz="914400" rtl="0" eaLnBrk="0" fontAlgn="base" latinLnBrk="0" hangingPunct="0">
-              <a:lnSpc>
-                <a:spcPct val="100000"/>
-              </a:lnSpc>
-              <a:spcBef>
-                <a:spcPct val="0"/>
-              </a:spcBef>
-              <a:spcAft>
-                <a:spcPct val="0"/>
-              </a:spcAft>
-              <a:buClrTx/>
-              <a:buSzTx/>
-              <a:buFontTx/>
-              <a:buChar char="•"/>
-              <a:tabLst/>
-            </a:pPr>
-            <a:r>
-              <a:rPr kumimoji="0" lang="it-IT" altLang="it-IT" sz="1800" b="0" i="0" u="none" strike="noStrike" cap="none" normalizeH="0" baseline="0">
-                <a:ln>
-                  <a:noFill/>
-                </a:ln>
-                <a:solidFill>
-                  <a:schemeClr val="tx1"/>
-                </a:solidFill>
-                <a:effectLst/>
-                <a:latin typeface="Arial" panose="020B0604020202020204" pitchFamily="34" charset="0"/>
-              </a:rPr>
-              <a:t>Caricamento dinamico dei modelli </a:t>
-            </a:r>
-            <a:r>
-              <a:rPr kumimoji="0" lang="it-IT" altLang="it-IT" sz="1800" b="1" i="0" u="none" strike="noStrike" cap="none" normalizeH="0" baseline="0">
-                <a:ln>
-                  <a:noFill/>
-                </a:ln>
-                <a:solidFill>
-                  <a:schemeClr val="tx1"/>
-                </a:solidFill>
-                <a:effectLst/>
-                <a:latin typeface="Arial" panose="020B0604020202020204" pitchFamily="34" charset="0"/>
-              </a:rPr>
-              <a:t>GLB</a:t>
-            </a:r>
-            <a:r>
-              <a:rPr kumimoji="0" lang="it-IT" altLang="it-IT" sz="1800" b="0" i="0" u="none" strike="noStrike" cap="none" normalizeH="0" baseline="0">
-                <a:ln>
-                  <a:noFill/>
-                </a:ln>
-                <a:solidFill>
-                  <a:schemeClr val="tx1"/>
-                </a:solidFill>
-                <a:effectLst/>
-                <a:latin typeface="Arial" panose="020B0604020202020204" pitchFamily="34" charset="0"/>
-              </a:rPr>
-              <a:t> generati</a:t>
-            </a:r>
-          </a:p>
-          <a:p>
-            <a:pPr marL="0" marR="0" lvl="0" indent="0" algn="l" defTabSz="914400" rtl="0" eaLnBrk="0" fontAlgn="base" latinLnBrk="0" hangingPunct="0">
-              <a:lnSpc>
-                <a:spcPct val="100000"/>
-              </a:lnSpc>
-              <a:spcBef>
-                <a:spcPct val="0"/>
-              </a:spcBef>
-              <a:spcAft>
-                <a:spcPct val="0"/>
-              </a:spcAft>
-              <a:buClrTx/>
-              <a:buSzTx/>
-              <a:buFontTx/>
-              <a:buChar char="•"/>
-              <a:tabLst/>
-            </a:pPr>
-            <a:r>
-              <a:rPr kumimoji="0" lang="it-IT" altLang="it-IT" sz="1800" b="0" i="0" u="none" strike="noStrike" cap="none" normalizeH="0" baseline="0">
-                <a:ln>
-                  <a:noFill/>
-                </a:ln>
-                <a:solidFill>
-                  <a:schemeClr val="tx1"/>
-                </a:solidFill>
-                <a:effectLst/>
-                <a:latin typeface="Arial" panose="020B0604020202020204" pitchFamily="34" charset="0"/>
-              </a:rPr>
-              <a:t>Integrazione con </a:t>
-            </a:r>
-            <a:r>
-              <a:rPr kumimoji="0" lang="it-IT" altLang="it-IT" sz="1800" b="1" i="0" u="none" strike="noStrike" cap="none" normalizeH="0" baseline="0">
-                <a:ln>
-                  <a:noFill/>
-                </a:ln>
-                <a:solidFill>
-                  <a:schemeClr val="tx1"/>
-                </a:solidFill>
-                <a:effectLst/>
-                <a:latin typeface="Arial" panose="020B0604020202020204" pitchFamily="34" charset="0"/>
-              </a:rPr>
-              <a:t>Meta XR SDK</a:t>
-            </a:r>
-            <a:r>
-              <a:rPr kumimoji="0" lang="it-IT" altLang="it-IT" sz="1800" b="0" i="0" u="none" strike="noStrike" cap="none" normalizeH="0" baseline="0">
-                <a:ln>
-                  <a:noFill/>
-                </a:ln>
-                <a:solidFill>
-                  <a:schemeClr val="tx1"/>
-                </a:solidFill>
-                <a:effectLst/>
-                <a:latin typeface="Arial" panose="020B0604020202020204" pitchFamily="34" charset="0"/>
-              </a:rPr>
-              <a:t> per l’interazione</a:t>
-            </a:r>
-          </a:p>
-          <a:p>
-            <a:pPr marL="0" marR="0" lvl="0" indent="0" algn="l" defTabSz="914400" rtl="0" eaLnBrk="0" fontAlgn="base" latinLnBrk="0" hangingPunct="0">
-              <a:lnSpc>
-                <a:spcPct val="100000"/>
-              </a:lnSpc>
-              <a:spcBef>
-                <a:spcPct val="0"/>
-              </a:spcBef>
-              <a:spcAft>
-                <a:spcPct val="0"/>
-              </a:spcAft>
-              <a:buClrTx/>
-              <a:buSzTx/>
-              <a:buFontTx/>
-              <a:buChar char="•"/>
-              <a:tabLst/>
-            </a:pPr>
-            <a:r>
-              <a:rPr kumimoji="0" lang="it-IT" altLang="it-IT" sz="1800" b="0" i="0" u="none" strike="noStrike" cap="none" normalizeH="0" baseline="0">
-                <a:ln>
-                  <a:noFill/>
-                </a:ln>
-                <a:solidFill>
-                  <a:schemeClr val="tx1"/>
-                </a:solidFill>
-                <a:effectLst/>
-                <a:latin typeface="Arial" panose="020B0604020202020204" pitchFamily="34" charset="0"/>
-              </a:rPr>
-              <a:t>Separazione tra logica di rendering e logica di AI</a:t>
-            </a:r>
-          </a:p>
-        </p:txBody>
-      </p:sp>
-    </p:spTree>
-    <p:extLst>
-      <p:ext uri="{BB962C8B-B14F-4D97-AF65-F5344CB8AC3E}">
-        <p14:creationId xmlns:p14="http://schemas.microsoft.com/office/powerpoint/2010/main" val="1061098722"/>
+        <p14:creationId xmlns:p14="http://schemas.microsoft.com/office/powerpoint/2010/main" val="3584950625"/>
       </p:ext>
     </p:extLst>
   </p:cSld>
